--- a/slides/ng-bootcamp-day-1.pptx
+++ b/slides/ng-bootcamp-day-1.pptx
@@ -235,7 +235,7 @@
           <a:p>
             <a:fld id="{54495B56-0DA3-2C4B-AFD4-7968C1A07ACD}" type="datetimeFigureOut">
               <a:rPr lang="en-US" smtClean="0"/>
-              <a:t>3/16/14</a:t>
+              <a:t>3/17/14</a:t>
             </a:fld>
             <a:endParaRPr lang="en-US"/>
           </a:p>
@@ -1042,7 +1042,7 @@
           <a:p>
             <a:fld id="{651A0C47-018D-4460-B945-BFF7981B6CA6}" type="datetimeFigureOut">
               <a:rPr lang="en-US" smtClean="0"/>
-              <a:t>3/16/14</a:t>
+              <a:t>3/17/14</a:t>
             </a:fld>
             <a:endParaRPr lang="en-US"/>
           </a:p>
@@ -1374,7 +1374,7 @@
           <a:p>
             <a:fld id="{651A0C47-018D-4460-B945-BFF7981B6CA6}" type="datetimeFigureOut">
               <a:rPr lang="en-US" smtClean="0"/>
-              <a:t>3/16/14</a:t>
+              <a:t>3/17/14</a:t>
             </a:fld>
             <a:endParaRPr lang="en-US"/>
           </a:p>
@@ -1706,7 +1706,7 @@
           <a:p>
             <a:fld id="{651A0C47-018D-4460-B945-BFF7981B6CA6}" type="datetimeFigureOut">
               <a:rPr lang="en-US" smtClean="0"/>
-              <a:t>3/16/14</a:t>
+              <a:t>3/17/14</a:t>
             </a:fld>
             <a:endParaRPr lang="en-US"/>
           </a:p>
@@ -2038,7 +2038,7 @@
           <a:p>
             <a:fld id="{651A0C47-018D-4460-B945-BFF7981B6CA6}" type="datetimeFigureOut">
               <a:rPr lang="en-US" smtClean="0"/>
-              <a:t>3/16/14</a:t>
+              <a:t>3/17/14</a:t>
             </a:fld>
             <a:endParaRPr lang="en-US"/>
           </a:p>
@@ -2727,7 +2727,7 @@
           <a:p>
             <a:fld id="{651A0C47-018D-4460-B945-BFF7981B6CA6}" type="datetimeFigureOut">
               <a:rPr lang="en-US" smtClean="0"/>
-              <a:t>3/16/14</a:t>
+              <a:t>3/17/14</a:t>
             </a:fld>
             <a:endParaRPr lang="en-US"/>
           </a:p>
@@ -2906,7 +2906,7 @@
           <a:p>
             <a:fld id="{651A0C47-018D-4460-B945-BFF7981B6CA6}" type="datetimeFigureOut">
               <a:rPr lang="en-US" smtClean="0"/>
-              <a:t>3/16/14</a:t>
+              <a:t>3/17/14</a:t>
             </a:fld>
             <a:endParaRPr lang="en-US"/>
           </a:p>
@@ -3080,7 +3080,7 @@
           <a:p>
             <a:fld id="{651A0C47-018D-4460-B945-BFF7981B6CA6}" type="datetimeFigureOut">
               <a:rPr lang="en-US" smtClean="0"/>
-              <a:t>3/16/14</a:t>
+              <a:t>3/17/14</a:t>
             </a:fld>
             <a:endParaRPr lang="en-US"/>
           </a:p>
@@ -3328,7 +3328,7 @@
           <a:p>
             <a:fld id="{651A0C47-018D-4460-B945-BFF7981B6CA6}" type="datetimeFigureOut">
               <a:rPr lang="en-US" smtClean="0"/>
-              <a:t>3/16/14</a:t>
+              <a:t>3/17/14</a:t>
             </a:fld>
             <a:endParaRPr lang="en-US"/>
           </a:p>
@@ -3658,7 +3658,7 @@
           <a:p>
             <a:fld id="{651A0C47-018D-4460-B945-BFF7981B6CA6}" type="datetimeFigureOut">
               <a:rPr lang="en-US" smtClean="0"/>
-              <a:t>3/16/14</a:t>
+              <a:t>3/17/14</a:t>
             </a:fld>
             <a:endParaRPr lang="en-US"/>
           </a:p>
@@ -3950,7 +3950,7 @@
           <a:p>
             <a:fld id="{651A0C47-018D-4460-B945-BFF7981B6CA6}" type="datetimeFigureOut">
               <a:rPr lang="en-US" smtClean="0"/>
-              <a:t>3/16/14</a:t>
+              <a:t>3/17/14</a:t>
             </a:fld>
             <a:endParaRPr lang="en-US"/>
           </a:p>
@@ -4386,7 +4386,7 @@
           <a:p>
             <a:fld id="{651A0C47-018D-4460-B945-BFF7981B6CA6}" type="datetimeFigureOut">
               <a:rPr lang="en-US" smtClean="0"/>
-              <a:t>3/16/14</a:t>
+              <a:t>3/17/14</a:t>
             </a:fld>
             <a:endParaRPr lang="en-US"/>
           </a:p>
@@ -4573,7 +4573,7 @@
           <a:p>
             <a:fld id="{651A0C47-018D-4460-B945-BFF7981B6CA6}" type="datetimeFigureOut">
               <a:rPr lang="en-US" smtClean="0"/>
-              <a:t>3/16/14</a:t>
+              <a:t>3/17/14</a:t>
             </a:fld>
             <a:endParaRPr lang="en-US"/>
           </a:p>
@@ -4663,7 +4663,7 @@
           <a:p>
             <a:fld id="{651A0C47-018D-4460-B945-BFF7981B6CA6}" type="datetimeFigureOut">
               <a:rPr lang="en-US" smtClean="0"/>
-              <a:t>3/16/14</a:t>
+              <a:t>3/17/14</a:t>
             </a:fld>
             <a:endParaRPr lang="en-US"/>
           </a:p>
@@ -4944,7 +4944,7 @@
           <a:p>
             <a:fld id="{651A0C47-018D-4460-B945-BFF7981B6CA6}" type="datetimeFigureOut">
               <a:rPr lang="en-US" smtClean="0"/>
-              <a:t>3/16/14</a:t>
+              <a:t>3/17/14</a:t>
             </a:fld>
             <a:endParaRPr lang="en-US"/>
           </a:p>
@@ -5159,7 +5159,7 @@
           <a:p>
             <a:fld id="{651A0C47-018D-4460-B945-BFF7981B6CA6}" type="datetimeFigureOut">
               <a:rPr lang="en-US" smtClean="0"/>
-              <a:t>3/16/14</a:t>
+              <a:t>3/17/14</a:t>
             </a:fld>
             <a:endParaRPr lang="en-US"/>
           </a:p>
@@ -6325,23 +6325,14 @@
             <a:pPr lvl="1"/>
             <a:r>
               <a:rPr lang="en-US" dirty="0" smtClean="0"/>
-              <a:t>Properties for read/write </a:t>
-            </a:r>
-            <a:r>
-              <a:rPr lang="en-US" dirty="0" smtClean="0"/>
-              <a:t>data access</a:t>
-            </a:r>
-            <a:endParaRPr lang="en-US" dirty="0" smtClean="0"/>
+              <a:t>Properties for read/write data access</a:t>
+            </a:r>
           </a:p>
           <a:p>
             <a:pPr lvl="1"/>
             <a:r>
               <a:rPr lang="en-US" dirty="0" smtClean="0"/>
-              <a:t>Functions for event </a:t>
-            </a:r>
-            <a:r>
-              <a:rPr lang="en-US" dirty="0" smtClean="0"/>
-              <a:t>handlers</a:t>
+              <a:t>Functions for event handlers</a:t>
             </a:r>
             <a:endParaRPr lang="en-US" dirty="0">
               <a:latin typeface="Menlo Regular"/>
@@ -6412,57 +6403,32 @@
                 <a:latin typeface="Menlo Regular"/>
                 <a:cs typeface="Menlo Regular"/>
               </a:rPr>
-              <a:t>&lt;</a:t>
-            </a:r>
+              <a:t>&lt;div&gt;{{name}}&lt;/div&gt;  // &lt;div&gt;Phil&lt;/div&gt;</a:t>
+            </a:r>
+          </a:p>
+          <a:p>
+            <a:r>
+              <a:rPr lang="en-US" dirty="0" smtClean="0"/>
+              <a:t>Null-safe</a:t>
+            </a:r>
+          </a:p>
+          <a:p>
+            <a:pPr lvl="1"/>
+            <a:r>
+              <a:rPr lang="en-US" dirty="0" smtClean="0"/>
+              <a:t>Won’t throw exception if parent property is null</a:t>
+            </a:r>
+          </a:p>
+          <a:p>
+            <a:pPr marL="349250" lvl="1" indent="0">
+              <a:buNone/>
+            </a:pPr>
             <a:r>
               <a:rPr lang="en-US" dirty="0" smtClean="0">
                 <a:latin typeface="Menlo Regular"/>
                 <a:cs typeface="Menlo Regular"/>
               </a:rPr>
-              <a:t>div&gt;{{name}}&lt;/div</a:t>
-            </a:r>
-            <a:r>
-              <a:rPr lang="en-US" dirty="0" smtClean="0">
-                <a:latin typeface="Menlo Regular"/>
-                <a:cs typeface="Menlo Regular"/>
-              </a:rPr>
-              <a:t>&gt;  // &lt;div&gt;Phil&lt;/div&gt;</a:t>
-            </a:r>
-            <a:endParaRPr lang="en-US" dirty="0" smtClean="0">
-              <a:latin typeface="Menlo Regular"/>
-              <a:cs typeface="Menlo Regular"/>
-            </a:endParaRPr>
-          </a:p>
-          <a:p>
-            <a:r>
-              <a:rPr lang="en-US" dirty="0" smtClean="0"/>
-              <a:t>Null-safe</a:t>
-            </a:r>
-          </a:p>
-          <a:p>
-            <a:pPr lvl="1"/>
-            <a:r>
-              <a:rPr lang="en-US" dirty="0" smtClean="0"/>
-              <a:t>Won’t throw exception if parent property is null</a:t>
-            </a:r>
-          </a:p>
-          <a:p>
-            <a:pPr marL="349250" lvl="1" indent="0">
-              <a:buNone/>
-            </a:pPr>
-            <a:r>
-              <a:rPr lang="en-US" dirty="0" smtClean="0">
-                <a:latin typeface="Menlo Regular"/>
-                <a:cs typeface="Menlo Regular"/>
-              </a:rPr>
-              <a:t>{</a:t>
-            </a:r>
-            <a:r>
-              <a:rPr lang="en-US" dirty="0" smtClean="0">
-                <a:latin typeface="Menlo Regular"/>
-                <a:cs typeface="Menlo Regular"/>
-              </a:rPr>
-              <a:t>{</a:t>
+              <a:t>{{</a:t>
             </a:r>
             <a:r>
               <a:rPr lang="en-US" dirty="0" err="1" smtClean="0">
@@ -7498,7 +7464,6 @@
               <a:rPr lang="en-US" dirty="0" smtClean="0"/>
               <a:t>Dependency injection allows for easy mocking of dependencies</a:t>
             </a:r>
-            <a:endParaRPr lang="en-US" dirty="0" smtClean="0"/>
           </a:p>
           <a:p>
             <a:pPr lvl="1"/>
@@ -7748,12 +7713,6 @@
               </a:rPr>
               <a:t>}</a:t>
             </a:r>
-            <a:endParaRPr lang="en-US" dirty="0">
-              <a:solidFill>
-                <a:srgbClr val="F8F8F2"/>
-              </a:solidFill>
-              <a:latin typeface="Menlo"/>
-            </a:endParaRPr>
           </a:p>
         </p:txBody>
       </p:sp>
@@ -8639,11 +8598,7 @@
           <a:p>
             <a:r>
               <a:rPr lang="en-US" dirty="0" smtClean="0"/>
-              <a:t>Dynamic </a:t>
-            </a:r>
-            <a:r>
-              <a:rPr lang="en-US" dirty="0" smtClean="0"/>
-              <a:t>Templates</a:t>
+              <a:t>Dynamic Templates</a:t>
             </a:r>
           </a:p>
           <a:p>
@@ -8651,7 +8606,6 @@
               <a:rPr lang="en-US" dirty="0" smtClean="0"/>
               <a:t>Controllers</a:t>
             </a:r>
-            <a:endParaRPr lang="en-US" dirty="0" smtClean="0"/>
           </a:p>
           <a:p>
             <a:r>
@@ -8668,11 +8622,7 @@
           <a:p>
             <a:r>
               <a:rPr lang="en-US" dirty="0" smtClean="0"/>
-              <a:t>Event </a:t>
-            </a:r>
-            <a:r>
-              <a:rPr lang="en-US" dirty="0" smtClean="0"/>
-              <a:t>Handling</a:t>
+              <a:t>Event Handling</a:t>
             </a:r>
           </a:p>
           <a:p>
@@ -8960,11 +8910,7 @@
           <a:p>
             <a:r>
               <a:rPr lang="en-US" dirty="0" smtClean="0"/>
-              <a:t>Set </a:t>
-            </a:r>
-            <a:r>
-              <a:rPr lang="en-US" dirty="0" smtClean="0"/>
-              <a:t>name property on $scope</a:t>
+              <a:t>Set name property on $scope</a:t>
             </a:r>
           </a:p>
           <a:p>
@@ -9859,11 +9805,7 @@
             <a:pPr lvl="1"/>
             <a:r>
               <a:rPr lang="en-US" dirty="0" smtClean="0"/>
-              <a:t>Compile: attach event </a:t>
-            </a:r>
-            <a:r>
-              <a:rPr lang="en-US" dirty="0" smtClean="0"/>
-              <a:t>handling</a:t>
+              <a:t>Compile: attach event handling</a:t>
             </a:r>
           </a:p>
           <a:p>
@@ -10183,11 +10125,7 @@
           <a:p>
             <a:r>
               <a:rPr lang="en-US" dirty="0" smtClean="0"/>
-              <a:t>One-way </a:t>
-            </a:r>
-            <a:r>
-              <a:rPr lang="en-US" dirty="0" smtClean="0"/>
-              <a:t>binding</a:t>
+              <a:t>One-way binding</a:t>
             </a:r>
             <a:r>
               <a:rPr lang="en-US" dirty="0"/>
@@ -10231,13 +10169,8 @@
           <a:p>
             <a:r>
               <a:rPr lang="en-US" dirty="0" smtClean="0"/>
-              <a:t>Two-way </a:t>
-            </a:r>
-            <a:r>
-              <a:rPr lang="en-US" dirty="0" smtClean="0"/>
-              <a:t>bindings allow DOM elements to update scope properties</a:t>
-            </a:r>
-            <a:endParaRPr lang="en-US" dirty="0" smtClean="0"/>
+              <a:t>Two-way bindings allow DOM elements to update scope properties</a:t>
+            </a:r>
           </a:p>
           <a:p>
             <a:r>
@@ -10246,11 +10179,7 @@
             </a:r>
             <a:r>
               <a:rPr lang="en-US" dirty="0" smtClean="0"/>
-              <a:t>-</a:t>
-            </a:r>
-            <a:r>
-              <a:rPr lang="en-US" dirty="0" smtClean="0"/>
-              <a:t>model - binds input value to a property on the scope</a:t>
+              <a:t>-model - binds input value to a property on the scope</a:t>
             </a:r>
           </a:p>
           <a:p>
@@ -10262,49 +10191,35 @@
                 <a:latin typeface="Menlo Regular"/>
                 <a:cs typeface="Menlo Regular"/>
               </a:rPr>
-              <a:t>&lt;</a:t>
+              <a:t>&lt;input </a:t>
+            </a:r>
+            <a:r>
+              <a:rPr lang="en-US" dirty="0" err="1" smtClean="0">
+                <a:latin typeface="Menlo Regular"/>
+                <a:cs typeface="Menlo Regular"/>
+              </a:rPr>
+              <a:t>ng</a:t>
             </a:r>
             <a:r>
               <a:rPr lang="en-US" dirty="0" smtClean="0">
                 <a:latin typeface="Menlo Regular"/>
                 <a:cs typeface="Menlo Regular"/>
               </a:rPr>
-              <a:t>input </a:t>
+              <a:t>-model=“</a:t>
             </a:r>
             <a:r>
               <a:rPr lang="en-US" dirty="0" err="1" smtClean="0">
                 <a:latin typeface="Menlo Regular"/>
                 <a:cs typeface="Menlo Regular"/>
               </a:rPr>
-              <a:t>ng</a:t>
+              <a:t>model.user.firstName</a:t>
             </a:r>
             <a:r>
               <a:rPr lang="en-US" dirty="0" smtClean="0">
                 <a:latin typeface="Menlo Regular"/>
                 <a:cs typeface="Menlo Regular"/>
               </a:rPr>
-              <a:t>-model=“</a:t>
-            </a:r>
-            <a:r>
-              <a:rPr lang="en-US" dirty="0" err="1" smtClean="0">
-                <a:latin typeface="Menlo Regular"/>
-                <a:cs typeface="Menlo Regular"/>
-              </a:rPr>
-              <a:t>model.user.firstName</a:t>
-            </a:r>
-            <a:r>
-              <a:rPr lang="en-US" dirty="0" smtClean="0">
-                <a:latin typeface="Menlo Regular"/>
-                <a:cs typeface="Menlo Regular"/>
-              </a:rPr>
-              <a:t>” /</a:t>
-            </a:r>
-            <a:r>
-              <a:rPr lang="en-US" dirty="0" smtClean="0">
-                <a:latin typeface="Menlo Regular"/>
-                <a:cs typeface="Menlo Regular"/>
-              </a:rPr>
-              <a:t>&gt;</a:t>
+              <a:t>” /&gt;</a:t>
             </a:r>
           </a:p>
           <a:p>
@@ -10624,11 +10539,7 @@
           <a:p>
             <a:r>
               <a:rPr lang="en-US" dirty="0" smtClean="0"/>
-              <a:t>Event </a:t>
-            </a:r>
-            <a:r>
-              <a:rPr lang="en-US" dirty="0" smtClean="0"/>
-              <a:t>Directives</a:t>
+              <a:t>Event Directives</a:t>
             </a:r>
             <a:endParaRPr lang="en-US" dirty="0"/>
           </a:p>
@@ -10651,11 +10562,7 @@
           <a:p>
             <a:r>
               <a:rPr lang="en-US" dirty="0" smtClean="0"/>
-              <a:t>Function references can be added to the </a:t>
-            </a:r>
-            <a:r>
-              <a:rPr lang="en-US" dirty="0" smtClean="0"/>
-              <a:t>scope, referenced as callbacks for events</a:t>
+              <a:t>Function references can be added to the scope, referenced as callbacks for events</a:t>
             </a:r>
           </a:p>
           <a:p>
@@ -10672,56 +10579,35 @@
                 <a:latin typeface="Menlo Regular"/>
                 <a:cs typeface="Menlo Regular"/>
               </a:rPr>
-              <a:t>&lt;</a:t>
+              <a:t>&lt;button </a:t>
+            </a:r>
+            <a:r>
+              <a:rPr lang="en-US" dirty="0" err="1" smtClean="0">
+                <a:latin typeface="Menlo Regular"/>
+                <a:cs typeface="Menlo Regular"/>
+              </a:rPr>
+              <a:t>ng</a:t>
             </a:r>
             <a:r>
               <a:rPr lang="en-US" dirty="0" smtClean="0">
                 <a:latin typeface="Menlo Regular"/>
                 <a:cs typeface="Menlo Regular"/>
               </a:rPr>
-              <a:t>button </a:t>
+              <a:t>-click=“</a:t>
             </a:r>
             <a:r>
               <a:rPr lang="en-US" dirty="0" err="1" smtClean="0">
                 <a:latin typeface="Menlo Regular"/>
                 <a:cs typeface="Menlo Regular"/>
               </a:rPr>
-              <a:t>ng</a:t>
+              <a:t>handleThis</a:t>
             </a:r>
             <a:r>
               <a:rPr lang="en-US" dirty="0" smtClean="0">
                 <a:latin typeface="Menlo Regular"/>
                 <a:cs typeface="Menlo Regular"/>
               </a:rPr>
-              <a:t>-click=“</a:t>
-            </a:r>
-            <a:r>
-              <a:rPr lang="en-US" dirty="0" err="1" smtClean="0">
-                <a:latin typeface="Menlo Regular"/>
-                <a:cs typeface="Menlo Regular"/>
-              </a:rPr>
-              <a:t>handleThis</a:t>
-            </a:r>
-            <a:r>
-              <a:rPr lang="en-US" dirty="0" smtClean="0">
-                <a:latin typeface="Menlo Regular"/>
-                <a:cs typeface="Menlo Regular"/>
-              </a:rPr>
-              <a:t>(model)”&gt;Click me!&lt;/</a:t>
-            </a:r>
-            <a:r>
-              <a:rPr lang="en-US" dirty="0" smtClean="0">
-                <a:latin typeface="Menlo Regular"/>
-                <a:cs typeface="Menlo Regular"/>
-              </a:rPr>
-              <a:t>button</a:t>
-            </a:r>
-            <a:r>
-              <a:rPr lang="en-US" dirty="0" smtClean="0">
-                <a:latin typeface="Menlo Regular"/>
-                <a:cs typeface="Menlo Regular"/>
-              </a:rPr>
-              <a:t>&gt;</a:t>
+              <a:t>(model)”&gt;Click me!&lt;/button&gt;</a:t>
             </a:r>
           </a:p>
           <a:p>
@@ -10748,13 +10634,8 @@
             <a:pPr lvl="1"/>
             <a:r>
               <a:rPr lang="en-US" dirty="0" smtClean="0"/>
-              <a:t>Executed within </a:t>
-            </a:r>
-            <a:r>
-              <a:rPr lang="en-US" dirty="0" smtClean="0"/>
-              <a:t>Angular execution context</a:t>
-            </a:r>
-            <a:endParaRPr lang="en-US" dirty="0" smtClean="0"/>
+              <a:t>Executed within Angular execution context</a:t>
+            </a:r>
           </a:p>
           <a:p>
             <a:endParaRPr lang="en-US" dirty="0" smtClean="0"/>
@@ -10831,11 +10712,7 @@
           <a:p>
             <a:r>
               <a:rPr lang="en-US" dirty="0" smtClean="0"/>
-              <a:t>Add an input that is bound to a scope </a:t>
-            </a:r>
-            <a:r>
-              <a:rPr lang="en-US" dirty="0" smtClean="0"/>
-              <a:t>property with </a:t>
+              <a:t>Add an input that is bound to a scope property with </a:t>
             </a:r>
             <a:r>
               <a:rPr lang="en-US" dirty="0" err="1" smtClean="0"/>
@@ -10845,7 +10722,6 @@
               <a:rPr lang="en-US" dirty="0" smtClean="0"/>
               <a:t>-model directive</a:t>
             </a:r>
-            <a:endParaRPr lang="en-US" dirty="0" smtClean="0"/>
           </a:p>
           <a:p>
             <a:r>
@@ -10856,19 +10732,7 @@
           <a:p>
             <a:r>
               <a:rPr lang="en-US" dirty="0" smtClean="0"/>
-              <a:t>Add a button that </a:t>
-            </a:r>
-            <a:r>
-              <a:rPr lang="en-US" dirty="0" smtClean="0"/>
-              <a:t>logs the current input value, then clears </a:t>
-            </a:r>
-            <a:r>
-              <a:rPr lang="en-US" dirty="0" smtClean="0"/>
-              <a:t>the </a:t>
-            </a:r>
-            <a:r>
-              <a:rPr lang="en-US" dirty="0" smtClean="0"/>
-              <a:t>input</a:t>
+              <a:t>Add a button that logs the current input value, then clears the input</a:t>
             </a:r>
           </a:p>
           <a:p>
@@ -10891,7 +10755,6 @@
               <a:rPr lang="en-US" dirty="0" smtClean="0"/>
               <a:t>Add unit test</a:t>
             </a:r>
-            <a:endParaRPr lang="en-US" dirty="0" smtClean="0"/>
           </a:p>
           <a:p>
             <a:pPr marL="0" indent="0">
@@ -12124,22 +11987,13 @@
               <a:t>&gt;</a:t>
             </a:r>
             <a:r>
-              <a:rPr lang="de-DE" dirty="0" err="1">
-                <a:solidFill>
-                  <a:srgbClr val="F8F8F2"/>
-                </a:solidFill>
-                <a:latin typeface="Menlo"/>
-              </a:rPr>
-              <a:t>Quern</a:t>
-            </a:r>
-            <a:r>
-              <a:rPr lang="de-DE" dirty="0">
-                <a:solidFill>
-                  <a:srgbClr val="F8F8F2"/>
-                </a:solidFill>
-                <a:latin typeface="Menlo"/>
-              </a:rPr>
-              <a:t>: </a:t>
+              <a:rPr lang="de-DE" dirty="0" smtClean="0">
+                <a:solidFill>
+                  <a:srgbClr val="F8F8F2"/>
+                </a:solidFill>
+                <a:latin typeface="Menlo"/>
+              </a:rPr>
+              <a:t>Query: </a:t>
             </a:r>
             <a:r>
               <a:rPr lang="de-DE" dirty="0">
@@ -13804,7 +13658,7 @@
         <p:spPr>
           <a:xfrm>
             <a:off x="-4860" y="855225"/>
-            <a:ext cx="9148860" cy="3970318"/>
+            <a:ext cx="9148860" cy="4247317"/>
           </a:xfrm>
           <a:prstGeom prst="rect">
             <a:avLst/>
@@ -14669,63 +14523,126 @@
                 </a:solidFill>
                 <a:latin typeface="Menlo"/>
               </a:rPr>
-              <a:t>&lt;button</a:t>
+              <a:t>&lt;button </a:t>
             </a:r>
             <a:r>
               <a:rPr lang="en-US" dirty="0" smtClean="0">
                 <a:solidFill>
-                  <a:srgbClr val="F8F8F2"/>
-                </a:solidFill>
-                <a:latin typeface="Menlo"/>
-              </a:rPr>
-              <a:t> </a:t>
+                  <a:srgbClr val="A6E22E"/>
+                </a:solidFill>
+                <a:latin typeface="Menlo"/>
+              </a:rPr>
+              <a:t>type</a:t>
             </a:r>
             <a:r>
               <a:rPr lang="en-US" dirty="0" smtClean="0">
                 <a:solidFill>
+                  <a:srgbClr val="F8F8F2"/>
+                </a:solidFill>
+                <a:latin typeface="Menlo"/>
+              </a:rPr>
+              <a:t>=</a:t>
+            </a:r>
+            <a:r>
+              <a:rPr lang="en-US" dirty="0">
+                <a:solidFill>
+                  <a:srgbClr val="F8F8F2"/>
+                </a:solidFill>
+                <a:latin typeface="Menlo"/>
+              </a:rPr>
+              <a:t>"</a:t>
+            </a:r>
+            <a:r>
+              <a:rPr lang="en-US" dirty="0" smtClean="0">
+                <a:solidFill>
+                  <a:srgbClr val="E6DB74"/>
+                </a:solidFill>
+                <a:latin typeface="Menlo"/>
+              </a:rPr>
+              <a:t>submit</a:t>
+            </a:r>
+            <a:r>
+              <a:rPr lang="en-US" dirty="0" smtClean="0">
+                <a:solidFill>
+                  <a:srgbClr val="F8F8F2"/>
+                </a:solidFill>
+                <a:latin typeface="Menlo"/>
+              </a:rPr>
+              <a:t>" </a:t>
+            </a:r>
+            <a:r>
+              <a:rPr lang="en-US" dirty="0" err="1" smtClean="0">
+                <a:solidFill>
                   <a:srgbClr val="A6E22E"/>
                 </a:solidFill>
                 <a:latin typeface="Menlo"/>
               </a:rPr>
-              <a:t>type=</a:t>
+              <a:t>ng</a:t>
             </a:r>
             <a:r>
               <a:rPr lang="en-US" dirty="0" smtClean="0">
                 <a:solidFill>
+                  <a:srgbClr val="A6E22E"/>
+                </a:solidFill>
+                <a:latin typeface="Menlo"/>
+              </a:rPr>
+              <a:t>-disabled=</a:t>
+            </a:r>
+            <a:r>
+              <a:rPr lang="en-US" dirty="0" smtClean="0">
+                <a:solidFill>
+                  <a:srgbClr val="F8F8F2"/>
+                </a:solidFill>
+                <a:latin typeface="Menlo"/>
+              </a:rPr>
+              <a:t>"</a:t>
+            </a:r>
+            <a:r>
+              <a:rPr lang="en-US" dirty="0" err="1" smtClean="0">
+                <a:solidFill>
                   <a:srgbClr val="E6DB74"/>
                 </a:solidFill>
                 <a:latin typeface="Menlo"/>
               </a:rPr>
-              <a:t>"submit"</a:t>
+              <a:t>myForm</a:t>
             </a:r>
             <a:r>
               <a:rPr lang="en-US" dirty="0" smtClean="0">
                 <a:solidFill>
+                  <a:srgbClr val="E6DB74"/>
+                </a:solidFill>
+                <a:latin typeface="Menlo"/>
+              </a:rPr>
+              <a:t>.$invalid</a:t>
+            </a:r>
+            <a:r>
+              <a:rPr lang="en-US" dirty="0" smtClean="0">
+                <a:solidFill>
+                  <a:srgbClr val="F8F8F2"/>
+                </a:solidFill>
+                <a:latin typeface="Menlo"/>
+              </a:rPr>
+              <a:t>"</a:t>
+            </a:r>
+            <a:r>
+              <a:rPr lang="en-US" dirty="0">
+                <a:solidFill>
+                  <a:srgbClr val="F8F8F2"/>
+                </a:solidFill>
+                <a:latin typeface="Menlo"/>
+              </a:rPr>
+              <a:t>&gt;Create User</a:t>
+            </a:r>
+            <a:r>
+              <a:rPr lang="en-US" dirty="0">
+                <a:solidFill>
                   <a:srgbClr val="F92672"/>
                 </a:solidFill>
                 <a:latin typeface="Menlo"/>
               </a:rPr>
-              <a:t>&gt;</a:t>
-            </a:r>
-            <a:r>
-              <a:rPr lang="en-US" dirty="0" smtClean="0">
-                <a:solidFill>
-                  <a:srgbClr val="F8F8F2"/>
-                </a:solidFill>
-                <a:latin typeface="Menlo"/>
-              </a:rPr>
-              <a:t>Submit</a:t>
-            </a:r>
-            <a:r>
-              <a:rPr lang="en-US" dirty="0" smtClean="0">
-                <a:solidFill>
-                  <a:srgbClr val="F92672"/>
-                </a:solidFill>
-                <a:latin typeface="Menlo"/>
-              </a:rPr>
               <a:t>&lt;/button&gt;</a:t>
             </a:r>
-            <a:endParaRPr lang="en-US" dirty="0" smtClean="0">
+            <a:endParaRPr lang="en-US" dirty="0">
               <a:solidFill>
                 <a:srgbClr val="F8F8F2"/>
               </a:solidFill>
@@ -14736,11 +14653,29 @@
             <a:r>
               <a:rPr lang="en-US" dirty="0" smtClean="0">
                 <a:solidFill>
+                  <a:srgbClr val="F8F8F2"/>
+                </a:solidFill>
+                <a:latin typeface="Menlo"/>
+              </a:rPr>
+              <a:t> </a:t>
+            </a:r>
+            <a:r>
+              <a:rPr lang="en-US" dirty="0" smtClean="0">
+                <a:solidFill>
                   <a:srgbClr val="F92672"/>
                 </a:solidFill>
                 <a:latin typeface="Menlo"/>
               </a:rPr>
-              <a:t>&lt;/form&gt;</a:t>
+              <a:t>&lt;</a:t>
+            </a:r>
+            <a:r>
+              <a:rPr lang="en-US" dirty="0" smtClean="0">
+                <a:solidFill>
+                  <a:srgbClr val="F92672"/>
+                </a:solidFill>
+                <a:latin typeface="Menlo"/>
+              </a:rPr>
+              <a:t>/form&gt;</a:t>
             </a:r>
             <a:endParaRPr lang="en-US" dirty="0">
               <a:solidFill>
@@ -15111,7 +15046,6 @@
               <a:rPr lang="en-US" dirty="0"/>
               <a:t>Forms</a:t>
             </a:r>
-            <a:endParaRPr lang="en-US" dirty="0"/>
           </a:p>
         </p:txBody>
       </p:sp>

--- a/slides/ng-bootcamp-day-1.pptx
+++ b/slides/ng-bootcamp-day-1.pptx
@@ -5743,6 +5743,13 @@
   <p:clrMapOvr>
     <a:masterClrMapping/>
   </p:clrMapOvr>
+  <p:timing>
+    <p:tnLst>
+      <p:par>
+        <p:cTn xmlns:p14="http://schemas.microsoft.com/office/powerpoint/2010/main" id="1" dur="indefinite" restart="never" nodeType="tmRoot"/>
+      </p:par>
+    </p:tnLst>
+  </p:timing>
 </p:sld>
 </file>
 
@@ -5893,6 +5900,13 @@
   <p:clrMapOvr>
     <a:masterClrMapping/>
   </p:clrMapOvr>
+  <p:timing>
+    <p:tnLst>
+      <p:par>
+        <p:cTn xmlns:p14="http://schemas.microsoft.com/office/powerpoint/2010/main" id="1" dur="indefinite" restart="never" nodeType="tmRoot"/>
+      </p:par>
+    </p:tnLst>
+  </p:timing>
 </p:sld>
 </file>
 
@@ -5973,6 +5987,13 @@
   <p:clrMapOvr>
     <a:masterClrMapping/>
   </p:clrMapOvr>
+  <p:timing>
+    <p:tnLst>
+      <p:par>
+        <p:cTn xmlns:p14="http://schemas.microsoft.com/office/powerpoint/2010/main" id="1" dur="indefinite" restart="never" nodeType="tmRoot"/>
+      </p:par>
+    </p:tnLst>
+  </p:timing>
 </p:sld>
 </file>
 
@@ -6067,6 +6088,13 @@
   <p:clrMapOvr>
     <a:masterClrMapping/>
   </p:clrMapOvr>
+  <p:timing>
+    <p:tnLst>
+      <p:par>
+        <p:cTn xmlns:p14="http://schemas.microsoft.com/office/powerpoint/2010/main" id="1" dur="indefinite" restart="never" nodeType="tmRoot"/>
+      </p:par>
+    </p:tnLst>
+  </p:timing>
 </p:sld>
 </file>
 
@@ -6243,6 +6271,13 @@
   <p:clrMapOvr>
     <a:masterClrMapping/>
   </p:clrMapOvr>
+  <p:timing>
+    <p:tnLst>
+      <p:par>
+        <p:cTn xmlns:p14="http://schemas.microsoft.com/office/powerpoint/2010/main" id="1" dur="indefinite" restart="never" nodeType="tmRoot"/>
+      </p:par>
+    </p:tnLst>
+  </p:timing>
 </p:sld>
 </file>
 
@@ -6350,6 +6385,13 @@
   <p:clrMapOvr>
     <a:masterClrMapping/>
   </p:clrMapOvr>
+  <p:timing>
+    <p:tnLst>
+      <p:par>
+        <p:cTn xmlns:p14="http://schemas.microsoft.com/office/powerpoint/2010/main" id="1" dur="indefinite" restart="never" nodeType="tmRoot"/>
+      </p:par>
+    </p:tnLst>
+  </p:timing>
 </p:sld>
 </file>
 
@@ -6493,6 +6535,13 @@
   <p:clrMapOvr>
     <a:masterClrMapping/>
   </p:clrMapOvr>
+  <p:timing>
+    <p:tnLst>
+      <p:par>
+        <p:cTn xmlns:p14="http://schemas.microsoft.com/office/powerpoint/2010/main" id="1" dur="indefinite" restart="never" nodeType="tmRoot"/>
+      </p:par>
+    </p:tnLst>
+  </p:timing>
 </p:sld>
 </file>
 
@@ -6696,6 +6745,13 @@
   <p:clrMapOvr>
     <a:masterClrMapping/>
   </p:clrMapOvr>
+  <p:timing>
+    <p:tnLst>
+      <p:par>
+        <p:cTn xmlns:p14="http://schemas.microsoft.com/office/powerpoint/2010/main" id="1" dur="indefinite" restart="never" nodeType="tmRoot"/>
+      </p:par>
+    </p:tnLst>
+  </p:timing>
 </p:sld>
 </file>
 
@@ -7618,6 +7674,13 @@
   <p:clrMapOvr>
     <a:masterClrMapping/>
   </p:clrMapOvr>
+  <p:timing>
+    <p:tnLst>
+      <p:par>
+        <p:cTn xmlns:p14="http://schemas.microsoft.com/office/powerpoint/2010/main" id="1" dur="indefinite" restart="never" nodeType="tmRoot"/>
+      </p:par>
+    </p:tnLst>
+  </p:timing>
 </p:sld>
 </file>
 
@@ -7724,6 +7787,13 @@
   <p:clrMapOvr>
     <a:masterClrMapping/>
   </p:clrMapOvr>
+  <p:timing>
+    <p:tnLst>
+      <p:par>
+        <p:cTn xmlns:p14="http://schemas.microsoft.com/office/powerpoint/2010/main" id="1" dur="indefinite" restart="never" nodeType="tmRoot"/>
+      </p:par>
+    </p:tnLst>
+  </p:timing>
 </p:sld>
 </file>
 
@@ -8604,6 +8674,13 @@
   <p:clrMapOvr>
     <a:masterClrMapping/>
   </p:clrMapOvr>
+  <p:timing>
+    <p:tnLst>
+      <p:par>
+        <p:cTn xmlns:p14="http://schemas.microsoft.com/office/powerpoint/2010/main" id="1" dur="indefinite" restart="never" nodeType="tmRoot"/>
+      </p:par>
+    </p:tnLst>
+  </p:timing>
 </p:sld>
 </file>
 
@@ -8683,9 +8760,10 @@
               <a:t>/</a:t>
             </a:r>
             <a:r>
-              <a:rPr lang="en-US"/>
+              <a:rPr lang="en-US" dirty="0" err="1"/>
               <a:t>ng-bootcamp</a:t>
             </a:r>
+            <a:endParaRPr lang="en-US" dirty="0"/>
           </a:p>
         </p:txBody>
       </p:sp>
@@ -8699,6 +8777,13 @@
   <p:clrMapOvr>
     <a:masterClrMapping/>
   </p:clrMapOvr>
+  <p:timing>
+    <p:tnLst>
+      <p:par>
+        <p:cTn xmlns:p14="http://schemas.microsoft.com/office/powerpoint/2010/main" id="1" dur="indefinite" restart="never" nodeType="tmRoot"/>
+      </p:par>
+    </p:tnLst>
+  </p:timing>
 </p:sld>
 </file>
 
@@ -8848,6 +8933,13 @@
   <p:clrMapOvr>
     <a:masterClrMapping/>
   </p:clrMapOvr>
+  <p:timing>
+    <p:tnLst>
+      <p:par>
+        <p:cTn xmlns:p14="http://schemas.microsoft.com/office/powerpoint/2010/main" id="1" dur="indefinite" restart="never" nodeType="tmRoot"/>
+      </p:par>
+    </p:tnLst>
+  </p:timing>
 </p:sld>
 </file>
 
@@ -8903,7 +8995,9 @@
         </p:nvSpPr>
         <p:spPr/>
         <p:txBody>
-          <a:bodyPr/>
+          <a:bodyPr>
+            <a:normAutofit fontScale="92500" lnSpcReduction="10000"/>
+          </a:bodyPr>
           <a:lstStyle/>
           <a:p>
             <a:r>
@@ -8925,37 +9019,148 @@
                 <a:latin typeface="Menlo Regular"/>
                 <a:cs typeface="Menlo Regular"/>
               </a:rPr>
-              <a:t> install -g karma</a:t>
-            </a:r>
+              <a:t> install -g </a:t>
+            </a:r>
+            <a:r>
+              <a:rPr lang="en-US" dirty="0" smtClean="0">
+                <a:latin typeface="Menlo Regular"/>
+                <a:cs typeface="Menlo Regular"/>
+              </a:rPr>
+              <a:t>karma-cli karma</a:t>
+            </a:r>
+          </a:p>
+          <a:p>
+            <a:pPr lvl="1"/>
+            <a:r>
+              <a:rPr lang="en-US" dirty="0" err="1" smtClean="0">
+                <a:latin typeface="Menlo Regular"/>
+                <a:cs typeface="Menlo Regular"/>
+              </a:rPr>
+              <a:t>npm</a:t>
+            </a:r>
+            <a:r>
+              <a:rPr lang="en-US" dirty="0" smtClean="0">
+                <a:latin typeface="Menlo Regular"/>
+                <a:cs typeface="Menlo Regular"/>
+              </a:rPr>
+              <a:t> </a:t>
+            </a:r>
+            <a:r>
+              <a:rPr lang="en-US" dirty="0" err="1" smtClean="0">
+                <a:latin typeface="Menlo Regular"/>
+                <a:cs typeface="Menlo Regular"/>
+              </a:rPr>
+              <a:t>init</a:t>
+            </a:r>
+            <a:r>
+              <a:rPr lang="en-US" dirty="0" smtClean="0">
+                <a:latin typeface="Menlo Regular"/>
+                <a:cs typeface="Menlo Regular"/>
+              </a:rPr>
+              <a:t>  # run this if you don’t have a </a:t>
+            </a:r>
+            <a:r>
+              <a:rPr lang="en-US" dirty="0" err="1" smtClean="0">
+                <a:latin typeface="Menlo Regular"/>
+                <a:cs typeface="Menlo Regular"/>
+              </a:rPr>
+              <a:t>package.json</a:t>
+            </a:r>
+            <a:r>
+              <a:rPr lang="en-US" dirty="0" smtClean="0">
+                <a:latin typeface="Menlo Regular"/>
+                <a:cs typeface="Menlo Regular"/>
+              </a:rPr>
+              <a:t> </a:t>
+            </a:r>
+            <a:r>
+              <a:rPr lang="en-US" smtClean="0">
+                <a:latin typeface="Menlo Regular"/>
+                <a:cs typeface="Menlo Regular"/>
+              </a:rPr>
+              <a:t>file already</a:t>
+            </a:r>
+            <a:endParaRPr lang="en-US" dirty="0" smtClean="0">
+              <a:latin typeface="Menlo Regular"/>
+              <a:cs typeface="Menlo Regular"/>
+            </a:endParaRPr>
+          </a:p>
+          <a:p>
+            <a:pPr lvl="1"/>
+            <a:r>
+              <a:rPr lang="en-US" dirty="0" err="1" smtClean="0">
+                <a:latin typeface="Menlo Regular"/>
+                <a:cs typeface="Menlo Regular"/>
+              </a:rPr>
+              <a:t>npm</a:t>
+            </a:r>
+            <a:r>
+              <a:rPr lang="en-US" dirty="0" smtClean="0">
+                <a:latin typeface="Menlo Regular"/>
+                <a:cs typeface="Menlo Regular"/>
+              </a:rPr>
+              <a:t> install --save karma-jasmine karma-chrome-launcher</a:t>
+            </a:r>
+            <a:endParaRPr lang="en-US" dirty="0" smtClean="0">
+              <a:latin typeface="Menlo Regular"/>
+              <a:cs typeface="Menlo Regular"/>
+            </a:endParaRPr>
           </a:p>
           <a:p>
             <a:r>
               <a:rPr lang="en-US" dirty="0" smtClean="0">
                 <a:cs typeface="Menlo Regular"/>
               </a:rPr>
-              <a:t>Configuring Karma</a:t>
+              <a:t>Configuring </a:t>
+            </a:r>
+            <a:r>
+              <a:rPr lang="en-US" dirty="0" smtClean="0">
+                <a:cs typeface="Menlo Regular"/>
+              </a:rPr>
+              <a:t>Karma</a:t>
             </a:r>
           </a:p>
           <a:p>
             <a:pPr lvl="1"/>
             <a:r>
-              <a:rPr lang="en-US" dirty="0" err="1">
+              <a:rPr lang="en-US" dirty="0" smtClean="0">
+                <a:latin typeface="Menlo Regular"/>
                 <a:cs typeface="Menlo Regular"/>
               </a:rPr>
-              <a:t>k</a:t>
+              <a:t>karma </a:t>
+            </a:r>
+            <a:r>
+              <a:rPr lang="en-US" dirty="0" err="1" smtClean="0">
+                <a:latin typeface="Menlo Regular"/>
+                <a:cs typeface="Menlo Regular"/>
+              </a:rPr>
+              <a:t>init</a:t>
+            </a:r>
+            <a:endParaRPr lang="en-US" dirty="0" smtClean="0">
+              <a:latin typeface="Menlo Regular"/>
+              <a:cs typeface="Menlo Regular"/>
+            </a:endParaRPr>
+          </a:p>
+          <a:p>
+            <a:pPr lvl="2"/>
+            <a:r>
+              <a:rPr lang="en-US" dirty="0" smtClean="0">
+                <a:cs typeface="Menlo Regular"/>
+              </a:rPr>
+              <a:t>Creates </a:t>
             </a:r>
             <a:r>
               <a:rPr lang="en-US" dirty="0" err="1" smtClean="0">
                 <a:cs typeface="Menlo Regular"/>
               </a:rPr>
-              <a:t>arma.conf.js</a:t>
+              <a:t>karma.conf.js</a:t>
             </a:r>
             <a:endParaRPr lang="en-US" dirty="0" smtClean="0">
               <a:cs typeface="Menlo Regular"/>
             </a:endParaRPr>
           </a:p>
           <a:p>
-            <a:pPr lvl="1"/>
+            <a:pPr lvl="2"/>
             <a:r>
               <a:rPr lang="en-US" dirty="0" smtClean="0">
                 <a:cs typeface="Menlo Regular"/>
@@ -9017,6 +9222,13 @@
   <p:clrMapOvr>
     <a:masterClrMapping/>
   </p:clrMapOvr>
+  <p:timing>
+    <p:tnLst>
+      <p:par>
+        <p:cTn xmlns:p14="http://schemas.microsoft.com/office/powerpoint/2010/main" id="1" dur="indefinite" restart="never" nodeType="tmRoot"/>
+      </p:par>
+    </p:tnLst>
+  </p:timing>
 </p:sld>
 </file>
 
@@ -9135,6 +9347,13 @@
   <p:clrMapOvr>
     <a:masterClrMapping/>
   </p:clrMapOvr>
+  <p:timing>
+    <p:tnLst>
+      <p:par>
+        <p:cTn xmlns:p14="http://schemas.microsoft.com/office/powerpoint/2010/main" id="1" dur="indefinite" restart="never" nodeType="tmRoot"/>
+      </p:par>
+    </p:tnLst>
+  </p:timing>
 </p:sld>
 </file>
 
@@ -9222,6 +9441,13 @@
   <p:clrMapOvr>
     <a:masterClrMapping/>
   </p:clrMapOvr>
+  <p:timing>
+    <p:tnLst>
+      <p:par>
+        <p:cTn xmlns:p14="http://schemas.microsoft.com/office/powerpoint/2010/main" id="1" dur="indefinite" restart="never" nodeType="tmRoot"/>
+      </p:par>
+    </p:tnLst>
+  </p:timing>
 </p:sld>
 </file>
 
@@ -9708,6 +9934,13 @@
   <p:clrMapOvr>
     <a:masterClrMapping/>
   </p:clrMapOvr>
+  <p:timing>
+    <p:tnLst>
+      <p:par>
+        <p:cTn xmlns:p14="http://schemas.microsoft.com/office/powerpoint/2010/main" id="1" dur="indefinite" restart="never" nodeType="tmRoot"/>
+      </p:par>
+    </p:tnLst>
+  </p:timing>
 </p:sld>
 </file>
 
@@ -10652,6 +10885,13 @@
   <p:clrMapOvr>
     <a:masterClrMapping/>
   </p:clrMapOvr>
+  <p:timing>
+    <p:tnLst>
+      <p:par>
+        <p:cTn xmlns:p14="http://schemas.microsoft.com/office/powerpoint/2010/main" id="1" dur="indefinite" restart="never" nodeType="tmRoot"/>
+      </p:par>
+    </p:tnLst>
+  </p:timing>
 </p:sld>
 </file>
 
@@ -13599,6 +13839,13 @@
   <p:clrMapOvr>
     <a:masterClrMapping/>
   </p:clrMapOvr>
+  <p:timing>
+    <p:tnLst>
+      <p:par>
+        <p:cTn xmlns:p14="http://schemas.microsoft.com/office/powerpoint/2010/main" id="1" dur="indefinite" restart="never" nodeType="tmRoot"/>
+      </p:par>
+    </p:tnLst>
+  </p:timing>
 </p:sld>
 </file>
 
@@ -15433,6 +15680,13 @@
   <p:clrMapOvr>
     <a:masterClrMapping/>
   </p:clrMapOvr>
+  <p:timing>
+    <p:tnLst>
+      <p:par>
+        <p:cTn xmlns:p14="http://schemas.microsoft.com/office/powerpoint/2010/main" id="1" dur="indefinite" restart="never" nodeType="tmRoot"/>
+      </p:par>
+    </p:tnLst>
+  </p:timing>
 </p:sld>
 </file>
 
@@ -15493,6 +15747,13 @@
   <p:clrMapOvr>
     <a:masterClrMapping/>
   </p:clrMapOvr>
+  <p:timing>
+    <p:tnLst>
+      <p:par>
+        <p:cTn xmlns:p14="http://schemas.microsoft.com/office/powerpoint/2010/main" id="1" dur="indefinite" restart="never" nodeType="tmRoot"/>
+      </p:par>
+    </p:tnLst>
+  </p:timing>
 </p:sld>
 </file>
 
@@ -15596,6 +15857,13 @@
   <p:clrMapOvr>
     <a:masterClrMapping/>
   </p:clrMapOvr>
+  <p:timing>
+    <p:tnLst>
+      <p:par>
+        <p:cTn xmlns:p14="http://schemas.microsoft.com/office/powerpoint/2010/main" id="1" dur="indefinite" restart="never" nodeType="tmRoot"/>
+      </p:par>
+    </p:tnLst>
+  </p:timing>
 </p:sld>
 </file>
 
@@ -15732,6 +16000,13 @@
   <p:clrMapOvr>
     <a:masterClrMapping/>
   </p:clrMapOvr>
+  <p:timing>
+    <p:tnLst>
+      <p:par>
+        <p:cTn xmlns:p14="http://schemas.microsoft.com/office/powerpoint/2010/main" id="1" dur="indefinite" restart="never" nodeType="tmRoot"/>
+      </p:par>
+    </p:tnLst>
+  </p:timing>
 </p:sld>
 </file>
 
@@ -16286,6 +16561,13 @@
   <p:clrMapOvr>
     <a:masterClrMapping/>
   </p:clrMapOvr>
+  <p:timing>
+    <p:tnLst>
+      <p:par>
+        <p:cTn xmlns:p14="http://schemas.microsoft.com/office/powerpoint/2010/main" id="1" dur="indefinite" restart="never" nodeType="tmRoot"/>
+      </p:par>
+    </p:tnLst>
+  </p:timing>
 </p:sld>
 </file>
 

--- a/slides/ng-bootcamp-day-1.pptx
+++ b/slides/ng-bootcamp-day-1.pptx
@@ -5,7 +5,7 @@
     <p:sldMasterId id="2147483675" r:id="rId1"/>
   </p:sldMasterIdLst>
   <p:notesMasterIdLst>
-    <p:notesMasterId r:id="rId47"/>
+    <p:notesMasterId r:id="rId49"/>
   </p:notesMasterIdLst>
   <p:sldIdLst>
     <p:sldId id="256" r:id="rId2"/>
@@ -33,26 +33,28 @@
     <p:sldId id="282" r:id="rId24"/>
     <p:sldId id="299" r:id="rId25"/>
     <p:sldId id="274" r:id="rId26"/>
-    <p:sldId id="283" r:id="rId27"/>
-    <p:sldId id="263" r:id="rId28"/>
-    <p:sldId id="297" r:id="rId29"/>
-    <p:sldId id="264" r:id="rId30"/>
-    <p:sldId id="284" r:id="rId31"/>
-    <p:sldId id="265" r:id="rId32"/>
-    <p:sldId id="276" r:id="rId33"/>
-    <p:sldId id="285" r:id="rId34"/>
-    <p:sldId id="292" r:id="rId35"/>
-    <p:sldId id="293" r:id="rId36"/>
-    <p:sldId id="295" r:id="rId37"/>
-    <p:sldId id="296" r:id="rId38"/>
-    <p:sldId id="294" r:id="rId39"/>
-    <p:sldId id="291" r:id="rId40"/>
-    <p:sldId id="286" r:id="rId41"/>
-    <p:sldId id="287" r:id="rId42"/>
-    <p:sldId id="288" r:id="rId43"/>
-    <p:sldId id="289" r:id="rId44"/>
-    <p:sldId id="298" r:id="rId45"/>
-    <p:sldId id="303" r:id="rId46"/>
+    <p:sldId id="306" r:id="rId27"/>
+    <p:sldId id="307" r:id="rId28"/>
+    <p:sldId id="283" r:id="rId29"/>
+    <p:sldId id="263" r:id="rId30"/>
+    <p:sldId id="297" r:id="rId31"/>
+    <p:sldId id="264" r:id="rId32"/>
+    <p:sldId id="284" r:id="rId33"/>
+    <p:sldId id="265" r:id="rId34"/>
+    <p:sldId id="276" r:id="rId35"/>
+    <p:sldId id="285" r:id="rId36"/>
+    <p:sldId id="292" r:id="rId37"/>
+    <p:sldId id="293" r:id="rId38"/>
+    <p:sldId id="295" r:id="rId39"/>
+    <p:sldId id="296" r:id="rId40"/>
+    <p:sldId id="294" r:id="rId41"/>
+    <p:sldId id="291" r:id="rId42"/>
+    <p:sldId id="286" r:id="rId43"/>
+    <p:sldId id="287" r:id="rId44"/>
+    <p:sldId id="288" r:id="rId45"/>
+    <p:sldId id="289" r:id="rId46"/>
+    <p:sldId id="298" r:id="rId47"/>
+    <p:sldId id="303" r:id="rId48"/>
   </p:sldIdLst>
   <p:sldSz cx="9144000" cy="6858000" type="screen4x3"/>
   <p:notesSz cx="6858000" cy="9144000"/>
@@ -236,7 +238,7 @@
           <a:p>
             <a:fld id="{54495B56-0DA3-2C4B-AFD4-7968C1A07ACD}" type="datetimeFigureOut">
               <a:rPr lang="en-US" smtClean="0"/>
-              <a:t>3/17/14</a:t>
+              <a:t>3/19/14</a:t>
             </a:fld>
             <a:endParaRPr lang="en-US"/>
           </a:p>
@@ -809,7 +811,7 @@
           <a:p>
             <a:fld id="{1F9B8E43-730C-C74B-BF8C-2AA7AA956642}" type="slidenum">
               <a:rPr lang="en-US" smtClean="0"/>
-              <a:t>27</a:t>
+              <a:t>29</a:t>
             </a:fld>
             <a:endParaRPr lang="en-US"/>
           </a:p>
@@ -893,7 +895,7 @@
           <a:p>
             <a:fld id="{1F9B8E43-730C-C74B-BF8C-2AA7AA956642}" type="slidenum">
               <a:rPr lang="en-US" smtClean="0"/>
-              <a:t>29</a:t>
+              <a:t>31</a:t>
             </a:fld>
             <a:endParaRPr lang="en-US"/>
           </a:p>
@@ -1127,7 +1129,7 @@
           <a:p>
             <a:fld id="{651A0C47-018D-4460-B945-BFF7981B6CA6}" type="datetimeFigureOut">
               <a:rPr lang="en-US" smtClean="0"/>
-              <a:t>3/17/14</a:t>
+              <a:t>3/19/14</a:t>
             </a:fld>
             <a:endParaRPr lang="en-US"/>
           </a:p>
@@ -1459,7 +1461,7 @@
           <a:p>
             <a:fld id="{651A0C47-018D-4460-B945-BFF7981B6CA6}" type="datetimeFigureOut">
               <a:rPr lang="en-US" smtClean="0"/>
-              <a:t>3/17/14</a:t>
+              <a:t>3/19/14</a:t>
             </a:fld>
             <a:endParaRPr lang="en-US"/>
           </a:p>
@@ -1791,7 +1793,7 @@
           <a:p>
             <a:fld id="{651A0C47-018D-4460-B945-BFF7981B6CA6}" type="datetimeFigureOut">
               <a:rPr lang="en-US" smtClean="0"/>
-              <a:t>3/17/14</a:t>
+              <a:t>3/19/14</a:t>
             </a:fld>
             <a:endParaRPr lang="en-US"/>
           </a:p>
@@ -2123,7 +2125,7 @@
           <a:p>
             <a:fld id="{651A0C47-018D-4460-B945-BFF7981B6CA6}" type="datetimeFigureOut">
               <a:rPr lang="en-US" smtClean="0"/>
-              <a:t>3/17/14</a:t>
+              <a:t>3/19/14</a:t>
             </a:fld>
             <a:endParaRPr lang="en-US"/>
           </a:p>
@@ -2812,7 +2814,7 @@
           <a:p>
             <a:fld id="{651A0C47-018D-4460-B945-BFF7981B6CA6}" type="datetimeFigureOut">
               <a:rPr lang="en-US" smtClean="0"/>
-              <a:t>3/17/14</a:t>
+              <a:t>3/19/14</a:t>
             </a:fld>
             <a:endParaRPr lang="en-US"/>
           </a:p>
@@ -2991,7 +2993,7 @@
           <a:p>
             <a:fld id="{651A0C47-018D-4460-B945-BFF7981B6CA6}" type="datetimeFigureOut">
               <a:rPr lang="en-US" smtClean="0"/>
-              <a:t>3/17/14</a:t>
+              <a:t>3/19/14</a:t>
             </a:fld>
             <a:endParaRPr lang="en-US"/>
           </a:p>
@@ -3165,7 +3167,7 @@
           <a:p>
             <a:fld id="{651A0C47-018D-4460-B945-BFF7981B6CA6}" type="datetimeFigureOut">
               <a:rPr lang="en-US" smtClean="0"/>
-              <a:t>3/17/14</a:t>
+              <a:t>3/19/14</a:t>
             </a:fld>
             <a:endParaRPr lang="en-US"/>
           </a:p>
@@ -3413,7 +3415,7 @@
           <a:p>
             <a:fld id="{651A0C47-018D-4460-B945-BFF7981B6CA6}" type="datetimeFigureOut">
               <a:rPr lang="en-US" smtClean="0"/>
-              <a:t>3/17/14</a:t>
+              <a:t>3/19/14</a:t>
             </a:fld>
             <a:endParaRPr lang="en-US"/>
           </a:p>
@@ -3743,7 +3745,7 @@
           <a:p>
             <a:fld id="{651A0C47-018D-4460-B945-BFF7981B6CA6}" type="datetimeFigureOut">
               <a:rPr lang="en-US" smtClean="0"/>
-              <a:t>3/17/14</a:t>
+              <a:t>3/19/14</a:t>
             </a:fld>
             <a:endParaRPr lang="en-US"/>
           </a:p>
@@ -4035,7 +4037,7 @@
           <a:p>
             <a:fld id="{651A0C47-018D-4460-B945-BFF7981B6CA6}" type="datetimeFigureOut">
               <a:rPr lang="en-US" smtClean="0"/>
-              <a:t>3/17/14</a:t>
+              <a:t>3/19/14</a:t>
             </a:fld>
             <a:endParaRPr lang="en-US"/>
           </a:p>
@@ -4471,7 +4473,7 @@
           <a:p>
             <a:fld id="{651A0C47-018D-4460-B945-BFF7981B6CA6}" type="datetimeFigureOut">
               <a:rPr lang="en-US" smtClean="0"/>
-              <a:t>3/17/14</a:t>
+              <a:t>3/19/14</a:t>
             </a:fld>
             <a:endParaRPr lang="en-US"/>
           </a:p>
@@ -4658,7 +4660,7 @@
           <a:p>
             <a:fld id="{651A0C47-018D-4460-B945-BFF7981B6CA6}" type="datetimeFigureOut">
               <a:rPr lang="en-US" smtClean="0"/>
-              <a:t>3/17/14</a:t>
+              <a:t>3/19/14</a:t>
             </a:fld>
             <a:endParaRPr lang="en-US"/>
           </a:p>
@@ -4748,7 +4750,7 @@
           <a:p>
             <a:fld id="{651A0C47-018D-4460-B945-BFF7981B6CA6}" type="datetimeFigureOut">
               <a:rPr lang="en-US" smtClean="0"/>
-              <a:t>3/17/14</a:t>
+              <a:t>3/19/14</a:t>
             </a:fld>
             <a:endParaRPr lang="en-US"/>
           </a:p>
@@ -5029,7 +5031,7 @@
           <a:p>
             <a:fld id="{651A0C47-018D-4460-B945-BFF7981B6CA6}" type="datetimeFigureOut">
               <a:rPr lang="en-US" smtClean="0"/>
-              <a:t>3/17/14</a:t>
+              <a:t>3/19/14</a:t>
             </a:fld>
             <a:endParaRPr lang="en-US"/>
           </a:p>
@@ -5244,7 +5246,7 @@
           <a:p>
             <a:fld id="{651A0C47-018D-4460-B945-BFF7981B6CA6}" type="datetimeFigureOut">
               <a:rPr lang="en-US" smtClean="0"/>
-              <a:t>3/17/14</a:t>
+              <a:t>3/19/14</a:t>
             </a:fld>
             <a:endParaRPr lang="en-US"/>
           </a:p>
@@ -9019,14 +9021,7 @@
                 <a:latin typeface="Menlo Regular"/>
                 <a:cs typeface="Menlo Regular"/>
               </a:rPr>
-              <a:t> install -g </a:t>
-            </a:r>
-            <a:r>
-              <a:rPr lang="en-US" dirty="0" smtClean="0">
-                <a:latin typeface="Menlo Regular"/>
-                <a:cs typeface="Menlo Regular"/>
-              </a:rPr>
-              <a:t>karma-cli karma</a:t>
+              <a:t> install -g karma-cli karma</a:t>
             </a:r>
           </a:p>
           <a:p>
@@ -9101,23 +9096,13 @@
               </a:rPr>
               <a:t> install --save karma-jasmine karma-chrome-launcher</a:t>
             </a:r>
-            <a:endParaRPr lang="en-US" dirty="0" smtClean="0">
-              <a:latin typeface="Menlo Regular"/>
-              <a:cs typeface="Menlo Regular"/>
-            </a:endParaRPr>
           </a:p>
           <a:p>
             <a:r>
               <a:rPr lang="en-US" dirty="0" smtClean="0">
                 <a:cs typeface="Menlo Regular"/>
               </a:rPr>
-              <a:t>Configuring </a:t>
-            </a:r>
-            <a:r>
-              <a:rPr lang="en-US" dirty="0" smtClean="0">
-                <a:cs typeface="Menlo Regular"/>
-              </a:rPr>
-              <a:t>Karma</a:t>
+              <a:t>Configuring Karma</a:t>
             </a:r>
           </a:p>
           <a:p>
@@ -9508,11 +9493,7 @@
           <a:p>
             <a:r>
               <a:rPr lang="en-US" dirty="0" smtClean="0"/>
-              <a:t>Child Scopes prototypically inherit from parent scopes based on nesting in </a:t>
-            </a:r>
-            <a:r>
-              <a:rPr lang="en-US" dirty="0" smtClean="0"/>
-              <a:t>DOM</a:t>
+              <a:t>Child Scopes prototypically inherit from parent scopes based on nesting in DOM</a:t>
             </a:r>
           </a:p>
           <a:p>
@@ -9529,32 +9510,18 @@
               <a:rPr lang="en-US" dirty="0" smtClean="0"/>
               <a:t> scopes</a:t>
             </a:r>
-            <a:endParaRPr lang="en-US" dirty="0" smtClean="0"/>
           </a:p>
           <a:p>
             <a:pPr lvl="1"/>
             <a:r>
               <a:rPr lang="en-US" dirty="0" smtClean="0"/>
-              <a:t>Controller </a:t>
-            </a:r>
-            <a:r>
-              <a:rPr lang="en-US" dirty="0" smtClean="0"/>
-              <a:t>instances do </a:t>
-            </a:r>
-            <a:r>
-              <a:rPr lang="en-US" dirty="0" smtClean="0"/>
-              <a:t>not prototypically inherit – must do this manually!</a:t>
-            </a:r>
-            <a:endParaRPr lang="en-US" dirty="0" smtClean="0"/>
-          </a:p>
-          <a:p>
-            <a:r>
-              <a:rPr lang="en-US" dirty="0" smtClean="0"/>
-              <a:t>All </a:t>
-            </a:r>
-            <a:r>
-              <a:rPr lang="en-US" dirty="0" smtClean="0"/>
-              <a:t>scopes inherit from $</a:t>
+              <a:t>Controller instances do not prototypically inherit – must do this manually!</a:t>
+            </a:r>
+          </a:p>
+          <a:p>
+            <a:r>
+              <a:rPr lang="en-US" dirty="0" smtClean="0"/>
+              <a:t>All scopes inherit from $</a:t>
             </a:r>
             <a:r>
               <a:rPr lang="en-US" dirty="0" err="1" smtClean="0"/>
@@ -10121,7 +10088,7 @@
             <a:spLocks noGrp="1"/>
           </p:cNvSpPr>
           <p:nvPr>
-            <p:ph type="title"/>
+            <p:ph type="ctrTitle"/>
           </p:nvPr>
         </p:nvSpPr>
         <p:spPr/>
@@ -10131,7 +10098,11 @@
           <a:p>
             <a:r>
               <a:rPr lang="en-US" dirty="0" smtClean="0"/>
-              <a:t>Checkpoint</a:t>
+              <a:t> </a:t>
+            </a:r>
+            <a:r>
+              <a:rPr lang="en-US" dirty="0" err="1" smtClean="0"/>
+              <a:t>ng-bootcamp</a:t>
             </a:r>
             <a:endParaRPr lang="en-US" dirty="0"/>
           </a:p>
@@ -10139,12 +10110,12 @@
       </p:sp>
       <p:sp>
         <p:nvSpPr>
-          <p:cNvPr id="3" name="Content Placeholder 2"/>
-          <p:cNvSpPr>
-            <a:spLocks noGrp="1"/>
-          </p:cNvSpPr>
-          <p:nvPr>
-            <p:ph idx="1"/>
+          <p:cNvPr id="3" name="Subtitle 2"/>
+          <p:cNvSpPr>
+            <a:spLocks noGrp="1"/>
+          </p:cNvSpPr>
+          <p:nvPr>
+            <p:ph type="subTitle" idx="1"/>
           </p:nvPr>
         </p:nvSpPr>
         <p:spPr/>
@@ -10153,16 +10124,8 @@
           <a:lstStyle/>
           <a:p>
             <a:r>
-              <a:rPr lang="en-US" dirty="0" err="1"/>
-              <a:t>git</a:t>
-            </a:r>
-            <a:r>
-              <a:rPr lang="en-US" dirty="0"/>
-              <a:t> checkout -f day-1/step</a:t>
-            </a:r>
-            <a:r>
-              <a:rPr lang="en-US" dirty="0" smtClean="0"/>
-              <a:t>-2</a:t>
+              <a:rPr lang="en-US" dirty="0" smtClean="0"/>
+              <a:t>Day 1</a:t>
             </a:r>
             <a:endParaRPr lang="en-US" dirty="0"/>
           </a:p>
@@ -10171,13 +10134,20 @@
     </p:spTree>
     <p:extLst>
       <p:ext uri="{BB962C8B-B14F-4D97-AF65-F5344CB8AC3E}">
-        <p14:creationId xmlns:p14="http://schemas.microsoft.com/office/powerpoint/2010/main" val="2544589435"/>
+        <p14:creationId xmlns:p14="http://schemas.microsoft.com/office/powerpoint/2010/main" val="3075914241"/>
       </p:ext>
     </p:extLst>
   </p:cSld>
   <p:clrMapOvr>
     <a:masterClrMapping/>
   </p:clrMapOvr>
+  <p:timing>
+    <p:tnLst>
+      <p:par>
+        <p:cTn xmlns:p14="http://schemas.microsoft.com/office/powerpoint/2010/main" id="1" dur="indefinite" restart="never" nodeType="tmRoot"/>
+      </p:par>
+    </p:tnLst>
+  </p:timing>
 </p:sld>
 </file>
 
@@ -10198,169 +10168,97 @@
           <a:chExt cx="0" cy="0"/>
         </a:xfrm>
       </p:grpSpPr>
-      <p:sp>
-        <p:nvSpPr>
-          <p:cNvPr id="2" name="Title 1"/>
-          <p:cNvSpPr>
-            <a:spLocks noGrp="1"/>
-          </p:cNvSpPr>
-          <p:nvPr>
-            <p:ph type="title"/>
-          </p:nvPr>
-        </p:nvSpPr>
-        <p:spPr/>
-        <p:txBody>
-          <a:bodyPr/>
-          <a:lstStyle/>
-          <a:p>
-            <a:r>
-              <a:rPr lang="en-US" dirty="0" smtClean="0"/>
-              <a:t>Directives</a:t>
-            </a:r>
-            <a:endParaRPr lang="en-US" dirty="0"/>
-          </a:p>
-        </p:txBody>
-      </p:sp>
-      <p:sp>
-        <p:nvSpPr>
-          <p:cNvPr id="3" name="Content Placeholder 2"/>
-          <p:cNvSpPr>
-            <a:spLocks noGrp="1"/>
-          </p:cNvSpPr>
-          <p:nvPr>
-            <p:ph idx="1"/>
-          </p:nvPr>
-        </p:nvSpPr>
+      <p:pic>
+        <p:nvPicPr>
+          <p:cNvPr id="4" name="Picture 3" descr="feelings_about_angularjs_over_time.png"/>
+          <p:cNvPicPr>
+            <a:picLocks noChangeAspect="1"/>
+          </p:cNvPicPr>
+          <p:nvPr/>
+        </p:nvPicPr>
+        <p:blipFill>
+          <a:blip r:embed="rId2">
+            <a:extLst>
+              <a:ext uri="{28A0092B-C50C-407E-A947-70E740481C1C}">
+                <a14:useLocalDpi xmlns:a14="http://schemas.microsoft.com/office/drawing/2010/main" val="0"/>
+              </a:ext>
+            </a:extLst>
+          </a:blip>
+          <a:stretch>
+            <a:fillRect/>
+          </a:stretch>
+        </p:blipFill>
         <p:spPr>
           <a:xfrm>
-            <a:off x="685800" y="1869140"/>
-            <a:ext cx="7770813" cy="4988859"/>
+            <a:off x="1252631" y="0"/>
+            <a:ext cx="6638739" cy="6858000"/>
           </a:xfrm>
+          <a:prstGeom prst="rect">
+            <a:avLst/>
+          </a:prstGeom>
         </p:spPr>
-        <p:txBody>
-          <a:bodyPr>
-            <a:normAutofit/>
-          </a:bodyPr>
+      </p:pic>
+      <p:sp>
+        <p:nvSpPr>
+          <p:cNvPr id="2" name="Oval 1"/>
+          <p:cNvSpPr/>
+          <p:nvPr/>
+        </p:nvSpPr>
+        <p:spPr>
+          <a:xfrm>
+            <a:off x="1626128" y="4403839"/>
+            <a:ext cx="913955" cy="819043"/>
+          </a:xfrm>
+          <a:prstGeom prst="ellipse">
+            <a:avLst/>
+          </a:prstGeom>
+          <a:noFill/>
+          <a:ln w="28575" cmpd="sng">
+            <a:solidFill>
+              <a:srgbClr val="86CE24"/>
+            </a:solidFill>
+          </a:ln>
+        </p:spPr>
+        <p:style>
+          <a:lnRef idx="1">
+            <a:schemeClr val="accent1"/>
+          </a:lnRef>
+          <a:fillRef idx="3">
+            <a:schemeClr val="accent1"/>
+          </a:fillRef>
+          <a:effectRef idx="2">
+            <a:schemeClr val="accent1"/>
+          </a:effectRef>
+          <a:fontRef idx="minor">
+            <a:schemeClr val="lt1"/>
+          </a:fontRef>
+        </p:style>
+        <p:txBody>
+          <a:bodyPr rtlCol="0" anchor="ctr"/>
           <a:lstStyle/>
           <a:p>
-            <a:r>
-              <a:rPr lang="en-US" dirty="0" smtClean="0"/>
-              <a:t>Markers on DOM elements notifying </a:t>
-            </a:r>
-            <a:r>
-              <a:rPr lang="en-US" dirty="0" err="1" smtClean="0"/>
-              <a:t>Angular’s</a:t>
-            </a:r>
-            <a:r>
-              <a:rPr lang="en-US" dirty="0" smtClean="0"/>
-              <a:t> compiler to attach behavior</a:t>
-            </a:r>
-          </a:p>
-          <a:p>
-            <a:pPr lvl="1"/>
-            <a:r>
-              <a:rPr lang="en-US" dirty="0" smtClean="0"/>
-              <a:t>Compile: attach event handling</a:t>
-            </a:r>
-          </a:p>
-          <a:p>
-            <a:pPr lvl="1"/>
-            <a:r>
-              <a:rPr lang="en-US" dirty="0" smtClean="0"/>
-              <a:t>Only source of JS -&gt; DOM interactions!</a:t>
-            </a:r>
-          </a:p>
-          <a:p>
-            <a:r>
-              <a:rPr lang="en-US" dirty="0" smtClean="0"/>
-              <a:t>Naming Standards:  Camel-case in JS, hyphenated when using in markup</a:t>
-            </a:r>
-          </a:p>
-          <a:p>
-            <a:pPr marL="0" indent="0">
-              <a:buNone/>
-            </a:pPr>
-            <a:r>
-              <a:rPr lang="en-US" dirty="0" err="1" smtClean="0">
-                <a:latin typeface="Menlo Regular"/>
-                <a:cs typeface="Menlo Regular"/>
-              </a:rPr>
-              <a:t>angular.directive</a:t>
-            </a:r>
-            <a:r>
-              <a:rPr lang="en-US" dirty="0" smtClean="0">
-                <a:latin typeface="Menlo Regular"/>
-                <a:cs typeface="Menlo Regular"/>
-              </a:rPr>
-              <a:t>(‘</a:t>
-            </a:r>
-            <a:r>
-              <a:rPr lang="en-US" dirty="0" err="1" smtClean="0">
-                <a:latin typeface="Menlo Regular"/>
-                <a:cs typeface="Menlo Regular"/>
-              </a:rPr>
-              <a:t>ngController</a:t>
-            </a:r>
-            <a:r>
-              <a:rPr lang="en-US" dirty="0" smtClean="0">
-                <a:latin typeface="Menlo Regular"/>
-                <a:cs typeface="Menlo Regular"/>
-              </a:rPr>
-              <a:t>’, function() { … });</a:t>
-            </a:r>
-          </a:p>
-          <a:p>
-            <a:pPr marL="0" indent="0">
-              <a:buNone/>
-            </a:pPr>
-            <a:r>
-              <a:rPr lang="en-US" dirty="0" smtClean="0">
-                <a:latin typeface="Menlo Regular"/>
-                <a:cs typeface="Menlo Regular"/>
-              </a:rPr>
-              <a:t>&lt;div </a:t>
-            </a:r>
-            <a:r>
-              <a:rPr lang="en-US" dirty="0" err="1" smtClean="0">
-                <a:latin typeface="Menlo Regular"/>
-                <a:cs typeface="Menlo Regular"/>
-              </a:rPr>
-              <a:t>ng</a:t>
-            </a:r>
-            <a:r>
-              <a:rPr lang="en-US" dirty="0" smtClean="0">
-                <a:latin typeface="Menlo Regular"/>
-                <a:cs typeface="Menlo Regular"/>
-              </a:rPr>
-              <a:t>-controller=“</a:t>
-            </a:r>
-            <a:r>
-              <a:rPr lang="en-US" dirty="0" err="1" smtClean="0">
-                <a:latin typeface="Menlo Regular"/>
-                <a:cs typeface="Menlo Regular"/>
-              </a:rPr>
-              <a:t>MyController</a:t>
-            </a:r>
-            <a:r>
-              <a:rPr lang="en-US" dirty="0" smtClean="0">
-                <a:latin typeface="Menlo Regular"/>
-                <a:cs typeface="Menlo Regular"/>
-              </a:rPr>
-              <a:t>”&gt;&lt;/div&gt;</a:t>
-            </a:r>
+            <a:pPr algn="ctr"/>
+            <a:endParaRPr lang="en-US"/>
           </a:p>
         </p:txBody>
       </p:sp>
     </p:spTree>
     <p:extLst>
       <p:ext uri="{BB962C8B-B14F-4D97-AF65-F5344CB8AC3E}">
-        <p14:creationId xmlns:p14="http://schemas.microsoft.com/office/powerpoint/2010/main" val="3164739915"/>
+        <p14:creationId xmlns:p14="http://schemas.microsoft.com/office/powerpoint/2010/main" val="3121648804"/>
       </p:ext>
     </p:extLst>
   </p:cSld>
   <p:clrMapOvr>
     <a:masterClrMapping/>
   </p:clrMapOvr>
+  <p:timing>
+    <p:tnLst>
+      <p:par>
+        <p:cTn xmlns:p14="http://schemas.microsoft.com/office/powerpoint/2010/main" id="1" dur="indefinite" restart="never" nodeType="tmRoot"/>
+      </p:par>
+    </p:tnLst>
+  </p:timing>
 </p:sld>
 </file>
 
@@ -10398,7 +10296,7 @@
           <a:p>
             <a:r>
               <a:rPr lang="en-US" dirty="0" smtClean="0"/>
-              <a:t>Built-In Directives</a:t>
+              <a:t>Checkpoint</a:t>
             </a:r>
             <a:endParaRPr lang="en-US" dirty="0"/>
           </a:p>
@@ -10421,91 +10319,16 @@
           <a:p>
             <a:r>
               <a:rPr lang="en-US" dirty="0" err="1"/>
-              <a:t>ng</a:t>
+              <a:t>git</a:t>
             </a:r>
             <a:r>
               <a:rPr lang="en-US" dirty="0"/>
-              <a:t>-app – indicates module to bootstrap app</a:t>
-            </a:r>
-          </a:p>
-          <a:p>
-            <a:r>
-              <a:rPr lang="en-US" dirty="0" err="1"/>
-              <a:t>ng</a:t>
-            </a:r>
-            <a:r>
-              <a:rPr lang="en-US" dirty="0"/>
-              <a:t>-controller – instantiates controller, attaches to view</a:t>
-            </a:r>
-          </a:p>
-          <a:p>
-            <a:r>
-              <a:rPr lang="en-US" dirty="0" err="1"/>
-              <a:t>ng</a:t>
-            </a:r>
-            <a:r>
-              <a:rPr lang="en-US" dirty="0"/>
-              <a:t>-repeat – iterates over array/object, creating new scope and view for each item</a:t>
-            </a:r>
-          </a:p>
-          <a:p>
-            <a:r>
-              <a:rPr lang="en-US" dirty="0" err="1"/>
-              <a:t>ng</a:t>
-            </a:r>
-            <a:r>
-              <a:rPr lang="en-US" dirty="0"/>
-              <a:t>-show/</a:t>
-            </a:r>
-            <a:r>
-              <a:rPr lang="en-US" dirty="0" err="1"/>
-              <a:t>ng</a:t>
-            </a:r>
-            <a:r>
-              <a:rPr lang="en-US" dirty="0"/>
-              <a:t>-hide</a:t>
-            </a:r>
-          </a:p>
-          <a:p>
-            <a:r>
-              <a:rPr lang="en-US" dirty="0" err="1"/>
-              <a:t>ng</a:t>
-            </a:r>
-            <a:r>
-              <a:rPr lang="en-US" dirty="0"/>
-              <a:t>-class, </a:t>
-            </a:r>
-            <a:r>
-              <a:rPr lang="en-US" dirty="0" err="1"/>
-              <a:t>ng-href</a:t>
-            </a:r>
-            <a:r>
-              <a:rPr lang="en-US" dirty="0"/>
-              <a:t>, </a:t>
-            </a:r>
-            <a:r>
-              <a:rPr lang="en-US" dirty="0" err="1"/>
-              <a:t>ng-src</a:t>
-            </a:r>
-            <a:r>
-              <a:rPr lang="en-US" dirty="0"/>
-              <a:t> vs. class, </a:t>
-            </a:r>
-            <a:r>
-              <a:rPr lang="en-US" dirty="0" err="1"/>
-              <a:t>href</a:t>
-            </a:r>
-            <a:r>
-              <a:rPr lang="en-US" dirty="0"/>
-              <a:t>, </a:t>
-            </a:r>
-            <a:r>
-              <a:rPr lang="en-US" dirty="0" err="1"/>
-              <a:t>src</a:t>
-            </a:r>
-            <a:endParaRPr lang="en-US" dirty="0"/>
-          </a:p>
-          <a:p>
+              <a:t> checkout -f day-1/step</a:t>
+            </a:r>
+            <a:r>
+              <a:rPr lang="en-US" dirty="0" smtClean="0"/>
+              <a:t>-2</a:t>
+            </a:r>
             <a:endParaRPr lang="en-US" dirty="0"/>
           </a:p>
         </p:txBody>
@@ -10513,7 +10336,7 @@
     </p:spTree>
     <p:extLst>
       <p:ext uri="{BB962C8B-B14F-4D97-AF65-F5344CB8AC3E}">
-        <p14:creationId xmlns:p14="http://schemas.microsoft.com/office/powerpoint/2010/main" val="3164787843"/>
+        <p14:creationId xmlns:p14="http://schemas.microsoft.com/office/powerpoint/2010/main" val="2544589435"/>
       </p:ext>
     </p:extLst>
   </p:cSld>
@@ -10557,7 +10380,7 @@
           <a:p>
             <a:r>
               <a:rPr lang="en-US" dirty="0" smtClean="0"/>
-              <a:t>Two-Way Data Binding</a:t>
+              <a:t>Directives</a:t>
             </a:r>
             <a:endParaRPr lang="en-US" dirty="0"/>
           </a:p>
@@ -10573,80 +10396,94 @@
             <p:ph idx="1"/>
           </p:nvPr>
         </p:nvSpPr>
-        <p:spPr/>
-        <p:txBody>
-          <a:bodyPr/>
+        <p:spPr>
+          <a:xfrm>
+            <a:off x="685800" y="1869140"/>
+            <a:ext cx="7770813" cy="4988859"/>
+          </a:xfrm>
+        </p:spPr>
+        <p:txBody>
+          <a:bodyPr>
+            <a:normAutofit/>
+          </a:bodyPr>
           <a:lstStyle/>
           <a:p>
             <a:r>
               <a:rPr lang="en-US" dirty="0" smtClean="0"/>
-              <a:t>One-way binding</a:t>
-            </a:r>
-            <a:r>
-              <a:rPr lang="en-US" dirty="0"/>
-              <a:t> </a:t>
-            </a:r>
-            <a:endParaRPr lang="en-US" dirty="0" smtClean="0"/>
-          </a:p>
-          <a:p>
-            <a:pPr marL="349250" lvl="1" indent="0">
+              <a:t>Markers on DOM elements notifying </a:t>
+            </a:r>
+            <a:r>
+              <a:rPr lang="en-US" dirty="0" err="1" smtClean="0"/>
+              <a:t>Angular’s</a:t>
+            </a:r>
+            <a:r>
+              <a:rPr lang="en-US" dirty="0" smtClean="0"/>
+              <a:t> compiler to attach behavior</a:t>
+            </a:r>
+          </a:p>
+          <a:p>
+            <a:pPr lvl="1"/>
+            <a:r>
+              <a:rPr lang="en-US" dirty="0" smtClean="0"/>
+              <a:t>Compile: attach event handling</a:t>
+            </a:r>
+          </a:p>
+          <a:p>
+            <a:pPr lvl="1"/>
+            <a:r>
+              <a:rPr lang="en-US" dirty="0" smtClean="0"/>
+              <a:t>Only source of JS -&gt; DOM interactions!</a:t>
+            </a:r>
+          </a:p>
+          <a:p>
+            <a:r>
+              <a:rPr lang="en-US" dirty="0" smtClean="0"/>
+              <a:t>Naming Standards:  Camel-case in JS, hyphenated when using in markup</a:t>
+            </a:r>
+          </a:p>
+          <a:p>
+            <a:pPr marL="0" indent="0">
               <a:buNone/>
             </a:pPr>
             <a:r>
-              <a:rPr lang="en-US" dirty="0">
+              <a:rPr lang="en-US" dirty="0" err="1" smtClean="0">
                 <a:latin typeface="Menlo Regular"/>
                 <a:cs typeface="Menlo Regular"/>
               </a:rPr>
-              <a:t>&lt;div&gt;{{</a:t>
-            </a:r>
-            <a:r>
-              <a:rPr lang="en-US" dirty="0" err="1">
-                <a:latin typeface="Menlo Regular"/>
-                <a:cs typeface="Menlo Regular"/>
-              </a:rPr>
-              <a:t>model.user.firstName</a:t>
-            </a:r>
-            <a:r>
-              <a:rPr lang="en-US" dirty="0">
-                <a:latin typeface="Menlo Regular"/>
-                <a:cs typeface="Menlo Regular"/>
-              </a:rPr>
-              <a:t>}}&lt;/div</a:t>
+              <a:t>angular.directive</a:t>
             </a:r>
             <a:r>
               <a:rPr lang="en-US" dirty="0" smtClean="0">
                 <a:latin typeface="Menlo Regular"/>
                 <a:cs typeface="Menlo Regular"/>
               </a:rPr>
-              <a:t>&gt;</a:t>
-            </a:r>
-          </a:p>
-          <a:p>
-            <a:r>
-              <a:rPr lang="en-US" dirty="0" smtClean="0"/>
-              <a:t>Two-way bindings allow DOM elements to update scope properties</a:t>
-            </a:r>
-          </a:p>
-          <a:p>
-            <a:r>
-              <a:rPr lang="en-US" dirty="0" err="1" smtClean="0"/>
-              <a:t>ng</a:t>
-            </a:r>
-            <a:r>
-              <a:rPr lang="en-US" dirty="0" smtClean="0"/>
-              <a:t>-model - binds input value to a property on the scope</a:t>
-            </a:r>
-          </a:p>
-          <a:p>
-            <a:pPr marL="349250" lvl="1" indent="0">
-              <a:buNone/>
-            </a:pPr>
+              <a:t>(‘</a:t>
+            </a:r>
+            <a:r>
+              <a:rPr lang="en-US" dirty="0" err="1" smtClean="0">
+                <a:latin typeface="Menlo Regular"/>
+                <a:cs typeface="Menlo Regular"/>
+              </a:rPr>
+              <a:t>ngController</a:t>
+            </a:r>
             <a:r>
               <a:rPr lang="en-US" dirty="0" smtClean="0">
                 <a:latin typeface="Menlo Regular"/>
                 <a:cs typeface="Menlo Regular"/>
               </a:rPr>
-              <a:t>&lt;input </a:t>
+              <a:t>’, function() { … });</a:t>
+            </a:r>
+          </a:p>
+          <a:p>
+            <a:pPr marL="0" indent="0">
+              <a:buNone/>
+            </a:pPr>
+            <a:r>
+              <a:rPr lang="en-US" dirty="0" smtClean="0">
+                <a:latin typeface="Menlo Regular"/>
+                <a:cs typeface="Menlo Regular"/>
+              </a:rPr>
+              <a:t>&lt;div </a:t>
             </a:r>
             <a:r>
               <a:rPr lang="en-US" dirty="0" err="1" smtClean="0">
@@ -10660,73 +10497,29 @@
                 <a:latin typeface="Menlo Regular"/>
                 <a:cs typeface="Menlo Regular"/>
               </a:rPr>
-              <a:t>-model=“</a:t>
+              <a:t>-controller=“</a:t>
             </a:r>
             <a:r>
               <a:rPr lang="en-US" dirty="0" err="1" smtClean="0">
                 <a:latin typeface="Menlo Regular"/>
                 <a:cs typeface="Menlo Regular"/>
               </a:rPr>
-              <a:t>model.user.firstName</a:t>
+              <a:t>MyController</a:t>
             </a:r>
             <a:r>
               <a:rPr lang="en-US" dirty="0" smtClean="0">
                 <a:latin typeface="Menlo Regular"/>
                 <a:cs typeface="Menlo Regular"/>
               </a:rPr>
-              <a:t>” /&gt;</a:t>
-            </a:r>
-          </a:p>
-          <a:p>
-            <a:pPr marL="349250" lvl="1" indent="0">
-              <a:buNone/>
-            </a:pPr>
-            <a:r>
-              <a:rPr lang="en-US" dirty="0">
-                <a:latin typeface="Menlo Regular"/>
-                <a:cs typeface="Menlo Regular"/>
-              </a:rPr>
-              <a:t>&lt;span&gt;Hello, {{</a:t>
-            </a:r>
-            <a:r>
-              <a:rPr lang="en-US" dirty="0" err="1">
-                <a:latin typeface="Menlo Regular"/>
-                <a:cs typeface="Menlo Regular"/>
-              </a:rPr>
-              <a:t>model.user.firstName</a:t>
-            </a:r>
-            <a:r>
-              <a:rPr lang="en-US" dirty="0">
-                <a:latin typeface="Menlo Regular"/>
-                <a:cs typeface="Menlo Regular"/>
-              </a:rPr>
-              <a:t>}}!&lt;/span&gt;</a:t>
-            </a:r>
-          </a:p>
-          <a:p>
-            <a:pPr marL="349250" lvl="1" indent="0">
-              <a:buNone/>
-            </a:pPr>
-            <a:endParaRPr lang="en-US" dirty="0" smtClean="0"/>
-          </a:p>
-          <a:p>
-            <a:pPr marL="349250" lvl="1" indent="0">
-              <a:buNone/>
-            </a:pPr>
-            <a:endParaRPr lang="en-US" dirty="0"/>
-          </a:p>
-          <a:p>
-            <a:pPr marL="349250" lvl="1" indent="0">
-              <a:buNone/>
-            </a:pPr>
-            <a:endParaRPr lang="en-US" dirty="0" smtClean="0"/>
+              <a:t>”&gt;&lt;/div&gt;</a:t>
+            </a:r>
           </a:p>
         </p:txBody>
       </p:sp>
     </p:spTree>
     <p:extLst>
       <p:ext uri="{BB962C8B-B14F-4D97-AF65-F5344CB8AC3E}">
-        <p14:creationId xmlns:p14="http://schemas.microsoft.com/office/powerpoint/2010/main" val="2181386633"/>
+        <p14:creationId xmlns:p14="http://schemas.microsoft.com/office/powerpoint/2010/main" val="3164739915"/>
       </p:ext>
     </p:extLst>
   </p:cSld>
@@ -10896,6 +10689,393 @@
 </file>
 
 <file path=ppt/slides/slide30.xml><?xml version="1.0" encoding="utf-8"?>
+<p:sld xmlns:a="http://schemas.openxmlformats.org/drawingml/2006/main" xmlns:r="http://schemas.openxmlformats.org/officeDocument/2006/relationships" xmlns:p="http://schemas.openxmlformats.org/presentationml/2006/main">
+  <p:cSld>
+    <p:spTree>
+      <p:nvGrpSpPr>
+        <p:cNvPr id="1" name=""/>
+        <p:cNvGrpSpPr/>
+        <p:nvPr/>
+      </p:nvGrpSpPr>
+      <p:grpSpPr>
+        <a:xfrm>
+          <a:off x="0" y="0"/>
+          <a:ext cx="0" cy="0"/>
+          <a:chOff x="0" y="0"/>
+          <a:chExt cx="0" cy="0"/>
+        </a:xfrm>
+      </p:grpSpPr>
+      <p:sp>
+        <p:nvSpPr>
+          <p:cNvPr id="2" name="Title 1"/>
+          <p:cNvSpPr>
+            <a:spLocks noGrp="1"/>
+          </p:cNvSpPr>
+          <p:nvPr>
+            <p:ph type="title"/>
+          </p:nvPr>
+        </p:nvSpPr>
+        <p:spPr/>
+        <p:txBody>
+          <a:bodyPr/>
+          <a:lstStyle/>
+          <a:p>
+            <a:r>
+              <a:rPr lang="en-US" dirty="0" smtClean="0"/>
+              <a:t>Built-In Directives</a:t>
+            </a:r>
+            <a:endParaRPr lang="en-US" dirty="0"/>
+          </a:p>
+        </p:txBody>
+      </p:sp>
+      <p:sp>
+        <p:nvSpPr>
+          <p:cNvPr id="3" name="Content Placeholder 2"/>
+          <p:cNvSpPr>
+            <a:spLocks noGrp="1"/>
+          </p:cNvSpPr>
+          <p:nvPr>
+            <p:ph idx="1"/>
+          </p:nvPr>
+        </p:nvSpPr>
+        <p:spPr/>
+        <p:txBody>
+          <a:bodyPr/>
+          <a:lstStyle/>
+          <a:p>
+            <a:r>
+              <a:rPr lang="en-US" dirty="0" err="1"/>
+              <a:t>ng</a:t>
+            </a:r>
+            <a:r>
+              <a:rPr lang="en-US" dirty="0"/>
+              <a:t>-app – indicates module to bootstrap app</a:t>
+            </a:r>
+          </a:p>
+          <a:p>
+            <a:r>
+              <a:rPr lang="en-US" dirty="0" err="1"/>
+              <a:t>ng</a:t>
+            </a:r>
+            <a:r>
+              <a:rPr lang="en-US" dirty="0"/>
+              <a:t>-controller – instantiates controller, attaches to view</a:t>
+            </a:r>
+          </a:p>
+          <a:p>
+            <a:r>
+              <a:rPr lang="en-US" dirty="0" err="1"/>
+              <a:t>ng</a:t>
+            </a:r>
+            <a:r>
+              <a:rPr lang="en-US" dirty="0"/>
+              <a:t>-repeat – iterates over array/object, creating new scope and view for each </a:t>
+            </a:r>
+            <a:r>
+              <a:rPr lang="en-US" dirty="0" smtClean="0"/>
+              <a:t>item</a:t>
+            </a:r>
+          </a:p>
+          <a:p>
+            <a:r>
+              <a:rPr lang="en-US" dirty="0" err="1" smtClean="0"/>
+              <a:t>ng</a:t>
+            </a:r>
+            <a:r>
+              <a:rPr lang="en-US" dirty="0" smtClean="0"/>
+              <a:t>-model</a:t>
+            </a:r>
+            <a:endParaRPr lang="en-US" dirty="0"/>
+          </a:p>
+          <a:p>
+            <a:r>
+              <a:rPr lang="en-US" dirty="0" err="1"/>
+              <a:t>ng</a:t>
+            </a:r>
+            <a:r>
+              <a:rPr lang="en-US" dirty="0"/>
+              <a:t>-show/</a:t>
+            </a:r>
+            <a:r>
+              <a:rPr lang="en-US" dirty="0" err="1"/>
+              <a:t>ng</a:t>
+            </a:r>
+            <a:r>
+              <a:rPr lang="en-US" dirty="0"/>
+              <a:t>-hide</a:t>
+            </a:r>
+          </a:p>
+          <a:p>
+            <a:r>
+              <a:rPr lang="en-US" dirty="0" err="1"/>
+              <a:t>ng</a:t>
+            </a:r>
+            <a:r>
+              <a:rPr lang="en-US" dirty="0"/>
+              <a:t>-class, </a:t>
+            </a:r>
+            <a:r>
+              <a:rPr lang="en-US" dirty="0" err="1"/>
+              <a:t>ng-href</a:t>
+            </a:r>
+            <a:r>
+              <a:rPr lang="en-US" dirty="0"/>
+              <a:t>, </a:t>
+            </a:r>
+            <a:r>
+              <a:rPr lang="en-US" dirty="0" err="1"/>
+              <a:t>ng-src</a:t>
+            </a:r>
+            <a:r>
+              <a:rPr lang="en-US" dirty="0"/>
+              <a:t> vs. class, </a:t>
+            </a:r>
+            <a:r>
+              <a:rPr lang="en-US" dirty="0" err="1"/>
+              <a:t>href</a:t>
+            </a:r>
+            <a:r>
+              <a:rPr lang="en-US" dirty="0"/>
+              <a:t>, </a:t>
+            </a:r>
+            <a:r>
+              <a:rPr lang="en-US" dirty="0" err="1"/>
+              <a:t>src</a:t>
+            </a:r>
+            <a:endParaRPr lang="en-US" dirty="0"/>
+          </a:p>
+          <a:p>
+            <a:endParaRPr lang="en-US" dirty="0"/>
+          </a:p>
+        </p:txBody>
+      </p:sp>
+    </p:spTree>
+    <p:extLst>
+      <p:ext uri="{BB962C8B-B14F-4D97-AF65-F5344CB8AC3E}">
+        <p14:creationId xmlns:p14="http://schemas.microsoft.com/office/powerpoint/2010/main" val="3164787843"/>
+      </p:ext>
+    </p:extLst>
+  </p:cSld>
+  <p:clrMapOvr>
+    <a:masterClrMapping/>
+  </p:clrMapOvr>
+</p:sld>
+</file>
+
+<file path=ppt/slides/slide31.xml><?xml version="1.0" encoding="utf-8"?>
+<p:sld xmlns:a="http://schemas.openxmlformats.org/drawingml/2006/main" xmlns:r="http://schemas.openxmlformats.org/officeDocument/2006/relationships" xmlns:p="http://schemas.openxmlformats.org/presentationml/2006/main">
+  <p:cSld>
+    <p:spTree>
+      <p:nvGrpSpPr>
+        <p:cNvPr id="1" name=""/>
+        <p:cNvGrpSpPr/>
+        <p:nvPr/>
+      </p:nvGrpSpPr>
+      <p:grpSpPr>
+        <a:xfrm>
+          <a:off x="0" y="0"/>
+          <a:ext cx="0" cy="0"/>
+          <a:chOff x="0" y="0"/>
+          <a:chExt cx="0" cy="0"/>
+        </a:xfrm>
+      </p:grpSpPr>
+      <p:sp>
+        <p:nvSpPr>
+          <p:cNvPr id="2" name="Title 1"/>
+          <p:cNvSpPr>
+            <a:spLocks noGrp="1"/>
+          </p:cNvSpPr>
+          <p:nvPr>
+            <p:ph type="title"/>
+          </p:nvPr>
+        </p:nvSpPr>
+        <p:spPr/>
+        <p:txBody>
+          <a:bodyPr/>
+          <a:lstStyle/>
+          <a:p>
+            <a:r>
+              <a:rPr lang="en-US" dirty="0" smtClean="0"/>
+              <a:t>Two-Way Data Binding</a:t>
+            </a:r>
+            <a:endParaRPr lang="en-US" dirty="0"/>
+          </a:p>
+        </p:txBody>
+      </p:sp>
+      <p:sp>
+        <p:nvSpPr>
+          <p:cNvPr id="3" name="Content Placeholder 2"/>
+          <p:cNvSpPr>
+            <a:spLocks noGrp="1"/>
+          </p:cNvSpPr>
+          <p:nvPr>
+            <p:ph idx="1"/>
+          </p:nvPr>
+        </p:nvSpPr>
+        <p:spPr/>
+        <p:txBody>
+          <a:bodyPr/>
+          <a:lstStyle/>
+          <a:p>
+            <a:r>
+              <a:rPr lang="en-US" dirty="0" smtClean="0"/>
+              <a:t>One-way binding</a:t>
+            </a:r>
+            <a:r>
+              <a:rPr lang="en-US" dirty="0"/>
+              <a:t> </a:t>
+            </a:r>
+            <a:endParaRPr lang="en-US" dirty="0" smtClean="0"/>
+          </a:p>
+          <a:p>
+            <a:pPr marL="349250" lvl="1" indent="0">
+              <a:buNone/>
+            </a:pPr>
+            <a:r>
+              <a:rPr lang="en-US" dirty="0">
+                <a:latin typeface="Menlo Regular"/>
+                <a:cs typeface="Menlo Regular"/>
+              </a:rPr>
+              <a:t>&lt;div&gt;{{</a:t>
+            </a:r>
+            <a:r>
+              <a:rPr lang="en-US" dirty="0" err="1">
+                <a:latin typeface="Menlo Regular"/>
+                <a:cs typeface="Menlo Regular"/>
+              </a:rPr>
+              <a:t>model.user.firstName</a:t>
+            </a:r>
+            <a:r>
+              <a:rPr lang="en-US" dirty="0">
+                <a:latin typeface="Menlo Regular"/>
+                <a:cs typeface="Menlo Regular"/>
+              </a:rPr>
+              <a:t>}}&lt;/div</a:t>
+            </a:r>
+            <a:r>
+              <a:rPr lang="en-US" dirty="0" smtClean="0">
+                <a:latin typeface="Menlo Regular"/>
+                <a:cs typeface="Menlo Regular"/>
+              </a:rPr>
+              <a:t>&gt;</a:t>
+            </a:r>
+          </a:p>
+          <a:p>
+            <a:r>
+              <a:rPr lang="en-US" dirty="0" smtClean="0"/>
+              <a:t>Two-way bindings allow DOM elements to update scope properties</a:t>
+            </a:r>
+          </a:p>
+          <a:p>
+            <a:r>
+              <a:rPr lang="en-US" dirty="0" err="1" smtClean="0"/>
+              <a:t>ng</a:t>
+            </a:r>
+            <a:r>
+              <a:rPr lang="en-US" dirty="0" smtClean="0"/>
+              <a:t>-model - binds input value to a property on the scope</a:t>
+            </a:r>
+          </a:p>
+          <a:p>
+            <a:pPr marL="349250" lvl="1" indent="0">
+              <a:buNone/>
+            </a:pPr>
+            <a:r>
+              <a:rPr lang="en-US" dirty="0" smtClean="0">
+                <a:latin typeface="Menlo Regular"/>
+                <a:cs typeface="Menlo Regular"/>
+              </a:rPr>
+              <a:t>&lt;input </a:t>
+            </a:r>
+            <a:r>
+              <a:rPr lang="en-US" dirty="0" err="1" smtClean="0">
+                <a:latin typeface="Menlo Regular"/>
+                <a:cs typeface="Menlo Regular"/>
+              </a:rPr>
+              <a:t>ng</a:t>
+            </a:r>
+            <a:r>
+              <a:rPr lang="en-US" dirty="0" smtClean="0">
+                <a:latin typeface="Menlo Regular"/>
+                <a:cs typeface="Menlo Regular"/>
+              </a:rPr>
+              <a:t>-model=“</a:t>
+            </a:r>
+            <a:r>
+              <a:rPr lang="en-US" dirty="0" err="1" smtClean="0">
+                <a:latin typeface="Menlo Regular"/>
+                <a:cs typeface="Menlo Regular"/>
+              </a:rPr>
+              <a:t>model.user.firstName</a:t>
+            </a:r>
+            <a:r>
+              <a:rPr lang="en-US" dirty="0" smtClean="0">
+                <a:latin typeface="Menlo Regular"/>
+                <a:cs typeface="Menlo Regular"/>
+              </a:rPr>
+              <a:t>” /&gt;</a:t>
+            </a:r>
+          </a:p>
+          <a:p>
+            <a:pPr marL="349250" lvl="1" indent="0">
+              <a:buNone/>
+            </a:pPr>
+            <a:r>
+              <a:rPr lang="en-US" dirty="0">
+                <a:latin typeface="Menlo Regular"/>
+                <a:cs typeface="Menlo Regular"/>
+              </a:rPr>
+              <a:t>&lt;span&gt;Hello, {{</a:t>
+            </a:r>
+            <a:r>
+              <a:rPr lang="en-US" dirty="0" err="1">
+                <a:latin typeface="Menlo Regular"/>
+                <a:cs typeface="Menlo Regular"/>
+              </a:rPr>
+              <a:t>model.user.firstName</a:t>
+            </a:r>
+            <a:r>
+              <a:rPr lang="en-US" dirty="0">
+                <a:latin typeface="Menlo Regular"/>
+                <a:cs typeface="Menlo Regular"/>
+              </a:rPr>
+              <a:t>}}!&lt;/span&gt;</a:t>
+            </a:r>
+          </a:p>
+          <a:p>
+            <a:pPr marL="349250" lvl="1" indent="0">
+              <a:buNone/>
+            </a:pPr>
+            <a:endParaRPr lang="en-US" dirty="0" smtClean="0"/>
+          </a:p>
+          <a:p>
+            <a:pPr marL="349250" lvl="1" indent="0">
+              <a:buNone/>
+            </a:pPr>
+            <a:endParaRPr lang="en-US" dirty="0"/>
+          </a:p>
+          <a:p>
+            <a:pPr marL="349250" lvl="1" indent="0">
+              <a:buNone/>
+            </a:pPr>
+            <a:endParaRPr lang="en-US" dirty="0" smtClean="0"/>
+          </a:p>
+        </p:txBody>
+      </p:sp>
+    </p:spTree>
+    <p:extLst>
+      <p:ext uri="{BB962C8B-B14F-4D97-AF65-F5344CB8AC3E}">
+        <p14:creationId xmlns:p14="http://schemas.microsoft.com/office/powerpoint/2010/main" val="2181386633"/>
+      </p:ext>
+    </p:extLst>
+  </p:cSld>
+  <p:clrMapOvr>
+    <a:masterClrMapping/>
+  </p:clrMapOvr>
+</p:sld>
+</file>
+
+<file path=ppt/slides/slide32.xml><?xml version="1.0" encoding="utf-8"?>
 <p:sld xmlns:a="http://schemas.openxmlformats.org/drawingml/2006/main" xmlns:r="http://schemas.openxmlformats.org/officeDocument/2006/relationships" xmlns:p="http://schemas.openxmlformats.org/presentationml/2006/main">
   <p:cSld>
     <p:spTree>
@@ -11013,278 +11193,6 @@
 </p:sld>
 </file>
 
-<file path=ppt/slides/slide31.xml><?xml version="1.0" encoding="utf-8"?>
-<p:sld xmlns:a="http://schemas.openxmlformats.org/drawingml/2006/main" xmlns:r="http://schemas.openxmlformats.org/officeDocument/2006/relationships" xmlns:p="http://schemas.openxmlformats.org/presentationml/2006/main">
-  <p:cSld>
-    <p:spTree>
-      <p:nvGrpSpPr>
-        <p:cNvPr id="1" name=""/>
-        <p:cNvGrpSpPr/>
-        <p:nvPr/>
-      </p:nvGrpSpPr>
-      <p:grpSpPr>
-        <a:xfrm>
-          <a:off x="0" y="0"/>
-          <a:ext cx="0" cy="0"/>
-          <a:chOff x="0" y="0"/>
-          <a:chExt cx="0" cy="0"/>
-        </a:xfrm>
-      </p:grpSpPr>
-      <p:sp>
-        <p:nvSpPr>
-          <p:cNvPr id="2" name="Title 1"/>
-          <p:cNvSpPr>
-            <a:spLocks noGrp="1"/>
-          </p:cNvSpPr>
-          <p:nvPr>
-            <p:ph type="title"/>
-          </p:nvPr>
-        </p:nvSpPr>
-        <p:spPr/>
-        <p:txBody>
-          <a:bodyPr/>
-          <a:lstStyle/>
-          <a:p>
-            <a:r>
-              <a:rPr lang="en-US" dirty="0" smtClean="0"/>
-              <a:t>Event Directives</a:t>
-            </a:r>
-            <a:endParaRPr lang="en-US" dirty="0"/>
-          </a:p>
-        </p:txBody>
-      </p:sp>
-      <p:sp>
-        <p:nvSpPr>
-          <p:cNvPr id="3" name="Content Placeholder 2"/>
-          <p:cNvSpPr>
-            <a:spLocks noGrp="1"/>
-          </p:cNvSpPr>
-          <p:nvPr>
-            <p:ph idx="1"/>
-          </p:nvPr>
-        </p:nvSpPr>
-        <p:spPr/>
-        <p:txBody>
-          <a:bodyPr/>
-          <a:lstStyle/>
-          <a:p>
-            <a:r>
-              <a:rPr lang="en-US" dirty="0" smtClean="0"/>
-              <a:t>Function references can be added to the scope, referenced as callbacks for events</a:t>
-            </a:r>
-          </a:p>
-          <a:p>
-            <a:r>
-              <a:rPr lang="en-US" dirty="0" smtClean="0"/>
-              <a:t>Functions can accept scope properties as parameters</a:t>
-            </a:r>
-            <a:endParaRPr lang="en-US" dirty="0"/>
-          </a:p>
-          <a:p>
-            <a:pPr lvl="1"/>
-            <a:r>
-              <a:rPr lang="en-US" dirty="0" smtClean="0">
-                <a:latin typeface="Menlo Regular"/>
-                <a:cs typeface="Menlo Regular"/>
-              </a:rPr>
-              <a:t>&lt;button </a:t>
-            </a:r>
-            <a:r>
-              <a:rPr lang="en-US" dirty="0" err="1" smtClean="0">
-                <a:latin typeface="Menlo Regular"/>
-                <a:cs typeface="Menlo Regular"/>
-              </a:rPr>
-              <a:t>ng</a:t>
-            </a:r>
-            <a:r>
-              <a:rPr lang="en-US" dirty="0" smtClean="0">
-                <a:latin typeface="Menlo Regular"/>
-                <a:cs typeface="Menlo Regular"/>
-              </a:rPr>
-              <a:t>-click=“</a:t>
-            </a:r>
-            <a:r>
-              <a:rPr lang="en-US" dirty="0" err="1" smtClean="0">
-                <a:latin typeface="Menlo Regular"/>
-                <a:cs typeface="Menlo Regular"/>
-              </a:rPr>
-              <a:t>handleThis</a:t>
-            </a:r>
-            <a:r>
-              <a:rPr lang="en-US" dirty="0" smtClean="0">
-                <a:latin typeface="Menlo Regular"/>
-                <a:cs typeface="Menlo Regular"/>
-              </a:rPr>
-              <a:t>(model)”&gt;Click me!&lt;/button&gt;</a:t>
-            </a:r>
-          </a:p>
-          <a:p>
-            <a:r>
-              <a:rPr lang="en-US" dirty="0" smtClean="0"/>
-              <a:t>Angular event handlers vs. native DOM event handlers</a:t>
-            </a:r>
-          </a:p>
-          <a:p>
-            <a:pPr lvl="1"/>
-            <a:r>
-              <a:rPr lang="en-US" dirty="0" smtClean="0"/>
-              <a:t>Functions on the $scope</a:t>
-            </a:r>
-          </a:p>
-          <a:p>
-            <a:pPr lvl="1"/>
-            <a:r>
-              <a:rPr lang="en-US" dirty="0" smtClean="0"/>
-              <a:t>Can accept $scope properties as parameters</a:t>
-            </a:r>
-          </a:p>
-          <a:p>
-            <a:pPr lvl="1"/>
-            <a:r>
-              <a:rPr lang="en-US" dirty="0" smtClean="0"/>
-              <a:t>Executed within Angular execution context</a:t>
-            </a:r>
-          </a:p>
-          <a:p>
-            <a:endParaRPr lang="en-US" dirty="0" smtClean="0"/>
-          </a:p>
-        </p:txBody>
-      </p:sp>
-    </p:spTree>
-    <p:extLst>
-      <p:ext uri="{BB962C8B-B14F-4D97-AF65-F5344CB8AC3E}">
-        <p14:creationId xmlns:p14="http://schemas.microsoft.com/office/powerpoint/2010/main" val="3042904078"/>
-      </p:ext>
-    </p:extLst>
-  </p:cSld>
-  <p:clrMapOvr>
-    <a:masterClrMapping/>
-  </p:clrMapOvr>
-</p:sld>
-</file>
-
-<file path=ppt/slides/slide32.xml><?xml version="1.0" encoding="utf-8"?>
-<p:sld xmlns:a="http://schemas.openxmlformats.org/drawingml/2006/main" xmlns:r="http://schemas.openxmlformats.org/officeDocument/2006/relationships" xmlns:p="http://schemas.openxmlformats.org/presentationml/2006/main">
-  <p:cSld>
-    <p:spTree>
-      <p:nvGrpSpPr>
-        <p:cNvPr id="1" name=""/>
-        <p:cNvGrpSpPr/>
-        <p:nvPr/>
-      </p:nvGrpSpPr>
-      <p:grpSpPr>
-        <a:xfrm>
-          <a:off x="0" y="0"/>
-          <a:ext cx="0" cy="0"/>
-          <a:chOff x="0" y="0"/>
-          <a:chExt cx="0" cy="0"/>
-        </a:xfrm>
-      </p:grpSpPr>
-      <p:sp>
-        <p:nvSpPr>
-          <p:cNvPr id="2" name="Title 1"/>
-          <p:cNvSpPr>
-            <a:spLocks noGrp="1"/>
-          </p:cNvSpPr>
-          <p:nvPr>
-            <p:ph type="title"/>
-          </p:nvPr>
-        </p:nvSpPr>
-        <p:spPr/>
-        <p:txBody>
-          <a:bodyPr/>
-          <a:lstStyle/>
-          <a:p>
-            <a:r>
-              <a:rPr lang="en-US" dirty="0" smtClean="0"/>
-              <a:t>// TODO</a:t>
-            </a:r>
-            <a:endParaRPr lang="en-US" dirty="0"/>
-          </a:p>
-        </p:txBody>
-      </p:sp>
-      <p:sp>
-        <p:nvSpPr>
-          <p:cNvPr id="3" name="Content Placeholder 2"/>
-          <p:cNvSpPr>
-            <a:spLocks noGrp="1"/>
-          </p:cNvSpPr>
-          <p:nvPr>
-            <p:ph idx="1"/>
-          </p:nvPr>
-        </p:nvSpPr>
-        <p:spPr/>
-        <p:txBody>
-          <a:bodyPr/>
-          <a:lstStyle/>
-          <a:p>
-            <a:r>
-              <a:rPr lang="en-US" dirty="0" smtClean="0"/>
-              <a:t>Add an input that is bound to a scope property with </a:t>
-            </a:r>
-            <a:r>
-              <a:rPr lang="en-US" dirty="0" err="1" smtClean="0"/>
-              <a:t>ng</a:t>
-            </a:r>
-            <a:r>
-              <a:rPr lang="en-US" dirty="0" smtClean="0"/>
-              <a:t>-model directive</a:t>
-            </a:r>
-          </a:p>
-          <a:p>
-            <a:r>
-              <a:rPr lang="en-US" dirty="0" smtClean="0"/>
-              <a:t>Display the property on the page</a:t>
-            </a:r>
-          </a:p>
-          <a:p>
-            <a:r>
-              <a:rPr lang="en-US" dirty="0" smtClean="0"/>
-              <a:t>Add a button that logs the current input value, then clears the input</a:t>
-            </a:r>
-          </a:p>
-          <a:p>
-            <a:pPr lvl="1"/>
-            <a:r>
-              <a:rPr lang="en-US" dirty="0" smtClean="0"/>
-              <a:t>Reset function can be added to scope by the </a:t>
-            </a:r>
-            <a:r>
-              <a:rPr lang="en-US" dirty="0" err="1" smtClean="0"/>
-              <a:t>MyController</a:t>
-            </a:r>
-            <a:r>
-              <a:rPr lang="en-US" dirty="0" smtClean="0"/>
-              <a:t> class on the &lt;body&gt; element</a:t>
-            </a:r>
-          </a:p>
-          <a:p>
-            <a:r>
-              <a:rPr lang="en-US" dirty="0" smtClean="0"/>
-              <a:t>Add unit test</a:t>
-            </a:r>
-          </a:p>
-          <a:p>
-            <a:pPr marL="0" indent="0">
-              <a:buNone/>
-            </a:pPr>
-            <a:endParaRPr lang="en-US" dirty="0"/>
-          </a:p>
-        </p:txBody>
-      </p:sp>
-    </p:spTree>
-    <p:extLst>
-      <p:ext uri="{BB962C8B-B14F-4D97-AF65-F5344CB8AC3E}">
-        <p14:creationId xmlns:p14="http://schemas.microsoft.com/office/powerpoint/2010/main" val="3721282515"/>
-      </p:ext>
-    </p:extLst>
-  </p:cSld>
-  <p:clrMapOvr>
-    <a:masterClrMapping/>
-  </p:clrMapOvr>
-</p:sld>
-</file>
-
 <file path=ppt/slides/slide33.xml><?xml version="1.0" encoding="utf-8"?>
 <p:sld xmlns:a="http://schemas.openxmlformats.org/drawingml/2006/main" xmlns:r="http://schemas.openxmlformats.org/officeDocument/2006/relationships" xmlns:p="http://schemas.openxmlformats.org/presentationml/2006/main">
   <p:cSld>
@@ -11319,7 +11227,7 @@
           <a:p>
             <a:r>
               <a:rPr lang="en-US" dirty="0" smtClean="0"/>
-              <a:t>Checkpoint</a:t>
+              <a:t>Event Directives</a:t>
             </a:r>
             <a:endParaRPr lang="en-US" dirty="0"/>
           </a:p>
@@ -11341,25 +11249,91 @@
           <a:lstStyle/>
           <a:p>
             <a:r>
-              <a:rPr lang="en-US" dirty="0" err="1"/>
-              <a:t>git</a:t>
-            </a:r>
-            <a:r>
-              <a:rPr lang="en-US" dirty="0"/>
-              <a:t> checkout -f day-1/step</a:t>
-            </a:r>
-            <a:r>
-              <a:rPr lang="en-US" dirty="0" smtClean="0"/>
-              <a:t>-3</a:t>
+              <a:rPr lang="en-US" dirty="0" smtClean="0"/>
+              <a:t>Function references can be added to the scope, referenced as callbacks for events</a:t>
+            </a:r>
+          </a:p>
+          <a:p>
+            <a:r>
+              <a:rPr lang="en-US" dirty="0" smtClean="0"/>
+              <a:t>Functions can accept scope properties as parameters</a:t>
             </a:r>
             <a:endParaRPr lang="en-US" dirty="0"/>
+          </a:p>
+          <a:p>
+            <a:pPr lvl="1"/>
+            <a:r>
+              <a:rPr lang="en-US" dirty="0" smtClean="0">
+                <a:latin typeface="Menlo Regular"/>
+                <a:cs typeface="Menlo Regular"/>
+              </a:rPr>
+              <a:t>&lt;button </a:t>
+            </a:r>
+            <a:r>
+              <a:rPr lang="en-US" dirty="0" err="1" smtClean="0">
+                <a:latin typeface="Menlo Regular"/>
+                <a:cs typeface="Menlo Regular"/>
+              </a:rPr>
+              <a:t>ng</a:t>
+            </a:r>
+            <a:r>
+              <a:rPr lang="en-US" dirty="0" smtClean="0">
+                <a:latin typeface="Menlo Regular"/>
+                <a:cs typeface="Menlo Regular"/>
+              </a:rPr>
+              <a:t>-click=“</a:t>
+            </a:r>
+            <a:r>
+              <a:rPr lang="en-US" dirty="0" err="1" smtClean="0">
+                <a:latin typeface="Menlo Regular"/>
+                <a:cs typeface="Menlo Regular"/>
+              </a:rPr>
+              <a:t>handleThis</a:t>
+            </a:r>
+            <a:r>
+              <a:rPr lang="en-US" dirty="0" smtClean="0">
+                <a:latin typeface="Menlo Regular"/>
+                <a:cs typeface="Menlo Regular"/>
+              </a:rPr>
+              <a:t>(model)”&gt;Click me!&lt;/button&gt;</a:t>
+            </a:r>
+          </a:p>
+          <a:p>
+            <a:r>
+              <a:rPr lang="en-US" dirty="0" smtClean="0"/>
+              <a:t>Angular event handlers vs. native DOM event handlers</a:t>
+            </a:r>
+          </a:p>
+          <a:p>
+            <a:pPr lvl="1"/>
+            <a:r>
+              <a:rPr lang="en-US" dirty="0" smtClean="0"/>
+              <a:t>Functions on the $scope</a:t>
+            </a:r>
+          </a:p>
+          <a:p>
+            <a:pPr lvl="1"/>
+            <a:r>
+              <a:rPr lang="en-US" dirty="0" smtClean="0"/>
+              <a:t>Can accept $scope properties as parameters</a:t>
+            </a:r>
+          </a:p>
+          <a:p>
+            <a:pPr lvl="1"/>
+            <a:r>
+              <a:rPr lang="en-US" dirty="0" smtClean="0"/>
+              <a:t>Executed within Angular execution context</a:t>
+            </a:r>
+          </a:p>
+          <a:p>
+            <a:endParaRPr lang="en-US" dirty="0" smtClean="0"/>
           </a:p>
         </p:txBody>
       </p:sp>
     </p:spTree>
     <p:extLst>
       <p:ext uri="{BB962C8B-B14F-4D97-AF65-F5344CB8AC3E}">
-        <p14:creationId xmlns:p14="http://schemas.microsoft.com/office/powerpoint/2010/main" val="1286661238"/>
+        <p14:creationId xmlns:p14="http://schemas.microsoft.com/office/powerpoint/2010/main" val="3042904078"/>
       </p:ext>
     </p:extLst>
   </p:cSld>
@@ -11402,84 +11376,86 @@
           <a:lstStyle/>
           <a:p>
             <a:r>
+              <a:rPr lang="en-US" dirty="0" smtClean="0"/>
+              <a:t>// TODO</a:t>
+            </a:r>
+            <a:endParaRPr lang="en-US" dirty="0"/>
+          </a:p>
+        </p:txBody>
+      </p:sp>
+      <p:sp>
+        <p:nvSpPr>
+          <p:cNvPr id="3" name="Content Placeholder 2"/>
+          <p:cNvSpPr>
+            <a:spLocks noGrp="1"/>
+          </p:cNvSpPr>
+          <p:nvPr>
+            <p:ph idx="1"/>
+          </p:nvPr>
+        </p:nvSpPr>
+        <p:spPr/>
+        <p:txBody>
+          <a:bodyPr/>
+          <a:lstStyle/>
+          <a:p>
+            <a:r>
+              <a:rPr lang="en-US" dirty="0" smtClean="0"/>
+              <a:t>Add an input that is bound to a scope property with </a:t>
+            </a:r>
+            <a:r>
               <a:rPr lang="en-US" dirty="0" err="1" smtClean="0"/>
               <a:t>ng</a:t>
             </a:r>
             <a:r>
               <a:rPr lang="en-US" dirty="0" smtClean="0"/>
-              <a:t>-repeat Directive</a:t>
-            </a:r>
+              <a:t>-model directive</a:t>
+            </a:r>
+          </a:p>
+          <a:p>
+            <a:r>
+              <a:rPr lang="en-US" dirty="0" smtClean="0"/>
+              <a:t>Display the property on the page</a:t>
+            </a:r>
+          </a:p>
+          <a:p>
+            <a:r>
+              <a:rPr lang="en-US" dirty="0" smtClean="0"/>
+              <a:t>Add a button that logs the current input value, then clears the input</a:t>
+            </a:r>
+          </a:p>
+          <a:p>
+            <a:pPr lvl="1"/>
+            <a:r>
+              <a:rPr lang="en-US" dirty="0" smtClean="0"/>
+              <a:t>Reset function can be added to scope by the </a:t>
+            </a:r>
+            <a:r>
+              <a:rPr lang="en-US" dirty="0" err="1" smtClean="0"/>
+              <a:t>MyController</a:t>
+            </a:r>
+            <a:r>
+              <a:rPr lang="en-US" dirty="0" smtClean="0"/>
+              <a:t> class on the &lt;body&gt; element</a:t>
+            </a:r>
+          </a:p>
+          <a:p>
+            <a:r>
+              <a:rPr lang="en-US" dirty="0" smtClean="0"/>
+              <a:t>Add unit test</a:t>
+            </a:r>
+          </a:p>
+          <a:p>
+            <a:pPr marL="0" indent="0">
+              <a:buNone/>
+            </a:pPr>
             <a:endParaRPr lang="en-US" dirty="0"/>
-          </a:p>
-        </p:txBody>
-      </p:sp>
-      <p:sp>
-        <p:nvSpPr>
-          <p:cNvPr id="3" name="Content Placeholder 2"/>
-          <p:cNvSpPr>
-            <a:spLocks noGrp="1"/>
-          </p:cNvSpPr>
-          <p:nvPr>
-            <p:ph idx="1"/>
-          </p:nvPr>
-        </p:nvSpPr>
-        <p:spPr/>
-        <p:txBody>
-          <a:bodyPr/>
-          <a:lstStyle/>
-          <a:p>
-            <a:r>
-              <a:rPr lang="en-US" dirty="0" smtClean="0"/>
-              <a:t>Directive for iterating over a collection</a:t>
-            </a:r>
-          </a:p>
-          <a:p>
-            <a:r>
-              <a:rPr lang="en-US" dirty="0" smtClean="0"/>
-              <a:t>Renders a template once per item</a:t>
-            </a:r>
-          </a:p>
-          <a:p>
-            <a:r>
-              <a:rPr lang="en-US" dirty="0" smtClean="0"/>
-              <a:t>Each template instance gets its own scope:</a:t>
-            </a:r>
-          </a:p>
-          <a:p>
-            <a:pPr lvl="1"/>
-            <a:r>
-              <a:rPr lang="en-US" dirty="0" smtClean="0"/>
-              <a:t>Item value</a:t>
-            </a:r>
-          </a:p>
-          <a:p>
-            <a:pPr lvl="1"/>
-            <a:r>
-              <a:rPr lang="en-US" dirty="0" smtClean="0"/>
-              <a:t>$index (number)</a:t>
-            </a:r>
-          </a:p>
-          <a:p>
-            <a:pPr lvl="1"/>
-            <a:r>
-              <a:rPr lang="en-US" dirty="0" smtClean="0"/>
-              <a:t>$first, $middle, $last, $even, $odd (</a:t>
-            </a:r>
-            <a:r>
-              <a:rPr lang="en-US" dirty="0" err="1" smtClean="0"/>
-              <a:t>booleans</a:t>
-            </a:r>
-            <a:r>
-              <a:rPr lang="en-US" dirty="0" smtClean="0"/>
-              <a:t>)</a:t>
-            </a:r>
           </a:p>
         </p:txBody>
       </p:sp>
     </p:spTree>
     <p:extLst>
       <p:ext uri="{BB962C8B-B14F-4D97-AF65-F5344CB8AC3E}">
-        <p14:creationId xmlns:p14="http://schemas.microsoft.com/office/powerpoint/2010/main" val="125693601"/>
+        <p14:creationId xmlns:p14="http://schemas.microsoft.com/office/powerpoint/2010/main" val="3721282515"/>
       </p:ext>
     </p:extLst>
   </p:cSld>
@@ -11508,618 +11484,53 @@
       </p:grpSpPr>
       <p:sp>
         <p:nvSpPr>
-          <p:cNvPr id="4" name="Rectangle 3"/>
-          <p:cNvSpPr/>
-          <p:nvPr/>
-        </p:nvSpPr>
-        <p:spPr>
-          <a:xfrm>
-            <a:off x="557225" y="1195310"/>
-            <a:ext cx="4572000" cy="1477328"/>
-          </a:xfrm>
-          <a:prstGeom prst="rect">
-            <a:avLst/>
-          </a:prstGeom>
-        </p:spPr>
-        <p:txBody>
-          <a:bodyPr>
-            <a:spAutoFit/>
-          </a:bodyPr>
+          <p:cNvPr id="2" name="Title 1"/>
+          <p:cNvSpPr>
+            <a:spLocks noGrp="1"/>
+          </p:cNvSpPr>
+          <p:nvPr>
+            <p:ph type="title"/>
+          </p:nvPr>
+        </p:nvSpPr>
+        <p:spPr/>
+        <p:txBody>
+          <a:bodyPr/>
           <a:lstStyle/>
           <a:p>
             <a:r>
-              <a:rPr lang="en-US" dirty="0">
-                <a:solidFill>
-                  <a:srgbClr val="F8F8F2"/>
-                </a:solidFill>
-                <a:latin typeface="Menlo"/>
-              </a:rPr>
-              <a:t> </a:t>
-            </a:r>
-            <a:r>
-              <a:rPr lang="en-US" dirty="0">
-                <a:solidFill>
-                  <a:srgbClr val="A6E22E"/>
-                </a:solidFill>
-                <a:latin typeface="Menlo"/>
-              </a:rPr>
-              <a:t>$</a:t>
-            </a:r>
-            <a:r>
-              <a:rPr lang="en-US" dirty="0" err="1">
-                <a:solidFill>
-                  <a:srgbClr val="A6E22E"/>
-                </a:solidFill>
-                <a:latin typeface="Menlo"/>
-              </a:rPr>
-              <a:t>scope</a:t>
-            </a:r>
-            <a:r>
-              <a:rPr lang="en-US" dirty="0" err="1">
-                <a:solidFill>
-                  <a:srgbClr val="F8F8F2"/>
-                </a:solidFill>
-                <a:latin typeface="Menlo"/>
-              </a:rPr>
-              <a:t>.</a:t>
-            </a:r>
-            <a:r>
-              <a:rPr lang="en-US" dirty="0" err="1">
-                <a:solidFill>
-                  <a:srgbClr val="A6E22E"/>
-                </a:solidFill>
-                <a:latin typeface="Menlo"/>
-              </a:rPr>
-              <a:t>items</a:t>
-            </a:r>
-            <a:r>
-              <a:rPr lang="en-US" dirty="0">
-                <a:solidFill>
-                  <a:srgbClr val="F8F8F2"/>
-                </a:solidFill>
-                <a:latin typeface="Menlo"/>
-              </a:rPr>
-              <a:t> </a:t>
-            </a:r>
-            <a:r>
-              <a:rPr lang="en-US" dirty="0">
-                <a:solidFill>
-                  <a:srgbClr val="F92672"/>
-                </a:solidFill>
-                <a:latin typeface="Menlo"/>
-              </a:rPr>
-              <a:t>=</a:t>
-            </a:r>
-            <a:r>
-              <a:rPr lang="en-US" dirty="0">
-                <a:solidFill>
-                  <a:srgbClr val="F8F8F2"/>
-                </a:solidFill>
-                <a:latin typeface="Menlo"/>
-              </a:rPr>
-              <a:t> [</a:t>
-            </a:r>
-          </a:p>
-          <a:p>
-            <a:r>
-              <a:rPr lang="en-US" dirty="0">
-                <a:solidFill>
-                  <a:srgbClr val="F8F8F2"/>
-                </a:solidFill>
-                <a:latin typeface="Menlo"/>
-              </a:rPr>
-              <a:t>    {</a:t>
-            </a:r>
-            <a:r>
-              <a:rPr lang="en-US" dirty="0">
-                <a:solidFill>
-                  <a:srgbClr val="A6E22E"/>
-                </a:solidFill>
-                <a:latin typeface="Menlo"/>
-              </a:rPr>
-              <a:t>name</a:t>
-            </a:r>
-            <a:r>
-              <a:rPr lang="en-US" dirty="0">
-                <a:solidFill>
-                  <a:srgbClr val="F92672"/>
-                </a:solidFill>
-                <a:latin typeface="Menlo"/>
-              </a:rPr>
-              <a:t>:</a:t>
-            </a:r>
-            <a:r>
-              <a:rPr lang="en-US" dirty="0">
-                <a:solidFill>
-                  <a:srgbClr val="F8F8F2"/>
-                </a:solidFill>
-                <a:latin typeface="Menlo"/>
-              </a:rPr>
-              <a:t> </a:t>
-            </a:r>
-            <a:r>
-              <a:rPr lang="en-US" dirty="0">
-                <a:solidFill>
-                  <a:srgbClr val="E6DB74"/>
-                </a:solidFill>
-                <a:latin typeface="Menlo"/>
-              </a:rPr>
-              <a:t>'First Item'</a:t>
-            </a:r>
-            <a:r>
-              <a:rPr lang="en-US" dirty="0">
-                <a:solidFill>
-                  <a:srgbClr val="F8F8F2"/>
-                </a:solidFill>
-                <a:latin typeface="Menlo"/>
-              </a:rPr>
-              <a:t>},</a:t>
-            </a:r>
-          </a:p>
-          <a:p>
-            <a:r>
-              <a:rPr lang="en-US" dirty="0">
-                <a:solidFill>
-                  <a:srgbClr val="F8F8F2"/>
-                </a:solidFill>
-                <a:latin typeface="Menlo"/>
-              </a:rPr>
-              <a:t>    {</a:t>
-            </a:r>
-            <a:r>
-              <a:rPr lang="en-US" dirty="0">
-                <a:solidFill>
-                  <a:srgbClr val="A6E22E"/>
-                </a:solidFill>
-                <a:latin typeface="Menlo"/>
-              </a:rPr>
-              <a:t>name</a:t>
-            </a:r>
-            <a:r>
-              <a:rPr lang="en-US" dirty="0">
-                <a:solidFill>
-                  <a:srgbClr val="F92672"/>
-                </a:solidFill>
-                <a:latin typeface="Menlo"/>
-              </a:rPr>
-              <a:t>:</a:t>
-            </a:r>
-            <a:r>
-              <a:rPr lang="en-US" dirty="0">
-                <a:solidFill>
-                  <a:srgbClr val="F8F8F2"/>
-                </a:solidFill>
-                <a:latin typeface="Menlo"/>
-              </a:rPr>
-              <a:t> </a:t>
-            </a:r>
-            <a:r>
-              <a:rPr lang="en-US" dirty="0">
-                <a:solidFill>
-                  <a:srgbClr val="E6DB74"/>
-                </a:solidFill>
-                <a:latin typeface="Menlo"/>
-              </a:rPr>
-              <a:t>'Second Item'</a:t>
-            </a:r>
-            <a:r>
-              <a:rPr lang="en-US" dirty="0">
-                <a:solidFill>
-                  <a:srgbClr val="F8F8F2"/>
-                </a:solidFill>
-                <a:latin typeface="Menlo"/>
-              </a:rPr>
-              <a:t>},</a:t>
-            </a:r>
-          </a:p>
-          <a:p>
-            <a:r>
-              <a:rPr lang="en-US" dirty="0">
-                <a:solidFill>
-                  <a:srgbClr val="F8F8F2"/>
-                </a:solidFill>
-                <a:latin typeface="Menlo"/>
-              </a:rPr>
-              <a:t>    {</a:t>
-            </a:r>
-            <a:r>
-              <a:rPr lang="en-US" dirty="0">
-                <a:solidFill>
-                  <a:srgbClr val="A6E22E"/>
-                </a:solidFill>
-                <a:latin typeface="Menlo"/>
-              </a:rPr>
-              <a:t>name</a:t>
-            </a:r>
-            <a:r>
-              <a:rPr lang="en-US" dirty="0">
-                <a:solidFill>
-                  <a:srgbClr val="F92672"/>
-                </a:solidFill>
-                <a:latin typeface="Menlo"/>
-              </a:rPr>
-              <a:t>:</a:t>
-            </a:r>
-            <a:r>
-              <a:rPr lang="en-US" dirty="0">
-                <a:solidFill>
-                  <a:srgbClr val="F8F8F2"/>
-                </a:solidFill>
-                <a:latin typeface="Menlo"/>
-              </a:rPr>
-              <a:t> </a:t>
-            </a:r>
-            <a:r>
-              <a:rPr lang="en-US" dirty="0">
-                <a:solidFill>
-                  <a:srgbClr val="E6DB74"/>
-                </a:solidFill>
-                <a:latin typeface="Menlo"/>
-              </a:rPr>
-              <a:t>'Third Item'</a:t>
-            </a:r>
-            <a:r>
-              <a:rPr lang="en-US" dirty="0">
-                <a:solidFill>
-                  <a:srgbClr val="F8F8F2"/>
-                </a:solidFill>
-                <a:latin typeface="Menlo"/>
-              </a:rPr>
-              <a:t>}</a:t>
-            </a:r>
-          </a:p>
-          <a:p>
-            <a:r>
-              <a:rPr lang="en-US" dirty="0">
-                <a:solidFill>
-                  <a:srgbClr val="F8F8F2"/>
-                </a:solidFill>
-                <a:latin typeface="Menlo"/>
-              </a:rPr>
-              <a:t>  ];</a:t>
-            </a:r>
-          </a:p>
-        </p:txBody>
-      </p:sp>
-      <p:sp>
-        <p:nvSpPr>
-          <p:cNvPr id="5" name="Rectangle 4"/>
-          <p:cNvSpPr/>
-          <p:nvPr/>
-        </p:nvSpPr>
-        <p:spPr>
-          <a:xfrm>
-            <a:off x="0" y="2879824"/>
-            <a:ext cx="9144000" cy="1754327"/>
-          </a:xfrm>
-          <a:prstGeom prst="rect">
-            <a:avLst/>
-          </a:prstGeom>
-        </p:spPr>
-        <p:txBody>
-          <a:bodyPr wrap="square">
-            <a:spAutoFit/>
-          </a:bodyPr>
+              <a:rPr lang="en-US" dirty="0" smtClean="0"/>
+              <a:t>Checkpoint</a:t>
+            </a:r>
+            <a:endParaRPr lang="en-US" dirty="0"/>
+          </a:p>
+        </p:txBody>
+      </p:sp>
+      <p:sp>
+        <p:nvSpPr>
+          <p:cNvPr id="3" name="Content Placeholder 2"/>
+          <p:cNvSpPr>
+            <a:spLocks noGrp="1"/>
+          </p:cNvSpPr>
+          <p:nvPr>
+            <p:ph idx="1"/>
+          </p:nvPr>
+        </p:nvSpPr>
+        <p:spPr/>
+        <p:txBody>
+          <a:bodyPr/>
           <a:lstStyle/>
           <a:p>
             <a:r>
-              <a:rPr lang="en-US" dirty="0">
-                <a:solidFill>
-                  <a:srgbClr val="F8F8F2"/>
-                </a:solidFill>
-                <a:latin typeface="Menlo"/>
-              </a:rPr>
-              <a:t> </a:t>
-            </a:r>
-            <a:r>
-              <a:rPr lang="en-US" dirty="0">
-                <a:solidFill>
-                  <a:srgbClr val="F92672"/>
-                </a:solidFill>
-                <a:latin typeface="Menlo"/>
-              </a:rPr>
-              <a:t>&lt;div&gt;</a:t>
-            </a:r>
-            <a:endParaRPr lang="en-US" dirty="0">
-              <a:solidFill>
-                <a:srgbClr val="F8F8F2"/>
-              </a:solidFill>
-              <a:latin typeface="Menlo"/>
-            </a:endParaRPr>
-          </a:p>
-          <a:p>
-            <a:r>
-              <a:rPr lang="de-DE" dirty="0">
-                <a:solidFill>
-                  <a:srgbClr val="F8F8F2"/>
-                </a:solidFill>
-                <a:latin typeface="Menlo"/>
-              </a:rPr>
-              <a:t>    </a:t>
-            </a:r>
-            <a:r>
-              <a:rPr lang="de-DE" dirty="0">
-                <a:solidFill>
-                  <a:srgbClr val="F92672"/>
-                </a:solidFill>
-                <a:latin typeface="Menlo"/>
-              </a:rPr>
-              <a:t>&lt;h2&gt;</a:t>
-            </a:r>
-            <a:r>
-              <a:rPr lang="de-DE" dirty="0">
-                <a:solidFill>
-                  <a:srgbClr val="F8F8F2"/>
-                </a:solidFill>
-                <a:latin typeface="Menlo"/>
-              </a:rPr>
-              <a:t> List Items</a:t>
-            </a:r>
-            <a:r>
-              <a:rPr lang="de-DE" dirty="0">
-                <a:solidFill>
-                  <a:srgbClr val="F92672"/>
-                </a:solidFill>
-                <a:latin typeface="Menlo"/>
-              </a:rPr>
-              <a:t>&lt;/h2&gt;</a:t>
-            </a:r>
-            <a:endParaRPr lang="de-DE" dirty="0">
-              <a:solidFill>
-                <a:srgbClr val="F8F8F2"/>
-              </a:solidFill>
-              <a:latin typeface="Menlo"/>
-            </a:endParaRPr>
-          </a:p>
-          <a:p>
-            <a:r>
-              <a:rPr lang="de-DE" dirty="0">
-                <a:solidFill>
-                  <a:srgbClr val="F8F8F2"/>
-                </a:solidFill>
-                <a:latin typeface="Menlo"/>
-              </a:rPr>
-              <a:t>    </a:t>
-            </a:r>
-            <a:r>
-              <a:rPr lang="de-DE" dirty="0">
-                <a:solidFill>
-                  <a:srgbClr val="F92672"/>
-                </a:solidFill>
-                <a:latin typeface="Menlo"/>
-              </a:rPr>
-              <a:t>&lt;</a:t>
-            </a:r>
-            <a:r>
-              <a:rPr lang="de-DE" dirty="0" err="1">
-                <a:solidFill>
-                  <a:srgbClr val="F92672"/>
-                </a:solidFill>
-                <a:latin typeface="Menlo"/>
-              </a:rPr>
-              <a:t>ul</a:t>
-            </a:r>
-            <a:r>
-              <a:rPr lang="de-DE" dirty="0">
-                <a:solidFill>
-                  <a:srgbClr val="F92672"/>
-                </a:solidFill>
-                <a:latin typeface="Menlo"/>
-              </a:rPr>
-              <a:t>&gt;</a:t>
-            </a:r>
-            <a:endParaRPr lang="de-DE" dirty="0">
-              <a:solidFill>
-                <a:srgbClr val="F8F8F2"/>
-              </a:solidFill>
-              <a:latin typeface="Menlo"/>
-            </a:endParaRPr>
-          </a:p>
-          <a:p>
-            <a:r>
-              <a:rPr lang="de-DE" dirty="0">
-                <a:solidFill>
-                  <a:srgbClr val="F8F8F2"/>
-                </a:solidFill>
-                <a:latin typeface="Menlo"/>
-              </a:rPr>
-              <a:t>      </a:t>
-            </a:r>
-            <a:r>
-              <a:rPr lang="de-DE" dirty="0">
-                <a:solidFill>
-                  <a:srgbClr val="F92672"/>
-                </a:solidFill>
-                <a:latin typeface="Menlo"/>
-              </a:rPr>
-              <a:t>&lt;li</a:t>
-            </a:r>
-            <a:r>
-              <a:rPr lang="de-DE" dirty="0">
-                <a:solidFill>
-                  <a:srgbClr val="F8F8F2"/>
-                </a:solidFill>
-                <a:latin typeface="Menlo"/>
-              </a:rPr>
-              <a:t> </a:t>
-            </a:r>
-            <a:r>
-              <a:rPr lang="de-DE" dirty="0" err="1">
-                <a:solidFill>
-                  <a:srgbClr val="A6E22E"/>
-                </a:solidFill>
-                <a:latin typeface="Menlo"/>
-              </a:rPr>
-              <a:t>ng-repeat</a:t>
-            </a:r>
-            <a:r>
-              <a:rPr lang="de-DE" dirty="0">
-                <a:solidFill>
-                  <a:srgbClr val="A6E22E"/>
-                </a:solidFill>
-                <a:latin typeface="Menlo"/>
-              </a:rPr>
-              <a:t>=</a:t>
-            </a:r>
-            <a:r>
-              <a:rPr lang="de-DE" dirty="0">
-                <a:solidFill>
-                  <a:srgbClr val="E6DB74"/>
-                </a:solidFill>
-                <a:latin typeface="Menlo"/>
-              </a:rPr>
-              <a:t>"item in </a:t>
-            </a:r>
-            <a:r>
-              <a:rPr lang="de-DE" dirty="0" err="1">
-                <a:solidFill>
-                  <a:srgbClr val="E6DB74"/>
-                </a:solidFill>
-                <a:latin typeface="Menlo"/>
-              </a:rPr>
-              <a:t>items</a:t>
-            </a:r>
-            <a:r>
-              <a:rPr lang="de-DE" dirty="0">
-                <a:solidFill>
-                  <a:srgbClr val="E6DB74"/>
-                </a:solidFill>
-                <a:latin typeface="Menlo"/>
-              </a:rPr>
-              <a:t>"</a:t>
-            </a:r>
-            <a:r>
-              <a:rPr lang="de-DE" dirty="0" smtClean="0">
-                <a:solidFill>
-                  <a:srgbClr val="F92672"/>
-                </a:solidFill>
-                <a:latin typeface="Menlo"/>
-              </a:rPr>
-              <a:t>&gt;</a:t>
-            </a:r>
-            <a:r>
-              <a:rPr lang="de-DE" dirty="0" smtClean="0">
-                <a:solidFill>
-                  <a:srgbClr val="F8F8F2"/>
-                </a:solidFill>
-                <a:latin typeface="Menlo"/>
-              </a:rPr>
-              <a:t>{{$</a:t>
-            </a:r>
-            <a:r>
-              <a:rPr lang="de-DE" dirty="0" err="1" smtClean="0">
-                <a:solidFill>
-                  <a:srgbClr val="F8F8F2"/>
-                </a:solidFill>
-                <a:latin typeface="Menlo"/>
-              </a:rPr>
-              <a:t>index</a:t>
-            </a:r>
-            <a:r>
-              <a:rPr lang="de-DE" dirty="0" smtClean="0">
-                <a:solidFill>
-                  <a:srgbClr val="F8F8F2"/>
-                </a:solidFill>
-                <a:latin typeface="Menlo"/>
-              </a:rPr>
-              <a:t>}}: {</a:t>
-            </a:r>
-            <a:r>
-              <a:rPr lang="de-DE" dirty="0" err="1">
-                <a:solidFill>
-                  <a:srgbClr val="F8F8F2"/>
-                </a:solidFill>
-                <a:latin typeface="Menlo"/>
-              </a:rPr>
-              <a:t>item.name</a:t>
-            </a:r>
-            <a:r>
-              <a:rPr lang="de-DE" dirty="0">
-                <a:solidFill>
-                  <a:srgbClr val="F8F8F2"/>
-                </a:solidFill>
-                <a:latin typeface="Menlo"/>
-              </a:rPr>
-              <a:t>}}</a:t>
-            </a:r>
-            <a:r>
-              <a:rPr lang="de-DE" dirty="0">
-                <a:solidFill>
-                  <a:srgbClr val="F92672"/>
-                </a:solidFill>
-                <a:latin typeface="Menlo"/>
-              </a:rPr>
-              <a:t>&lt;/li&gt;</a:t>
-            </a:r>
-            <a:endParaRPr lang="de-DE" dirty="0">
-              <a:solidFill>
-                <a:srgbClr val="F8F8F2"/>
-              </a:solidFill>
-              <a:latin typeface="Menlo"/>
-            </a:endParaRPr>
-          </a:p>
-          <a:p>
-            <a:r>
-              <a:rPr lang="de-DE" dirty="0">
-                <a:solidFill>
-                  <a:srgbClr val="F8F8F2"/>
-                </a:solidFill>
-                <a:latin typeface="Menlo"/>
-              </a:rPr>
-              <a:t>    </a:t>
-            </a:r>
-            <a:r>
-              <a:rPr lang="de-DE" dirty="0">
-                <a:solidFill>
-                  <a:srgbClr val="F92672"/>
-                </a:solidFill>
-                <a:latin typeface="Menlo"/>
-              </a:rPr>
-              <a:t>&lt;/</a:t>
-            </a:r>
-            <a:r>
-              <a:rPr lang="de-DE" dirty="0" err="1">
-                <a:solidFill>
-                  <a:srgbClr val="F92672"/>
-                </a:solidFill>
-                <a:latin typeface="Menlo"/>
-              </a:rPr>
-              <a:t>ul</a:t>
-            </a:r>
-            <a:r>
-              <a:rPr lang="de-DE" dirty="0">
-                <a:solidFill>
-                  <a:srgbClr val="F92672"/>
-                </a:solidFill>
-                <a:latin typeface="Menlo"/>
-              </a:rPr>
-              <a:t>&gt;</a:t>
-            </a:r>
-            <a:endParaRPr lang="de-DE" dirty="0">
-              <a:solidFill>
-                <a:srgbClr val="F8F8F2"/>
-              </a:solidFill>
-              <a:latin typeface="Menlo"/>
-            </a:endParaRPr>
-          </a:p>
-          <a:p>
-            <a:r>
-              <a:rPr lang="de-DE" dirty="0">
-                <a:solidFill>
-                  <a:srgbClr val="F8F8F2"/>
-                </a:solidFill>
-                <a:latin typeface="Menlo"/>
-              </a:rPr>
-              <a:t>  </a:t>
-            </a:r>
-            <a:r>
-              <a:rPr lang="de-DE" dirty="0">
-                <a:solidFill>
-                  <a:srgbClr val="F92672"/>
-                </a:solidFill>
-                <a:latin typeface="Menlo"/>
-              </a:rPr>
-              <a:t>&lt;/div&gt;</a:t>
+              <a:rPr lang="en-US" dirty="0" err="1"/>
+              <a:t>git</a:t>
+            </a:r>
+            <a:r>
+              <a:rPr lang="en-US" dirty="0"/>
+              <a:t> checkout -f day-1/step</a:t>
+            </a:r>
+            <a:r>
+              <a:rPr lang="en-US" dirty="0" smtClean="0"/>
+              <a:t>-3</a:t>
             </a:r>
             <a:endParaRPr lang="en-US" dirty="0"/>
           </a:p>
@@ -12128,7 +11539,7 @@
     </p:spTree>
     <p:extLst>
       <p:ext uri="{BB962C8B-B14F-4D97-AF65-F5344CB8AC3E}">
-        <p14:creationId xmlns:p14="http://schemas.microsoft.com/office/powerpoint/2010/main" val="2194702129"/>
+        <p14:creationId xmlns:p14="http://schemas.microsoft.com/office/powerpoint/2010/main" val="1286661238"/>
       </p:ext>
     </p:extLst>
   </p:cSld>
@@ -12171,8 +11582,12 @@
           <a:lstStyle/>
           <a:p>
             <a:r>
-              <a:rPr lang="en-US" dirty="0" smtClean="0"/>
-              <a:t>Filters</a:t>
+              <a:rPr lang="en-US" dirty="0" err="1" smtClean="0"/>
+              <a:t>ng</a:t>
+            </a:r>
+            <a:r>
+              <a:rPr lang="en-US" dirty="0" smtClean="0"/>
+              <a:t>-repeat Directive</a:t>
             </a:r>
             <a:endParaRPr lang="en-US" dirty="0"/>
           </a:p>
@@ -12190,61 +11605,53 @@
         </p:nvSpPr>
         <p:spPr/>
         <p:txBody>
-          <a:bodyPr>
-            <a:normAutofit/>
-          </a:bodyPr>
+          <a:bodyPr/>
           <a:lstStyle/>
           <a:p>
             <a:r>
               <a:rPr lang="en-US" dirty="0" smtClean="0"/>
-              <a:t>Formats value of an expression for display</a:t>
+              <a:t>Directive for iterating over a collection</a:t>
+            </a:r>
+          </a:p>
+          <a:p>
+            <a:r>
+              <a:rPr lang="en-US" dirty="0" smtClean="0"/>
+              <a:t>Renders a template once per item</a:t>
+            </a:r>
+          </a:p>
+          <a:p>
+            <a:r>
+              <a:rPr lang="en-US" dirty="0" smtClean="0"/>
+              <a:t>Each template instance gets its own scope:</a:t>
             </a:r>
           </a:p>
           <a:p>
             <a:pPr lvl="1"/>
             <a:r>
               <a:rPr lang="en-US" dirty="0" smtClean="0"/>
-              <a:t>Can be used for object to string transformations, or for filtering lists of values</a:t>
-            </a:r>
-          </a:p>
-          <a:p>
-            <a:r>
-              <a:rPr lang="en-US" dirty="0" smtClean="0"/>
-              <a:t>Take in a value, return a value</a:t>
-            </a:r>
-          </a:p>
-          <a:p>
+              <a:t>Item value</a:t>
+            </a:r>
+          </a:p>
+          <a:p>
+            <a:pPr lvl="1"/>
+            <a:r>
+              <a:rPr lang="en-US" dirty="0" smtClean="0"/>
+              <a:t>$index (number)</a:t>
+            </a:r>
+          </a:p>
+          <a:p>
+            <a:pPr lvl="1"/>
+            <a:r>
+              <a:rPr lang="en-US" dirty="0" smtClean="0"/>
+              <a:t>$first, $middle, $last, $even, $odd (</a:t>
+            </a:r>
             <a:r>
               <a:rPr lang="en-US" dirty="0" err="1" smtClean="0"/>
-              <a:t>Builtin</a:t>
-            </a:r>
-            <a:r>
-              <a:rPr lang="en-US" dirty="0" smtClean="0"/>
-              <a:t>: date, currency, filter, </a:t>
-            </a:r>
-            <a:r>
-              <a:rPr lang="en-US" dirty="0" err="1" smtClean="0"/>
-              <a:t>json</a:t>
-            </a:r>
-            <a:r>
-              <a:rPr lang="en-US" dirty="0" smtClean="0"/>
-              <a:t>, </a:t>
-            </a:r>
-            <a:r>
-              <a:rPr lang="en-US" dirty="0" err="1" smtClean="0"/>
-              <a:t>limitTo</a:t>
-            </a:r>
-            <a:r>
-              <a:rPr lang="en-US" dirty="0" smtClean="0"/>
-              <a:t>, lowercase, number, </a:t>
-            </a:r>
-            <a:r>
-              <a:rPr lang="en-US" dirty="0" err="1" smtClean="0"/>
-              <a:t>orderBy</a:t>
-            </a:r>
-            <a:r>
-              <a:rPr lang="en-US" dirty="0" smtClean="0"/>
-              <a:t>, uppercase</a:t>
+              <a:t>booleans</a:t>
+            </a:r>
+            <a:r>
+              <a:rPr lang="en-US" dirty="0" smtClean="0"/>
+              <a:t>)</a:t>
             </a:r>
           </a:p>
         </p:txBody>
@@ -12252,7 +11659,7 @@
     </p:spTree>
     <p:extLst>
       <p:ext uri="{BB962C8B-B14F-4D97-AF65-F5344CB8AC3E}">
-        <p14:creationId xmlns:p14="http://schemas.microsoft.com/office/powerpoint/2010/main" val="2285657117"/>
+        <p14:creationId xmlns:p14="http://schemas.microsoft.com/office/powerpoint/2010/main" val="125693601"/>
       </p:ext>
     </p:extLst>
   </p:cSld>
@@ -12287,44 +11694,311 @@
         </p:nvSpPr>
         <p:spPr>
           <a:xfrm>
-            <a:off x="634977" y="3129395"/>
-            <a:ext cx="7951797" cy="3139321"/>
+            <a:off x="557225" y="1195310"/>
+            <a:ext cx="4572000" cy="1477328"/>
           </a:xfrm>
           <a:prstGeom prst="rect">
             <a:avLst/>
           </a:prstGeom>
         </p:spPr>
         <p:txBody>
+          <a:bodyPr>
+            <a:spAutoFit/>
+          </a:bodyPr>
+          <a:lstStyle/>
+          <a:p>
+            <a:r>
+              <a:rPr lang="en-US" dirty="0">
+                <a:solidFill>
+                  <a:srgbClr val="F8F8F2"/>
+                </a:solidFill>
+                <a:latin typeface="Menlo"/>
+              </a:rPr>
+              <a:t> </a:t>
+            </a:r>
+            <a:r>
+              <a:rPr lang="en-US" dirty="0">
+                <a:solidFill>
+                  <a:srgbClr val="A6E22E"/>
+                </a:solidFill>
+                <a:latin typeface="Menlo"/>
+              </a:rPr>
+              <a:t>$</a:t>
+            </a:r>
+            <a:r>
+              <a:rPr lang="en-US" dirty="0" err="1">
+                <a:solidFill>
+                  <a:srgbClr val="A6E22E"/>
+                </a:solidFill>
+                <a:latin typeface="Menlo"/>
+              </a:rPr>
+              <a:t>scope</a:t>
+            </a:r>
+            <a:r>
+              <a:rPr lang="en-US" dirty="0" err="1">
+                <a:solidFill>
+                  <a:srgbClr val="F8F8F2"/>
+                </a:solidFill>
+                <a:latin typeface="Menlo"/>
+              </a:rPr>
+              <a:t>.</a:t>
+            </a:r>
+            <a:r>
+              <a:rPr lang="en-US" dirty="0" err="1">
+                <a:solidFill>
+                  <a:srgbClr val="A6E22E"/>
+                </a:solidFill>
+                <a:latin typeface="Menlo"/>
+              </a:rPr>
+              <a:t>items</a:t>
+            </a:r>
+            <a:r>
+              <a:rPr lang="en-US" dirty="0">
+                <a:solidFill>
+                  <a:srgbClr val="F8F8F2"/>
+                </a:solidFill>
+                <a:latin typeface="Menlo"/>
+              </a:rPr>
+              <a:t> </a:t>
+            </a:r>
+            <a:r>
+              <a:rPr lang="en-US" dirty="0">
+                <a:solidFill>
+                  <a:srgbClr val="F92672"/>
+                </a:solidFill>
+                <a:latin typeface="Menlo"/>
+              </a:rPr>
+              <a:t>=</a:t>
+            </a:r>
+            <a:r>
+              <a:rPr lang="en-US" dirty="0">
+                <a:solidFill>
+                  <a:srgbClr val="F8F8F2"/>
+                </a:solidFill>
+                <a:latin typeface="Menlo"/>
+              </a:rPr>
+              <a:t> [</a:t>
+            </a:r>
+          </a:p>
+          <a:p>
+            <a:r>
+              <a:rPr lang="en-US" dirty="0">
+                <a:solidFill>
+                  <a:srgbClr val="F8F8F2"/>
+                </a:solidFill>
+                <a:latin typeface="Menlo"/>
+              </a:rPr>
+              <a:t>    {</a:t>
+            </a:r>
+            <a:r>
+              <a:rPr lang="en-US" dirty="0">
+                <a:solidFill>
+                  <a:srgbClr val="A6E22E"/>
+                </a:solidFill>
+                <a:latin typeface="Menlo"/>
+              </a:rPr>
+              <a:t>name</a:t>
+            </a:r>
+            <a:r>
+              <a:rPr lang="en-US" dirty="0">
+                <a:solidFill>
+                  <a:srgbClr val="F92672"/>
+                </a:solidFill>
+                <a:latin typeface="Menlo"/>
+              </a:rPr>
+              <a:t>:</a:t>
+            </a:r>
+            <a:r>
+              <a:rPr lang="en-US" dirty="0">
+                <a:solidFill>
+                  <a:srgbClr val="F8F8F2"/>
+                </a:solidFill>
+                <a:latin typeface="Menlo"/>
+              </a:rPr>
+              <a:t> </a:t>
+            </a:r>
+            <a:r>
+              <a:rPr lang="en-US" dirty="0">
+                <a:solidFill>
+                  <a:srgbClr val="E6DB74"/>
+                </a:solidFill>
+                <a:latin typeface="Menlo"/>
+              </a:rPr>
+              <a:t>'First Item'</a:t>
+            </a:r>
+            <a:r>
+              <a:rPr lang="en-US" dirty="0">
+                <a:solidFill>
+                  <a:srgbClr val="F8F8F2"/>
+                </a:solidFill>
+                <a:latin typeface="Menlo"/>
+              </a:rPr>
+              <a:t>},</a:t>
+            </a:r>
+          </a:p>
+          <a:p>
+            <a:r>
+              <a:rPr lang="en-US" dirty="0">
+                <a:solidFill>
+                  <a:srgbClr val="F8F8F2"/>
+                </a:solidFill>
+                <a:latin typeface="Menlo"/>
+              </a:rPr>
+              <a:t>    {</a:t>
+            </a:r>
+            <a:r>
+              <a:rPr lang="en-US" dirty="0">
+                <a:solidFill>
+                  <a:srgbClr val="A6E22E"/>
+                </a:solidFill>
+                <a:latin typeface="Menlo"/>
+              </a:rPr>
+              <a:t>name</a:t>
+            </a:r>
+            <a:r>
+              <a:rPr lang="en-US" dirty="0">
+                <a:solidFill>
+                  <a:srgbClr val="F92672"/>
+                </a:solidFill>
+                <a:latin typeface="Menlo"/>
+              </a:rPr>
+              <a:t>:</a:t>
+            </a:r>
+            <a:r>
+              <a:rPr lang="en-US" dirty="0">
+                <a:solidFill>
+                  <a:srgbClr val="F8F8F2"/>
+                </a:solidFill>
+                <a:latin typeface="Menlo"/>
+              </a:rPr>
+              <a:t> </a:t>
+            </a:r>
+            <a:r>
+              <a:rPr lang="en-US" dirty="0">
+                <a:solidFill>
+                  <a:srgbClr val="E6DB74"/>
+                </a:solidFill>
+                <a:latin typeface="Menlo"/>
+              </a:rPr>
+              <a:t>'Second Item'</a:t>
+            </a:r>
+            <a:r>
+              <a:rPr lang="en-US" dirty="0">
+                <a:solidFill>
+                  <a:srgbClr val="F8F8F2"/>
+                </a:solidFill>
+                <a:latin typeface="Menlo"/>
+              </a:rPr>
+              <a:t>},</a:t>
+            </a:r>
+          </a:p>
+          <a:p>
+            <a:r>
+              <a:rPr lang="en-US" dirty="0">
+                <a:solidFill>
+                  <a:srgbClr val="F8F8F2"/>
+                </a:solidFill>
+                <a:latin typeface="Menlo"/>
+              </a:rPr>
+              <a:t>    {</a:t>
+            </a:r>
+            <a:r>
+              <a:rPr lang="en-US" dirty="0">
+                <a:solidFill>
+                  <a:srgbClr val="A6E22E"/>
+                </a:solidFill>
+                <a:latin typeface="Menlo"/>
+              </a:rPr>
+              <a:t>name</a:t>
+            </a:r>
+            <a:r>
+              <a:rPr lang="en-US" dirty="0">
+                <a:solidFill>
+                  <a:srgbClr val="F92672"/>
+                </a:solidFill>
+                <a:latin typeface="Menlo"/>
+              </a:rPr>
+              <a:t>:</a:t>
+            </a:r>
+            <a:r>
+              <a:rPr lang="en-US" dirty="0">
+                <a:solidFill>
+                  <a:srgbClr val="F8F8F2"/>
+                </a:solidFill>
+                <a:latin typeface="Menlo"/>
+              </a:rPr>
+              <a:t> </a:t>
+            </a:r>
+            <a:r>
+              <a:rPr lang="en-US" dirty="0">
+                <a:solidFill>
+                  <a:srgbClr val="E6DB74"/>
+                </a:solidFill>
+                <a:latin typeface="Menlo"/>
+              </a:rPr>
+              <a:t>'Third Item'</a:t>
+            </a:r>
+            <a:r>
+              <a:rPr lang="en-US" dirty="0">
+                <a:solidFill>
+                  <a:srgbClr val="F8F8F2"/>
+                </a:solidFill>
+                <a:latin typeface="Menlo"/>
+              </a:rPr>
+              <a:t>}</a:t>
+            </a:r>
+          </a:p>
+          <a:p>
+            <a:r>
+              <a:rPr lang="en-US" dirty="0">
+                <a:solidFill>
+                  <a:srgbClr val="F8F8F2"/>
+                </a:solidFill>
+                <a:latin typeface="Menlo"/>
+              </a:rPr>
+              <a:t>  ];</a:t>
+            </a:r>
+          </a:p>
+        </p:txBody>
+      </p:sp>
+      <p:sp>
+        <p:nvSpPr>
+          <p:cNvPr id="5" name="Rectangle 4"/>
+          <p:cNvSpPr/>
+          <p:nvPr/>
+        </p:nvSpPr>
+        <p:spPr>
+          <a:xfrm>
+            <a:off x="0" y="2879824"/>
+            <a:ext cx="9144000" cy="1754327"/>
+          </a:xfrm>
+          <a:prstGeom prst="rect">
+            <a:avLst/>
+          </a:prstGeom>
+        </p:spPr>
+        <p:txBody>
           <a:bodyPr wrap="square">
             <a:spAutoFit/>
           </a:bodyPr>
           <a:lstStyle/>
           <a:p>
-            <a:endParaRPr lang="en-US" dirty="0" smtClean="0">
-              <a:solidFill>
-                <a:srgbClr val="F92672"/>
-              </a:solidFill>
-              <a:latin typeface="Menlo"/>
-            </a:endParaRPr>
-          </a:p>
-          <a:p>
-            <a:r>
-              <a:rPr lang="en-US" dirty="0" smtClean="0">
+            <a:r>
+              <a:rPr lang="en-US" dirty="0">
+                <a:solidFill>
+                  <a:srgbClr val="F8F8F2"/>
+                </a:solidFill>
+                <a:latin typeface="Menlo"/>
+              </a:rPr>
+              <a:t> </a:t>
+            </a:r>
+            <a:r>
+              <a:rPr lang="en-US" dirty="0">
                 <a:solidFill>
                   <a:srgbClr val="F92672"/>
                 </a:solidFill>
                 <a:latin typeface="Menlo"/>
               </a:rPr>
-              <a:t>&lt;</a:t>
-            </a:r>
-            <a:r>
-              <a:rPr lang="en-US" dirty="0">
-                <a:solidFill>
-                  <a:srgbClr val="F92672"/>
-                </a:solidFill>
-                <a:latin typeface="Menlo"/>
-              </a:rPr>
-              <a:t>div&gt;</a:t>
+              <a:t>&lt;div&gt;</a:t>
             </a:r>
             <a:endParaRPr lang="en-US" dirty="0">
               <a:solidFill>
@@ -12394,7 +12068,25 @@
                 </a:solidFill>
                 <a:latin typeface="Menlo"/>
               </a:rPr>
-              <a:t>&lt;div&gt;</a:t>
+              <a:t>&lt;</a:t>
+            </a:r>
+            <a:r>
+              <a:rPr lang="de-DE" dirty="0" err="1">
+                <a:solidFill>
+                  <a:srgbClr val="F92672"/>
+                </a:solidFill>
+                <a:latin typeface="Menlo"/>
+              </a:rPr>
+              <a:t>ul</a:t>
+            </a:r>
+            <a:r>
+              <a:rPr lang="de-DE" dirty="0">
+                <a:solidFill>
+                  <a:srgbClr val="F92672"/>
+                </a:solidFill>
+                <a:latin typeface="Menlo"/>
+              </a:rPr>
+              <a:t>&gt;</a:t>
             </a:r>
             <a:endParaRPr lang="de-DE" dirty="0">
               <a:solidFill>
@@ -12420,16 +12112,106 @@
                 </a:solidFill>
                 <a:latin typeface="Menlo"/>
               </a:rPr>
-              <a:t>&lt;</a:t>
+              <a:t>&lt;li</a:t>
+            </a:r>
+            <a:r>
+              <a:rPr lang="de-DE" dirty="0">
+                <a:solidFill>
+                  <a:srgbClr val="F8F8F2"/>
+                </a:solidFill>
+                <a:latin typeface="Menlo"/>
+              </a:rPr>
+              <a:t> </a:t>
             </a:r>
             <a:r>
               <a:rPr lang="de-DE" dirty="0" err="1">
                 <a:solidFill>
+                  <a:srgbClr val="A6E22E"/>
+                </a:solidFill>
+                <a:latin typeface="Menlo"/>
+              </a:rPr>
+              <a:t>ng-repeat</a:t>
+            </a:r>
+            <a:r>
+              <a:rPr lang="de-DE" dirty="0">
+                <a:solidFill>
+                  <a:srgbClr val="A6E22E"/>
+                </a:solidFill>
+                <a:latin typeface="Menlo"/>
+              </a:rPr>
+              <a:t>=</a:t>
+            </a:r>
+            <a:r>
+              <a:rPr lang="de-DE" dirty="0">
+                <a:solidFill>
+                  <a:srgbClr val="E6DB74"/>
+                </a:solidFill>
+                <a:latin typeface="Menlo"/>
+              </a:rPr>
+              <a:t>"item in </a:t>
+            </a:r>
+            <a:r>
+              <a:rPr lang="de-DE" dirty="0" err="1">
+                <a:solidFill>
+                  <a:srgbClr val="E6DB74"/>
+                </a:solidFill>
+                <a:latin typeface="Menlo"/>
+              </a:rPr>
+              <a:t>items</a:t>
+            </a:r>
+            <a:r>
+              <a:rPr lang="de-DE" dirty="0">
+                <a:solidFill>
+                  <a:srgbClr val="E6DB74"/>
+                </a:solidFill>
+                <a:latin typeface="Menlo"/>
+              </a:rPr>
+              <a:t>"</a:t>
+            </a:r>
+            <a:r>
+              <a:rPr lang="de-DE" dirty="0" smtClean="0">
+                <a:solidFill>
                   <a:srgbClr val="F92672"/>
                 </a:solidFill>
                 <a:latin typeface="Menlo"/>
               </a:rPr>
-              <a:t>label</a:t>
+              <a:t>&gt;</a:t>
+            </a:r>
+            <a:r>
+              <a:rPr lang="de-DE" dirty="0" smtClean="0">
+                <a:solidFill>
+                  <a:srgbClr val="F8F8F2"/>
+                </a:solidFill>
+                <a:latin typeface="Menlo"/>
+              </a:rPr>
+              <a:t>{{$</a:t>
+            </a:r>
+            <a:r>
+              <a:rPr lang="de-DE" dirty="0" err="1" smtClean="0">
+                <a:solidFill>
+                  <a:srgbClr val="F8F8F2"/>
+                </a:solidFill>
+                <a:latin typeface="Menlo"/>
+              </a:rPr>
+              <a:t>index</a:t>
+            </a:r>
+            <a:r>
+              <a:rPr lang="de-DE" dirty="0" smtClean="0">
+                <a:solidFill>
+                  <a:srgbClr val="F8F8F2"/>
+                </a:solidFill>
+                <a:latin typeface="Menlo"/>
+              </a:rPr>
+              <a:t>}}: {</a:t>
+            </a:r>
+            <a:r>
+              <a:rPr lang="de-DE" dirty="0" err="1">
+                <a:solidFill>
+                  <a:srgbClr val="F8F8F2"/>
+                </a:solidFill>
+                <a:latin typeface="Menlo"/>
+              </a:rPr>
+              <a:t>item.name</a:t>
             </a:r>
             <a:r>
               <a:rPr lang="de-DE" dirty="0">
@@ -12438,97 +12220,16 @@
                 </a:solidFill>
                 <a:latin typeface="Menlo"/>
               </a:rPr>
-              <a:t> </a:t>
-            </a:r>
-            <a:r>
-              <a:rPr lang="de-DE" dirty="0" err="1">
-                <a:solidFill>
-                  <a:srgbClr val="A6E22E"/>
-                </a:solidFill>
-                <a:latin typeface="Menlo"/>
-              </a:rPr>
-              <a:t>for</a:t>
+              <a:t>}}</a:t>
             </a:r>
             <a:r>
               <a:rPr lang="de-DE" dirty="0">
                 <a:solidFill>
-                  <a:srgbClr val="A6E22E"/>
-                </a:solidFill>
-                <a:latin typeface="Menlo"/>
-              </a:rPr>
-              <a:t>=</a:t>
-            </a:r>
-            <a:r>
-              <a:rPr lang="de-DE" dirty="0">
-                <a:solidFill>
-                  <a:srgbClr val="E6DB74"/>
-                </a:solidFill>
-                <a:latin typeface="Menlo"/>
-              </a:rPr>
-              <a:t>"</a:t>
-            </a:r>
-            <a:r>
-              <a:rPr lang="de-DE" dirty="0" err="1">
-                <a:solidFill>
-                  <a:srgbClr val="E6DB74"/>
-                </a:solidFill>
-                <a:latin typeface="Menlo"/>
-              </a:rPr>
-              <a:t>query</a:t>
-            </a:r>
-            <a:r>
-              <a:rPr lang="de-DE" dirty="0">
-                <a:solidFill>
-                  <a:srgbClr val="E6DB74"/>
-                </a:solidFill>
-                <a:latin typeface="Menlo"/>
-              </a:rPr>
-              <a:t>"</a:t>
-            </a:r>
-            <a:r>
-              <a:rPr lang="de-DE" dirty="0">
-                <a:solidFill>
                   <a:srgbClr val="F92672"/>
                 </a:solidFill>
                 <a:latin typeface="Menlo"/>
               </a:rPr>
-              <a:t>&gt;</a:t>
-            </a:r>
-            <a:r>
-              <a:rPr lang="de-DE" dirty="0" smtClean="0">
-                <a:solidFill>
-                  <a:srgbClr val="F8F8F2"/>
-                </a:solidFill>
-                <a:latin typeface="Menlo"/>
-              </a:rPr>
-              <a:t>Query: </a:t>
-            </a:r>
-            <a:r>
-              <a:rPr lang="de-DE" dirty="0">
-                <a:solidFill>
-                  <a:srgbClr val="F92672"/>
-                </a:solidFill>
-                <a:latin typeface="Menlo"/>
-              </a:rPr>
-              <a:t>&lt;/</a:t>
-            </a:r>
-            <a:r>
-              <a:rPr lang="de-DE" dirty="0" err="1">
-                <a:solidFill>
-                  <a:srgbClr val="F92672"/>
-                </a:solidFill>
-                <a:latin typeface="Menlo"/>
-              </a:rPr>
-              <a:t>label</a:t>
-            </a:r>
-            <a:r>
-              <a:rPr lang="de-DE" dirty="0">
-                <a:solidFill>
-                  <a:srgbClr val="F92672"/>
-                </a:solidFill>
-                <a:latin typeface="Menlo"/>
-              </a:rPr>
-              <a:t>&gt;</a:t>
+              <a:t>&lt;/li&gt;</a:t>
             </a:r>
             <a:endParaRPr lang="de-DE" dirty="0">
               <a:solidFill>
@@ -12545,7 +12246,7 @@
                 </a:solidFill>
                 <a:latin typeface="Menlo"/>
               </a:rPr>
-              <a:t>      </a:t>
+              <a:t>    </a:t>
             </a:r>
             <a:r>
               <a:rPr lang="de-DE" dirty="0">
@@ -12554,7 +12255,7 @@
                 </a:solidFill>
                 <a:latin typeface="Menlo"/>
               </a:rPr>
-              <a:t>&lt;</a:t>
+              <a:t>&lt;/</a:t>
             </a:r>
             <a:r>
               <a:rPr lang="de-DE" dirty="0" err="1">
@@ -12563,169 +12264,16 @@
                 </a:solidFill>
                 <a:latin typeface="Menlo"/>
               </a:rPr>
-              <a:t>input</a:t>
+              <a:t>ul</a:t>
             </a:r>
             <a:r>
               <a:rPr lang="de-DE" dirty="0">
                 <a:solidFill>
-                  <a:srgbClr val="F8F8F2"/>
-                </a:solidFill>
-                <a:latin typeface="Menlo"/>
-              </a:rPr>
-              <a:t> </a:t>
-            </a:r>
-            <a:r>
-              <a:rPr lang="de-DE" dirty="0">
-                <a:solidFill>
-                  <a:srgbClr val="A6E22E"/>
-                </a:solidFill>
-                <a:latin typeface="Menlo"/>
-              </a:rPr>
-              <a:t>type=</a:t>
-            </a:r>
-            <a:r>
-              <a:rPr lang="de-DE" dirty="0">
-                <a:solidFill>
-                  <a:srgbClr val="E6DB74"/>
-                </a:solidFill>
-                <a:latin typeface="Menlo"/>
-              </a:rPr>
-              <a:t>"</a:t>
-            </a:r>
-            <a:r>
-              <a:rPr lang="de-DE" dirty="0" err="1">
-                <a:solidFill>
-                  <a:srgbClr val="E6DB74"/>
-                </a:solidFill>
-                <a:latin typeface="Menlo"/>
-              </a:rPr>
-              <a:t>text</a:t>
-            </a:r>
-            <a:r>
-              <a:rPr lang="de-DE" dirty="0">
-                <a:solidFill>
-                  <a:srgbClr val="E6DB74"/>
-                </a:solidFill>
-                <a:latin typeface="Menlo"/>
-              </a:rPr>
-              <a:t>"</a:t>
-            </a:r>
-            <a:r>
-              <a:rPr lang="de-DE" dirty="0">
-                <a:solidFill>
-                  <a:srgbClr val="F8F8F2"/>
-                </a:solidFill>
-                <a:latin typeface="Menlo"/>
-              </a:rPr>
-              <a:t> </a:t>
-            </a:r>
-            <a:r>
-              <a:rPr lang="de-DE" dirty="0" err="1">
-                <a:solidFill>
-                  <a:srgbClr val="A6E22E"/>
-                </a:solidFill>
-                <a:latin typeface="Menlo"/>
-              </a:rPr>
-              <a:t>id</a:t>
-            </a:r>
-            <a:r>
-              <a:rPr lang="de-DE" dirty="0">
-                <a:solidFill>
-                  <a:srgbClr val="A6E22E"/>
-                </a:solidFill>
-                <a:latin typeface="Menlo"/>
-              </a:rPr>
-              <a:t>=</a:t>
-            </a:r>
-            <a:r>
-              <a:rPr lang="de-DE" dirty="0">
-                <a:solidFill>
-                  <a:srgbClr val="E6DB74"/>
-                </a:solidFill>
-                <a:latin typeface="Menlo"/>
-              </a:rPr>
-              <a:t>"</a:t>
-            </a:r>
-            <a:r>
-              <a:rPr lang="de-DE" dirty="0" err="1">
-                <a:solidFill>
-                  <a:srgbClr val="E6DB74"/>
-                </a:solidFill>
-                <a:latin typeface="Menlo"/>
-              </a:rPr>
-              <a:t>query</a:t>
-            </a:r>
-            <a:r>
-              <a:rPr lang="de-DE" dirty="0">
-                <a:solidFill>
-                  <a:srgbClr val="E6DB74"/>
-                </a:solidFill>
-                <a:latin typeface="Menlo"/>
-              </a:rPr>
-              <a:t>"</a:t>
-            </a:r>
-            <a:r>
-              <a:rPr lang="de-DE" dirty="0">
-                <a:solidFill>
-                  <a:srgbClr val="F8F8F2"/>
-                </a:solidFill>
-                <a:latin typeface="Menlo"/>
-              </a:rPr>
-              <a:t> </a:t>
-            </a:r>
-            <a:r>
-              <a:rPr lang="de-DE" dirty="0" err="1">
-                <a:solidFill>
-                  <a:srgbClr val="A6E22E"/>
-                </a:solidFill>
-                <a:latin typeface="Menlo"/>
-              </a:rPr>
-              <a:t>ng</a:t>
-            </a:r>
-            <a:r>
-              <a:rPr lang="de-DE" dirty="0">
-                <a:solidFill>
-                  <a:srgbClr val="A6E22E"/>
-                </a:solidFill>
-                <a:latin typeface="Menlo"/>
-              </a:rPr>
-              <a:t>-model=</a:t>
-            </a:r>
-            <a:r>
-              <a:rPr lang="de-DE" dirty="0">
-                <a:solidFill>
-                  <a:srgbClr val="E6DB74"/>
-                </a:solidFill>
-                <a:latin typeface="Menlo"/>
-              </a:rPr>
-              <a:t>"</a:t>
-            </a:r>
-            <a:r>
-              <a:rPr lang="de-DE" dirty="0" err="1">
-                <a:solidFill>
-                  <a:srgbClr val="E6DB74"/>
-                </a:solidFill>
-                <a:latin typeface="Menlo"/>
-              </a:rPr>
-              <a:t>query</a:t>
-            </a:r>
-            <a:r>
-              <a:rPr lang="de-DE" dirty="0">
-                <a:solidFill>
-                  <a:srgbClr val="E6DB74"/>
-                </a:solidFill>
-                <a:latin typeface="Menlo"/>
-              </a:rPr>
-              <a:t>"</a:t>
-            </a:r>
-            <a:r>
-              <a:rPr lang="de-DE" dirty="0">
-                <a:solidFill>
                   <a:srgbClr val="F92672"/>
                 </a:solidFill>
                 <a:latin typeface="Menlo"/>
               </a:rPr>
-              <a:t>/&gt;</a:t>
+              <a:t>&gt;</a:t>
             </a:r>
             <a:endParaRPr lang="de-DE" dirty="0">
               <a:solidFill>
@@ -12742,7 +12290,7 @@
                 </a:solidFill>
                 <a:latin typeface="Menlo"/>
               </a:rPr>
-              <a:t>    </a:t>
+              <a:t>  </a:t>
             </a:r>
             <a:r>
               <a:rPr lang="de-DE" dirty="0">
@@ -12751,803 +12299,16 @@
                 </a:solidFill>
                 <a:latin typeface="Menlo"/>
               </a:rPr>
-              <a:t>&lt;</a:t>
-            </a:r>
-            <a:r>
-              <a:rPr lang="de-DE" dirty="0" err="1">
-                <a:solidFill>
-                  <a:srgbClr val="F92672"/>
-                </a:solidFill>
-                <a:latin typeface="Menlo"/>
-              </a:rPr>
-              <a:t>ul</a:t>
-            </a:r>
-            <a:r>
-              <a:rPr lang="de-DE" dirty="0">
-                <a:solidFill>
-                  <a:srgbClr val="F92672"/>
-                </a:solidFill>
-                <a:latin typeface="Menlo"/>
-              </a:rPr>
-              <a:t>&gt;</a:t>
-            </a:r>
-            <a:endParaRPr lang="de-DE" dirty="0">
-              <a:solidFill>
-                <a:srgbClr val="F8F8F2"/>
-              </a:solidFill>
-              <a:latin typeface="Menlo"/>
-            </a:endParaRPr>
-          </a:p>
-          <a:p>
-            <a:r>
-              <a:rPr lang="de-DE" dirty="0">
-                <a:solidFill>
-                  <a:srgbClr val="F8F8F2"/>
-                </a:solidFill>
-                <a:latin typeface="Menlo"/>
-              </a:rPr>
-              <a:t>      </a:t>
-            </a:r>
-            <a:r>
-              <a:rPr lang="de-DE" dirty="0">
-                <a:solidFill>
-                  <a:srgbClr val="F92672"/>
-                </a:solidFill>
-                <a:latin typeface="Menlo"/>
-              </a:rPr>
-              <a:t>&lt;li</a:t>
-            </a:r>
-            <a:r>
-              <a:rPr lang="de-DE" dirty="0">
-                <a:solidFill>
-                  <a:srgbClr val="F8F8F2"/>
-                </a:solidFill>
-                <a:latin typeface="Menlo"/>
-              </a:rPr>
-              <a:t> </a:t>
-            </a:r>
-            <a:r>
-              <a:rPr lang="de-DE" dirty="0" err="1">
-                <a:solidFill>
-                  <a:srgbClr val="A6E22E"/>
-                </a:solidFill>
-                <a:latin typeface="Menlo"/>
-              </a:rPr>
-              <a:t>ng-repeat</a:t>
-            </a:r>
-            <a:r>
-              <a:rPr lang="de-DE" dirty="0">
-                <a:solidFill>
-                  <a:srgbClr val="A6E22E"/>
-                </a:solidFill>
-                <a:latin typeface="Menlo"/>
-              </a:rPr>
-              <a:t>=</a:t>
-            </a:r>
-            <a:r>
-              <a:rPr lang="de-DE" dirty="0">
-                <a:solidFill>
-                  <a:srgbClr val="E6DB74"/>
-                </a:solidFill>
-                <a:latin typeface="Menlo"/>
-              </a:rPr>
-              <a:t>"item in </a:t>
-            </a:r>
-            <a:r>
-              <a:rPr lang="de-DE" dirty="0" err="1">
-                <a:solidFill>
-                  <a:srgbClr val="E6DB74"/>
-                </a:solidFill>
-                <a:latin typeface="Menlo"/>
-              </a:rPr>
-              <a:t>items</a:t>
-            </a:r>
-            <a:r>
-              <a:rPr lang="de-DE" dirty="0">
-                <a:solidFill>
-                  <a:srgbClr val="E6DB74"/>
-                </a:solidFill>
-                <a:latin typeface="Menlo"/>
-              </a:rPr>
-              <a:t> | </a:t>
-            </a:r>
-            <a:r>
-              <a:rPr lang="de-DE" dirty="0" err="1">
-                <a:solidFill>
-                  <a:srgbClr val="E6DB74"/>
-                </a:solidFill>
-                <a:latin typeface="Menlo"/>
-              </a:rPr>
-              <a:t>filter:query</a:t>
-            </a:r>
-            <a:r>
-              <a:rPr lang="de-DE" dirty="0">
-                <a:solidFill>
-                  <a:srgbClr val="E6DB74"/>
-                </a:solidFill>
-                <a:latin typeface="Menlo"/>
-              </a:rPr>
-              <a:t>"</a:t>
-            </a:r>
-            <a:r>
-              <a:rPr lang="de-DE" dirty="0">
-                <a:solidFill>
-                  <a:srgbClr val="F92672"/>
-                </a:solidFill>
-                <a:latin typeface="Menlo"/>
-              </a:rPr>
-              <a:t>&gt;</a:t>
-            </a:r>
-            <a:r>
-              <a:rPr lang="de-DE" dirty="0">
-                <a:solidFill>
-                  <a:srgbClr val="F8F8F2"/>
-                </a:solidFill>
-                <a:latin typeface="Menlo"/>
-              </a:rPr>
-              <a:t>{{$</a:t>
-            </a:r>
-            <a:r>
-              <a:rPr lang="de-DE" dirty="0" err="1">
-                <a:solidFill>
-                  <a:srgbClr val="F8F8F2"/>
-                </a:solidFill>
-                <a:latin typeface="Menlo"/>
-              </a:rPr>
-              <a:t>index</a:t>
-            </a:r>
-            <a:r>
-              <a:rPr lang="de-DE" dirty="0">
-                <a:solidFill>
-                  <a:srgbClr val="F8F8F2"/>
-                </a:solidFill>
-                <a:latin typeface="Menlo"/>
-              </a:rPr>
-              <a:t>}}: {{</a:t>
-            </a:r>
-            <a:r>
-              <a:rPr lang="de-DE" dirty="0" err="1">
-                <a:solidFill>
-                  <a:srgbClr val="F8F8F2"/>
-                </a:solidFill>
-                <a:latin typeface="Menlo"/>
-              </a:rPr>
-              <a:t>item.name</a:t>
-            </a:r>
-            <a:r>
-              <a:rPr lang="de-DE" dirty="0">
-                <a:solidFill>
-                  <a:srgbClr val="F8F8F2"/>
-                </a:solidFill>
-                <a:latin typeface="Menlo"/>
-              </a:rPr>
-              <a:t>}}</a:t>
-            </a:r>
-            <a:r>
-              <a:rPr lang="de-DE" dirty="0">
-                <a:solidFill>
-                  <a:srgbClr val="F92672"/>
-                </a:solidFill>
-                <a:latin typeface="Menlo"/>
-              </a:rPr>
-              <a:t>&lt;/li&gt;</a:t>
-            </a:r>
-            <a:endParaRPr lang="de-DE" dirty="0">
-              <a:solidFill>
-                <a:srgbClr val="F8F8F2"/>
-              </a:solidFill>
-              <a:latin typeface="Menlo"/>
-            </a:endParaRPr>
-          </a:p>
-          <a:p>
-            <a:r>
-              <a:rPr lang="de-DE" dirty="0">
-                <a:solidFill>
-                  <a:srgbClr val="F8F8F2"/>
-                </a:solidFill>
-                <a:latin typeface="Menlo"/>
-              </a:rPr>
-              <a:t>    </a:t>
-            </a:r>
-            <a:r>
-              <a:rPr lang="de-DE" dirty="0">
-                <a:solidFill>
-                  <a:srgbClr val="F92672"/>
-                </a:solidFill>
-                <a:latin typeface="Menlo"/>
-              </a:rPr>
-              <a:t>&lt;/</a:t>
-            </a:r>
-            <a:r>
-              <a:rPr lang="de-DE" dirty="0" err="1">
-                <a:solidFill>
-                  <a:srgbClr val="F92672"/>
-                </a:solidFill>
-                <a:latin typeface="Menlo"/>
-              </a:rPr>
-              <a:t>ul</a:t>
-            </a:r>
-            <a:r>
-              <a:rPr lang="de-DE" dirty="0">
-                <a:solidFill>
-                  <a:srgbClr val="F92672"/>
-                </a:solidFill>
-                <a:latin typeface="Menlo"/>
-              </a:rPr>
-              <a:t>&gt;</a:t>
-            </a:r>
-            <a:endParaRPr lang="de-DE" dirty="0">
-              <a:solidFill>
-                <a:srgbClr val="F8F8F2"/>
-              </a:solidFill>
-              <a:latin typeface="Menlo"/>
-            </a:endParaRPr>
-          </a:p>
-          <a:p>
-            <a:r>
-              <a:rPr lang="de-DE" dirty="0">
-                <a:solidFill>
-                  <a:srgbClr val="F8F8F2"/>
-                </a:solidFill>
-                <a:latin typeface="Menlo"/>
-              </a:rPr>
-              <a:t>  </a:t>
-            </a:r>
-            <a:r>
-              <a:rPr lang="de-DE" dirty="0">
-                <a:solidFill>
-                  <a:srgbClr val="F92672"/>
-                </a:solidFill>
-                <a:latin typeface="Menlo"/>
-              </a:rPr>
               <a:t>&lt;/div&gt;</a:t>
             </a:r>
-            <a:endParaRPr lang="de-DE" dirty="0">
-              <a:solidFill>
-                <a:srgbClr val="F8F8F2"/>
-              </a:solidFill>
-              <a:latin typeface="Menlo"/>
-            </a:endParaRPr>
-          </a:p>
-        </p:txBody>
-      </p:sp>
-      <p:sp>
-        <p:nvSpPr>
-          <p:cNvPr id="5" name="Rectangle 4"/>
-          <p:cNvSpPr/>
-          <p:nvPr/>
-        </p:nvSpPr>
-        <p:spPr>
-          <a:xfrm>
-            <a:off x="634977" y="571004"/>
-            <a:ext cx="7343934" cy="369332"/>
-          </a:xfrm>
-          <a:prstGeom prst="rect">
-            <a:avLst/>
-          </a:prstGeom>
-        </p:spPr>
-        <p:txBody>
-          <a:bodyPr wrap="square">
-            <a:spAutoFit/>
-          </a:bodyPr>
-          <a:lstStyle/>
-          <a:p>
-            <a:r>
-              <a:rPr lang="en-US" dirty="0">
-                <a:solidFill>
-                  <a:srgbClr val="A6E22E"/>
-                </a:solidFill>
-                <a:latin typeface="Menlo"/>
-              </a:rPr>
-              <a:t>$</a:t>
-            </a:r>
-            <a:r>
-              <a:rPr lang="en-US" dirty="0" err="1">
-                <a:solidFill>
-                  <a:srgbClr val="A6E22E"/>
-                </a:solidFill>
-                <a:latin typeface="Menlo"/>
-              </a:rPr>
-              <a:t>scope</a:t>
-            </a:r>
-            <a:r>
-              <a:rPr lang="en-US" dirty="0" err="1">
-                <a:solidFill>
-                  <a:srgbClr val="F8F8F2"/>
-                </a:solidFill>
-                <a:latin typeface="Menlo"/>
-              </a:rPr>
-              <a:t>.</a:t>
-            </a:r>
-            <a:r>
-              <a:rPr lang="en-US" dirty="0" err="1">
-                <a:solidFill>
-                  <a:srgbClr val="A6E22E"/>
-                </a:solidFill>
-                <a:latin typeface="Menlo"/>
-              </a:rPr>
-              <a:t>now</a:t>
-            </a:r>
-            <a:r>
-              <a:rPr lang="en-US" dirty="0">
-                <a:solidFill>
-                  <a:srgbClr val="F8F8F2"/>
-                </a:solidFill>
-                <a:latin typeface="Menlo"/>
-              </a:rPr>
-              <a:t> </a:t>
-            </a:r>
-            <a:r>
-              <a:rPr lang="en-US" dirty="0">
-                <a:solidFill>
-                  <a:srgbClr val="F92672"/>
-                </a:solidFill>
-                <a:latin typeface="Menlo"/>
-              </a:rPr>
-              <a:t>=</a:t>
-            </a:r>
-            <a:r>
-              <a:rPr lang="en-US" dirty="0">
-                <a:solidFill>
-                  <a:srgbClr val="F8F8F2"/>
-                </a:solidFill>
-                <a:latin typeface="Menlo"/>
-              </a:rPr>
-              <a:t> </a:t>
-            </a:r>
-            <a:r>
-              <a:rPr lang="en-US" dirty="0">
-                <a:solidFill>
-                  <a:srgbClr val="66D9EF"/>
-                </a:solidFill>
-                <a:latin typeface="Menlo"/>
-              </a:rPr>
-              <a:t>new</a:t>
-            </a:r>
-            <a:r>
-              <a:rPr lang="en-US" dirty="0">
-                <a:solidFill>
-                  <a:srgbClr val="F8F8F2"/>
-                </a:solidFill>
-                <a:latin typeface="Menlo"/>
-              </a:rPr>
-              <a:t> Date()</a:t>
-            </a:r>
-            <a:r>
-              <a:rPr lang="en-US" dirty="0" smtClean="0">
-                <a:solidFill>
-                  <a:srgbClr val="F8F8F2"/>
-                </a:solidFill>
-                <a:latin typeface="Menlo"/>
-              </a:rPr>
-              <a:t>;</a:t>
-            </a:r>
-            <a:endParaRPr lang="en-US" dirty="0">
-              <a:solidFill>
-                <a:srgbClr val="F8F8F2"/>
-              </a:solidFill>
-              <a:latin typeface="Menlo"/>
-            </a:endParaRPr>
-          </a:p>
-        </p:txBody>
-      </p:sp>
-      <p:sp>
-        <p:nvSpPr>
-          <p:cNvPr id="6" name="Rectangle 5"/>
-          <p:cNvSpPr/>
-          <p:nvPr/>
-        </p:nvSpPr>
-        <p:spPr>
-          <a:xfrm>
-            <a:off x="634977" y="1907944"/>
-            <a:ext cx="4572000" cy="1477328"/>
-          </a:xfrm>
-          <a:prstGeom prst="rect">
-            <a:avLst/>
-          </a:prstGeom>
-        </p:spPr>
-        <p:txBody>
-          <a:bodyPr>
-            <a:spAutoFit/>
-          </a:bodyPr>
-          <a:lstStyle/>
-          <a:p>
-            <a:r>
-              <a:rPr lang="en-US" dirty="0" smtClean="0">
-                <a:solidFill>
-                  <a:srgbClr val="A6E22E"/>
-                </a:solidFill>
-                <a:latin typeface="Menlo"/>
-              </a:rPr>
-              <a:t>$</a:t>
-            </a:r>
-            <a:r>
-              <a:rPr lang="en-US" dirty="0" err="1">
-                <a:solidFill>
-                  <a:srgbClr val="A6E22E"/>
-                </a:solidFill>
-                <a:latin typeface="Menlo"/>
-              </a:rPr>
-              <a:t>scope</a:t>
-            </a:r>
-            <a:r>
-              <a:rPr lang="en-US" dirty="0" err="1">
-                <a:solidFill>
-                  <a:srgbClr val="F8F8F2"/>
-                </a:solidFill>
-                <a:latin typeface="Menlo"/>
-              </a:rPr>
-              <a:t>.</a:t>
-            </a:r>
-            <a:r>
-              <a:rPr lang="en-US" dirty="0" err="1">
-                <a:solidFill>
-                  <a:srgbClr val="A6E22E"/>
-                </a:solidFill>
-                <a:latin typeface="Menlo"/>
-              </a:rPr>
-              <a:t>items</a:t>
-            </a:r>
-            <a:r>
-              <a:rPr lang="en-US" dirty="0">
-                <a:solidFill>
-                  <a:srgbClr val="F8F8F2"/>
-                </a:solidFill>
-                <a:latin typeface="Menlo"/>
-              </a:rPr>
-              <a:t> </a:t>
-            </a:r>
-            <a:r>
-              <a:rPr lang="en-US" dirty="0">
-                <a:solidFill>
-                  <a:srgbClr val="F92672"/>
-                </a:solidFill>
-                <a:latin typeface="Menlo"/>
-              </a:rPr>
-              <a:t>=</a:t>
-            </a:r>
-            <a:r>
-              <a:rPr lang="en-US" dirty="0">
-                <a:solidFill>
-                  <a:srgbClr val="F8F8F2"/>
-                </a:solidFill>
-                <a:latin typeface="Menlo"/>
-              </a:rPr>
-              <a:t> </a:t>
-            </a:r>
-            <a:r>
-              <a:rPr lang="en-US" dirty="0" smtClean="0">
-                <a:solidFill>
-                  <a:srgbClr val="F8F8F2"/>
-                </a:solidFill>
-                <a:latin typeface="Menlo"/>
-              </a:rPr>
-              <a:t>[   </a:t>
-            </a:r>
-          </a:p>
-          <a:p>
-            <a:r>
-              <a:rPr lang="en-US" dirty="0">
-                <a:solidFill>
-                  <a:srgbClr val="F8F8F2"/>
-                </a:solidFill>
-                <a:latin typeface="Menlo"/>
-              </a:rPr>
-              <a:t> </a:t>
-            </a:r>
-            <a:r>
-              <a:rPr lang="en-US" dirty="0" smtClean="0">
-                <a:solidFill>
-                  <a:srgbClr val="F8F8F2"/>
-                </a:solidFill>
-                <a:latin typeface="Menlo"/>
-              </a:rPr>
-              <a:t> {</a:t>
-            </a:r>
-            <a:r>
-              <a:rPr lang="en-US" dirty="0">
-                <a:solidFill>
-                  <a:srgbClr val="A6E22E"/>
-                </a:solidFill>
-                <a:latin typeface="Menlo"/>
-              </a:rPr>
-              <a:t>name</a:t>
-            </a:r>
-            <a:r>
-              <a:rPr lang="en-US" dirty="0">
-                <a:solidFill>
-                  <a:srgbClr val="F92672"/>
-                </a:solidFill>
-                <a:latin typeface="Menlo"/>
-              </a:rPr>
-              <a:t>:</a:t>
-            </a:r>
-            <a:r>
-              <a:rPr lang="en-US" dirty="0">
-                <a:solidFill>
-                  <a:srgbClr val="F8F8F2"/>
-                </a:solidFill>
-                <a:latin typeface="Menlo"/>
-              </a:rPr>
-              <a:t> </a:t>
-            </a:r>
-            <a:r>
-              <a:rPr lang="en-US" dirty="0">
-                <a:solidFill>
-                  <a:srgbClr val="E6DB74"/>
-                </a:solidFill>
-                <a:latin typeface="Menlo"/>
-              </a:rPr>
-              <a:t>'First Item'</a:t>
-            </a:r>
-            <a:r>
-              <a:rPr lang="en-US" dirty="0">
-                <a:solidFill>
-                  <a:srgbClr val="F8F8F2"/>
-                </a:solidFill>
-                <a:latin typeface="Menlo"/>
-              </a:rPr>
-              <a:t>},</a:t>
-            </a:r>
-          </a:p>
-          <a:p>
-            <a:r>
-              <a:rPr lang="en-US" dirty="0">
-                <a:solidFill>
-                  <a:srgbClr val="F8F8F2"/>
-                </a:solidFill>
-                <a:latin typeface="Menlo"/>
-              </a:rPr>
-              <a:t> </a:t>
-            </a:r>
-            <a:r>
-              <a:rPr lang="en-US" dirty="0" smtClean="0">
-                <a:solidFill>
-                  <a:srgbClr val="F8F8F2"/>
-                </a:solidFill>
-                <a:latin typeface="Menlo"/>
-              </a:rPr>
-              <a:t> </a:t>
-            </a:r>
-            <a:r>
-              <a:rPr lang="en-US" dirty="0">
-                <a:solidFill>
-                  <a:srgbClr val="F8F8F2"/>
-                </a:solidFill>
-                <a:latin typeface="Menlo"/>
-              </a:rPr>
-              <a:t>{</a:t>
-            </a:r>
-            <a:r>
-              <a:rPr lang="en-US" dirty="0">
-                <a:solidFill>
-                  <a:srgbClr val="A6E22E"/>
-                </a:solidFill>
-                <a:latin typeface="Menlo"/>
-              </a:rPr>
-              <a:t>name</a:t>
-            </a:r>
-            <a:r>
-              <a:rPr lang="en-US" dirty="0">
-                <a:solidFill>
-                  <a:srgbClr val="F92672"/>
-                </a:solidFill>
-                <a:latin typeface="Menlo"/>
-              </a:rPr>
-              <a:t>:</a:t>
-            </a:r>
-            <a:r>
-              <a:rPr lang="en-US" dirty="0">
-                <a:solidFill>
-                  <a:srgbClr val="F8F8F2"/>
-                </a:solidFill>
-                <a:latin typeface="Menlo"/>
-              </a:rPr>
-              <a:t> </a:t>
-            </a:r>
-            <a:r>
-              <a:rPr lang="en-US" dirty="0">
-                <a:solidFill>
-                  <a:srgbClr val="E6DB74"/>
-                </a:solidFill>
-                <a:latin typeface="Menlo"/>
-              </a:rPr>
-              <a:t>'Second Item'</a:t>
-            </a:r>
-            <a:r>
-              <a:rPr lang="en-US" dirty="0">
-                <a:solidFill>
-                  <a:srgbClr val="F8F8F2"/>
-                </a:solidFill>
-                <a:latin typeface="Menlo"/>
-              </a:rPr>
-              <a:t>},</a:t>
-            </a:r>
-          </a:p>
-          <a:p>
-            <a:r>
-              <a:rPr lang="en-US" dirty="0" smtClean="0">
-                <a:solidFill>
-                  <a:srgbClr val="F8F8F2"/>
-                </a:solidFill>
-                <a:latin typeface="Menlo"/>
-              </a:rPr>
-              <a:t>  </a:t>
-            </a:r>
-            <a:r>
-              <a:rPr lang="en-US" dirty="0">
-                <a:solidFill>
-                  <a:srgbClr val="F8F8F2"/>
-                </a:solidFill>
-                <a:latin typeface="Menlo"/>
-              </a:rPr>
-              <a:t>{</a:t>
-            </a:r>
-            <a:r>
-              <a:rPr lang="en-US" dirty="0">
-                <a:solidFill>
-                  <a:srgbClr val="A6E22E"/>
-                </a:solidFill>
-                <a:latin typeface="Menlo"/>
-              </a:rPr>
-              <a:t>name</a:t>
-            </a:r>
-            <a:r>
-              <a:rPr lang="en-US" dirty="0">
-                <a:solidFill>
-                  <a:srgbClr val="F92672"/>
-                </a:solidFill>
-                <a:latin typeface="Menlo"/>
-              </a:rPr>
-              <a:t>:</a:t>
-            </a:r>
-            <a:r>
-              <a:rPr lang="en-US" dirty="0">
-                <a:solidFill>
-                  <a:srgbClr val="F8F8F2"/>
-                </a:solidFill>
-                <a:latin typeface="Menlo"/>
-              </a:rPr>
-              <a:t> </a:t>
-            </a:r>
-            <a:r>
-              <a:rPr lang="en-US" dirty="0">
-                <a:solidFill>
-                  <a:srgbClr val="E6DB74"/>
-                </a:solidFill>
-                <a:latin typeface="Menlo"/>
-              </a:rPr>
-              <a:t>'Third Item'</a:t>
-            </a:r>
-            <a:r>
-              <a:rPr lang="en-US" dirty="0">
-                <a:solidFill>
-                  <a:srgbClr val="F8F8F2"/>
-                </a:solidFill>
-                <a:latin typeface="Menlo"/>
-              </a:rPr>
-              <a:t>}</a:t>
-            </a:r>
-          </a:p>
-          <a:p>
-            <a:r>
-              <a:rPr lang="en-US" dirty="0" smtClean="0">
-                <a:solidFill>
-                  <a:srgbClr val="F8F8F2"/>
-                </a:solidFill>
-                <a:latin typeface="Menlo"/>
-              </a:rPr>
-              <a:t>]</a:t>
-            </a:r>
-            <a:r>
-              <a:rPr lang="en-US" dirty="0">
-                <a:solidFill>
-                  <a:srgbClr val="F8F8F2"/>
-                </a:solidFill>
-                <a:latin typeface="Menlo"/>
-              </a:rPr>
-              <a:t>;</a:t>
-            </a:r>
-          </a:p>
-        </p:txBody>
-      </p:sp>
-      <p:sp>
-        <p:nvSpPr>
-          <p:cNvPr id="7" name="Rectangle 6"/>
-          <p:cNvSpPr/>
-          <p:nvPr/>
-        </p:nvSpPr>
-        <p:spPr>
-          <a:xfrm>
-            <a:off x="634977" y="954904"/>
-            <a:ext cx="7571561" cy="369332"/>
-          </a:xfrm>
-          <a:prstGeom prst="rect">
-            <a:avLst/>
-          </a:prstGeom>
-        </p:spPr>
-        <p:txBody>
-          <a:bodyPr wrap="square">
-            <a:spAutoFit/>
-          </a:bodyPr>
-          <a:lstStyle/>
-          <a:p>
-            <a:r>
-              <a:rPr lang="en-US" dirty="0">
-                <a:solidFill>
-                  <a:srgbClr val="F92672"/>
-                </a:solidFill>
-                <a:latin typeface="Menlo"/>
-              </a:rPr>
-              <a:t>&lt;div&gt;</a:t>
-            </a:r>
-            <a:r>
-              <a:rPr lang="en-US" dirty="0">
-                <a:solidFill>
-                  <a:srgbClr val="F8F8F2"/>
-                </a:solidFill>
-                <a:latin typeface="Menlo"/>
-              </a:rPr>
-              <a:t>Date: {{now | </a:t>
-            </a:r>
-            <a:r>
-              <a:rPr lang="en-US" dirty="0" err="1">
-                <a:solidFill>
-                  <a:srgbClr val="F8F8F2"/>
-                </a:solidFill>
-                <a:latin typeface="Menlo"/>
-              </a:rPr>
-              <a:t>date:'MMM</a:t>
-            </a:r>
-            <a:r>
-              <a:rPr lang="en-US" dirty="0">
-                <a:solidFill>
-                  <a:srgbClr val="F8F8F2"/>
-                </a:solidFill>
-                <a:latin typeface="Menlo"/>
-              </a:rPr>
-              <a:t> d, </a:t>
-            </a:r>
-            <a:r>
-              <a:rPr lang="en-US" dirty="0" err="1">
-                <a:solidFill>
-                  <a:srgbClr val="F8F8F2"/>
-                </a:solidFill>
-                <a:latin typeface="Menlo"/>
-              </a:rPr>
-              <a:t>yyyy</a:t>
-            </a:r>
-            <a:r>
-              <a:rPr lang="en-US" dirty="0">
-                <a:solidFill>
-                  <a:srgbClr val="F8F8F2"/>
-                </a:solidFill>
-                <a:latin typeface="Menlo"/>
-              </a:rPr>
-              <a:t>'}}</a:t>
-            </a:r>
-            <a:r>
-              <a:rPr lang="en-US" dirty="0">
-                <a:solidFill>
-                  <a:srgbClr val="F92672"/>
-                </a:solidFill>
-                <a:latin typeface="Menlo"/>
-              </a:rPr>
-              <a:t>&lt;/div&gt;</a:t>
-            </a:r>
-            <a:endParaRPr lang="en-US" dirty="0">
-              <a:solidFill>
-                <a:srgbClr val="F8F8F2"/>
-              </a:solidFill>
-              <a:latin typeface="Menlo"/>
-            </a:endParaRPr>
+            <a:endParaRPr lang="en-US" dirty="0"/>
           </a:p>
         </p:txBody>
       </p:sp>
     </p:spTree>
     <p:extLst>
       <p:ext uri="{BB962C8B-B14F-4D97-AF65-F5344CB8AC3E}">
-        <p14:creationId xmlns:p14="http://schemas.microsoft.com/office/powerpoint/2010/main" val="1459564380"/>
+        <p14:creationId xmlns:p14="http://schemas.microsoft.com/office/powerpoint/2010/main" val="2194702129"/>
       </p:ext>
     </p:extLst>
   </p:cSld>
@@ -13591,7 +12352,7 @@
           <a:p>
             <a:r>
               <a:rPr lang="en-US" dirty="0" smtClean="0"/>
-              <a:t>// TODO</a:t>
+              <a:t>Filters</a:t>
             </a:r>
             <a:endParaRPr lang="en-US" dirty="0"/>
           </a:p>
@@ -13609,32 +12370,61 @@
         </p:nvSpPr>
         <p:spPr/>
         <p:txBody>
-          <a:bodyPr/>
+          <a:bodyPr>
+            <a:normAutofit/>
+          </a:bodyPr>
           <a:lstStyle/>
           <a:p>
             <a:r>
               <a:rPr lang="en-US" dirty="0" smtClean="0"/>
-              <a:t>Add a list of items to the $scope</a:t>
-            </a:r>
-          </a:p>
-          <a:p>
-            <a:r>
-              <a:rPr lang="en-US" dirty="0" smtClean="0"/>
-              <a:t>Use an </a:t>
+              <a:t>Formats value of an expression for display</a:t>
+            </a:r>
+          </a:p>
+          <a:p>
+            <a:pPr lvl="1"/>
+            <a:r>
+              <a:rPr lang="en-US" dirty="0" smtClean="0"/>
+              <a:t>Can be used for object to string transformations, or for filtering lists of values</a:t>
+            </a:r>
+          </a:p>
+          <a:p>
+            <a:r>
+              <a:rPr lang="en-US" dirty="0" smtClean="0"/>
+              <a:t>Take in a value, return a value</a:t>
+            </a:r>
+          </a:p>
+          <a:p>
+            <a:r>
+              <a:rPr lang="en-US" dirty="0" smtClean="0"/>
+              <a:t>Built in</a:t>
+            </a:r>
+            <a:r>
+              <a:rPr lang="en-US" dirty="0" smtClean="0"/>
+              <a:t>: date, currency, filter, </a:t>
             </a:r>
             <a:r>
               <a:rPr lang="en-US" dirty="0" err="1" smtClean="0"/>
-              <a:t>ng</a:t>
-            </a:r>
-            <a:r>
-              <a:rPr lang="en-US" dirty="0" smtClean="0"/>
-              <a:t>-repeat directive to display the items</a:t>
-            </a:r>
-          </a:p>
-          <a:p>
-            <a:r>
-              <a:rPr lang="en-US" dirty="0" smtClean="0"/>
-              <a:t>Use the ‘filter’ filter bound to a text input to filter the list of items</a:t>
+              <a:t>json</a:t>
+            </a:r>
+            <a:r>
+              <a:rPr lang="en-US" dirty="0" smtClean="0"/>
+              <a:t>, </a:t>
+            </a:r>
+            <a:r>
+              <a:rPr lang="en-US" dirty="0" err="1" smtClean="0"/>
+              <a:t>limitTo</a:t>
+            </a:r>
+            <a:r>
+              <a:rPr lang="en-US" dirty="0" smtClean="0"/>
+              <a:t>, lowercase, number, </a:t>
+            </a:r>
+            <a:r>
+              <a:rPr lang="en-US" dirty="0" err="1" smtClean="0"/>
+              <a:t>orderBy</a:t>
+            </a:r>
+            <a:r>
+              <a:rPr lang="en-US" dirty="0" smtClean="0"/>
+              <a:t>, uppercase</a:t>
             </a:r>
           </a:p>
         </p:txBody>
@@ -13642,7 +12432,7 @@
     </p:spTree>
     <p:extLst>
       <p:ext uri="{BB962C8B-B14F-4D97-AF65-F5344CB8AC3E}">
-        <p14:creationId xmlns:p14="http://schemas.microsoft.com/office/powerpoint/2010/main" val="2667350522"/>
+        <p14:creationId xmlns:p14="http://schemas.microsoft.com/office/powerpoint/2010/main" val="2285657117"/>
       </p:ext>
     </p:extLst>
   </p:cSld>
@@ -13671,62 +12461,1273 @@
       </p:grpSpPr>
       <p:sp>
         <p:nvSpPr>
-          <p:cNvPr id="2" name="Title 1"/>
-          <p:cNvSpPr>
-            <a:spLocks noGrp="1"/>
-          </p:cNvSpPr>
-          <p:nvPr>
-            <p:ph type="title"/>
-          </p:nvPr>
-        </p:nvSpPr>
-        <p:spPr/>
-        <p:txBody>
-          <a:bodyPr/>
+          <p:cNvPr id="4" name="Rectangle 3"/>
+          <p:cNvSpPr/>
+          <p:nvPr/>
+        </p:nvSpPr>
+        <p:spPr>
+          <a:xfrm>
+            <a:off x="634977" y="3129395"/>
+            <a:ext cx="7951797" cy="3139321"/>
+          </a:xfrm>
+          <a:prstGeom prst="rect">
+            <a:avLst/>
+          </a:prstGeom>
+        </p:spPr>
+        <p:txBody>
+          <a:bodyPr wrap="square">
+            <a:spAutoFit/>
+          </a:bodyPr>
           <a:lstStyle/>
           <a:p>
-            <a:r>
-              <a:rPr lang="en-US" dirty="0" smtClean="0"/>
-              <a:t>Checkpoint</a:t>
-            </a:r>
-            <a:endParaRPr lang="en-US" dirty="0"/>
-          </a:p>
-        </p:txBody>
-      </p:sp>
-      <p:sp>
-        <p:nvSpPr>
-          <p:cNvPr id="3" name="Content Placeholder 2"/>
-          <p:cNvSpPr>
-            <a:spLocks noGrp="1"/>
-          </p:cNvSpPr>
-          <p:nvPr>
-            <p:ph idx="1"/>
-          </p:nvPr>
-        </p:nvSpPr>
-        <p:spPr/>
-        <p:txBody>
-          <a:bodyPr/>
+            <a:endParaRPr lang="en-US" dirty="0" smtClean="0">
+              <a:solidFill>
+                <a:srgbClr val="F92672"/>
+              </a:solidFill>
+              <a:latin typeface="Menlo"/>
+            </a:endParaRPr>
+          </a:p>
+          <a:p>
+            <a:r>
+              <a:rPr lang="en-US" dirty="0" smtClean="0">
+                <a:solidFill>
+                  <a:srgbClr val="F92672"/>
+                </a:solidFill>
+                <a:latin typeface="Menlo"/>
+              </a:rPr>
+              <a:t>&lt;</a:t>
+            </a:r>
+            <a:r>
+              <a:rPr lang="en-US" dirty="0">
+                <a:solidFill>
+                  <a:srgbClr val="F92672"/>
+                </a:solidFill>
+                <a:latin typeface="Menlo"/>
+              </a:rPr>
+              <a:t>div&gt;</a:t>
+            </a:r>
+            <a:endParaRPr lang="en-US" dirty="0">
+              <a:solidFill>
+                <a:srgbClr val="F8F8F2"/>
+              </a:solidFill>
+              <a:latin typeface="Menlo"/>
+            </a:endParaRPr>
+          </a:p>
+          <a:p>
+            <a:r>
+              <a:rPr lang="de-DE" dirty="0">
+                <a:solidFill>
+                  <a:srgbClr val="F8F8F2"/>
+                </a:solidFill>
+                <a:latin typeface="Menlo"/>
+              </a:rPr>
+              <a:t>    </a:t>
+            </a:r>
+            <a:r>
+              <a:rPr lang="de-DE" dirty="0">
+                <a:solidFill>
+                  <a:srgbClr val="F92672"/>
+                </a:solidFill>
+                <a:latin typeface="Menlo"/>
+              </a:rPr>
+              <a:t>&lt;h2&gt;</a:t>
+            </a:r>
+            <a:r>
+              <a:rPr lang="de-DE" dirty="0">
+                <a:solidFill>
+                  <a:srgbClr val="F8F8F2"/>
+                </a:solidFill>
+                <a:latin typeface="Menlo"/>
+              </a:rPr>
+              <a:t> List Items</a:t>
+            </a:r>
+            <a:r>
+              <a:rPr lang="de-DE" dirty="0">
+                <a:solidFill>
+                  <a:srgbClr val="F92672"/>
+                </a:solidFill>
+                <a:latin typeface="Menlo"/>
+              </a:rPr>
+              <a:t>&lt;/h2&gt;</a:t>
+            </a:r>
+            <a:endParaRPr lang="de-DE" dirty="0">
+              <a:solidFill>
+                <a:srgbClr val="F8F8F2"/>
+              </a:solidFill>
+              <a:latin typeface="Menlo"/>
+            </a:endParaRPr>
+          </a:p>
+          <a:p>
+            <a:r>
+              <a:rPr lang="de-DE" dirty="0">
+                <a:solidFill>
+                  <a:srgbClr val="F8F8F2"/>
+                </a:solidFill>
+                <a:latin typeface="Menlo"/>
+              </a:rPr>
+              <a:t>    </a:t>
+            </a:r>
+            <a:r>
+              <a:rPr lang="de-DE" dirty="0">
+                <a:solidFill>
+                  <a:srgbClr val="F92672"/>
+                </a:solidFill>
+                <a:latin typeface="Menlo"/>
+              </a:rPr>
+              <a:t>&lt;div&gt;</a:t>
+            </a:r>
+            <a:endParaRPr lang="de-DE" dirty="0">
+              <a:solidFill>
+                <a:srgbClr val="F8F8F2"/>
+              </a:solidFill>
+              <a:latin typeface="Menlo"/>
+            </a:endParaRPr>
+          </a:p>
+          <a:p>
+            <a:r>
+              <a:rPr lang="de-DE" dirty="0">
+                <a:solidFill>
+                  <a:srgbClr val="F8F8F2"/>
+                </a:solidFill>
+                <a:latin typeface="Menlo"/>
+              </a:rPr>
+              <a:t>      </a:t>
+            </a:r>
+            <a:r>
+              <a:rPr lang="de-DE" dirty="0">
+                <a:solidFill>
+                  <a:srgbClr val="F92672"/>
+                </a:solidFill>
+                <a:latin typeface="Menlo"/>
+              </a:rPr>
+              <a:t>&lt;</a:t>
+            </a:r>
+            <a:r>
+              <a:rPr lang="de-DE" dirty="0" err="1">
+                <a:solidFill>
+                  <a:srgbClr val="F92672"/>
+                </a:solidFill>
+                <a:latin typeface="Menlo"/>
+              </a:rPr>
+              <a:t>label</a:t>
+            </a:r>
+            <a:r>
+              <a:rPr lang="de-DE" dirty="0">
+                <a:solidFill>
+                  <a:srgbClr val="F8F8F2"/>
+                </a:solidFill>
+                <a:latin typeface="Menlo"/>
+              </a:rPr>
+              <a:t> </a:t>
+            </a:r>
+            <a:r>
+              <a:rPr lang="de-DE" dirty="0" err="1">
+                <a:solidFill>
+                  <a:srgbClr val="A6E22E"/>
+                </a:solidFill>
+                <a:latin typeface="Menlo"/>
+              </a:rPr>
+              <a:t>for</a:t>
+            </a:r>
+            <a:r>
+              <a:rPr lang="de-DE" dirty="0">
+                <a:solidFill>
+                  <a:srgbClr val="A6E22E"/>
+                </a:solidFill>
+                <a:latin typeface="Menlo"/>
+              </a:rPr>
+              <a:t>=</a:t>
+            </a:r>
+            <a:r>
+              <a:rPr lang="de-DE" dirty="0">
+                <a:solidFill>
+                  <a:srgbClr val="E6DB74"/>
+                </a:solidFill>
+                <a:latin typeface="Menlo"/>
+              </a:rPr>
+              <a:t>"</a:t>
+            </a:r>
+            <a:r>
+              <a:rPr lang="de-DE" dirty="0" err="1">
+                <a:solidFill>
+                  <a:srgbClr val="E6DB74"/>
+                </a:solidFill>
+                <a:latin typeface="Menlo"/>
+              </a:rPr>
+              <a:t>query</a:t>
+            </a:r>
+            <a:r>
+              <a:rPr lang="de-DE" dirty="0">
+                <a:solidFill>
+                  <a:srgbClr val="E6DB74"/>
+                </a:solidFill>
+                <a:latin typeface="Menlo"/>
+              </a:rPr>
+              <a:t>"</a:t>
+            </a:r>
+            <a:r>
+              <a:rPr lang="de-DE" dirty="0">
+                <a:solidFill>
+                  <a:srgbClr val="F92672"/>
+                </a:solidFill>
+                <a:latin typeface="Menlo"/>
+              </a:rPr>
+              <a:t>&gt;</a:t>
+            </a:r>
+            <a:r>
+              <a:rPr lang="de-DE" dirty="0" smtClean="0">
+                <a:solidFill>
+                  <a:srgbClr val="F8F8F2"/>
+                </a:solidFill>
+                <a:latin typeface="Menlo"/>
+              </a:rPr>
+              <a:t>Query: </a:t>
+            </a:r>
+            <a:r>
+              <a:rPr lang="de-DE" dirty="0">
+                <a:solidFill>
+                  <a:srgbClr val="F92672"/>
+                </a:solidFill>
+                <a:latin typeface="Menlo"/>
+              </a:rPr>
+              <a:t>&lt;/</a:t>
+            </a:r>
+            <a:r>
+              <a:rPr lang="de-DE" dirty="0" err="1">
+                <a:solidFill>
+                  <a:srgbClr val="F92672"/>
+                </a:solidFill>
+                <a:latin typeface="Menlo"/>
+              </a:rPr>
+              <a:t>label</a:t>
+            </a:r>
+            <a:r>
+              <a:rPr lang="de-DE" dirty="0">
+                <a:solidFill>
+                  <a:srgbClr val="F92672"/>
+                </a:solidFill>
+                <a:latin typeface="Menlo"/>
+              </a:rPr>
+              <a:t>&gt;</a:t>
+            </a:r>
+            <a:endParaRPr lang="de-DE" dirty="0">
+              <a:solidFill>
+                <a:srgbClr val="F8F8F2"/>
+              </a:solidFill>
+              <a:latin typeface="Menlo"/>
+            </a:endParaRPr>
+          </a:p>
+          <a:p>
+            <a:r>
+              <a:rPr lang="de-DE" dirty="0">
+                <a:solidFill>
+                  <a:srgbClr val="F8F8F2"/>
+                </a:solidFill>
+                <a:latin typeface="Menlo"/>
+              </a:rPr>
+              <a:t>      </a:t>
+            </a:r>
+            <a:r>
+              <a:rPr lang="de-DE" dirty="0">
+                <a:solidFill>
+                  <a:srgbClr val="F92672"/>
+                </a:solidFill>
+                <a:latin typeface="Menlo"/>
+              </a:rPr>
+              <a:t>&lt;</a:t>
+            </a:r>
+            <a:r>
+              <a:rPr lang="de-DE" dirty="0" err="1">
+                <a:solidFill>
+                  <a:srgbClr val="F92672"/>
+                </a:solidFill>
+                <a:latin typeface="Menlo"/>
+              </a:rPr>
+              <a:t>input</a:t>
+            </a:r>
+            <a:r>
+              <a:rPr lang="de-DE" dirty="0">
+                <a:solidFill>
+                  <a:srgbClr val="F8F8F2"/>
+                </a:solidFill>
+                <a:latin typeface="Menlo"/>
+              </a:rPr>
+              <a:t> </a:t>
+            </a:r>
+            <a:r>
+              <a:rPr lang="de-DE" dirty="0">
+                <a:solidFill>
+                  <a:srgbClr val="A6E22E"/>
+                </a:solidFill>
+                <a:latin typeface="Menlo"/>
+              </a:rPr>
+              <a:t>type=</a:t>
+            </a:r>
+            <a:r>
+              <a:rPr lang="de-DE" dirty="0">
+                <a:solidFill>
+                  <a:srgbClr val="E6DB74"/>
+                </a:solidFill>
+                <a:latin typeface="Menlo"/>
+              </a:rPr>
+              <a:t>"</a:t>
+            </a:r>
+            <a:r>
+              <a:rPr lang="de-DE" dirty="0" err="1">
+                <a:solidFill>
+                  <a:srgbClr val="E6DB74"/>
+                </a:solidFill>
+                <a:latin typeface="Menlo"/>
+              </a:rPr>
+              <a:t>text</a:t>
+            </a:r>
+            <a:r>
+              <a:rPr lang="de-DE" dirty="0">
+                <a:solidFill>
+                  <a:srgbClr val="E6DB74"/>
+                </a:solidFill>
+                <a:latin typeface="Menlo"/>
+              </a:rPr>
+              <a:t>"</a:t>
+            </a:r>
+            <a:r>
+              <a:rPr lang="de-DE" dirty="0">
+                <a:solidFill>
+                  <a:srgbClr val="F8F8F2"/>
+                </a:solidFill>
+                <a:latin typeface="Menlo"/>
+              </a:rPr>
+              <a:t> </a:t>
+            </a:r>
+            <a:r>
+              <a:rPr lang="de-DE" dirty="0" err="1">
+                <a:solidFill>
+                  <a:srgbClr val="A6E22E"/>
+                </a:solidFill>
+                <a:latin typeface="Menlo"/>
+              </a:rPr>
+              <a:t>id</a:t>
+            </a:r>
+            <a:r>
+              <a:rPr lang="de-DE" dirty="0">
+                <a:solidFill>
+                  <a:srgbClr val="A6E22E"/>
+                </a:solidFill>
+                <a:latin typeface="Menlo"/>
+              </a:rPr>
+              <a:t>=</a:t>
+            </a:r>
+            <a:r>
+              <a:rPr lang="de-DE" dirty="0">
+                <a:solidFill>
+                  <a:srgbClr val="E6DB74"/>
+                </a:solidFill>
+                <a:latin typeface="Menlo"/>
+              </a:rPr>
+              <a:t>"</a:t>
+            </a:r>
+            <a:r>
+              <a:rPr lang="de-DE" dirty="0" err="1">
+                <a:solidFill>
+                  <a:srgbClr val="E6DB74"/>
+                </a:solidFill>
+                <a:latin typeface="Menlo"/>
+              </a:rPr>
+              <a:t>query</a:t>
+            </a:r>
+            <a:r>
+              <a:rPr lang="de-DE" dirty="0">
+                <a:solidFill>
+                  <a:srgbClr val="E6DB74"/>
+                </a:solidFill>
+                <a:latin typeface="Menlo"/>
+              </a:rPr>
+              <a:t>"</a:t>
+            </a:r>
+            <a:r>
+              <a:rPr lang="de-DE" dirty="0">
+                <a:solidFill>
+                  <a:srgbClr val="F8F8F2"/>
+                </a:solidFill>
+                <a:latin typeface="Menlo"/>
+              </a:rPr>
+              <a:t> </a:t>
+            </a:r>
+            <a:r>
+              <a:rPr lang="de-DE" dirty="0" err="1">
+                <a:solidFill>
+                  <a:srgbClr val="A6E22E"/>
+                </a:solidFill>
+                <a:latin typeface="Menlo"/>
+              </a:rPr>
+              <a:t>ng</a:t>
+            </a:r>
+            <a:r>
+              <a:rPr lang="de-DE" dirty="0">
+                <a:solidFill>
+                  <a:srgbClr val="A6E22E"/>
+                </a:solidFill>
+                <a:latin typeface="Menlo"/>
+              </a:rPr>
+              <a:t>-model=</a:t>
+            </a:r>
+            <a:r>
+              <a:rPr lang="de-DE" dirty="0">
+                <a:solidFill>
+                  <a:srgbClr val="E6DB74"/>
+                </a:solidFill>
+                <a:latin typeface="Menlo"/>
+              </a:rPr>
+              <a:t>"</a:t>
+            </a:r>
+            <a:r>
+              <a:rPr lang="de-DE" dirty="0" err="1">
+                <a:solidFill>
+                  <a:srgbClr val="E6DB74"/>
+                </a:solidFill>
+                <a:latin typeface="Menlo"/>
+              </a:rPr>
+              <a:t>query</a:t>
+            </a:r>
+            <a:r>
+              <a:rPr lang="de-DE" dirty="0">
+                <a:solidFill>
+                  <a:srgbClr val="E6DB74"/>
+                </a:solidFill>
+                <a:latin typeface="Menlo"/>
+              </a:rPr>
+              <a:t>"</a:t>
+            </a:r>
+            <a:r>
+              <a:rPr lang="de-DE" dirty="0">
+                <a:solidFill>
+                  <a:srgbClr val="F92672"/>
+                </a:solidFill>
+                <a:latin typeface="Menlo"/>
+              </a:rPr>
+              <a:t>/&gt;</a:t>
+            </a:r>
+            <a:endParaRPr lang="de-DE" dirty="0">
+              <a:solidFill>
+                <a:srgbClr val="F8F8F2"/>
+              </a:solidFill>
+              <a:latin typeface="Menlo"/>
+            </a:endParaRPr>
+          </a:p>
+          <a:p>
+            <a:r>
+              <a:rPr lang="de-DE" dirty="0">
+                <a:solidFill>
+                  <a:srgbClr val="F8F8F2"/>
+                </a:solidFill>
+                <a:latin typeface="Menlo"/>
+              </a:rPr>
+              <a:t>    </a:t>
+            </a:r>
+            <a:r>
+              <a:rPr lang="de-DE" dirty="0">
+                <a:solidFill>
+                  <a:srgbClr val="F92672"/>
+                </a:solidFill>
+                <a:latin typeface="Menlo"/>
+              </a:rPr>
+              <a:t>&lt;</a:t>
+            </a:r>
+            <a:r>
+              <a:rPr lang="de-DE" dirty="0" err="1">
+                <a:solidFill>
+                  <a:srgbClr val="F92672"/>
+                </a:solidFill>
+                <a:latin typeface="Menlo"/>
+              </a:rPr>
+              <a:t>ul</a:t>
+            </a:r>
+            <a:r>
+              <a:rPr lang="de-DE" dirty="0">
+                <a:solidFill>
+                  <a:srgbClr val="F92672"/>
+                </a:solidFill>
+                <a:latin typeface="Menlo"/>
+              </a:rPr>
+              <a:t>&gt;</a:t>
+            </a:r>
+            <a:endParaRPr lang="de-DE" dirty="0">
+              <a:solidFill>
+                <a:srgbClr val="F8F8F2"/>
+              </a:solidFill>
+              <a:latin typeface="Menlo"/>
+            </a:endParaRPr>
+          </a:p>
+          <a:p>
+            <a:r>
+              <a:rPr lang="de-DE" dirty="0">
+                <a:solidFill>
+                  <a:srgbClr val="F8F8F2"/>
+                </a:solidFill>
+                <a:latin typeface="Menlo"/>
+              </a:rPr>
+              <a:t>      </a:t>
+            </a:r>
+            <a:r>
+              <a:rPr lang="de-DE" dirty="0">
+                <a:solidFill>
+                  <a:srgbClr val="F92672"/>
+                </a:solidFill>
+                <a:latin typeface="Menlo"/>
+              </a:rPr>
+              <a:t>&lt;li</a:t>
+            </a:r>
+            <a:r>
+              <a:rPr lang="de-DE" dirty="0">
+                <a:solidFill>
+                  <a:srgbClr val="F8F8F2"/>
+                </a:solidFill>
+                <a:latin typeface="Menlo"/>
+              </a:rPr>
+              <a:t> </a:t>
+            </a:r>
+            <a:r>
+              <a:rPr lang="de-DE" dirty="0" err="1">
+                <a:solidFill>
+                  <a:srgbClr val="A6E22E"/>
+                </a:solidFill>
+                <a:latin typeface="Menlo"/>
+              </a:rPr>
+              <a:t>ng-repeat</a:t>
+            </a:r>
+            <a:r>
+              <a:rPr lang="de-DE" dirty="0">
+                <a:solidFill>
+                  <a:srgbClr val="A6E22E"/>
+                </a:solidFill>
+                <a:latin typeface="Menlo"/>
+              </a:rPr>
+              <a:t>=</a:t>
+            </a:r>
+            <a:r>
+              <a:rPr lang="de-DE" dirty="0">
+                <a:solidFill>
+                  <a:srgbClr val="E6DB74"/>
+                </a:solidFill>
+                <a:latin typeface="Menlo"/>
+              </a:rPr>
+              <a:t>"item in </a:t>
+            </a:r>
+            <a:r>
+              <a:rPr lang="de-DE" dirty="0" err="1">
+                <a:solidFill>
+                  <a:srgbClr val="E6DB74"/>
+                </a:solidFill>
+                <a:latin typeface="Menlo"/>
+              </a:rPr>
+              <a:t>items</a:t>
+            </a:r>
+            <a:r>
+              <a:rPr lang="de-DE" dirty="0">
+                <a:solidFill>
+                  <a:srgbClr val="E6DB74"/>
+                </a:solidFill>
+                <a:latin typeface="Menlo"/>
+              </a:rPr>
+              <a:t> | </a:t>
+            </a:r>
+            <a:r>
+              <a:rPr lang="de-DE" dirty="0" err="1">
+                <a:solidFill>
+                  <a:srgbClr val="E6DB74"/>
+                </a:solidFill>
+                <a:latin typeface="Menlo"/>
+              </a:rPr>
+              <a:t>filter:query</a:t>
+            </a:r>
+            <a:r>
+              <a:rPr lang="de-DE" dirty="0">
+                <a:solidFill>
+                  <a:srgbClr val="E6DB74"/>
+                </a:solidFill>
+                <a:latin typeface="Menlo"/>
+              </a:rPr>
+              <a:t>"</a:t>
+            </a:r>
+            <a:r>
+              <a:rPr lang="de-DE" dirty="0">
+                <a:solidFill>
+                  <a:srgbClr val="F92672"/>
+                </a:solidFill>
+                <a:latin typeface="Menlo"/>
+              </a:rPr>
+              <a:t>&gt;</a:t>
+            </a:r>
+            <a:r>
+              <a:rPr lang="de-DE" dirty="0">
+                <a:solidFill>
+                  <a:srgbClr val="F8F8F2"/>
+                </a:solidFill>
+                <a:latin typeface="Menlo"/>
+              </a:rPr>
+              <a:t>{{$</a:t>
+            </a:r>
+            <a:r>
+              <a:rPr lang="de-DE" dirty="0" err="1">
+                <a:solidFill>
+                  <a:srgbClr val="F8F8F2"/>
+                </a:solidFill>
+                <a:latin typeface="Menlo"/>
+              </a:rPr>
+              <a:t>index</a:t>
+            </a:r>
+            <a:r>
+              <a:rPr lang="de-DE" dirty="0">
+                <a:solidFill>
+                  <a:srgbClr val="F8F8F2"/>
+                </a:solidFill>
+                <a:latin typeface="Menlo"/>
+              </a:rPr>
+              <a:t>}}: {{</a:t>
+            </a:r>
+            <a:r>
+              <a:rPr lang="de-DE" dirty="0" err="1">
+                <a:solidFill>
+                  <a:srgbClr val="F8F8F2"/>
+                </a:solidFill>
+                <a:latin typeface="Menlo"/>
+              </a:rPr>
+              <a:t>item.name</a:t>
+            </a:r>
+            <a:r>
+              <a:rPr lang="de-DE" dirty="0">
+                <a:solidFill>
+                  <a:srgbClr val="F8F8F2"/>
+                </a:solidFill>
+                <a:latin typeface="Menlo"/>
+              </a:rPr>
+              <a:t>}}</a:t>
+            </a:r>
+            <a:r>
+              <a:rPr lang="de-DE" dirty="0">
+                <a:solidFill>
+                  <a:srgbClr val="F92672"/>
+                </a:solidFill>
+                <a:latin typeface="Menlo"/>
+              </a:rPr>
+              <a:t>&lt;/li&gt;</a:t>
+            </a:r>
+            <a:endParaRPr lang="de-DE" dirty="0">
+              <a:solidFill>
+                <a:srgbClr val="F8F8F2"/>
+              </a:solidFill>
+              <a:latin typeface="Menlo"/>
+            </a:endParaRPr>
+          </a:p>
+          <a:p>
+            <a:r>
+              <a:rPr lang="de-DE" dirty="0">
+                <a:solidFill>
+                  <a:srgbClr val="F8F8F2"/>
+                </a:solidFill>
+                <a:latin typeface="Menlo"/>
+              </a:rPr>
+              <a:t>    </a:t>
+            </a:r>
+            <a:r>
+              <a:rPr lang="de-DE" dirty="0">
+                <a:solidFill>
+                  <a:srgbClr val="F92672"/>
+                </a:solidFill>
+                <a:latin typeface="Menlo"/>
+              </a:rPr>
+              <a:t>&lt;/</a:t>
+            </a:r>
+            <a:r>
+              <a:rPr lang="de-DE" dirty="0" err="1">
+                <a:solidFill>
+                  <a:srgbClr val="F92672"/>
+                </a:solidFill>
+                <a:latin typeface="Menlo"/>
+              </a:rPr>
+              <a:t>ul</a:t>
+            </a:r>
+            <a:r>
+              <a:rPr lang="de-DE" dirty="0">
+                <a:solidFill>
+                  <a:srgbClr val="F92672"/>
+                </a:solidFill>
+                <a:latin typeface="Menlo"/>
+              </a:rPr>
+              <a:t>&gt;</a:t>
+            </a:r>
+            <a:endParaRPr lang="de-DE" dirty="0">
+              <a:solidFill>
+                <a:srgbClr val="F8F8F2"/>
+              </a:solidFill>
+              <a:latin typeface="Menlo"/>
+            </a:endParaRPr>
+          </a:p>
+          <a:p>
+            <a:r>
+              <a:rPr lang="de-DE" dirty="0">
+                <a:solidFill>
+                  <a:srgbClr val="F8F8F2"/>
+                </a:solidFill>
+                <a:latin typeface="Menlo"/>
+              </a:rPr>
+              <a:t>  </a:t>
+            </a:r>
+            <a:r>
+              <a:rPr lang="de-DE" dirty="0">
+                <a:solidFill>
+                  <a:srgbClr val="F92672"/>
+                </a:solidFill>
+                <a:latin typeface="Menlo"/>
+              </a:rPr>
+              <a:t>&lt;/div&gt;</a:t>
+            </a:r>
+            <a:endParaRPr lang="de-DE" dirty="0">
+              <a:solidFill>
+                <a:srgbClr val="F8F8F2"/>
+              </a:solidFill>
+              <a:latin typeface="Menlo"/>
+            </a:endParaRPr>
+          </a:p>
+        </p:txBody>
+      </p:sp>
+      <p:sp>
+        <p:nvSpPr>
+          <p:cNvPr id="5" name="Rectangle 4"/>
+          <p:cNvSpPr/>
+          <p:nvPr/>
+        </p:nvSpPr>
+        <p:spPr>
+          <a:xfrm>
+            <a:off x="634977" y="571004"/>
+            <a:ext cx="7343934" cy="369332"/>
+          </a:xfrm>
+          <a:prstGeom prst="rect">
+            <a:avLst/>
+          </a:prstGeom>
+        </p:spPr>
+        <p:txBody>
+          <a:bodyPr wrap="square">
+            <a:spAutoFit/>
+          </a:bodyPr>
           <a:lstStyle/>
           <a:p>
             <a:r>
-              <a:rPr lang="en-US" dirty="0" err="1"/>
-              <a:t>git</a:t>
-            </a:r>
-            <a:r>
-              <a:rPr lang="en-US" dirty="0"/>
-              <a:t> checkout -f day-1/step</a:t>
-            </a:r>
-            <a:r>
-              <a:rPr lang="en-US" dirty="0" smtClean="0"/>
-              <a:t>-4</a:t>
-            </a:r>
-            <a:endParaRPr lang="en-US" dirty="0"/>
+              <a:rPr lang="en-US" dirty="0">
+                <a:solidFill>
+                  <a:srgbClr val="A6E22E"/>
+                </a:solidFill>
+                <a:latin typeface="Menlo"/>
+              </a:rPr>
+              <a:t>$</a:t>
+            </a:r>
+            <a:r>
+              <a:rPr lang="en-US" dirty="0" err="1">
+                <a:solidFill>
+                  <a:srgbClr val="A6E22E"/>
+                </a:solidFill>
+                <a:latin typeface="Menlo"/>
+              </a:rPr>
+              <a:t>scope</a:t>
+            </a:r>
+            <a:r>
+              <a:rPr lang="en-US" dirty="0" err="1">
+                <a:solidFill>
+                  <a:srgbClr val="F8F8F2"/>
+                </a:solidFill>
+                <a:latin typeface="Menlo"/>
+              </a:rPr>
+              <a:t>.</a:t>
+            </a:r>
+            <a:r>
+              <a:rPr lang="en-US" dirty="0" err="1">
+                <a:solidFill>
+                  <a:srgbClr val="A6E22E"/>
+                </a:solidFill>
+                <a:latin typeface="Menlo"/>
+              </a:rPr>
+              <a:t>now</a:t>
+            </a:r>
+            <a:r>
+              <a:rPr lang="en-US" dirty="0">
+                <a:solidFill>
+                  <a:srgbClr val="F8F8F2"/>
+                </a:solidFill>
+                <a:latin typeface="Menlo"/>
+              </a:rPr>
+              <a:t> </a:t>
+            </a:r>
+            <a:r>
+              <a:rPr lang="en-US" dirty="0">
+                <a:solidFill>
+                  <a:srgbClr val="F92672"/>
+                </a:solidFill>
+                <a:latin typeface="Menlo"/>
+              </a:rPr>
+              <a:t>=</a:t>
+            </a:r>
+            <a:r>
+              <a:rPr lang="en-US" dirty="0">
+                <a:solidFill>
+                  <a:srgbClr val="F8F8F2"/>
+                </a:solidFill>
+                <a:latin typeface="Menlo"/>
+              </a:rPr>
+              <a:t> </a:t>
+            </a:r>
+            <a:r>
+              <a:rPr lang="en-US" dirty="0">
+                <a:solidFill>
+                  <a:srgbClr val="66D9EF"/>
+                </a:solidFill>
+                <a:latin typeface="Menlo"/>
+              </a:rPr>
+              <a:t>new</a:t>
+            </a:r>
+            <a:r>
+              <a:rPr lang="en-US" dirty="0">
+                <a:solidFill>
+                  <a:srgbClr val="F8F8F2"/>
+                </a:solidFill>
+                <a:latin typeface="Menlo"/>
+              </a:rPr>
+              <a:t> Date()</a:t>
+            </a:r>
+            <a:r>
+              <a:rPr lang="en-US" dirty="0" smtClean="0">
+                <a:solidFill>
+                  <a:srgbClr val="F8F8F2"/>
+                </a:solidFill>
+                <a:latin typeface="Menlo"/>
+              </a:rPr>
+              <a:t>;</a:t>
+            </a:r>
+            <a:endParaRPr lang="en-US" dirty="0">
+              <a:solidFill>
+                <a:srgbClr val="F8F8F2"/>
+              </a:solidFill>
+              <a:latin typeface="Menlo"/>
+            </a:endParaRPr>
+          </a:p>
+        </p:txBody>
+      </p:sp>
+      <p:sp>
+        <p:nvSpPr>
+          <p:cNvPr id="6" name="Rectangle 5"/>
+          <p:cNvSpPr/>
+          <p:nvPr/>
+        </p:nvSpPr>
+        <p:spPr>
+          <a:xfrm>
+            <a:off x="634977" y="1907944"/>
+            <a:ext cx="4572000" cy="1477328"/>
+          </a:xfrm>
+          <a:prstGeom prst="rect">
+            <a:avLst/>
+          </a:prstGeom>
+        </p:spPr>
+        <p:txBody>
+          <a:bodyPr>
+            <a:spAutoFit/>
+          </a:bodyPr>
+          <a:lstStyle/>
+          <a:p>
+            <a:r>
+              <a:rPr lang="en-US" dirty="0" smtClean="0">
+                <a:solidFill>
+                  <a:srgbClr val="A6E22E"/>
+                </a:solidFill>
+                <a:latin typeface="Menlo"/>
+              </a:rPr>
+              <a:t>$</a:t>
+            </a:r>
+            <a:r>
+              <a:rPr lang="en-US" dirty="0" err="1">
+                <a:solidFill>
+                  <a:srgbClr val="A6E22E"/>
+                </a:solidFill>
+                <a:latin typeface="Menlo"/>
+              </a:rPr>
+              <a:t>scope</a:t>
+            </a:r>
+            <a:r>
+              <a:rPr lang="en-US" dirty="0" err="1">
+                <a:solidFill>
+                  <a:srgbClr val="F8F8F2"/>
+                </a:solidFill>
+                <a:latin typeface="Menlo"/>
+              </a:rPr>
+              <a:t>.</a:t>
+            </a:r>
+            <a:r>
+              <a:rPr lang="en-US" dirty="0" err="1">
+                <a:solidFill>
+                  <a:srgbClr val="A6E22E"/>
+                </a:solidFill>
+                <a:latin typeface="Menlo"/>
+              </a:rPr>
+              <a:t>items</a:t>
+            </a:r>
+            <a:r>
+              <a:rPr lang="en-US" dirty="0">
+                <a:solidFill>
+                  <a:srgbClr val="F8F8F2"/>
+                </a:solidFill>
+                <a:latin typeface="Menlo"/>
+              </a:rPr>
+              <a:t> </a:t>
+            </a:r>
+            <a:r>
+              <a:rPr lang="en-US" dirty="0">
+                <a:solidFill>
+                  <a:srgbClr val="F92672"/>
+                </a:solidFill>
+                <a:latin typeface="Menlo"/>
+              </a:rPr>
+              <a:t>=</a:t>
+            </a:r>
+            <a:r>
+              <a:rPr lang="en-US" dirty="0">
+                <a:solidFill>
+                  <a:srgbClr val="F8F8F2"/>
+                </a:solidFill>
+                <a:latin typeface="Menlo"/>
+              </a:rPr>
+              <a:t> </a:t>
+            </a:r>
+            <a:r>
+              <a:rPr lang="en-US" dirty="0" smtClean="0">
+                <a:solidFill>
+                  <a:srgbClr val="F8F8F2"/>
+                </a:solidFill>
+                <a:latin typeface="Menlo"/>
+              </a:rPr>
+              <a:t>[   </a:t>
+            </a:r>
+          </a:p>
+          <a:p>
+            <a:r>
+              <a:rPr lang="en-US" dirty="0">
+                <a:solidFill>
+                  <a:srgbClr val="F8F8F2"/>
+                </a:solidFill>
+                <a:latin typeface="Menlo"/>
+              </a:rPr>
+              <a:t> </a:t>
+            </a:r>
+            <a:r>
+              <a:rPr lang="en-US" dirty="0" smtClean="0">
+                <a:solidFill>
+                  <a:srgbClr val="F8F8F2"/>
+                </a:solidFill>
+                <a:latin typeface="Menlo"/>
+              </a:rPr>
+              <a:t> {</a:t>
+            </a:r>
+            <a:r>
+              <a:rPr lang="en-US" dirty="0">
+                <a:solidFill>
+                  <a:srgbClr val="A6E22E"/>
+                </a:solidFill>
+                <a:latin typeface="Menlo"/>
+              </a:rPr>
+              <a:t>name</a:t>
+            </a:r>
+            <a:r>
+              <a:rPr lang="en-US" dirty="0">
+                <a:solidFill>
+                  <a:srgbClr val="F92672"/>
+                </a:solidFill>
+                <a:latin typeface="Menlo"/>
+              </a:rPr>
+              <a:t>:</a:t>
+            </a:r>
+            <a:r>
+              <a:rPr lang="en-US" dirty="0">
+                <a:solidFill>
+                  <a:srgbClr val="F8F8F2"/>
+                </a:solidFill>
+                <a:latin typeface="Menlo"/>
+              </a:rPr>
+              <a:t> </a:t>
+            </a:r>
+            <a:r>
+              <a:rPr lang="en-US" dirty="0">
+                <a:solidFill>
+                  <a:srgbClr val="E6DB74"/>
+                </a:solidFill>
+                <a:latin typeface="Menlo"/>
+              </a:rPr>
+              <a:t>'First Item'</a:t>
+            </a:r>
+            <a:r>
+              <a:rPr lang="en-US" dirty="0">
+                <a:solidFill>
+                  <a:srgbClr val="F8F8F2"/>
+                </a:solidFill>
+                <a:latin typeface="Menlo"/>
+              </a:rPr>
+              <a:t>},</a:t>
+            </a:r>
+          </a:p>
+          <a:p>
+            <a:r>
+              <a:rPr lang="en-US" dirty="0">
+                <a:solidFill>
+                  <a:srgbClr val="F8F8F2"/>
+                </a:solidFill>
+                <a:latin typeface="Menlo"/>
+              </a:rPr>
+              <a:t> </a:t>
+            </a:r>
+            <a:r>
+              <a:rPr lang="en-US" dirty="0" smtClean="0">
+                <a:solidFill>
+                  <a:srgbClr val="F8F8F2"/>
+                </a:solidFill>
+                <a:latin typeface="Menlo"/>
+              </a:rPr>
+              <a:t> </a:t>
+            </a:r>
+            <a:r>
+              <a:rPr lang="en-US" dirty="0">
+                <a:solidFill>
+                  <a:srgbClr val="F8F8F2"/>
+                </a:solidFill>
+                <a:latin typeface="Menlo"/>
+              </a:rPr>
+              <a:t>{</a:t>
+            </a:r>
+            <a:r>
+              <a:rPr lang="en-US" dirty="0">
+                <a:solidFill>
+                  <a:srgbClr val="A6E22E"/>
+                </a:solidFill>
+                <a:latin typeface="Menlo"/>
+              </a:rPr>
+              <a:t>name</a:t>
+            </a:r>
+            <a:r>
+              <a:rPr lang="en-US" dirty="0">
+                <a:solidFill>
+                  <a:srgbClr val="F92672"/>
+                </a:solidFill>
+                <a:latin typeface="Menlo"/>
+              </a:rPr>
+              <a:t>:</a:t>
+            </a:r>
+            <a:r>
+              <a:rPr lang="en-US" dirty="0">
+                <a:solidFill>
+                  <a:srgbClr val="F8F8F2"/>
+                </a:solidFill>
+                <a:latin typeface="Menlo"/>
+              </a:rPr>
+              <a:t> </a:t>
+            </a:r>
+            <a:r>
+              <a:rPr lang="en-US" dirty="0">
+                <a:solidFill>
+                  <a:srgbClr val="E6DB74"/>
+                </a:solidFill>
+                <a:latin typeface="Menlo"/>
+              </a:rPr>
+              <a:t>'Second Item'</a:t>
+            </a:r>
+            <a:r>
+              <a:rPr lang="en-US" dirty="0">
+                <a:solidFill>
+                  <a:srgbClr val="F8F8F2"/>
+                </a:solidFill>
+                <a:latin typeface="Menlo"/>
+              </a:rPr>
+              <a:t>},</a:t>
+            </a:r>
+          </a:p>
+          <a:p>
+            <a:r>
+              <a:rPr lang="en-US" dirty="0" smtClean="0">
+                <a:solidFill>
+                  <a:srgbClr val="F8F8F2"/>
+                </a:solidFill>
+                <a:latin typeface="Menlo"/>
+              </a:rPr>
+              <a:t>  </a:t>
+            </a:r>
+            <a:r>
+              <a:rPr lang="en-US" dirty="0">
+                <a:solidFill>
+                  <a:srgbClr val="F8F8F2"/>
+                </a:solidFill>
+                <a:latin typeface="Menlo"/>
+              </a:rPr>
+              <a:t>{</a:t>
+            </a:r>
+            <a:r>
+              <a:rPr lang="en-US" dirty="0">
+                <a:solidFill>
+                  <a:srgbClr val="A6E22E"/>
+                </a:solidFill>
+                <a:latin typeface="Menlo"/>
+              </a:rPr>
+              <a:t>name</a:t>
+            </a:r>
+            <a:r>
+              <a:rPr lang="en-US" dirty="0">
+                <a:solidFill>
+                  <a:srgbClr val="F92672"/>
+                </a:solidFill>
+                <a:latin typeface="Menlo"/>
+              </a:rPr>
+              <a:t>:</a:t>
+            </a:r>
+            <a:r>
+              <a:rPr lang="en-US" dirty="0">
+                <a:solidFill>
+                  <a:srgbClr val="F8F8F2"/>
+                </a:solidFill>
+                <a:latin typeface="Menlo"/>
+              </a:rPr>
+              <a:t> </a:t>
+            </a:r>
+            <a:r>
+              <a:rPr lang="en-US" dirty="0">
+                <a:solidFill>
+                  <a:srgbClr val="E6DB74"/>
+                </a:solidFill>
+                <a:latin typeface="Menlo"/>
+              </a:rPr>
+              <a:t>'Third Item'</a:t>
+            </a:r>
+            <a:r>
+              <a:rPr lang="en-US" dirty="0">
+                <a:solidFill>
+                  <a:srgbClr val="F8F8F2"/>
+                </a:solidFill>
+                <a:latin typeface="Menlo"/>
+              </a:rPr>
+              <a:t>}</a:t>
+            </a:r>
+          </a:p>
+          <a:p>
+            <a:r>
+              <a:rPr lang="en-US" dirty="0" smtClean="0">
+                <a:solidFill>
+                  <a:srgbClr val="F8F8F2"/>
+                </a:solidFill>
+                <a:latin typeface="Menlo"/>
+              </a:rPr>
+              <a:t>]</a:t>
+            </a:r>
+            <a:r>
+              <a:rPr lang="en-US" dirty="0">
+                <a:solidFill>
+                  <a:srgbClr val="F8F8F2"/>
+                </a:solidFill>
+                <a:latin typeface="Menlo"/>
+              </a:rPr>
+              <a:t>;</a:t>
+            </a:r>
+          </a:p>
+        </p:txBody>
+      </p:sp>
+      <p:sp>
+        <p:nvSpPr>
+          <p:cNvPr id="7" name="Rectangle 6"/>
+          <p:cNvSpPr/>
+          <p:nvPr/>
+        </p:nvSpPr>
+        <p:spPr>
+          <a:xfrm>
+            <a:off x="634977" y="954904"/>
+            <a:ext cx="7571561" cy="369332"/>
+          </a:xfrm>
+          <a:prstGeom prst="rect">
+            <a:avLst/>
+          </a:prstGeom>
+        </p:spPr>
+        <p:txBody>
+          <a:bodyPr wrap="square">
+            <a:spAutoFit/>
+          </a:bodyPr>
+          <a:lstStyle/>
+          <a:p>
+            <a:r>
+              <a:rPr lang="en-US" dirty="0">
+                <a:solidFill>
+                  <a:srgbClr val="F92672"/>
+                </a:solidFill>
+                <a:latin typeface="Menlo"/>
+              </a:rPr>
+              <a:t>&lt;div&gt;</a:t>
+            </a:r>
+            <a:r>
+              <a:rPr lang="en-US" dirty="0">
+                <a:solidFill>
+                  <a:srgbClr val="F8F8F2"/>
+                </a:solidFill>
+                <a:latin typeface="Menlo"/>
+              </a:rPr>
+              <a:t>Date: {{now | </a:t>
+            </a:r>
+            <a:r>
+              <a:rPr lang="en-US" dirty="0" err="1">
+                <a:solidFill>
+                  <a:srgbClr val="F8F8F2"/>
+                </a:solidFill>
+                <a:latin typeface="Menlo"/>
+              </a:rPr>
+              <a:t>date:'MMM</a:t>
+            </a:r>
+            <a:r>
+              <a:rPr lang="en-US" dirty="0">
+                <a:solidFill>
+                  <a:srgbClr val="F8F8F2"/>
+                </a:solidFill>
+                <a:latin typeface="Menlo"/>
+              </a:rPr>
+              <a:t> d, </a:t>
+            </a:r>
+            <a:r>
+              <a:rPr lang="en-US" dirty="0" err="1">
+                <a:solidFill>
+                  <a:srgbClr val="F8F8F2"/>
+                </a:solidFill>
+                <a:latin typeface="Menlo"/>
+              </a:rPr>
+              <a:t>yyyy</a:t>
+            </a:r>
+            <a:r>
+              <a:rPr lang="en-US" dirty="0">
+                <a:solidFill>
+                  <a:srgbClr val="F8F8F2"/>
+                </a:solidFill>
+                <a:latin typeface="Menlo"/>
+              </a:rPr>
+              <a:t>'}}</a:t>
+            </a:r>
+            <a:r>
+              <a:rPr lang="en-US" dirty="0">
+                <a:solidFill>
+                  <a:srgbClr val="F92672"/>
+                </a:solidFill>
+                <a:latin typeface="Menlo"/>
+              </a:rPr>
+              <a:t>&lt;/div&gt;</a:t>
+            </a:r>
+            <a:endParaRPr lang="en-US" dirty="0">
+              <a:solidFill>
+                <a:srgbClr val="F8F8F2"/>
+              </a:solidFill>
+              <a:latin typeface="Menlo"/>
+            </a:endParaRPr>
           </a:p>
         </p:txBody>
       </p:sp>
     </p:spTree>
     <p:extLst>
       <p:ext uri="{BB962C8B-B14F-4D97-AF65-F5344CB8AC3E}">
-        <p14:creationId xmlns:p14="http://schemas.microsoft.com/office/powerpoint/2010/main" val="3341749749"/>
+        <p14:creationId xmlns:p14="http://schemas.microsoft.com/office/powerpoint/2010/main" val="1459564380"/>
       </p:ext>
     </p:extLst>
   </p:cSld>
@@ -13878,14 +13879,12 @@
         </p:nvSpPr>
         <p:spPr/>
         <p:txBody>
-          <a:bodyPr>
-            <a:normAutofit/>
-          </a:bodyPr>
+          <a:bodyPr/>
           <a:lstStyle/>
           <a:p>
             <a:r>
               <a:rPr lang="en-US" dirty="0" smtClean="0"/>
-              <a:t>Forms</a:t>
+              <a:t>// TODO</a:t>
             </a:r>
             <a:endParaRPr lang="en-US" dirty="0"/>
           </a:p>
@@ -13903,14 +13902,18 @@
         </p:nvSpPr>
         <p:spPr/>
         <p:txBody>
-          <a:bodyPr>
-            <a:normAutofit fontScale="92500"/>
-          </a:bodyPr>
+          <a:bodyPr/>
           <a:lstStyle/>
           <a:p>
             <a:r>
               <a:rPr lang="en-US" dirty="0" smtClean="0"/>
-              <a:t>Form directive (or </a:t>
+              <a:t>Add a list of items to the $scope</a:t>
+            </a:r>
+          </a:p>
+          <a:p>
+            <a:r>
+              <a:rPr lang="en-US" dirty="0" smtClean="0"/>
+              <a:t>Use an </a:t>
             </a:r>
             <a:r>
               <a:rPr lang="en-US" dirty="0" err="1" smtClean="0"/>
@@ -13918,116 +13921,13 @@
             </a:r>
             <a:r>
               <a:rPr lang="en-US" dirty="0" smtClean="0"/>
-              <a:t>-form) creates instance of </a:t>
-            </a:r>
-            <a:r>
-              <a:rPr lang="en-US" dirty="0" err="1" smtClean="0"/>
-              <a:t>FormController</a:t>
-            </a:r>
-            <a:endParaRPr lang="en-US" dirty="0" smtClean="0"/>
-          </a:p>
-          <a:p>
-            <a:r>
-              <a:rPr lang="en-US" dirty="0" smtClean="0"/>
-              <a:t>Provides validation services</a:t>
-            </a:r>
-          </a:p>
-          <a:p>
-            <a:pPr lvl="1"/>
-            <a:r>
-              <a:rPr lang="en-US" dirty="0" smtClean="0"/>
-              <a:t>CSS Classes applied based on form state (</a:t>
-            </a:r>
-            <a:r>
-              <a:rPr lang="en-US" dirty="0" err="1" smtClean="0"/>
-              <a:t>ng</a:t>
-            </a:r>
-            <a:r>
-              <a:rPr lang="en-US" dirty="0" smtClean="0"/>
-              <a:t>-valid, </a:t>
-            </a:r>
-            <a:r>
-              <a:rPr lang="en-US" dirty="0" err="1" smtClean="0"/>
-              <a:t>ng</a:t>
-            </a:r>
-            <a:r>
-              <a:rPr lang="en-US" dirty="0" smtClean="0"/>
-              <a:t>-invalid, </a:t>
-            </a:r>
-            <a:r>
-              <a:rPr lang="en-US" dirty="0" err="1" smtClean="0"/>
-              <a:t>ng</a:t>
-            </a:r>
-            <a:r>
-              <a:rPr lang="en-US" dirty="0" smtClean="0"/>
-              <a:t>-pristine, </a:t>
-            </a:r>
-            <a:r>
-              <a:rPr lang="en-US" dirty="0" err="1" smtClean="0"/>
-              <a:t>ng</a:t>
-            </a:r>
-            <a:r>
-              <a:rPr lang="en-US" dirty="0" smtClean="0"/>
-              <a:t>-dirty)</a:t>
-            </a:r>
-          </a:p>
-          <a:p>
-            <a:pPr lvl="1"/>
-            <a:r>
-              <a:rPr lang="en-US" dirty="0" smtClean="0"/>
-              <a:t>use </a:t>
-            </a:r>
-            <a:r>
-              <a:rPr lang="en-US" dirty="0" err="1" smtClean="0">
-                <a:latin typeface="Menlo Regular"/>
-                <a:cs typeface="Menlo Regular"/>
-              </a:rPr>
-              <a:t>novalidate</a:t>
-            </a:r>
-            <a:r>
-              <a:rPr lang="en-US" dirty="0" smtClean="0"/>
-              <a:t> attribute on </a:t>
-            </a:r>
-            <a:r>
-              <a:rPr lang="en-US" dirty="0" smtClean="0">
-                <a:latin typeface="Menlo Regular"/>
-                <a:cs typeface="Menlo Regular"/>
-              </a:rPr>
-              <a:t>&lt;form&gt;</a:t>
-            </a:r>
-            <a:r>
-              <a:rPr lang="en-US" dirty="0" smtClean="0"/>
-              <a:t> element to disable native browser validation</a:t>
-            </a:r>
-          </a:p>
-          <a:p>
-            <a:r>
-              <a:rPr lang="en-US" dirty="0" smtClean="0"/>
-              <a:t>Allows for nesting of forms (nesting </a:t>
-            </a:r>
-            <a:r>
-              <a:rPr lang="en-US" dirty="0" err="1" smtClean="0"/>
-              <a:t>ng</a:t>
-            </a:r>
-            <a:r>
-              <a:rPr lang="en-US" dirty="0" smtClean="0"/>
-              <a:t>-form directives)</a:t>
-            </a:r>
-          </a:p>
-          <a:p>
-            <a:r>
-              <a:rPr lang="en-US" dirty="0" smtClean="0"/>
-              <a:t>Publishes form and inputs to the scope by using name attributes</a:t>
-            </a:r>
-          </a:p>
-          <a:p>
-            <a:r>
-              <a:rPr lang="en-US" dirty="0" err="1" smtClean="0"/>
-              <a:t>ng</a:t>
-            </a:r>
-            <a:r>
-              <a:rPr lang="en-US" dirty="0" smtClean="0"/>
-              <a:t>-submit: binds to submit event of form</a:t>
+              <a:t>-repeat directive to display the items</a:t>
+            </a:r>
+          </a:p>
+          <a:p>
+            <a:r>
+              <a:rPr lang="en-US" dirty="0" smtClean="0"/>
+              <a:t>Use the ‘filter’ filter bound to a text input to filter the list of items</a:t>
             </a:r>
           </a:p>
         </p:txBody>
@@ -14035,7 +13935,7 @@
     </p:spTree>
     <p:extLst>
       <p:ext uri="{BB962C8B-B14F-4D97-AF65-F5344CB8AC3E}">
-        <p14:creationId xmlns:p14="http://schemas.microsoft.com/office/powerpoint/2010/main" val="4016527787"/>
+        <p14:creationId xmlns:p14="http://schemas.microsoft.com/office/powerpoint/2010/main" val="2667350522"/>
       </p:ext>
     </p:extLst>
   </p:cSld>
@@ -14079,7 +13979,7 @@
           <a:p>
             <a:r>
               <a:rPr lang="en-US" dirty="0" smtClean="0"/>
-              <a:t>Inputs</a:t>
+              <a:t>Checkpoint</a:t>
             </a:r>
             <a:endParaRPr lang="en-US" dirty="0"/>
           </a:p>
@@ -14101,80 +14001,16 @@
           <a:lstStyle/>
           <a:p>
             <a:r>
-              <a:rPr lang="en-US" dirty="0" smtClean="0"/>
-              <a:t>Input directives augment existing input functionality</a:t>
-            </a:r>
-          </a:p>
-          <a:p>
-            <a:pPr lvl="1"/>
-            <a:r>
-              <a:rPr lang="en-US" dirty="0" smtClean="0"/>
-              <a:t>Provide validation directives</a:t>
-            </a:r>
-          </a:p>
-          <a:p>
-            <a:pPr lvl="1"/>
-            <a:r>
-              <a:rPr lang="en-US" dirty="0" smtClean="0"/>
-              <a:t>Bind values to input states (ex: checkboxes)</a:t>
-            </a:r>
-          </a:p>
-          <a:p>
-            <a:r>
-              <a:rPr lang="en-US" dirty="0" smtClean="0"/>
-              <a:t>Support for most HTML5 input styles</a:t>
-            </a:r>
-          </a:p>
-          <a:p>
-            <a:pPr lvl="1"/>
-            <a:r>
-              <a:rPr lang="en-US" dirty="0" smtClean="0"/>
-              <a:t>date, </a:t>
-            </a:r>
-            <a:r>
-              <a:rPr lang="en-US" dirty="0" err="1" smtClean="0"/>
-              <a:t>dateTimeLocal</a:t>
-            </a:r>
-            <a:r>
-              <a:rPr lang="en-US" dirty="0" smtClean="0"/>
-              <a:t>, email, month, number, </a:t>
-            </a:r>
-            <a:r>
-              <a:rPr lang="en-US" dirty="0" err="1" smtClean="0"/>
-              <a:t>url</a:t>
-            </a:r>
-            <a:r>
-              <a:rPr lang="en-US" dirty="0" smtClean="0"/>
-              <a:t>, week</a:t>
-            </a:r>
-          </a:p>
-          <a:p>
-            <a:r>
-              <a:rPr lang="en-US" dirty="0" smtClean="0"/>
-              <a:t>Custom validation directives</a:t>
-            </a:r>
-          </a:p>
-          <a:p>
-            <a:pPr lvl="1"/>
-            <a:r>
-              <a:rPr lang="en-US" dirty="0" smtClean="0"/>
-              <a:t>required, pattern, </a:t>
-            </a:r>
-            <a:r>
-              <a:rPr lang="en-US" dirty="0" err="1" smtClean="0"/>
-              <a:t>minlength</a:t>
-            </a:r>
-            <a:r>
-              <a:rPr lang="en-US" dirty="0" smtClean="0"/>
-              <a:t>, </a:t>
-            </a:r>
-            <a:r>
-              <a:rPr lang="en-US" dirty="0" err="1" smtClean="0"/>
-              <a:t>maxlength</a:t>
-            </a:r>
-            <a:r>
-              <a:rPr lang="en-US" dirty="0" smtClean="0"/>
-              <a:t>, min, max</a:t>
+              <a:rPr lang="en-US" dirty="0" err="1"/>
+              <a:t>git</a:t>
+            </a:r>
+            <a:r>
+              <a:rPr lang="en-US" dirty="0"/>
+              <a:t> checkout -f day-1/step</a:t>
+            </a:r>
+            <a:r>
+              <a:rPr lang="en-US" dirty="0" smtClean="0"/>
+              <a:t>-4</a:t>
             </a:r>
             <a:endParaRPr lang="en-US" dirty="0"/>
           </a:p>
@@ -14183,7 +14019,7 @@
     </p:spTree>
     <p:extLst>
       <p:ext uri="{BB962C8B-B14F-4D97-AF65-F5344CB8AC3E}">
-        <p14:creationId xmlns:p14="http://schemas.microsoft.com/office/powerpoint/2010/main" val="2887604628"/>
+        <p14:creationId xmlns:p14="http://schemas.microsoft.com/office/powerpoint/2010/main" val="3341749749"/>
       </p:ext>
     </p:extLst>
   </p:cSld>
@@ -14212,1045 +14048,174 @@
       </p:grpSpPr>
       <p:sp>
         <p:nvSpPr>
-          <p:cNvPr id="4" name="Rectangle 3"/>
-          <p:cNvSpPr/>
-          <p:nvPr/>
-        </p:nvSpPr>
-        <p:spPr>
-          <a:xfrm>
-            <a:off x="-4860" y="855225"/>
-            <a:ext cx="9148860" cy="4247317"/>
-          </a:xfrm>
-          <a:prstGeom prst="rect">
-            <a:avLst/>
-          </a:prstGeom>
-        </p:spPr>
-        <p:txBody>
-          <a:bodyPr wrap="square">
-            <a:spAutoFit/>
+          <p:cNvPr id="2" name="Title 1"/>
+          <p:cNvSpPr>
+            <a:spLocks noGrp="1"/>
+          </p:cNvSpPr>
+          <p:nvPr>
+            <p:ph type="title"/>
+          </p:nvPr>
+        </p:nvSpPr>
+        <p:spPr/>
+        <p:txBody>
+          <a:bodyPr>
+            <a:normAutofit/>
           </a:bodyPr>
           <a:lstStyle/>
           <a:p>
             <a:r>
+              <a:rPr lang="en-US" dirty="0" smtClean="0"/>
+              <a:t>Forms</a:t>
+            </a:r>
+            <a:endParaRPr lang="en-US" dirty="0"/>
+          </a:p>
+        </p:txBody>
+      </p:sp>
+      <p:sp>
+        <p:nvSpPr>
+          <p:cNvPr id="3" name="Content Placeholder 2"/>
+          <p:cNvSpPr>
+            <a:spLocks noGrp="1"/>
+          </p:cNvSpPr>
+          <p:nvPr>
+            <p:ph idx="1"/>
+          </p:nvPr>
+        </p:nvSpPr>
+        <p:spPr/>
+        <p:txBody>
+          <a:bodyPr>
+            <a:normAutofit fontScale="92500"/>
+          </a:bodyPr>
+          <a:lstStyle/>
+          <a:p>
+            <a:r>
+              <a:rPr lang="en-US" dirty="0" smtClean="0"/>
+              <a:t>Form directive (or </a:t>
+            </a:r>
+            <a:r>
+              <a:rPr lang="en-US" dirty="0" err="1" smtClean="0"/>
+              <a:t>ng</a:t>
+            </a:r>
+            <a:r>
+              <a:rPr lang="en-US" dirty="0" smtClean="0"/>
+              <a:t>-form) creates instance of </a:t>
+            </a:r>
+            <a:r>
+              <a:rPr lang="en-US" dirty="0" err="1" smtClean="0"/>
+              <a:t>FormController</a:t>
+            </a:r>
+            <a:endParaRPr lang="en-US" dirty="0" smtClean="0"/>
+          </a:p>
+          <a:p>
+            <a:r>
+              <a:rPr lang="en-US" dirty="0" smtClean="0"/>
+              <a:t>Provides validation services</a:t>
+            </a:r>
+          </a:p>
+          <a:p>
+            <a:pPr lvl="1"/>
+            <a:r>
+              <a:rPr lang="en-US" dirty="0" smtClean="0"/>
+              <a:t>CSS Classes applied based on form state (</a:t>
+            </a:r>
+            <a:r>
+              <a:rPr lang="en-US" dirty="0" err="1" smtClean="0"/>
+              <a:t>ng</a:t>
+            </a:r>
+            <a:r>
+              <a:rPr lang="en-US" dirty="0" smtClean="0"/>
+              <a:t>-valid, </a:t>
+            </a:r>
+            <a:r>
+              <a:rPr lang="en-US" dirty="0" err="1" smtClean="0"/>
+              <a:t>ng</a:t>
+            </a:r>
+            <a:r>
+              <a:rPr lang="en-US" dirty="0" smtClean="0"/>
+              <a:t>-invalid, </a:t>
+            </a:r>
+            <a:r>
+              <a:rPr lang="en-US" dirty="0" err="1" smtClean="0"/>
+              <a:t>ng</a:t>
+            </a:r>
+            <a:r>
+              <a:rPr lang="en-US" dirty="0" smtClean="0"/>
+              <a:t>-pristine, </a:t>
+            </a:r>
+            <a:r>
+              <a:rPr lang="en-US" dirty="0" err="1" smtClean="0"/>
+              <a:t>ng</a:t>
+            </a:r>
+            <a:r>
+              <a:rPr lang="en-US" dirty="0" smtClean="0"/>
+              <a:t>-dirty)</a:t>
+            </a:r>
+          </a:p>
+          <a:p>
+            <a:pPr lvl="1"/>
+            <a:r>
+              <a:rPr lang="en-US" dirty="0" smtClean="0"/>
+              <a:t>use </a:t>
+            </a:r>
+            <a:r>
+              <a:rPr lang="en-US" dirty="0" err="1" smtClean="0">
+                <a:latin typeface="Menlo Regular"/>
+                <a:cs typeface="Menlo Regular"/>
+              </a:rPr>
+              <a:t>novalidate</a:t>
+            </a:r>
+            <a:r>
+              <a:rPr lang="en-US" dirty="0" smtClean="0"/>
+              <a:t> attribute on </a:t>
+            </a:r>
+            <a:r>
               <a:rPr lang="en-US" dirty="0" smtClean="0">
-                <a:solidFill>
-                  <a:srgbClr val="F92672"/>
-                </a:solidFill>
-                <a:latin typeface="Menlo"/>
-              </a:rPr>
-              <a:t>&lt;form</a:t>
-            </a:r>
-            <a:r>
-              <a:rPr lang="en-US" dirty="0" smtClean="0">
-                <a:solidFill>
-                  <a:srgbClr val="F8F8F2"/>
-                </a:solidFill>
-                <a:latin typeface="Menlo"/>
-              </a:rPr>
-              <a:t> </a:t>
-            </a:r>
-            <a:r>
-              <a:rPr lang="en-US" dirty="0" smtClean="0">
-                <a:solidFill>
-                  <a:srgbClr val="A6E22E"/>
-                </a:solidFill>
-                <a:latin typeface="Menlo"/>
-              </a:rPr>
-              <a:t>name=</a:t>
-            </a:r>
-            <a:r>
-              <a:rPr lang="en-US" dirty="0" smtClean="0">
-                <a:solidFill>
-                  <a:srgbClr val="E6DB74"/>
-                </a:solidFill>
-                <a:latin typeface="Menlo"/>
-              </a:rPr>
-              <a:t>"</a:t>
-            </a:r>
-            <a:r>
-              <a:rPr lang="en-US" dirty="0" err="1" smtClean="0">
-                <a:solidFill>
-                  <a:srgbClr val="E6DB74"/>
-                </a:solidFill>
-                <a:latin typeface="Menlo"/>
-              </a:rPr>
-              <a:t>myForm</a:t>
-            </a:r>
-            <a:r>
-              <a:rPr lang="en-US" dirty="0" smtClean="0">
-                <a:solidFill>
-                  <a:srgbClr val="E6DB74"/>
-                </a:solidFill>
-                <a:latin typeface="Menlo"/>
-              </a:rPr>
-              <a:t>"</a:t>
-            </a:r>
-            <a:r>
-              <a:rPr lang="en-US" dirty="0" smtClean="0">
-                <a:solidFill>
-                  <a:srgbClr val="F8F8F2"/>
-                </a:solidFill>
-                <a:latin typeface="Menlo"/>
-              </a:rPr>
-              <a:t> </a:t>
-            </a:r>
-            <a:r>
-              <a:rPr lang="en-US" dirty="0" err="1" smtClean="0">
-                <a:solidFill>
-                  <a:srgbClr val="A6E22E"/>
-                </a:solidFill>
-                <a:latin typeface="Menlo"/>
-              </a:rPr>
+                <a:latin typeface="Menlo Regular"/>
+                <a:cs typeface="Menlo Regular"/>
+              </a:rPr>
+              <a:t>&lt;form&gt;</a:t>
+            </a:r>
+            <a:r>
+              <a:rPr lang="en-US" dirty="0" smtClean="0"/>
+              <a:t> element to disable native browser validation</a:t>
+            </a:r>
+          </a:p>
+          <a:p>
+            <a:r>
+              <a:rPr lang="en-US" dirty="0" smtClean="0"/>
+              <a:t>Allows for nesting of forms (nesting </a:t>
+            </a:r>
+            <a:r>
+              <a:rPr lang="en-US" dirty="0" err="1" smtClean="0"/>
               <a:t>ng</a:t>
             </a:r>
             <a:r>
-              <a:rPr lang="en-US" dirty="0" smtClean="0">
-                <a:solidFill>
-                  <a:srgbClr val="A6E22E"/>
-                </a:solidFill>
-                <a:latin typeface="Menlo"/>
-              </a:rPr>
-              <a:t>-submit=</a:t>
-            </a:r>
-            <a:r>
-              <a:rPr lang="en-US" dirty="0" smtClean="0">
-                <a:solidFill>
-                  <a:srgbClr val="E6DB74"/>
-                </a:solidFill>
-                <a:latin typeface="Menlo"/>
-              </a:rPr>
-              <a:t>"</a:t>
-            </a:r>
-            <a:r>
-              <a:rPr lang="en-US" dirty="0" err="1" smtClean="0">
-                <a:solidFill>
-                  <a:srgbClr val="E6DB74"/>
-                </a:solidFill>
-                <a:latin typeface="Menlo"/>
-              </a:rPr>
-              <a:t>submitForm</a:t>
-            </a:r>
-            <a:r>
-              <a:rPr lang="en-US" dirty="0" smtClean="0">
-                <a:solidFill>
-                  <a:srgbClr val="E6DB74"/>
-                </a:solidFill>
-                <a:latin typeface="Menlo"/>
-              </a:rPr>
-              <a:t>(</a:t>
-            </a:r>
-            <a:r>
-              <a:rPr lang="en-US" dirty="0" err="1" smtClean="0">
-                <a:solidFill>
-                  <a:srgbClr val="E6DB74"/>
-                </a:solidFill>
-                <a:latin typeface="Menlo"/>
-              </a:rPr>
-              <a:t>model.firstName</a:t>
-            </a:r>
-            <a:r>
-              <a:rPr lang="en-US" dirty="0" smtClean="0">
-                <a:solidFill>
-                  <a:srgbClr val="E6DB74"/>
-                </a:solidFill>
-                <a:latin typeface="Menlo"/>
-              </a:rPr>
-              <a:t>, </a:t>
-            </a:r>
-            <a:r>
-              <a:rPr lang="en-US" dirty="0" err="1" smtClean="0">
-                <a:solidFill>
-                  <a:srgbClr val="E6DB74"/>
-                </a:solidFill>
-                <a:latin typeface="Menlo"/>
-              </a:rPr>
-              <a:t>model.lastName</a:t>
-            </a:r>
-            <a:r>
-              <a:rPr lang="en-US" dirty="0" smtClean="0">
-                <a:solidFill>
-                  <a:srgbClr val="E6DB74"/>
-                </a:solidFill>
-                <a:latin typeface="Menlo"/>
-              </a:rPr>
-              <a:t>)"</a:t>
-            </a:r>
-            <a:r>
-              <a:rPr lang="en-US" dirty="0" smtClean="0">
-                <a:solidFill>
-                  <a:srgbClr val="F8F8F2"/>
-                </a:solidFill>
-                <a:latin typeface="Menlo"/>
-              </a:rPr>
-              <a:t> </a:t>
-            </a:r>
-            <a:r>
-              <a:rPr lang="en-US" dirty="0" err="1" smtClean="0">
-                <a:solidFill>
-                  <a:srgbClr val="A6E22E"/>
-                </a:solidFill>
-                <a:latin typeface="Menlo"/>
-              </a:rPr>
-              <a:t>novalidate</a:t>
-            </a:r>
-            <a:r>
-              <a:rPr lang="en-US" dirty="0" smtClean="0">
-                <a:solidFill>
-                  <a:srgbClr val="F92672"/>
-                </a:solidFill>
-                <a:latin typeface="Menlo"/>
-              </a:rPr>
-              <a:t>&gt;</a:t>
-            </a:r>
-            <a:endParaRPr lang="en-US" dirty="0" smtClean="0">
-              <a:solidFill>
-                <a:srgbClr val="F8F8F2"/>
-              </a:solidFill>
-              <a:latin typeface="Menlo"/>
-            </a:endParaRPr>
-          </a:p>
-          <a:p>
-            <a:r>
-              <a:rPr lang="en-US" dirty="0" smtClean="0">
-                <a:solidFill>
-                  <a:srgbClr val="F8F8F2"/>
-                </a:solidFill>
-                <a:latin typeface="Menlo"/>
-              </a:rPr>
-              <a:t>    </a:t>
-            </a:r>
-            <a:r>
-              <a:rPr lang="en-US" dirty="0" smtClean="0">
-                <a:solidFill>
-                  <a:srgbClr val="F92672"/>
-                </a:solidFill>
-                <a:latin typeface="Menlo"/>
-              </a:rPr>
-              <a:t>&lt;div&gt;</a:t>
-            </a:r>
-            <a:endParaRPr lang="en-US" dirty="0" smtClean="0">
-              <a:solidFill>
-                <a:srgbClr val="F8F8F2"/>
-              </a:solidFill>
-              <a:latin typeface="Menlo"/>
-            </a:endParaRPr>
-          </a:p>
-          <a:p>
-            <a:r>
-              <a:rPr lang="en-US" dirty="0" smtClean="0">
-                <a:solidFill>
-                  <a:srgbClr val="F8F8F2"/>
-                </a:solidFill>
-                <a:latin typeface="Menlo"/>
-              </a:rPr>
-              <a:t>      </a:t>
-            </a:r>
-            <a:r>
-              <a:rPr lang="en-US" dirty="0" smtClean="0">
-                <a:solidFill>
-                  <a:srgbClr val="F92672"/>
-                </a:solidFill>
-                <a:latin typeface="Menlo"/>
-              </a:rPr>
-              <a:t>&lt;label</a:t>
-            </a:r>
-            <a:r>
-              <a:rPr lang="en-US" dirty="0" smtClean="0">
-                <a:solidFill>
-                  <a:srgbClr val="F8F8F2"/>
-                </a:solidFill>
-                <a:latin typeface="Menlo"/>
-              </a:rPr>
-              <a:t> </a:t>
-            </a:r>
-            <a:r>
-              <a:rPr lang="en-US" dirty="0" smtClean="0">
-                <a:solidFill>
-                  <a:srgbClr val="A6E22E"/>
-                </a:solidFill>
-                <a:latin typeface="Menlo"/>
-              </a:rPr>
-              <a:t>for=</a:t>
-            </a:r>
-            <a:r>
-              <a:rPr lang="en-US" dirty="0" smtClean="0">
-                <a:solidFill>
-                  <a:srgbClr val="E6DB74"/>
-                </a:solidFill>
-                <a:latin typeface="Menlo"/>
-              </a:rPr>
-              <a:t>"</a:t>
-            </a:r>
-            <a:r>
-              <a:rPr lang="en-US" dirty="0" err="1" smtClean="0">
-                <a:solidFill>
-                  <a:srgbClr val="E6DB74"/>
-                </a:solidFill>
-                <a:latin typeface="Menlo"/>
-              </a:rPr>
-              <a:t>firstName</a:t>
-            </a:r>
-            <a:r>
-              <a:rPr lang="en-US" dirty="0" smtClean="0">
-                <a:solidFill>
-                  <a:srgbClr val="E6DB74"/>
-                </a:solidFill>
-                <a:latin typeface="Menlo"/>
-              </a:rPr>
-              <a:t>"</a:t>
-            </a:r>
-            <a:r>
-              <a:rPr lang="en-US" dirty="0" smtClean="0">
-                <a:solidFill>
-                  <a:srgbClr val="F92672"/>
-                </a:solidFill>
-                <a:latin typeface="Menlo"/>
-              </a:rPr>
-              <a:t>&gt;</a:t>
-            </a:r>
-            <a:r>
-              <a:rPr lang="en-US" dirty="0" smtClean="0">
-                <a:solidFill>
-                  <a:srgbClr val="F8F8F2"/>
-                </a:solidFill>
-                <a:latin typeface="Menlo"/>
-              </a:rPr>
-              <a:t>Enter your first name: </a:t>
-            </a:r>
-            <a:r>
-              <a:rPr lang="en-US" dirty="0" smtClean="0">
-                <a:solidFill>
-                  <a:srgbClr val="F92672"/>
-                </a:solidFill>
-                <a:latin typeface="Menlo"/>
-              </a:rPr>
-              <a:t>&lt;/label&gt;</a:t>
-            </a:r>
-            <a:endParaRPr lang="en-US" dirty="0" smtClean="0">
-              <a:solidFill>
-                <a:srgbClr val="F8F8F2"/>
-              </a:solidFill>
-              <a:latin typeface="Menlo"/>
-            </a:endParaRPr>
-          </a:p>
-          <a:p>
-            <a:r>
-              <a:rPr lang="en-US" dirty="0" smtClean="0">
-                <a:solidFill>
-                  <a:srgbClr val="F8F8F2"/>
-                </a:solidFill>
-                <a:latin typeface="Menlo"/>
-              </a:rPr>
-              <a:t>      </a:t>
-            </a:r>
-            <a:r>
-              <a:rPr lang="en-US" dirty="0" smtClean="0">
-                <a:solidFill>
-                  <a:srgbClr val="F92672"/>
-                </a:solidFill>
-                <a:latin typeface="Menlo"/>
-              </a:rPr>
-              <a:t>&lt;input</a:t>
-            </a:r>
-            <a:r>
-              <a:rPr lang="en-US" dirty="0" smtClean="0">
-                <a:solidFill>
-                  <a:srgbClr val="F8F8F2"/>
-                </a:solidFill>
-                <a:latin typeface="Menlo"/>
-              </a:rPr>
-              <a:t> </a:t>
-            </a:r>
-            <a:r>
-              <a:rPr lang="en-US" dirty="0" smtClean="0">
-                <a:solidFill>
-                  <a:srgbClr val="A6E22E"/>
-                </a:solidFill>
-                <a:latin typeface="Menlo"/>
-              </a:rPr>
-              <a:t>type=</a:t>
-            </a:r>
-            <a:r>
-              <a:rPr lang="en-US" dirty="0" smtClean="0">
-                <a:solidFill>
-                  <a:srgbClr val="E6DB74"/>
-                </a:solidFill>
-                <a:latin typeface="Menlo"/>
-              </a:rPr>
-              <a:t>"text"</a:t>
-            </a:r>
-            <a:r>
-              <a:rPr lang="en-US" dirty="0" smtClean="0">
-                <a:solidFill>
-                  <a:srgbClr val="F8F8F2"/>
-                </a:solidFill>
-                <a:latin typeface="Menlo"/>
-              </a:rPr>
-              <a:t> </a:t>
-            </a:r>
-            <a:r>
-              <a:rPr lang="en-US" dirty="0" smtClean="0">
-                <a:solidFill>
-                  <a:srgbClr val="A6E22E"/>
-                </a:solidFill>
-                <a:latin typeface="Menlo"/>
-              </a:rPr>
-              <a:t>id=</a:t>
-            </a:r>
-            <a:r>
-              <a:rPr lang="en-US" dirty="0" smtClean="0">
-                <a:solidFill>
-                  <a:srgbClr val="E6DB74"/>
-                </a:solidFill>
-                <a:latin typeface="Menlo"/>
-              </a:rPr>
-              <a:t>"</a:t>
-            </a:r>
-            <a:r>
-              <a:rPr lang="en-US" dirty="0" err="1" smtClean="0">
-                <a:solidFill>
-                  <a:srgbClr val="E6DB74"/>
-                </a:solidFill>
-                <a:latin typeface="Menlo"/>
-              </a:rPr>
-              <a:t>firstName</a:t>
-            </a:r>
-            <a:r>
-              <a:rPr lang="en-US" dirty="0" smtClean="0">
-                <a:solidFill>
-                  <a:srgbClr val="E6DB74"/>
-                </a:solidFill>
-                <a:latin typeface="Menlo"/>
-              </a:rPr>
-              <a:t>"</a:t>
-            </a:r>
-            <a:r>
-              <a:rPr lang="en-US" dirty="0" smtClean="0">
-                <a:solidFill>
-                  <a:srgbClr val="F8F8F2"/>
-                </a:solidFill>
-                <a:latin typeface="Menlo"/>
-              </a:rPr>
-              <a:t> </a:t>
-            </a:r>
-            <a:r>
-              <a:rPr lang="en-US" dirty="0" err="1" smtClean="0">
-                <a:solidFill>
-                  <a:srgbClr val="A6E22E"/>
-                </a:solidFill>
-                <a:latin typeface="Menlo"/>
-              </a:rPr>
+              <a:rPr lang="en-US" dirty="0" smtClean="0"/>
+              <a:t>-form directives)</a:t>
+            </a:r>
+          </a:p>
+          <a:p>
+            <a:r>
+              <a:rPr lang="en-US" dirty="0" smtClean="0"/>
+              <a:t>Publishes form and inputs to the scope by using name attributes</a:t>
+            </a:r>
+          </a:p>
+          <a:p>
+            <a:r>
+              <a:rPr lang="en-US" dirty="0" err="1" smtClean="0"/>
               <a:t>ng</a:t>
             </a:r>
             <a:r>
-              <a:rPr lang="en-US" dirty="0" smtClean="0">
-                <a:solidFill>
-                  <a:srgbClr val="A6E22E"/>
-                </a:solidFill>
-                <a:latin typeface="Menlo"/>
-              </a:rPr>
-              <a:t>-model=</a:t>
-            </a:r>
-            <a:r>
-              <a:rPr lang="en-US" dirty="0" smtClean="0">
-                <a:solidFill>
-                  <a:srgbClr val="E6DB74"/>
-                </a:solidFill>
-                <a:latin typeface="Menlo"/>
-              </a:rPr>
-              <a:t>"</a:t>
-            </a:r>
-            <a:r>
-              <a:rPr lang="en-US" dirty="0" err="1" smtClean="0">
-                <a:solidFill>
-                  <a:srgbClr val="E6DB74"/>
-                </a:solidFill>
-                <a:latin typeface="Menlo"/>
-              </a:rPr>
-              <a:t>model.firstName</a:t>
-            </a:r>
-            <a:r>
-              <a:rPr lang="en-US" dirty="0" smtClean="0">
-                <a:solidFill>
-                  <a:srgbClr val="E6DB74"/>
-                </a:solidFill>
-                <a:latin typeface="Menlo"/>
-              </a:rPr>
-              <a:t>"</a:t>
-            </a:r>
-            <a:r>
-              <a:rPr lang="en-US" dirty="0" smtClean="0">
-                <a:solidFill>
-                  <a:srgbClr val="F8F8F2"/>
-                </a:solidFill>
-                <a:latin typeface="Menlo"/>
-              </a:rPr>
-              <a:t> </a:t>
-            </a:r>
-            <a:r>
-              <a:rPr lang="en-US" dirty="0" smtClean="0">
-                <a:solidFill>
-                  <a:srgbClr val="A6E22E"/>
-                </a:solidFill>
-                <a:latin typeface="Menlo"/>
-              </a:rPr>
-              <a:t>required</a:t>
-            </a:r>
-            <a:r>
-              <a:rPr lang="en-US" dirty="0" smtClean="0">
-                <a:solidFill>
-                  <a:srgbClr val="F92672"/>
-                </a:solidFill>
-                <a:latin typeface="Menlo"/>
-              </a:rPr>
-              <a:t>/&gt;</a:t>
-            </a:r>
-            <a:endParaRPr lang="en-US" dirty="0" smtClean="0">
-              <a:solidFill>
-                <a:srgbClr val="F8F8F2"/>
-              </a:solidFill>
-              <a:latin typeface="Menlo"/>
-            </a:endParaRPr>
-          </a:p>
-          <a:p>
-            <a:r>
-              <a:rPr lang="en-US" dirty="0" smtClean="0">
-                <a:solidFill>
-                  <a:srgbClr val="F8F8F2"/>
-                </a:solidFill>
-                <a:latin typeface="Menlo"/>
-              </a:rPr>
-              <a:t>    </a:t>
-            </a:r>
-            <a:r>
-              <a:rPr lang="en-US" dirty="0" smtClean="0">
-                <a:solidFill>
-                  <a:srgbClr val="F92672"/>
-                </a:solidFill>
-                <a:latin typeface="Menlo"/>
-              </a:rPr>
-              <a:t>&lt;/div&gt;</a:t>
-            </a:r>
-            <a:endParaRPr lang="en-US" dirty="0" smtClean="0">
-              <a:solidFill>
-                <a:srgbClr val="F8F8F2"/>
-              </a:solidFill>
-              <a:latin typeface="Menlo"/>
-            </a:endParaRPr>
-          </a:p>
-          <a:p>
-            <a:r>
-              <a:rPr lang="en-US" dirty="0" smtClean="0">
-                <a:solidFill>
-                  <a:srgbClr val="F8F8F2"/>
-                </a:solidFill>
-                <a:latin typeface="Menlo"/>
-              </a:rPr>
-              <a:t>    </a:t>
-            </a:r>
-            <a:r>
-              <a:rPr lang="en-US" dirty="0" smtClean="0">
-                <a:solidFill>
-                  <a:srgbClr val="F92672"/>
-                </a:solidFill>
-                <a:latin typeface="Menlo"/>
-              </a:rPr>
-              <a:t>&lt;div&gt;</a:t>
-            </a:r>
-            <a:endParaRPr lang="en-US" dirty="0" smtClean="0">
-              <a:solidFill>
-                <a:srgbClr val="F8F8F2"/>
-              </a:solidFill>
-              <a:latin typeface="Menlo"/>
-            </a:endParaRPr>
-          </a:p>
-          <a:p>
-            <a:r>
-              <a:rPr lang="en-US" dirty="0" smtClean="0">
-                <a:solidFill>
-                  <a:srgbClr val="F8F8F2"/>
-                </a:solidFill>
-                <a:latin typeface="Menlo"/>
-              </a:rPr>
-              <a:t>      </a:t>
-            </a:r>
-            <a:r>
-              <a:rPr lang="en-US" dirty="0" smtClean="0">
-                <a:solidFill>
-                  <a:srgbClr val="F92672"/>
-                </a:solidFill>
-                <a:latin typeface="Menlo"/>
-              </a:rPr>
-              <a:t>&lt;label</a:t>
-            </a:r>
-            <a:r>
-              <a:rPr lang="en-US" dirty="0" smtClean="0">
-                <a:solidFill>
-                  <a:srgbClr val="F8F8F2"/>
-                </a:solidFill>
-                <a:latin typeface="Menlo"/>
-              </a:rPr>
-              <a:t> </a:t>
-            </a:r>
-            <a:r>
-              <a:rPr lang="en-US" dirty="0" smtClean="0">
-                <a:solidFill>
-                  <a:srgbClr val="A6E22E"/>
-                </a:solidFill>
-                <a:latin typeface="Menlo"/>
-              </a:rPr>
-              <a:t>for=</a:t>
-            </a:r>
-            <a:r>
-              <a:rPr lang="en-US" dirty="0" smtClean="0">
-                <a:solidFill>
-                  <a:srgbClr val="E6DB74"/>
-                </a:solidFill>
-                <a:latin typeface="Menlo"/>
-              </a:rPr>
-              <a:t>"</a:t>
-            </a:r>
-            <a:r>
-              <a:rPr lang="en-US" dirty="0" err="1" smtClean="0">
-                <a:solidFill>
-                  <a:srgbClr val="E6DB74"/>
-                </a:solidFill>
-                <a:latin typeface="Menlo"/>
-              </a:rPr>
-              <a:t>lastName</a:t>
-            </a:r>
-            <a:r>
-              <a:rPr lang="en-US" dirty="0" smtClean="0">
-                <a:solidFill>
-                  <a:srgbClr val="E6DB74"/>
-                </a:solidFill>
-                <a:latin typeface="Menlo"/>
-              </a:rPr>
-              <a:t>"</a:t>
-            </a:r>
-            <a:r>
-              <a:rPr lang="en-US" dirty="0" smtClean="0">
-                <a:solidFill>
-                  <a:srgbClr val="F92672"/>
-                </a:solidFill>
-                <a:latin typeface="Menlo"/>
-              </a:rPr>
-              <a:t>&gt;</a:t>
-            </a:r>
-            <a:r>
-              <a:rPr lang="en-US" dirty="0" smtClean="0">
-                <a:solidFill>
-                  <a:srgbClr val="F8F8F2"/>
-                </a:solidFill>
-                <a:latin typeface="Menlo"/>
-              </a:rPr>
-              <a:t>Enter your last name: </a:t>
-            </a:r>
-            <a:r>
-              <a:rPr lang="en-US" dirty="0" smtClean="0">
-                <a:solidFill>
-                  <a:srgbClr val="F92672"/>
-                </a:solidFill>
-                <a:latin typeface="Menlo"/>
-              </a:rPr>
-              <a:t>&lt;/label&gt;</a:t>
-            </a:r>
-            <a:endParaRPr lang="en-US" dirty="0" smtClean="0">
-              <a:solidFill>
-                <a:srgbClr val="F8F8F2"/>
-              </a:solidFill>
-              <a:latin typeface="Menlo"/>
-            </a:endParaRPr>
-          </a:p>
-          <a:p>
-            <a:r>
-              <a:rPr lang="en-US" dirty="0" smtClean="0">
-                <a:solidFill>
-                  <a:srgbClr val="F8F8F2"/>
-                </a:solidFill>
-                <a:latin typeface="Menlo"/>
-              </a:rPr>
-              <a:t>      </a:t>
-            </a:r>
-            <a:r>
-              <a:rPr lang="en-US" dirty="0" smtClean="0">
-                <a:solidFill>
-                  <a:srgbClr val="F92672"/>
-                </a:solidFill>
-                <a:latin typeface="Menlo"/>
-              </a:rPr>
-              <a:t>&lt;input</a:t>
-            </a:r>
-            <a:r>
-              <a:rPr lang="en-US" dirty="0" smtClean="0">
-                <a:solidFill>
-                  <a:srgbClr val="F8F8F2"/>
-                </a:solidFill>
-                <a:latin typeface="Menlo"/>
-              </a:rPr>
-              <a:t> </a:t>
-            </a:r>
-            <a:r>
-              <a:rPr lang="en-US" dirty="0" smtClean="0">
-                <a:solidFill>
-                  <a:srgbClr val="A6E22E"/>
-                </a:solidFill>
-                <a:latin typeface="Menlo"/>
-              </a:rPr>
-              <a:t>type=</a:t>
-            </a:r>
-            <a:r>
-              <a:rPr lang="en-US" dirty="0" smtClean="0">
-                <a:solidFill>
-                  <a:srgbClr val="E6DB74"/>
-                </a:solidFill>
-                <a:latin typeface="Menlo"/>
-              </a:rPr>
-              <a:t>"text"</a:t>
-            </a:r>
-            <a:r>
-              <a:rPr lang="en-US" dirty="0" smtClean="0">
-                <a:solidFill>
-                  <a:srgbClr val="F8F8F2"/>
-                </a:solidFill>
-                <a:latin typeface="Menlo"/>
-              </a:rPr>
-              <a:t> </a:t>
-            </a:r>
-            <a:r>
-              <a:rPr lang="en-US" dirty="0" smtClean="0">
-                <a:solidFill>
-                  <a:srgbClr val="A6E22E"/>
-                </a:solidFill>
-                <a:latin typeface="Menlo"/>
-              </a:rPr>
-              <a:t>id=</a:t>
-            </a:r>
-            <a:r>
-              <a:rPr lang="en-US" dirty="0" smtClean="0">
-                <a:solidFill>
-                  <a:srgbClr val="E6DB74"/>
-                </a:solidFill>
-                <a:latin typeface="Menlo"/>
-              </a:rPr>
-              <a:t>"</a:t>
-            </a:r>
-            <a:r>
-              <a:rPr lang="en-US" dirty="0" err="1" smtClean="0">
-                <a:solidFill>
-                  <a:srgbClr val="E6DB74"/>
-                </a:solidFill>
-                <a:latin typeface="Menlo"/>
-              </a:rPr>
-              <a:t>lastName</a:t>
-            </a:r>
-            <a:r>
-              <a:rPr lang="en-US" dirty="0" smtClean="0">
-                <a:solidFill>
-                  <a:srgbClr val="E6DB74"/>
-                </a:solidFill>
-                <a:latin typeface="Menlo"/>
-              </a:rPr>
-              <a:t>"</a:t>
-            </a:r>
-            <a:r>
-              <a:rPr lang="en-US" dirty="0" smtClean="0">
-                <a:solidFill>
-                  <a:srgbClr val="F8F8F2"/>
-                </a:solidFill>
-                <a:latin typeface="Menlo"/>
-              </a:rPr>
-              <a:t> </a:t>
-            </a:r>
-            <a:r>
-              <a:rPr lang="en-US" dirty="0" err="1" smtClean="0">
-                <a:solidFill>
-                  <a:srgbClr val="A6E22E"/>
-                </a:solidFill>
-                <a:latin typeface="Menlo"/>
-              </a:rPr>
-              <a:t>ng</a:t>
-            </a:r>
-            <a:r>
-              <a:rPr lang="en-US" dirty="0" smtClean="0">
-                <a:solidFill>
-                  <a:srgbClr val="A6E22E"/>
-                </a:solidFill>
-                <a:latin typeface="Menlo"/>
-              </a:rPr>
-              <a:t>-model=</a:t>
-            </a:r>
-            <a:r>
-              <a:rPr lang="en-US" dirty="0" smtClean="0">
-                <a:solidFill>
-                  <a:srgbClr val="E6DB74"/>
-                </a:solidFill>
-                <a:latin typeface="Menlo"/>
-              </a:rPr>
-              <a:t>"</a:t>
-            </a:r>
-            <a:r>
-              <a:rPr lang="en-US" dirty="0" err="1" smtClean="0">
-                <a:solidFill>
-                  <a:srgbClr val="E6DB74"/>
-                </a:solidFill>
-                <a:latin typeface="Menlo"/>
-              </a:rPr>
-              <a:t>model.lastName</a:t>
-            </a:r>
-            <a:r>
-              <a:rPr lang="en-US" dirty="0" smtClean="0">
-                <a:solidFill>
-                  <a:srgbClr val="E6DB74"/>
-                </a:solidFill>
-                <a:latin typeface="Menlo"/>
-              </a:rPr>
-              <a:t>"</a:t>
-            </a:r>
-            <a:r>
-              <a:rPr lang="en-US" dirty="0" smtClean="0">
-                <a:solidFill>
-                  <a:srgbClr val="F8F8F2"/>
-                </a:solidFill>
-                <a:latin typeface="Menlo"/>
-              </a:rPr>
-              <a:t> </a:t>
-            </a:r>
-            <a:r>
-              <a:rPr lang="en-US" dirty="0" smtClean="0">
-                <a:solidFill>
-                  <a:srgbClr val="A6E22E"/>
-                </a:solidFill>
-                <a:latin typeface="Menlo"/>
-              </a:rPr>
-              <a:t>required</a:t>
-            </a:r>
-            <a:r>
-              <a:rPr lang="en-US" dirty="0" smtClean="0">
-                <a:solidFill>
-                  <a:srgbClr val="F92672"/>
-                </a:solidFill>
-                <a:latin typeface="Menlo"/>
-              </a:rPr>
-              <a:t>/&gt;</a:t>
-            </a:r>
-            <a:endParaRPr lang="en-US" dirty="0" smtClean="0">
-              <a:solidFill>
-                <a:srgbClr val="F8F8F2"/>
-              </a:solidFill>
-              <a:latin typeface="Menlo"/>
-            </a:endParaRPr>
-          </a:p>
-          <a:p>
-            <a:r>
-              <a:rPr lang="en-US" dirty="0" smtClean="0">
-                <a:solidFill>
-                  <a:srgbClr val="F8F8F2"/>
-                </a:solidFill>
-                <a:latin typeface="Menlo"/>
-              </a:rPr>
-              <a:t>    </a:t>
-            </a:r>
-            <a:r>
-              <a:rPr lang="en-US" dirty="0" smtClean="0">
-                <a:solidFill>
-                  <a:srgbClr val="F92672"/>
-                </a:solidFill>
-                <a:latin typeface="Menlo"/>
-              </a:rPr>
-              <a:t>&lt;/div&gt;</a:t>
-            </a:r>
-            <a:endParaRPr lang="en-US" dirty="0" smtClean="0">
-              <a:solidFill>
-                <a:srgbClr val="F8F8F2"/>
-              </a:solidFill>
-              <a:latin typeface="Menlo"/>
-            </a:endParaRPr>
-          </a:p>
-          <a:p>
-            <a:r>
-              <a:rPr lang="en-US" dirty="0" smtClean="0">
-                <a:solidFill>
-                  <a:srgbClr val="F8F8F2"/>
-                </a:solidFill>
-                <a:latin typeface="Menlo"/>
-              </a:rPr>
-              <a:t>    </a:t>
-            </a:r>
-            <a:r>
-              <a:rPr lang="en-US" dirty="0" smtClean="0">
-                <a:solidFill>
-                  <a:srgbClr val="F92672"/>
-                </a:solidFill>
-                <a:latin typeface="Menlo"/>
-              </a:rPr>
-              <a:t>&lt;button </a:t>
-            </a:r>
-            <a:r>
-              <a:rPr lang="en-US" dirty="0" smtClean="0">
-                <a:solidFill>
-                  <a:srgbClr val="A6E22E"/>
-                </a:solidFill>
-                <a:latin typeface="Menlo"/>
-              </a:rPr>
-              <a:t>type</a:t>
-            </a:r>
-            <a:r>
-              <a:rPr lang="en-US" dirty="0" smtClean="0">
-                <a:solidFill>
-                  <a:srgbClr val="F8F8F2"/>
-                </a:solidFill>
-                <a:latin typeface="Menlo"/>
-              </a:rPr>
-              <a:t>=</a:t>
-            </a:r>
-            <a:r>
-              <a:rPr lang="en-US" dirty="0">
-                <a:solidFill>
-                  <a:srgbClr val="F8F8F2"/>
-                </a:solidFill>
-                <a:latin typeface="Menlo"/>
-              </a:rPr>
-              <a:t>"</a:t>
-            </a:r>
-            <a:r>
-              <a:rPr lang="en-US" dirty="0" smtClean="0">
-                <a:solidFill>
-                  <a:srgbClr val="E6DB74"/>
-                </a:solidFill>
-                <a:latin typeface="Menlo"/>
-              </a:rPr>
-              <a:t>submit</a:t>
-            </a:r>
-            <a:r>
-              <a:rPr lang="en-US" dirty="0" smtClean="0">
-                <a:solidFill>
-                  <a:srgbClr val="F8F8F2"/>
-                </a:solidFill>
-                <a:latin typeface="Menlo"/>
-              </a:rPr>
-              <a:t>" </a:t>
-            </a:r>
-            <a:r>
-              <a:rPr lang="en-US" dirty="0" err="1" smtClean="0">
-                <a:solidFill>
-                  <a:srgbClr val="A6E22E"/>
-                </a:solidFill>
-                <a:latin typeface="Menlo"/>
-              </a:rPr>
-              <a:t>ng</a:t>
-            </a:r>
-            <a:r>
-              <a:rPr lang="en-US" dirty="0" smtClean="0">
-                <a:solidFill>
-                  <a:srgbClr val="A6E22E"/>
-                </a:solidFill>
-                <a:latin typeface="Menlo"/>
-              </a:rPr>
-              <a:t>-disabled=</a:t>
-            </a:r>
-            <a:r>
-              <a:rPr lang="en-US" dirty="0" smtClean="0">
-                <a:solidFill>
-                  <a:srgbClr val="F8F8F2"/>
-                </a:solidFill>
-                <a:latin typeface="Menlo"/>
-              </a:rPr>
-              <a:t>"</a:t>
-            </a:r>
-            <a:r>
-              <a:rPr lang="en-US" dirty="0" err="1" smtClean="0">
-                <a:solidFill>
-                  <a:srgbClr val="E6DB74"/>
-                </a:solidFill>
-                <a:latin typeface="Menlo"/>
-              </a:rPr>
-              <a:t>myForm</a:t>
-            </a:r>
-            <a:r>
-              <a:rPr lang="en-US" dirty="0" smtClean="0">
-                <a:solidFill>
-                  <a:srgbClr val="E6DB74"/>
-                </a:solidFill>
-                <a:latin typeface="Menlo"/>
-              </a:rPr>
-              <a:t>.$invalid</a:t>
-            </a:r>
-            <a:r>
-              <a:rPr lang="en-US" dirty="0" smtClean="0">
-                <a:solidFill>
-                  <a:srgbClr val="F8F8F2"/>
-                </a:solidFill>
-                <a:latin typeface="Menlo"/>
-              </a:rPr>
-              <a:t>"</a:t>
-            </a:r>
-            <a:r>
-              <a:rPr lang="en-US" dirty="0">
-                <a:solidFill>
-                  <a:srgbClr val="F8F8F2"/>
-                </a:solidFill>
-                <a:latin typeface="Menlo"/>
-              </a:rPr>
-              <a:t>&gt;Create User</a:t>
-            </a:r>
-            <a:r>
-              <a:rPr lang="en-US" dirty="0">
-                <a:solidFill>
-                  <a:srgbClr val="F92672"/>
-                </a:solidFill>
-                <a:latin typeface="Menlo"/>
-              </a:rPr>
-              <a:t>&lt;/button&gt;</a:t>
-            </a:r>
-            <a:endParaRPr lang="en-US" dirty="0">
-              <a:solidFill>
-                <a:srgbClr val="F8F8F2"/>
-              </a:solidFill>
-              <a:latin typeface="Menlo"/>
-            </a:endParaRPr>
-          </a:p>
-          <a:p>
-            <a:r>
-              <a:rPr lang="en-US" dirty="0" smtClean="0">
-                <a:solidFill>
-                  <a:srgbClr val="F8F8F2"/>
-                </a:solidFill>
-                <a:latin typeface="Menlo"/>
-              </a:rPr>
-              <a:t> </a:t>
-            </a:r>
-            <a:r>
-              <a:rPr lang="en-US" dirty="0" smtClean="0">
-                <a:solidFill>
-                  <a:srgbClr val="F92672"/>
-                </a:solidFill>
-                <a:latin typeface="Menlo"/>
-              </a:rPr>
-              <a:t>&lt;</a:t>
-            </a:r>
-            <a:r>
-              <a:rPr lang="en-US" dirty="0" smtClean="0">
-                <a:solidFill>
-                  <a:srgbClr val="F92672"/>
-                </a:solidFill>
-                <a:latin typeface="Menlo"/>
-              </a:rPr>
-              <a:t>/form&gt;</a:t>
-            </a:r>
-            <a:endParaRPr lang="en-US" dirty="0">
-              <a:solidFill>
-                <a:srgbClr val="F8F8F2"/>
-              </a:solidFill>
-              <a:latin typeface="Menlo"/>
-            </a:endParaRPr>
+              <a:rPr lang="en-US" dirty="0" smtClean="0"/>
+              <a:t>-submit: binds to submit event of form</a:t>
+            </a:r>
           </a:p>
         </p:txBody>
       </p:sp>
     </p:spTree>
     <p:extLst>
       <p:ext uri="{BB962C8B-B14F-4D97-AF65-F5344CB8AC3E}">
-        <p14:creationId xmlns:p14="http://schemas.microsoft.com/office/powerpoint/2010/main" val="236983855"/>
+        <p14:creationId xmlns:p14="http://schemas.microsoft.com/office/powerpoint/2010/main" val="4016527787"/>
       </p:ext>
     </p:extLst>
   </p:cSld>
@@ -15294,7 +14259,7 @@
           <a:p>
             <a:r>
               <a:rPr lang="en-US" dirty="0" smtClean="0"/>
-              <a:t>// TODO</a:t>
+              <a:t>Inputs</a:t>
             </a:r>
             <a:endParaRPr lang="en-US" dirty="0"/>
           </a:p>
@@ -15317,85 +14282,79 @@
           <a:p>
             <a:r>
               <a:rPr lang="en-US" dirty="0" smtClean="0"/>
-              <a:t>Add new controller for form example (</a:t>
+              <a:t>Input directives augment existing input functionality</a:t>
+            </a:r>
+          </a:p>
+          <a:p>
+            <a:pPr lvl="1"/>
+            <a:r>
+              <a:rPr lang="en-US" dirty="0" smtClean="0"/>
+              <a:t>Provide validation directives</a:t>
+            </a:r>
+          </a:p>
+          <a:p>
+            <a:pPr lvl="1"/>
+            <a:r>
+              <a:rPr lang="en-US" dirty="0" smtClean="0"/>
+              <a:t>Bind values to input states (ex: checkboxes)</a:t>
+            </a:r>
+          </a:p>
+          <a:p>
+            <a:r>
+              <a:rPr lang="en-US" dirty="0" smtClean="0"/>
+              <a:t>Support for most HTML5 input styles</a:t>
+            </a:r>
+          </a:p>
+          <a:p>
+            <a:pPr lvl="1"/>
+            <a:r>
+              <a:rPr lang="en-US" dirty="0" smtClean="0"/>
+              <a:t>date, </a:t>
             </a:r>
             <a:r>
               <a:rPr lang="en-US" dirty="0" err="1" smtClean="0"/>
-              <a:t>MyFormController</a:t>
-            </a:r>
-            <a:r>
-              <a:rPr lang="en-US" dirty="0" smtClean="0"/>
-              <a:t>)</a:t>
-            </a:r>
-          </a:p>
-          <a:p>
-            <a:r>
-              <a:rPr lang="en-US" dirty="0" smtClean="0"/>
-              <a:t>Add form element with inputs for first and last name</a:t>
-            </a:r>
-          </a:p>
-          <a:p>
-            <a:r>
-              <a:rPr lang="en-US" dirty="0" smtClean="0"/>
-              <a:t>Add handler for submit event</a:t>
+              <a:t>dateTimeLocal</a:t>
+            </a:r>
+            <a:r>
+              <a:rPr lang="en-US" dirty="0" smtClean="0"/>
+              <a:t>, email, month, number, </a:t>
+            </a:r>
+            <a:r>
+              <a:rPr lang="en-US" dirty="0" err="1" smtClean="0"/>
+              <a:t>url</a:t>
+            </a:r>
+            <a:r>
+              <a:rPr lang="en-US" dirty="0" smtClean="0"/>
+              <a:t>, week</a:t>
+            </a:r>
+          </a:p>
+          <a:p>
+            <a:r>
+              <a:rPr lang="en-US" dirty="0" smtClean="0"/>
+              <a:t>Custom validation directives</a:t>
             </a:r>
           </a:p>
           <a:p>
             <a:pPr lvl="1"/>
             <a:r>
               <a:rPr lang="en-US" dirty="0" smtClean="0"/>
-              <a:t>Submit should accept first and last name as arguments</a:t>
-            </a:r>
-          </a:p>
-          <a:p>
-            <a:pPr lvl="1"/>
-            <a:r>
-              <a:rPr lang="en-US" dirty="0" smtClean="0"/>
-              <a:t>Submit should call $</a:t>
+              <a:t>required, pattern, </a:t>
             </a:r>
             <a:r>
               <a:rPr lang="en-US" dirty="0" err="1" smtClean="0"/>
-              <a:t>window.alert</a:t>
-            </a:r>
-            <a:r>
-              <a:rPr lang="en-US" dirty="0" smtClean="0"/>
-              <a:t> with the first and last name</a:t>
-            </a:r>
-          </a:p>
-          <a:p>
-            <a:r>
-              <a:rPr lang="en-US" dirty="0" smtClean="0"/>
-              <a:t>Style input based on state (</a:t>
+              <a:t>minlength</a:t>
+            </a:r>
+            <a:r>
+              <a:rPr lang="en-US" dirty="0" smtClean="0"/>
+              <a:t>, </a:t>
             </a:r>
             <a:r>
               <a:rPr lang="en-US" dirty="0" err="1" smtClean="0"/>
-              <a:t>ng</a:t>
-            </a:r>
-            <a:r>
-              <a:rPr lang="en-US" dirty="0" smtClean="0"/>
-              <a:t>-valid, </a:t>
-            </a:r>
-            <a:r>
-              <a:rPr lang="en-US" dirty="0" err="1" smtClean="0"/>
-              <a:t>ng</a:t>
-            </a:r>
-            <a:r>
-              <a:rPr lang="en-US" dirty="0" smtClean="0"/>
-              <a:t>-invalid + </a:t>
-            </a:r>
-            <a:r>
-              <a:rPr lang="en-US" dirty="0" err="1" smtClean="0"/>
-              <a:t>ng</a:t>
-            </a:r>
-            <a:r>
-              <a:rPr lang="en-US" dirty="0" smtClean="0"/>
-              <a:t>-dirty)</a:t>
-            </a:r>
-          </a:p>
-          <a:p>
-            <a:r>
-              <a:rPr lang="en-US" dirty="0" smtClean="0"/>
-              <a:t>Enable button based on state</a:t>
+              <a:t>maxlength</a:t>
+            </a:r>
+            <a:r>
+              <a:rPr lang="en-US" dirty="0" smtClean="0"/>
+              <a:t>, min, max</a:t>
             </a:r>
             <a:endParaRPr lang="en-US" dirty="0"/>
           </a:p>
@@ -15404,7 +14363,7 @@
     </p:spTree>
     <p:extLst>
       <p:ext uri="{BB962C8B-B14F-4D97-AF65-F5344CB8AC3E}">
-        <p14:creationId xmlns:p14="http://schemas.microsoft.com/office/powerpoint/2010/main" val="2169689223"/>
+        <p14:creationId xmlns:p14="http://schemas.microsoft.com/office/powerpoint/2010/main" val="2887604628"/>
       </p:ext>
     </p:extLst>
   </p:cSld>
@@ -15433,6 +14392,1218 @@
       </p:grpSpPr>
       <p:sp>
         <p:nvSpPr>
+          <p:cNvPr id="4" name="Rectangle 3"/>
+          <p:cNvSpPr/>
+          <p:nvPr/>
+        </p:nvSpPr>
+        <p:spPr>
+          <a:xfrm>
+            <a:off x="-4860" y="855225"/>
+            <a:ext cx="9148860" cy="4247317"/>
+          </a:xfrm>
+          <a:prstGeom prst="rect">
+            <a:avLst/>
+          </a:prstGeom>
+        </p:spPr>
+        <p:txBody>
+          <a:bodyPr wrap="square">
+            <a:spAutoFit/>
+          </a:bodyPr>
+          <a:lstStyle/>
+          <a:p>
+            <a:r>
+              <a:rPr lang="en-US" dirty="0" smtClean="0">
+                <a:solidFill>
+                  <a:srgbClr val="F92672"/>
+                </a:solidFill>
+                <a:latin typeface="Menlo"/>
+              </a:rPr>
+              <a:t>&lt;form</a:t>
+            </a:r>
+            <a:r>
+              <a:rPr lang="en-US" dirty="0" smtClean="0">
+                <a:solidFill>
+                  <a:srgbClr val="F8F8F2"/>
+                </a:solidFill>
+                <a:latin typeface="Menlo"/>
+              </a:rPr>
+              <a:t> </a:t>
+            </a:r>
+            <a:r>
+              <a:rPr lang="en-US" dirty="0" smtClean="0">
+                <a:solidFill>
+                  <a:srgbClr val="A6E22E"/>
+                </a:solidFill>
+                <a:latin typeface="Menlo"/>
+              </a:rPr>
+              <a:t>name=</a:t>
+            </a:r>
+            <a:r>
+              <a:rPr lang="en-US" dirty="0" smtClean="0">
+                <a:solidFill>
+                  <a:srgbClr val="E6DB74"/>
+                </a:solidFill>
+                <a:latin typeface="Menlo"/>
+              </a:rPr>
+              <a:t>"</a:t>
+            </a:r>
+            <a:r>
+              <a:rPr lang="en-US" dirty="0" err="1" smtClean="0">
+                <a:solidFill>
+                  <a:srgbClr val="E6DB74"/>
+                </a:solidFill>
+                <a:latin typeface="Menlo"/>
+              </a:rPr>
+              <a:t>myForm</a:t>
+            </a:r>
+            <a:r>
+              <a:rPr lang="en-US" dirty="0" smtClean="0">
+                <a:solidFill>
+                  <a:srgbClr val="E6DB74"/>
+                </a:solidFill>
+                <a:latin typeface="Menlo"/>
+              </a:rPr>
+              <a:t>"</a:t>
+            </a:r>
+            <a:r>
+              <a:rPr lang="en-US" dirty="0" smtClean="0">
+                <a:solidFill>
+                  <a:srgbClr val="F8F8F2"/>
+                </a:solidFill>
+                <a:latin typeface="Menlo"/>
+              </a:rPr>
+              <a:t> </a:t>
+            </a:r>
+            <a:r>
+              <a:rPr lang="en-US" dirty="0" err="1" smtClean="0">
+                <a:solidFill>
+                  <a:srgbClr val="A6E22E"/>
+                </a:solidFill>
+                <a:latin typeface="Menlo"/>
+              </a:rPr>
+              <a:t>ng</a:t>
+            </a:r>
+            <a:r>
+              <a:rPr lang="en-US" dirty="0" smtClean="0">
+                <a:solidFill>
+                  <a:srgbClr val="A6E22E"/>
+                </a:solidFill>
+                <a:latin typeface="Menlo"/>
+              </a:rPr>
+              <a:t>-submit=</a:t>
+            </a:r>
+            <a:r>
+              <a:rPr lang="en-US" dirty="0" smtClean="0">
+                <a:solidFill>
+                  <a:srgbClr val="E6DB74"/>
+                </a:solidFill>
+                <a:latin typeface="Menlo"/>
+              </a:rPr>
+              <a:t>"</a:t>
+            </a:r>
+            <a:r>
+              <a:rPr lang="en-US" dirty="0" err="1" smtClean="0">
+                <a:solidFill>
+                  <a:srgbClr val="E6DB74"/>
+                </a:solidFill>
+                <a:latin typeface="Menlo"/>
+              </a:rPr>
+              <a:t>submitForm</a:t>
+            </a:r>
+            <a:r>
+              <a:rPr lang="en-US" dirty="0" smtClean="0">
+                <a:solidFill>
+                  <a:srgbClr val="E6DB74"/>
+                </a:solidFill>
+                <a:latin typeface="Menlo"/>
+              </a:rPr>
+              <a:t>(</a:t>
+            </a:r>
+            <a:r>
+              <a:rPr lang="en-US" dirty="0" err="1" smtClean="0">
+                <a:solidFill>
+                  <a:srgbClr val="E6DB74"/>
+                </a:solidFill>
+                <a:latin typeface="Menlo"/>
+              </a:rPr>
+              <a:t>model.firstName</a:t>
+            </a:r>
+            <a:r>
+              <a:rPr lang="en-US" dirty="0" smtClean="0">
+                <a:solidFill>
+                  <a:srgbClr val="E6DB74"/>
+                </a:solidFill>
+                <a:latin typeface="Menlo"/>
+              </a:rPr>
+              <a:t>, </a:t>
+            </a:r>
+            <a:r>
+              <a:rPr lang="en-US" dirty="0" err="1" smtClean="0">
+                <a:solidFill>
+                  <a:srgbClr val="E6DB74"/>
+                </a:solidFill>
+                <a:latin typeface="Menlo"/>
+              </a:rPr>
+              <a:t>model.lastName</a:t>
+            </a:r>
+            <a:r>
+              <a:rPr lang="en-US" dirty="0" smtClean="0">
+                <a:solidFill>
+                  <a:srgbClr val="E6DB74"/>
+                </a:solidFill>
+                <a:latin typeface="Menlo"/>
+              </a:rPr>
+              <a:t>)"</a:t>
+            </a:r>
+            <a:r>
+              <a:rPr lang="en-US" dirty="0" smtClean="0">
+                <a:solidFill>
+                  <a:srgbClr val="F8F8F2"/>
+                </a:solidFill>
+                <a:latin typeface="Menlo"/>
+              </a:rPr>
+              <a:t> </a:t>
+            </a:r>
+            <a:r>
+              <a:rPr lang="en-US" dirty="0" err="1" smtClean="0">
+                <a:solidFill>
+                  <a:srgbClr val="A6E22E"/>
+                </a:solidFill>
+                <a:latin typeface="Menlo"/>
+              </a:rPr>
+              <a:t>novalidate</a:t>
+            </a:r>
+            <a:r>
+              <a:rPr lang="en-US" dirty="0" smtClean="0">
+                <a:solidFill>
+                  <a:srgbClr val="F92672"/>
+                </a:solidFill>
+                <a:latin typeface="Menlo"/>
+              </a:rPr>
+              <a:t>&gt;</a:t>
+            </a:r>
+            <a:endParaRPr lang="en-US" dirty="0" smtClean="0">
+              <a:solidFill>
+                <a:srgbClr val="F8F8F2"/>
+              </a:solidFill>
+              <a:latin typeface="Menlo"/>
+            </a:endParaRPr>
+          </a:p>
+          <a:p>
+            <a:r>
+              <a:rPr lang="en-US" dirty="0" smtClean="0">
+                <a:solidFill>
+                  <a:srgbClr val="F8F8F2"/>
+                </a:solidFill>
+                <a:latin typeface="Menlo"/>
+              </a:rPr>
+              <a:t>    </a:t>
+            </a:r>
+            <a:r>
+              <a:rPr lang="en-US" dirty="0" smtClean="0">
+                <a:solidFill>
+                  <a:srgbClr val="F92672"/>
+                </a:solidFill>
+                <a:latin typeface="Menlo"/>
+              </a:rPr>
+              <a:t>&lt;div&gt;</a:t>
+            </a:r>
+            <a:endParaRPr lang="en-US" dirty="0" smtClean="0">
+              <a:solidFill>
+                <a:srgbClr val="F8F8F2"/>
+              </a:solidFill>
+              <a:latin typeface="Menlo"/>
+            </a:endParaRPr>
+          </a:p>
+          <a:p>
+            <a:r>
+              <a:rPr lang="en-US" dirty="0" smtClean="0">
+                <a:solidFill>
+                  <a:srgbClr val="F8F8F2"/>
+                </a:solidFill>
+                <a:latin typeface="Menlo"/>
+              </a:rPr>
+              <a:t>      </a:t>
+            </a:r>
+            <a:r>
+              <a:rPr lang="en-US" dirty="0" smtClean="0">
+                <a:solidFill>
+                  <a:srgbClr val="F92672"/>
+                </a:solidFill>
+                <a:latin typeface="Menlo"/>
+              </a:rPr>
+              <a:t>&lt;label</a:t>
+            </a:r>
+            <a:r>
+              <a:rPr lang="en-US" dirty="0" smtClean="0">
+                <a:solidFill>
+                  <a:srgbClr val="F8F8F2"/>
+                </a:solidFill>
+                <a:latin typeface="Menlo"/>
+              </a:rPr>
+              <a:t> </a:t>
+            </a:r>
+            <a:r>
+              <a:rPr lang="en-US" dirty="0" smtClean="0">
+                <a:solidFill>
+                  <a:srgbClr val="A6E22E"/>
+                </a:solidFill>
+                <a:latin typeface="Menlo"/>
+              </a:rPr>
+              <a:t>for=</a:t>
+            </a:r>
+            <a:r>
+              <a:rPr lang="en-US" dirty="0" smtClean="0">
+                <a:solidFill>
+                  <a:srgbClr val="E6DB74"/>
+                </a:solidFill>
+                <a:latin typeface="Menlo"/>
+              </a:rPr>
+              <a:t>"</a:t>
+            </a:r>
+            <a:r>
+              <a:rPr lang="en-US" dirty="0" err="1" smtClean="0">
+                <a:solidFill>
+                  <a:srgbClr val="E6DB74"/>
+                </a:solidFill>
+                <a:latin typeface="Menlo"/>
+              </a:rPr>
+              <a:t>firstName</a:t>
+            </a:r>
+            <a:r>
+              <a:rPr lang="en-US" dirty="0" smtClean="0">
+                <a:solidFill>
+                  <a:srgbClr val="E6DB74"/>
+                </a:solidFill>
+                <a:latin typeface="Menlo"/>
+              </a:rPr>
+              <a:t>"</a:t>
+            </a:r>
+            <a:r>
+              <a:rPr lang="en-US" dirty="0" smtClean="0">
+                <a:solidFill>
+                  <a:srgbClr val="F92672"/>
+                </a:solidFill>
+                <a:latin typeface="Menlo"/>
+              </a:rPr>
+              <a:t>&gt;</a:t>
+            </a:r>
+            <a:r>
+              <a:rPr lang="en-US" dirty="0" smtClean="0">
+                <a:solidFill>
+                  <a:srgbClr val="F8F8F2"/>
+                </a:solidFill>
+                <a:latin typeface="Menlo"/>
+              </a:rPr>
+              <a:t>Enter your first name: </a:t>
+            </a:r>
+            <a:r>
+              <a:rPr lang="en-US" dirty="0" smtClean="0">
+                <a:solidFill>
+                  <a:srgbClr val="F92672"/>
+                </a:solidFill>
+                <a:latin typeface="Menlo"/>
+              </a:rPr>
+              <a:t>&lt;/label&gt;</a:t>
+            </a:r>
+            <a:endParaRPr lang="en-US" dirty="0" smtClean="0">
+              <a:solidFill>
+                <a:srgbClr val="F8F8F2"/>
+              </a:solidFill>
+              <a:latin typeface="Menlo"/>
+            </a:endParaRPr>
+          </a:p>
+          <a:p>
+            <a:r>
+              <a:rPr lang="en-US" dirty="0" smtClean="0">
+                <a:solidFill>
+                  <a:srgbClr val="F8F8F2"/>
+                </a:solidFill>
+                <a:latin typeface="Menlo"/>
+              </a:rPr>
+              <a:t>      </a:t>
+            </a:r>
+            <a:r>
+              <a:rPr lang="en-US" dirty="0" smtClean="0">
+                <a:solidFill>
+                  <a:srgbClr val="F92672"/>
+                </a:solidFill>
+                <a:latin typeface="Menlo"/>
+              </a:rPr>
+              <a:t>&lt;input</a:t>
+            </a:r>
+            <a:r>
+              <a:rPr lang="en-US" dirty="0" smtClean="0">
+                <a:solidFill>
+                  <a:srgbClr val="F8F8F2"/>
+                </a:solidFill>
+                <a:latin typeface="Menlo"/>
+              </a:rPr>
+              <a:t> </a:t>
+            </a:r>
+            <a:r>
+              <a:rPr lang="en-US" dirty="0" smtClean="0">
+                <a:solidFill>
+                  <a:srgbClr val="A6E22E"/>
+                </a:solidFill>
+                <a:latin typeface="Menlo"/>
+              </a:rPr>
+              <a:t>type=</a:t>
+            </a:r>
+            <a:r>
+              <a:rPr lang="en-US" dirty="0" smtClean="0">
+                <a:solidFill>
+                  <a:srgbClr val="E6DB74"/>
+                </a:solidFill>
+                <a:latin typeface="Menlo"/>
+              </a:rPr>
+              <a:t>"text"</a:t>
+            </a:r>
+            <a:r>
+              <a:rPr lang="en-US" dirty="0" smtClean="0">
+                <a:solidFill>
+                  <a:srgbClr val="F8F8F2"/>
+                </a:solidFill>
+                <a:latin typeface="Menlo"/>
+              </a:rPr>
+              <a:t> </a:t>
+            </a:r>
+            <a:r>
+              <a:rPr lang="en-US" dirty="0" smtClean="0">
+                <a:solidFill>
+                  <a:srgbClr val="A6E22E"/>
+                </a:solidFill>
+                <a:latin typeface="Menlo"/>
+              </a:rPr>
+              <a:t>id=</a:t>
+            </a:r>
+            <a:r>
+              <a:rPr lang="en-US" dirty="0" smtClean="0">
+                <a:solidFill>
+                  <a:srgbClr val="E6DB74"/>
+                </a:solidFill>
+                <a:latin typeface="Menlo"/>
+              </a:rPr>
+              <a:t>"</a:t>
+            </a:r>
+            <a:r>
+              <a:rPr lang="en-US" dirty="0" err="1" smtClean="0">
+                <a:solidFill>
+                  <a:srgbClr val="E6DB74"/>
+                </a:solidFill>
+                <a:latin typeface="Menlo"/>
+              </a:rPr>
+              <a:t>firstName</a:t>
+            </a:r>
+            <a:r>
+              <a:rPr lang="en-US" dirty="0" smtClean="0">
+                <a:solidFill>
+                  <a:srgbClr val="E6DB74"/>
+                </a:solidFill>
+                <a:latin typeface="Menlo"/>
+              </a:rPr>
+              <a:t>"</a:t>
+            </a:r>
+            <a:r>
+              <a:rPr lang="en-US" dirty="0" smtClean="0">
+                <a:solidFill>
+                  <a:srgbClr val="F8F8F2"/>
+                </a:solidFill>
+                <a:latin typeface="Menlo"/>
+              </a:rPr>
+              <a:t> </a:t>
+            </a:r>
+            <a:r>
+              <a:rPr lang="en-US" dirty="0" err="1" smtClean="0">
+                <a:solidFill>
+                  <a:srgbClr val="A6E22E"/>
+                </a:solidFill>
+                <a:latin typeface="Menlo"/>
+              </a:rPr>
+              <a:t>ng</a:t>
+            </a:r>
+            <a:r>
+              <a:rPr lang="en-US" dirty="0" smtClean="0">
+                <a:solidFill>
+                  <a:srgbClr val="A6E22E"/>
+                </a:solidFill>
+                <a:latin typeface="Menlo"/>
+              </a:rPr>
+              <a:t>-model=</a:t>
+            </a:r>
+            <a:r>
+              <a:rPr lang="en-US" dirty="0" smtClean="0">
+                <a:solidFill>
+                  <a:srgbClr val="E6DB74"/>
+                </a:solidFill>
+                <a:latin typeface="Menlo"/>
+              </a:rPr>
+              <a:t>"</a:t>
+            </a:r>
+            <a:r>
+              <a:rPr lang="en-US" dirty="0" err="1" smtClean="0">
+                <a:solidFill>
+                  <a:srgbClr val="E6DB74"/>
+                </a:solidFill>
+                <a:latin typeface="Menlo"/>
+              </a:rPr>
+              <a:t>model.firstName</a:t>
+            </a:r>
+            <a:r>
+              <a:rPr lang="en-US" dirty="0" smtClean="0">
+                <a:solidFill>
+                  <a:srgbClr val="E6DB74"/>
+                </a:solidFill>
+                <a:latin typeface="Menlo"/>
+              </a:rPr>
+              <a:t>"</a:t>
+            </a:r>
+            <a:r>
+              <a:rPr lang="en-US" dirty="0" smtClean="0">
+                <a:solidFill>
+                  <a:srgbClr val="F8F8F2"/>
+                </a:solidFill>
+                <a:latin typeface="Menlo"/>
+              </a:rPr>
+              <a:t> </a:t>
+            </a:r>
+            <a:r>
+              <a:rPr lang="en-US" dirty="0" smtClean="0">
+                <a:solidFill>
+                  <a:srgbClr val="A6E22E"/>
+                </a:solidFill>
+                <a:latin typeface="Menlo"/>
+              </a:rPr>
+              <a:t>required</a:t>
+            </a:r>
+            <a:r>
+              <a:rPr lang="en-US" dirty="0" smtClean="0">
+                <a:solidFill>
+                  <a:srgbClr val="F92672"/>
+                </a:solidFill>
+                <a:latin typeface="Menlo"/>
+              </a:rPr>
+              <a:t>/&gt;</a:t>
+            </a:r>
+            <a:endParaRPr lang="en-US" dirty="0" smtClean="0">
+              <a:solidFill>
+                <a:srgbClr val="F8F8F2"/>
+              </a:solidFill>
+              <a:latin typeface="Menlo"/>
+            </a:endParaRPr>
+          </a:p>
+          <a:p>
+            <a:r>
+              <a:rPr lang="en-US" dirty="0" smtClean="0">
+                <a:solidFill>
+                  <a:srgbClr val="F8F8F2"/>
+                </a:solidFill>
+                <a:latin typeface="Menlo"/>
+              </a:rPr>
+              <a:t>    </a:t>
+            </a:r>
+            <a:r>
+              <a:rPr lang="en-US" dirty="0" smtClean="0">
+                <a:solidFill>
+                  <a:srgbClr val="F92672"/>
+                </a:solidFill>
+                <a:latin typeface="Menlo"/>
+              </a:rPr>
+              <a:t>&lt;/div&gt;</a:t>
+            </a:r>
+            <a:endParaRPr lang="en-US" dirty="0" smtClean="0">
+              <a:solidFill>
+                <a:srgbClr val="F8F8F2"/>
+              </a:solidFill>
+              <a:latin typeface="Menlo"/>
+            </a:endParaRPr>
+          </a:p>
+          <a:p>
+            <a:r>
+              <a:rPr lang="en-US" dirty="0" smtClean="0">
+                <a:solidFill>
+                  <a:srgbClr val="F8F8F2"/>
+                </a:solidFill>
+                <a:latin typeface="Menlo"/>
+              </a:rPr>
+              <a:t>    </a:t>
+            </a:r>
+            <a:r>
+              <a:rPr lang="en-US" dirty="0" smtClean="0">
+                <a:solidFill>
+                  <a:srgbClr val="F92672"/>
+                </a:solidFill>
+                <a:latin typeface="Menlo"/>
+              </a:rPr>
+              <a:t>&lt;div&gt;</a:t>
+            </a:r>
+            <a:endParaRPr lang="en-US" dirty="0" smtClean="0">
+              <a:solidFill>
+                <a:srgbClr val="F8F8F2"/>
+              </a:solidFill>
+              <a:latin typeface="Menlo"/>
+            </a:endParaRPr>
+          </a:p>
+          <a:p>
+            <a:r>
+              <a:rPr lang="en-US" dirty="0" smtClean="0">
+                <a:solidFill>
+                  <a:srgbClr val="F8F8F2"/>
+                </a:solidFill>
+                <a:latin typeface="Menlo"/>
+              </a:rPr>
+              <a:t>      </a:t>
+            </a:r>
+            <a:r>
+              <a:rPr lang="en-US" dirty="0" smtClean="0">
+                <a:solidFill>
+                  <a:srgbClr val="F92672"/>
+                </a:solidFill>
+                <a:latin typeface="Menlo"/>
+              </a:rPr>
+              <a:t>&lt;label</a:t>
+            </a:r>
+            <a:r>
+              <a:rPr lang="en-US" dirty="0" smtClean="0">
+                <a:solidFill>
+                  <a:srgbClr val="F8F8F2"/>
+                </a:solidFill>
+                <a:latin typeface="Menlo"/>
+              </a:rPr>
+              <a:t> </a:t>
+            </a:r>
+            <a:r>
+              <a:rPr lang="en-US" dirty="0" smtClean="0">
+                <a:solidFill>
+                  <a:srgbClr val="A6E22E"/>
+                </a:solidFill>
+                <a:latin typeface="Menlo"/>
+              </a:rPr>
+              <a:t>for=</a:t>
+            </a:r>
+            <a:r>
+              <a:rPr lang="en-US" dirty="0" smtClean="0">
+                <a:solidFill>
+                  <a:srgbClr val="E6DB74"/>
+                </a:solidFill>
+                <a:latin typeface="Menlo"/>
+              </a:rPr>
+              <a:t>"</a:t>
+            </a:r>
+            <a:r>
+              <a:rPr lang="en-US" dirty="0" err="1" smtClean="0">
+                <a:solidFill>
+                  <a:srgbClr val="E6DB74"/>
+                </a:solidFill>
+                <a:latin typeface="Menlo"/>
+              </a:rPr>
+              <a:t>lastName</a:t>
+            </a:r>
+            <a:r>
+              <a:rPr lang="en-US" dirty="0" smtClean="0">
+                <a:solidFill>
+                  <a:srgbClr val="E6DB74"/>
+                </a:solidFill>
+                <a:latin typeface="Menlo"/>
+              </a:rPr>
+              <a:t>"</a:t>
+            </a:r>
+            <a:r>
+              <a:rPr lang="en-US" dirty="0" smtClean="0">
+                <a:solidFill>
+                  <a:srgbClr val="F92672"/>
+                </a:solidFill>
+                <a:latin typeface="Menlo"/>
+              </a:rPr>
+              <a:t>&gt;</a:t>
+            </a:r>
+            <a:r>
+              <a:rPr lang="en-US" dirty="0" smtClean="0">
+                <a:solidFill>
+                  <a:srgbClr val="F8F8F2"/>
+                </a:solidFill>
+                <a:latin typeface="Menlo"/>
+              </a:rPr>
+              <a:t>Enter your last name: </a:t>
+            </a:r>
+            <a:r>
+              <a:rPr lang="en-US" dirty="0" smtClean="0">
+                <a:solidFill>
+                  <a:srgbClr val="F92672"/>
+                </a:solidFill>
+                <a:latin typeface="Menlo"/>
+              </a:rPr>
+              <a:t>&lt;/label&gt;</a:t>
+            </a:r>
+            <a:endParaRPr lang="en-US" dirty="0" smtClean="0">
+              <a:solidFill>
+                <a:srgbClr val="F8F8F2"/>
+              </a:solidFill>
+              <a:latin typeface="Menlo"/>
+            </a:endParaRPr>
+          </a:p>
+          <a:p>
+            <a:r>
+              <a:rPr lang="en-US" dirty="0" smtClean="0">
+                <a:solidFill>
+                  <a:srgbClr val="F8F8F2"/>
+                </a:solidFill>
+                <a:latin typeface="Menlo"/>
+              </a:rPr>
+              <a:t>      </a:t>
+            </a:r>
+            <a:r>
+              <a:rPr lang="en-US" dirty="0" smtClean="0">
+                <a:solidFill>
+                  <a:srgbClr val="F92672"/>
+                </a:solidFill>
+                <a:latin typeface="Menlo"/>
+              </a:rPr>
+              <a:t>&lt;input</a:t>
+            </a:r>
+            <a:r>
+              <a:rPr lang="en-US" dirty="0" smtClean="0">
+                <a:solidFill>
+                  <a:srgbClr val="F8F8F2"/>
+                </a:solidFill>
+                <a:latin typeface="Menlo"/>
+              </a:rPr>
+              <a:t> </a:t>
+            </a:r>
+            <a:r>
+              <a:rPr lang="en-US" dirty="0" smtClean="0">
+                <a:solidFill>
+                  <a:srgbClr val="A6E22E"/>
+                </a:solidFill>
+                <a:latin typeface="Menlo"/>
+              </a:rPr>
+              <a:t>type=</a:t>
+            </a:r>
+            <a:r>
+              <a:rPr lang="en-US" dirty="0" smtClean="0">
+                <a:solidFill>
+                  <a:srgbClr val="E6DB74"/>
+                </a:solidFill>
+                <a:latin typeface="Menlo"/>
+              </a:rPr>
+              <a:t>"text"</a:t>
+            </a:r>
+            <a:r>
+              <a:rPr lang="en-US" dirty="0" smtClean="0">
+                <a:solidFill>
+                  <a:srgbClr val="F8F8F2"/>
+                </a:solidFill>
+                <a:latin typeface="Menlo"/>
+              </a:rPr>
+              <a:t> </a:t>
+            </a:r>
+            <a:r>
+              <a:rPr lang="en-US" dirty="0" smtClean="0">
+                <a:solidFill>
+                  <a:srgbClr val="A6E22E"/>
+                </a:solidFill>
+                <a:latin typeface="Menlo"/>
+              </a:rPr>
+              <a:t>id=</a:t>
+            </a:r>
+            <a:r>
+              <a:rPr lang="en-US" dirty="0" smtClean="0">
+                <a:solidFill>
+                  <a:srgbClr val="E6DB74"/>
+                </a:solidFill>
+                <a:latin typeface="Menlo"/>
+              </a:rPr>
+              <a:t>"</a:t>
+            </a:r>
+            <a:r>
+              <a:rPr lang="en-US" dirty="0" err="1" smtClean="0">
+                <a:solidFill>
+                  <a:srgbClr val="E6DB74"/>
+                </a:solidFill>
+                <a:latin typeface="Menlo"/>
+              </a:rPr>
+              <a:t>lastName</a:t>
+            </a:r>
+            <a:r>
+              <a:rPr lang="en-US" dirty="0" smtClean="0">
+                <a:solidFill>
+                  <a:srgbClr val="E6DB74"/>
+                </a:solidFill>
+                <a:latin typeface="Menlo"/>
+              </a:rPr>
+              <a:t>"</a:t>
+            </a:r>
+            <a:r>
+              <a:rPr lang="en-US" dirty="0" smtClean="0">
+                <a:solidFill>
+                  <a:srgbClr val="F8F8F2"/>
+                </a:solidFill>
+                <a:latin typeface="Menlo"/>
+              </a:rPr>
+              <a:t> </a:t>
+            </a:r>
+            <a:r>
+              <a:rPr lang="en-US" dirty="0" err="1" smtClean="0">
+                <a:solidFill>
+                  <a:srgbClr val="A6E22E"/>
+                </a:solidFill>
+                <a:latin typeface="Menlo"/>
+              </a:rPr>
+              <a:t>ng</a:t>
+            </a:r>
+            <a:r>
+              <a:rPr lang="en-US" dirty="0" smtClean="0">
+                <a:solidFill>
+                  <a:srgbClr val="A6E22E"/>
+                </a:solidFill>
+                <a:latin typeface="Menlo"/>
+              </a:rPr>
+              <a:t>-model=</a:t>
+            </a:r>
+            <a:r>
+              <a:rPr lang="en-US" dirty="0" smtClean="0">
+                <a:solidFill>
+                  <a:srgbClr val="E6DB74"/>
+                </a:solidFill>
+                <a:latin typeface="Menlo"/>
+              </a:rPr>
+              <a:t>"</a:t>
+            </a:r>
+            <a:r>
+              <a:rPr lang="en-US" dirty="0" err="1" smtClean="0">
+                <a:solidFill>
+                  <a:srgbClr val="E6DB74"/>
+                </a:solidFill>
+                <a:latin typeface="Menlo"/>
+              </a:rPr>
+              <a:t>model.lastName</a:t>
+            </a:r>
+            <a:r>
+              <a:rPr lang="en-US" dirty="0" smtClean="0">
+                <a:solidFill>
+                  <a:srgbClr val="E6DB74"/>
+                </a:solidFill>
+                <a:latin typeface="Menlo"/>
+              </a:rPr>
+              <a:t>"</a:t>
+            </a:r>
+            <a:r>
+              <a:rPr lang="en-US" dirty="0" smtClean="0">
+                <a:solidFill>
+                  <a:srgbClr val="F8F8F2"/>
+                </a:solidFill>
+                <a:latin typeface="Menlo"/>
+              </a:rPr>
+              <a:t> </a:t>
+            </a:r>
+            <a:r>
+              <a:rPr lang="en-US" dirty="0" smtClean="0">
+                <a:solidFill>
+                  <a:srgbClr val="A6E22E"/>
+                </a:solidFill>
+                <a:latin typeface="Menlo"/>
+              </a:rPr>
+              <a:t>required</a:t>
+            </a:r>
+            <a:r>
+              <a:rPr lang="en-US" dirty="0" smtClean="0">
+                <a:solidFill>
+                  <a:srgbClr val="F92672"/>
+                </a:solidFill>
+                <a:latin typeface="Menlo"/>
+              </a:rPr>
+              <a:t>/&gt;</a:t>
+            </a:r>
+            <a:endParaRPr lang="en-US" dirty="0" smtClean="0">
+              <a:solidFill>
+                <a:srgbClr val="F8F8F2"/>
+              </a:solidFill>
+              <a:latin typeface="Menlo"/>
+            </a:endParaRPr>
+          </a:p>
+          <a:p>
+            <a:r>
+              <a:rPr lang="en-US" dirty="0" smtClean="0">
+                <a:solidFill>
+                  <a:srgbClr val="F8F8F2"/>
+                </a:solidFill>
+                <a:latin typeface="Menlo"/>
+              </a:rPr>
+              <a:t>    </a:t>
+            </a:r>
+            <a:r>
+              <a:rPr lang="en-US" dirty="0" smtClean="0">
+                <a:solidFill>
+                  <a:srgbClr val="F92672"/>
+                </a:solidFill>
+                <a:latin typeface="Menlo"/>
+              </a:rPr>
+              <a:t>&lt;/div&gt;</a:t>
+            </a:r>
+            <a:endParaRPr lang="en-US" dirty="0" smtClean="0">
+              <a:solidFill>
+                <a:srgbClr val="F8F8F2"/>
+              </a:solidFill>
+              <a:latin typeface="Menlo"/>
+            </a:endParaRPr>
+          </a:p>
+          <a:p>
+            <a:r>
+              <a:rPr lang="en-US" dirty="0" smtClean="0">
+                <a:solidFill>
+                  <a:srgbClr val="F8F8F2"/>
+                </a:solidFill>
+                <a:latin typeface="Menlo"/>
+              </a:rPr>
+              <a:t>    </a:t>
+            </a:r>
+            <a:r>
+              <a:rPr lang="en-US" dirty="0" smtClean="0">
+                <a:solidFill>
+                  <a:srgbClr val="F92672"/>
+                </a:solidFill>
+                <a:latin typeface="Menlo"/>
+              </a:rPr>
+              <a:t>&lt;button </a:t>
+            </a:r>
+            <a:r>
+              <a:rPr lang="en-US" dirty="0" smtClean="0">
+                <a:solidFill>
+                  <a:srgbClr val="A6E22E"/>
+                </a:solidFill>
+                <a:latin typeface="Menlo"/>
+              </a:rPr>
+              <a:t>type</a:t>
+            </a:r>
+            <a:r>
+              <a:rPr lang="en-US" dirty="0" smtClean="0">
+                <a:solidFill>
+                  <a:srgbClr val="F8F8F2"/>
+                </a:solidFill>
+                <a:latin typeface="Menlo"/>
+              </a:rPr>
+              <a:t>=</a:t>
+            </a:r>
+            <a:r>
+              <a:rPr lang="en-US" dirty="0">
+                <a:solidFill>
+                  <a:srgbClr val="F8F8F2"/>
+                </a:solidFill>
+                <a:latin typeface="Menlo"/>
+              </a:rPr>
+              <a:t>"</a:t>
+            </a:r>
+            <a:r>
+              <a:rPr lang="en-US" dirty="0" smtClean="0">
+                <a:solidFill>
+                  <a:srgbClr val="E6DB74"/>
+                </a:solidFill>
+                <a:latin typeface="Menlo"/>
+              </a:rPr>
+              <a:t>submit</a:t>
+            </a:r>
+            <a:r>
+              <a:rPr lang="en-US" dirty="0" smtClean="0">
+                <a:solidFill>
+                  <a:srgbClr val="F8F8F2"/>
+                </a:solidFill>
+                <a:latin typeface="Menlo"/>
+              </a:rPr>
+              <a:t>" </a:t>
+            </a:r>
+            <a:r>
+              <a:rPr lang="en-US" dirty="0" err="1" smtClean="0">
+                <a:solidFill>
+                  <a:srgbClr val="A6E22E"/>
+                </a:solidFill>
+                <a:latin typeface="Menlo"/>
+              </a:rPr>
+              <a:t>ng</a:t>
+            </a:r>
+            <a:r>
+              <a:rPr lang="en-US" dirty="0" smtClean="0">
+                <a:solidFill>
+                  <a:srgbClr val="A6E22E"/>
+                </a:solidFill>
+                <a:latin typeface="Menlo"/>
+              </a:rPr>
+              <a:t>-disabled=</a:t>
+            </a:r>
+            <a:r>
+              <a:rPr lang="en-US" dirty="0" smtClean="0">
+                <a:solidFill>
+                  <a:srgbClr val="F8F8F2"/>
+                </a:solidFill>
+                <a:latin typeface="Menlo"/>
+              </a:rPr>
+              <a:t>"</a:t>
+            </a:r>
+            <a:r>
+              <a:rPr lang="en-US" dirty="0" err="1" smtClean="0">
+                <a:solidFill>
+                  <a:srgbClr val="E6DB74"/>
+                </a:solidFill>
+                <a:latin typeface="Menlo"/>
+              </a:rPr>
+              <a:t>myForm</a:t>
+            </a:r>
+            <a:r>
+              <a:rPr lang="en-US" dirty="0" smtClean="0">
+                <a:solidFill>
+                  <a:srgbClr val="E6DB74"/>
+                </a:solidFill>
+                <a:latin typeface="Menlo"/>
+              </a:rPr>
+              <a:t>.$invalid</a:t>
+            </a:r>
+            <a:r>
+              <a:rPr lang="en-US" dirty="0" smtClean="0">
+                <a:solidFill>
+                  <a:srgbClr val="F8F8F2"/>
+                </a:solidFill>
+                <a:latin typeface="Menlo"/>
+              </a:rPr>
+              <a:t>"</a:t>
+            </a:r>
+            <a:r>
+              <a:rPr lang="en-US" dirty="0">
+                <a:solidFill>
+                  <a:srgbClr val="F8F8F2"/>
+                </a:solidFill>
+                <a:latin typeface="Menlo"/>
+              </a:rPr>
+              <a:t>&gt;Create User</a:t>
+            </a:r>
+            <a:r>
+              <a:rPr lang="en-US" dirty="0">
+                <a:solidFill>
+                  <a:srgbClr val="F92672"/>
+                </a:solidFill>
+                <a:latin typeface="Menlo"/>
+              </a:rPr>
+              <a:t>&lt;/button&gt;</a:t>
+            </a:r>
+            <a:endParaRPr lang="en-US" dirty="0">
+              <a:solidFill>
+                <a:srgbClr val="F8F8F2"/>
+              </a:solidFill>
+              <a:latin typeface="Menlo"/>
+            </a:endParaRPr>
+          </a:p>
+          <a:p>
+            <a:r>
+              <a:rPr lang="en-US" dirty="0" smtClean="0">
+                <a:solidFill>
+                  <a:srgbClr val="F8F8F2"/>
+                </a:solidFill>
+                <a:latin typeface="Menlo"/>
+              </a:rPr>
+              <a:t> </a:t>
+            </a:r>
+            <a:r>
+              <a:rPr lang="en-US" dirty="0" smtClean="0">
+                <a:solidFill>
+                  <a:srgbClr val="F92672"/>
+                </a:solidFill>
+                <a:latin typeface="Menlo"/>
+              </a:rPr>
+              <a:t>&lt;/form&gt;</a:t>
+            </a:r>
+            <a:endParaRPr lang="en-US" dirty="0">
+              <a:solidFill>
+                <a:srgbClr val="F8F8F2"/>
+              </a:solidFill>
+              <a:latin typeface="Menlo"/>
+            </a:endParaRPr>
+          </a:p>
+        </p:txBody>
+      </p:sp>
+    </p:spTree>
+    <p:extLst>
+      <p:ext uri="{BB962C8B-B14F-4D97-AF65-F5344CB8AC3E}">
+        <p14:creationId xmlns:p14="http://schemas.microsoft.com/office/powerpoint/2010/main" val="236983855"/>
+      </p:ext>
+    </p:extLst>
+  </p:cSld>
+  <p:clrMapOvr>
+    <a:masterClrMapping/>
+  </p:clrMapOvr>
+</p:sld>
+</file>
+
+<file path=ppt/slides/slide45.xml><?xml version="1.0" encoding="utf-8"?>
+<p:sld xmlns:a="http://schemas.openxmlformats.org/drawingml/2006/main" xmlns:r="http://schemas.openxmlformats.org/officeDocument/2006/relationships" xmlns:p="http://schemas.openxmlformats.org/presentationml/2006/main">
+  <p:cSld>
+    <p:spTree>
+      <p:nvGrpSpPr>
+        <p:cNvPr id="1" name=""/>
+        <p:cNvGrpSpPr/>
+        <p:nvPr/>
+      </p:nvGrpSpPr>
+      <p:grpSpPr>
+        <a:xfrm>
+          <a:off x="0" y="0"/>
+          <a:ext cx="0" cy="0"/>
+          <a:chOff x="0" y="0"/>
+          <a:chExt cx="0" cy="0"/>
+        </a:xfrm>
+      </p:grpSpPr>
+      <p:sp>
+        <p:nvSpPr>
+          <p:cNvPr id="2" name="Title 1"/>
+          <p:cNvSpPr>
+            <a:spLocks noGrp="1"/>
+          </p:cNvSpPr>
+          <p:nvPr>
+            <p:ph type="title"/>
+          </p:nvPr>
+        </p:nvSpPr>
+        <p:spPr/>
+        <p:txBody>
+          <a:bodyPr/>
+          <a:lstStyle/>
+          <a:p>
+            <a:r>
+              <a:rPr lang="en-US" dirty="0" smtClean="0"/>
+              <a:t>// TODO</a:t>
+            </a:r>
+            <a:endParaRPr lang="en-US" dirty="0"/>
+          </a:p>
+        </p:txBody>
+      </p:sp>
+      <p:sp>
+        <p:nvSpPr>
+          <p:cNvPr id="3" name="Content Placeholder 2"/>
+          <p:cNvSpPr>
+            <a:spLocks noGrp="1"/>
+          </p:cNvSpPr>
+          <p:nvPr>
+            <p:ph idx="1"/>
+          </p:nvPr>
+        </p:nvSpPr>
+        <p:spPr/>
+        <p:txBody>
+          <a:bodyPr/>
+          <a:lstStyle/>
+          <a:p>
+            <a:r>
+              <a:rPr lang="en-US" dirty="0" smtClean="0"/>
+              <a:t>Add new controller for form example (</a:t>
+            </a:r>
+            <a:r>
+              <a:rPr lang="en-US" dirty="0" err="1" smtClean="0"/>
+              <a:t>MyFormController</a:t>
+            </a:r>
+            <a:r>
+              <a:rPr lang="en-US" dirty="0" smtClean="0"/>
+              <a:t>)</a:t>
+            </a:r>
+          </a:p>
+          <a:p>
+            <a:r>
+              <a:rPr lang="en-US" dirty="0" smtClean="0"/>
+              <a:t>Add form element with inputs for first and last name</a:t>
+            </a:r>
+          </a:p>
+          <a:p>
+            <a:r>
+              <a:rPr lang="en-US" dirty="0" smtClean="0"/>
+              <a:t>Add handler for submit event</a:t>
+            </a:r>
+          </a:p>
+          <a:p>
+            <a:pPr lvl="1"/>
+            <a:r>
+              <a:rPr lang="en-US" dirty="0" smtClean="0"/>
+              <a:t>Submit should accept first and last name as arguments</a:t>
+            </a:r>
+          </a:p>
+          <a:p>
+            <a:pPr lvl="1"/>
+            <a:r>
+              <a:rPr lang="en-US" dirty="0" smtClean="0"/>
+              <a:t>Submit should call $</a:t>
+            </a:r>
+            <a:r>
+              <a:rPr lang="en-US" dirty="0" err="1" smtClean="0"/>
+              <a:t>window.alert</a:t>
+            </a:r>
+            <a:r>
+              <a:rPr lang="en-US" dirty="0" smtClean="0"/>
+              <a:t> with the first and last name</a:t>
+            </a:r>
+          </a:p>
+          <a:p>
+            <a:r>
+              <a:rPr lang="en-US" dirty="0" smtClean="0"/>
+              <a:t>Style input based on state (</a:t>
+            </a:r>
+            <a:r>
+              <a:rPr lang="en-US" dirty="0" err="1" smtClean="0"/>
+              <a:t>ng</a:t>
+            </a:r>
+            <a:r>
+              <a:rPr lang="en-US" dirty="0" smtClean="0"/>
+              <a:t>-valid, </a:t>
+            </a:r>
+            <a:r>
+              <a:rPr lang="en-US" dirty="0" err="1" smtClean="0"/>
+              <a:t>ng</a:t>
+            </a:r>
+            <a:r>
+              <a:rPr lang="en-US" dirty="0" smtClean="0"/>
+              <a:t>-invalid + </a:t>
+            </a:r>
+            <a:r>
+              <a:rPr lang="en-US" dirty="0" err="1" smtClean="0"/>
+              <a:t>ng</a:t>
+            </a:r>
+            <a:r>
+              <a:rPr lang="en-US" dirty="0" smtClean="0"/>
+              <a:t>-dirty)</a:t>
+            </a:r>
+          </a:p>
+          <a:p>
+            <a:r>
+              <a:rPr lang="en-US" dirty="0" smtClean="0"/>
+              <a:t>Enable button based on state</a:t>
+            </a:r>
+            <a:endParaRPr lang="en-US" dirty="0"/>
+          </a:p>
+        </p:txBody>
+      </p:sp>
+    </p:spTree>
+    <p:extLst>
+      <p:ext uri="{BB962C8B-B14F-4D97-AF65-F5344CB8AC3E}">
+        <p14:creationId xmlns:p14="http://schemas.microsoft.com/office/powerpoint/2010/main" val="2169689223"/>
+      </p:ext>
+    </p:extLst>
+  </p:cSld>
+  <p:clrMapOvr>
+    <a:masterClrMapping/>
+  </p:clrMapOvr>
+</p:sld>
+</file>
+
+<file path=ppt/slides/slide46.xml><?xml version="1.0" encoding="utf-8"?>
+<p:sld xmlns:a="http://schemas.openxmlformats.org/drawingml/2006/main" xmlns:r="http://schemas.openxmlformats.org/officeDocument/2006/relationships" xmlns:p="http://schemas.openxmlformats.org/presentationml/2006/main">
+  <p:cSld>
+    <p:spTree>
+      <p:nvGrpSpPr>
+        <p:cNvPr id="1" name=""/>
+        <p:cNvGrpSpPr/>
+        <p:nvPr/>
+      </p:nvGrpSpPr>
+      <p:grpSpPr>
+        <a:xfrm>
+          <a:off x="0" y="0"/>
+          <a:ext cx="0" cy="0"/>
+          <a:chOff x="0" y="0"/>
+          <a:chExt cx="0" cy="0"/>
+        </a:xfrm>
+      </p:grpSpPr>
+      <p:sp>
+        <p:nvSpPr>
           <p:cNvPr id="2" name="Title 1"/>
           <p:cNvSpPr>
             <a:spLocks noGrp="1"/>
@@ -15498,7 +15669,7 @@
 </p:sld>
 </file>
 
-<file path=ppt/slides/slide45.xml><?xml version="1.0" encoding="utf-8"?>
+<file path=ppt/slides/slide47.xml><?xml version="1.0" encoding="utf-8"?>
 <p:sld xmlns:a="http://schemas.openxmlformats.org/drawingml/2006/main" xmlns:r="http://schemas.openxmlformats.org/officeDocument/2006/relationships" xmlns:p="http://schemas.openxmlformats.org/presentationml/2006/main">
   <p:cSld>
     <p:spTree>

--- a/slides/ng-bootcamp-day-1.pptx
+++ b/slides/ng-bootcamp-day-1.pptx
@@ -5,7 +5,7 @@
     <p:sldMasterId id="2147483675" r:id="rId1"/>
   </p:sldMasterIdLst>
   <p:notesMasterIdLst>
-    <p:notesMasterId r:id="rId49"/>
+    <p:notesMasterId r:id="rId27"/>
   </p:notesMasterIdLst>
   <p:sldIdLst>
     <p:sldId id="256" r:id="rId2"/>
@@ -33,28 +33,6 @@
     <p:sldId id="282" r:id="rId24"/>
     <p:sldId id="299" r:id="rId25"/>
     <p:sldId id="274" r:id="rId26"/>
-    <p:sldId id="306" r:id="rId27"/>
-    <p:sldId id="307" r:id="rId28"/>
-    <p:sldId id="283" r:id="rId29"/>
-    <p:sldId id="263" r:id="rId30"/>
-    <p:sldId id="297" r:id="rId31"/>
-    <p:sldId id="264" r:id="rId32"/>
-    <p:sldId id="284" r:id="rId33"/>
-    <p:sldId id="265" r:id="rId34"/>
-    <p:sldId id="276" r:id="rId35"/>
-    <p:sldId id="285" r:id="rId36"/>
-    <p:sldId id="292" r:id="rId37"/>
-    <p:sldId id="293" r:id="rId38"/>
-    <p:sldId id="295" r:id="rId39"/>
-    <p:sldId id="296" r:id="rId40"/>
-    <p:sldId id="294" r:id="rId41"/>
-    <p:sldId id="291" r:id="rId42"/>
-    <p:sldId id="286" r:id="rId43"/>
-    <p:sldId id="287" r:id="rId44"/>
-    <p:sldId id="288" r:id="rId45"/>
-    <p:sldId id="289" r:id="rId46"/>
-    <p:sldId id="298" r:id="rId47"/>
-    <p:sldId id="303" r:id="rId48"/>
   </p:sldIdLst>
   <p:sldSz cx="9144000" cy="6858000" type="screen4x3"/>
   <p:notesSz cx="6858000" cy="9144000"/>
@@ -238,7 +216,7 @@
           <a:p>
             <a:fld id="{54495B56-0DA3-2C4B-AFD4-7968C1A07ACD}" type="datetimeFigureOut">
               <a:rPr lang="en-US" smtClean="0"/>
-              <a:t>3/19/14</a:t>
+              <a:t>3/20/14</a:t>
             </a:fld>
             <a:endParaRPr lang="en-US"/>
           </a:p>
@@ -732,188 +710,6 @@
 </p:notes>
 </file>
 
-<file path=ppt/notesSlides/notesSlide3.xml><?xml version="1.0" encoding="utf-8"?>
-<p:notes xmlns:a="http://schemas.openxmlformats.org/drawingml/2006/main" xmlns:r="http://schemas.openxmlformats.org/officeDocument/2006/relationships" xmlns:p="http://schemas.openxmlformats.org/presentationml/2006/main">
-  <p:cSld>
-    <p:spTree>
-      <p:nvGrpSpPr>
-        <p:cNvPr id="1" name=""/>
-        <p:cNvGrpSpPr/>
-        <p:nvPr/>
-      </p:nvGrpSpPr>
-      <p:grpSpPr>
-        <a:xfrm>
-          <a:off x="0" y="0"/>
-          <a:ext cx="0" cy="0"/>
-          <a:chOff x="0" y="0"/>
-          <a:chExt cx="0" cy="0"/>
-        </a:xfrm>
-      </p:grpSpPr>
-      <p:sp>
-        <p:nvSpPr>
-          <p:cNvPr id="2" name="Slide Image Placeholder 1"/>
-          <p:cNvSpPr>
-            <a:spLocks noGrp="1" noRot="1" noChangeAspect="1"/>
-          </p:cNvSpPr>
-          <p:nvPr>
-            <p:ph type="sldImg"/>
-          </p:nvPr>
-        </p:nvSpPr>
-        <p:spPr/>
-      </p:sp>
-      <p:sp>
-        <p:nvSpPr>
-          <p:cNvPr id="3" name="Notes Placeholder 2"/>
-          <p:cNvSpPr>
-            <a:spLocks noGrp="1"/>
-          </p:cNvSpPr>
-          <p:nvPr>
-            <p:ph type="body" idx="1"/>
-          </p:nvPr>
-        </p:nvSpPr>
-        <p:spPr/>
-        <p:txBody>
-          <a:bodyPr/>
-          <a:lstStyle/>
-          <a:p>
-            <a:r>
-              <a:rPr lang="en-US" dirty="0" smtClean="0"/>
-              <a:t>Ng-controller:</a:t>
-            </a:r>
-            <a:r>
-              <a:rPr lang="en-US" baseline="0" dirty="0" smtClean="0"/>
-              <a:t> instantiates controller, creates new $scope</a:t>
-            </a:r>
-          </a:p>
-          <a:p>
-            <a:r>
-              <a:rPr lang="en-US" baseline="0" dirty="0" smtClean="0"/>
-              <a:t>Angular MVC: Model = $scope properties, view = template, controller = controller</a:t>
-            </a:r>
-            <a:endParaRPr lang="en-US" dirty="0"/>
-          </a:p>
-        </p:txBody>
-      </p:sp>
-      <p:sp>
-        <p:nvSpPr>
-          <p:cNvPr id="4" name="Slide Number Placeholder 3"/>
-          <p:cNvSpPr>
-            <a:spLocks noGrp="1"/>
-          </p:cNvSpPr>
-          <p:nvPr>
-            <p:ph type="sldNum" sz="quarter" idx="10"/>
-          </p:nvPr>
-        </p:nvSpPr>
-        <p:spPr/>
-        <p:txBody>
-          <a:bodyPr/>
-          <a:lstStyle/>
-          <a:p>
-            <a:fld id="{1F9B8E43-730C-C74B-BF8C-2AA7AA956642}" type="slidenum">
-              <a:rPr lang="en-US" smtClean="0"/>
-              <a:t>29</a:t>
-            </a:fld>
-            <a:endParaRPr lang="en-US"/>
-          </a:p>
-        </p:txBody>
-      </p:sp>
-    </p:spTree>
-    <p:extLst>
-      <p:ext uri="{BB962C8B-B14F-4D97-AF65-F5344CB8AC3E}">
-        <p14:creationId xmlns:p14="http://schemas.microsoft.com/office/powerpoint/2010/main" val="2737968977"/>
-      </p:ext>
-    </p:extLst>
-  </p:cSld>
-  <p:clrMapOvr>
-    <a:masterClrMapping/>
-  </p:clrMapOvr>
-</p:notes>
-</file>
-
-<file path=ppt/notesSlides/notesSlide4.xml><?xml version="1.0" encoding="utf-8"?>
-<p:notes xmlns:a="http://schemas.openxmlformats.org/drawingml/2006/main" xmlns:r="http://schemas.openxmlformats.org/officeDocument/2006/relationships" xmlns:p="http://schemas.openxmlformats.org/presentationml/2006/main">
-  <p:cSld>
-    <p:spTree>
-      <p:nvGrpSpPr>
-        <p:cNvPr id="1" name=""/>
-        <p:cNvGrpSpPr/>
-        <p:nvPr/>
-      </p:nvGrpSpPr>
-      <p:grpSpPr>
-        <a:xfrm>
-          <a:off x="0" y="0"/>
-          <a:ext cx="0" cy="0"/>
-          <a:chOff x="0" y="0"/>
-          <a:chExt cx="0" cy="0"/>
-        </a:xfrm>
-      </p:grpSpPr>
-      <p:sp>
-        <p:nvSpPr>
-          <p:cNvPr id="2" name="Slide Image Placeholder 1"/>
-          <p:cNvSpPr>
-            <a:spLocks noGrp="1" noRot="1" noChangeAspect="1"/>
-          </p:cNvSpPr>
-          <p:nvPr>
-            <p:ph type="sldImg"/>
-          </p:nvPr>
-        </p:nvSpPr>
-        <p:spPr/>
-      </p:sp>
-      <p:sp>
-        <p:nvSpPr>
-          <p:cNvPr id="3" name="Notes Placeholder 2"/>
-          <p:cNvSpPr>
-            <a:spLocks noGrp="1"/>
-          </p:cNvSpPr>
-          <p:nvPr>
-            <p:ph type="body" idx="1"/>
-          </p:nvPr>
-        </p:nvSpPr>
-        <p:spPr/>
-        <p:txBody>
-          <a:bodyPr/>
-          <a:lstStyle/>
-          <a:p>
-            <a:endParaRPr lang="en-US" dirty="0"/>
-          </a:p>
-        </p:txBody>
-      </p:sp>
-      <p:sp>
-        <p:nvSpPr>
-          <p:cNvPr id="4" name="Slide Number Placeholder 3"/>
-          <p:cNvSpPr>
-            <a:spLocks noGrp="1"/>
-          </p:cNvSpPr>
-          <p:nvPr>
-            <p:ph type="sldNum" sz="quarter" idx="10"/>
-          </p:nvPr>
-        </p:nvSpPr>
-        <p:spPr/>
-        <p:txBody>
-          <a:bodyPr/>
-          <a:lstStyle/>
-          <a:p>
-            <a:fld id="{1F9B8E43-730C-C74B-BF8C-2AA7AA956642}" type="slidenum">
-              <a:rPr lang="en-US" smtClean="0"/>
-              <a:t>31</a:t>
-            </a:fld>
-            <a:endParaRPr lang="en-US"/>
-          </a:p>
-        </p:txBody>
-      </p:sp>
-    </p:spTree>
-    <p:extLst>
-      <p:ext uri="{BB962C8B-B14F-4D97-AF65-F5344CB8AC3E}">
-        <p14:creationId xmlns:p14="http://schemas.microsoft.com/office/powerpoint/2010/main" val="1361889942"/>
-      </p:ext>
-    </p:extLst>
-  </p:cSld>
-  <p:clrMapOvr>
-    <a:masterClrMapping/>
-  </p:clrMapOvr>
-</p:notes>
-</file>
-
 <file path=ppt/slideLayouts/slideLayout1.xml><?xml version="1.0" encoding="utf-8"?>
 <p:sldLayout xmlns:a="http://schemas.openxmlformats.org/drawingml/2006/main" xmlns:r="http://schemas.openxmlformats.org/officeDocument/2006/relationships" xmlns:p="http://schemas.openxmlformats.org/presentationml/2006/main" type="title" preserve="1">
   <p:cSld name="Title Slide">
@@ -1129,7 +925,7 @@
           <a:p>
             <a:fld id="{651A0C47-018D-4460-B945-BFF7981B6CA6}" type="datetimeFigureOut">
               <a:rPr lang="en-US" smtClean="0"/>
-              <a:t>3/19/14</a:t>
+              <a:t>3/20/14</a:t>
             </a:fld>
             <a:endParaRPr lang="en-US"/>
           </a:p>
@@ -1461,7 +1257,7 @@
           <a:p>
             <a:fld id="{651A0C47-018D-4460-B945-BFF7981B6CA6}" type="datetimeFigureOut">
               <a:rPr lang="en-US" smtClean="0"/>
-              <a:t>3/19/14</a:t>
+              <a:t>3/20/14</a:t>
             </a:fld>
             <a:endParaRPr lang="en-US"/>
           </a:p>
@@ -1793,7 +1589,7 @@
           <a:p>
             <a:fld id="{651A0C47-018D-4460-B945-BFF7981B6CA6}" type="datetimeFigureOut">
               <a:rPr lang="en-US" smtClean="0"/>
-              <a:t>3/19/14</a:t>
+              <a:t>3/20/14</a:t>
             </a:fld>
             <a:endParaRPr lang="en-US"/>
           </a:p>
@@ -2125,7 +1921,7 @@
           <a:p>
             <a:fld id="{651A0C47-018D-4460-B945-BFF7981B6CA6}" type="datetimeFigureOut">
               <a:rPr lang="en-US" smtClean="0"/>
-              <a:t>3/19/14</a:t>
+              <a:t>3/20/14</a:t>
             </a:fld>
             <a:endParaRPr lang="en-US"/>
           </a:p>
@@ -2814,7 +2610,7 @@
           <a:p>
             <a:fld id="{651A0C47-018D-4460-B945-BFF7981B6CA6}" type="datetimeFigureOut">
               <a:rPr lang="en-US" smtClean="0"/>
-              <a:t>3/19/14</a:t>
+              <a:t>3/20/14</a:t>
             </a:fld>
             <a:endParaRPr lang="en-US"/>
           </a:p>
@@ -2993,7 +2789,7 @@
           <a:p>
             <a:fld id="{651A0C47-018D-4460-B945-BFF7981B6CA6}" type="datetimeFigureOut">
               <a:rPr lang="en-US" smtClean="0"/>
-              <a:t>3/19/14</a:t>
+              <a:t>3/20/14</a:t>
             </a:fld>
             <a:endParaRPr lang="en-US"/>
           </a:p>
@@ -3167,7 +2963,7 @@
           <a:p>
             <a:fld id="{651A0C47-018D-4460-B945-BFF7981B6CA6}" type="datetimeFigureOut">
               <a:rPr lang="en-US" smtClean="0"/>
-              <a:t>3/19/14</a:t>
+              <a:t>3/20/14</a:t>
             </a:fld>
             <a:endParaRPr lang="en-US"/>
           </a:p>
@@ -3415,7 +3211,7 @@
           <a:p>
             <a:fld id="{651A0C47-018D-4460-B945-BFF7981B6CA6}" type="datetimeFigureOut">
               <a:rPr lang="en-US" smtClean="0"/>
-              <a:t>3/19/14</a:t>
+              <a:t>3/20/14</a:t>
             </a:fld>
             <a:endParaRPr lang="en-US"/>
           </a:p>
@@ -3745,7 +3541,7 @@
           <a:p>
             <a:fld id="{651A0C47-018D-4460-B945-BFF7981B6CA6}" type="datetimeFigureOut">
               <a:rPr lang="en-US" smtClean="0"/>
-              <a:t>3/19/14</a:t>
+              <a:t>3/20/14</a:t>
             </a:fld>
             <a:endParaRPr lang="en-US"/>
           </a:p>
@@ -4037,7 +3833,7 @@
           <a:p>
             <a:fld id="{651A0C47-018D-4460-B945-BFF7981B6CA6}" type="datetimeFigureOut">
               <a:rPr lang="en-US" smtClean="0"/>
-              <a:t>3/19/14</a:t>
+              <a:t>3/20/14</a:t>
             </a:fld>
             <a:endParaRPr lang="en-US"/>
           </a:p>
@@ -4473,7 +4269,7 @@
           <a:p>
             <a:fld id="{651A0C47-018D-4460-B945-BFF7981B6CA6}" type="datetimeFigureOut">
               <a:rPr lang="en-US" smtClean="0"/>
-              <a:t>3/19/14</a:t>
+              <a:t>3/20/14</a:t>
             </a:fld>
             <a:endParaRPr lang="en-US"/>
           </a:p>
@@ -4660,7 +4456,7 @@
           <a:p>
             <a:fld id="{651A0C47-018D-4460-B945-BFF7981B6CA6}" type="datetimeFigureOut">
               <a:rPr lang="en-US" smtClean="0"/>
-              <a:t>3/19/14</a:t>
+              <a:t>3/20/14</a:t>
             </a:fld>
             <a:endParaRPr lang="en-US"/>
           </a:p>
@@ -4750,7 +4546,7 @@
           <a:p>
             <a:fld id="{651A0C47-018D-4460-B945-BFF7981B6CA6}" type="datetimeFigureOut">
               <a:rPr lang="en-US" smtClean="0"/>
-              <a:t>3/19/14</a:t>
+              <a:t>3/20/14</a:t>
             </a:fld>
             <a:endParaRPr lang="en-US"/>
           </a:p>
@@ -5031,7 +4827,7 @@
           <a:p>
             <a:fld id="{651A0C47-018D-4460-B945-BFF7981B6CA6}" type="datetimeFigureOut">
               <a:rPr lang="en-US" smtClean="0"/>
-              <a:t>3/19/14</a:t>
+              <a:t>3/20/14</a:t>
             </a:fld>
             <a:endParaRPr lang="en-US"/>
           </a:p>
@@ -5246,7 +5042,7 @@
           <a:p>
             <a:fld id="{651A0C47-018D-4460-B945-BFF7981B6CA6}" type="datetimeFigureOut">
               <a:rPr lang="en-US" smtClean="0"/>
-              <a:t>3/19/14</a:t>
+              <a:t>3/20/14</a:t>
             </a:fld>
             <a:endParaRPr lang="en-US"/>
           </a:p>
@@ -10064,471 +9860,6 @@
 </p:sld>
 </file>
 
-<file path=ppt/slides/slide26.xml><?xml version="1.0" encoding="utf-8"?>
-<p:sld xmlns:a="http://schemas.openxmlformats.org/drawingml/2006/main" xmlns:r="http://schemas.openxmlformats.org/officeDocument/2006/relationships" xmlns:p="http://schemas.openxmlformats.org/presentationml/2006/main">
-  <p:cSld>
-    <p:spTree>
-      <p:nvGrpSpPr>
-        <p:cNvPr id="1" name=""/>
-        <p:cNvGrpSpPr/>
-        <p:nvPr/>
-      </p:nvGrpSpPr>
-      <p:grpSpPr>
-        <a:xfrm>
-          <a:off x="0" y="0"/>
-          <a:ext cx="0" cy="0"/>
-          <a:chOff x="0" y="0"/>
-          <a:chExt cx="0" cy="0"/>
-        </a:xfrm>
-      </p:grpSpPr>
-      <p:sp>
-        <p:nvSpPr>
-          <p:cNvPr id="2" name="Title 1"/>
-          <p:cNvSpPr>
-            <a:spLocks noGrp="1"/>
-          </p:cNvSpPr>
-          <p:nvPr>
-            <p:ph type="ctrTitle"/>
-          </p:nvPr>
-        </p:nvSpPr>
-        <p:spPr/>
-        <p:txBody>
-          <a:bodyPr/>
-          <a:lstStyle/>
-          <a:p>
-            <a:r>
-              <a:rPr lang="en-US" dirty="0" smtClean="0"/>
-              <a:t> </a:t>
-            </a:r>
-            <a:r>
-              <a:rPr lang="en-US" dirty="0" err="1" smtClean="0"/>
-              <a:t>ng-bootcamp</a:t>
-            </a:r>
-            <a:endParaRPr lang="en-US" dirty="0"/>
-          </a:p>
-        </p:txBody>
-      </p:sp>
-      <p:sp>
-        <p:nvSpPr>
-          <p:cNvPr id="3" name="Subtitle 2"/>
-          <p:cNvSpPr>
-            <a:spLocks noGrp="1"/>
-          </p:cNvSpPr>
-          <p:nvPr>
-            <p:ph type="subTitle" idx="1"/>
-          </p:nvPr>
-        </p:nvSpPr>
-        <p:spPr/>
-        <p:txBody>
-          <a:bodyPr/>
-          <a:lstStyle/>
-          <a:p>
-            <a:r>
-              <a:rPr lang="en-US" dirty="0" smtClean="0"/>
-              <a:t>Day 1</a:t>
-            </a:r>
-            <a:endParaRPr lang="en-US" dirty="0"/>
-          </a:p>
-        </p:txBody>
-      </p:sp>
-    </p:spTree>
-    <p:extLst>
-      <p:ext uri="{BB962C8B-B14F-4D97-AF65-F5344CB8AC3E}">
-        <p14:creationId xmlns:p14="http://schemas.microsoft.com/office/powerpoint/2010/main" val="3075914241"/>
-      </p:ext>
-    </p:extLst>
-  </p:cSld>
-  <p:clrMapOvr>
-    <a:masterClrMapping/>
-  </p:clrMapOvr>
-  <p:timing>
-    <p:tnLst>
-      <p:par>
-        <p:cTn xmlns:p14="http://schemas.microsoft.com/office/powerpoint/2010/main" id="1" dur="indefinite" restart="never" nodeType="tmRoot"/>
-      </p:par>
-    </p:tnLst>
-  </p:timing>
-</p:sld>
-</file>
-
-<file path=ppt/slides/slide27.xml><?xml version="1.0" encoding="utf-8"?>
-<p:sld xmlns:a="http://schemas.openxmlformats.org/drawingml/2006/main" xmlns:r="http://schemas.openxmlformats.org/officeDocument/2006/relationships" xmlns:p="http://schemas.openxmlformats.org/presentationml/2006/main">
-  <p:cSld>
-    <p:spTree>
-      <p:nvGrpSpPr>
-        <p:cNvPr id="1" name=""/>
-        <p:cNvGrpSpPr/>
-        <p:nvPr/>
-      </p:nvGrpSpPr>
-      <p:grpSpPr>
-        <a:xfrm>
-          <a:off x="0" y="0"/>
-          <a:ext cx="0" cy="0"/>
-          <a:chOff x="0" y="0"/>
-          <a:chExt cx="0" cy="0"/>
-        </a:xfrm>
-      </p:grpSpPr>
-      <p:pic>
-        <p:nvPicPr>
-          <p:cNvPr id="4" name="Picture 3" descr="feelings_about_angularjs_over_time.png"/>
-          <p:cNvPicPr>
-            <a:picLocks noChangeAspect="1"/>
-          </p:cNvPicPr>
-          <p:nvPr/>
-        </p:nvPicPr>
-        <p:blipFill>
-          <a:blip r:embed="rId2">
-            <a:extLst>
-              <a:ext uri="{28A0092B-C50C-407E-A947-70E740481C1C}">
-                <a14:useLocalDpi xmlns:a14="http://schemas.microsoft.com/office/drawing/2010/main" val="0"/>
-              </a:ext>
-            </a:extLst>
-          </a:blip>
-          <a:stretch>
-            <a:fillRect/>
-          </a:stretch>
-        </p:blipFill>
-        <p:spPr>
-          <a:xfrm>
-            <a:off x="1252631" y="0"/>
-            <a:ext cx="6638739" cy="6858000"/>
-          </a:xfrm>
-          <a:prstGeom prst="rect">
-            <a:avLst/>
-          </a:prstGeom>
-        </p:spPr>
-      </p:pic>
-      <p:sp>
-        <p:nvSpPr>
-          <p:cNvPr id="2" name="Oval 1"/>
-          <p:cNvSpPr/>
-          <p:nvPr/>
-        </p:nvSpPr>
-        <p:spPr>
-          <a:xfrm>
-            <a:off x="1626128" y="4403839"/>
-            <a:ext cx="913955" cy="819043"/>
-          </a:xfrm>
-          <a:prstGeom prst="ellipse">
-            <a:avLst/>
-          </a:prstGeom>
-          <a:noFill/>
-          <a:ln w="28575" cmpd="sng">
-            <a:solidFill>
-              <a:srgbClr val="86CE24"/>
-            </a:solidFill>
-          </a:ln>
-        </p:spPr>
-        <p:style>
-          <a:lnRef idx="1">
-            <a:schemeClr val="accent1"/>
-          </a:lnRef>
-          <a:fillRef idx="3">
-            <a:schemeClr val="accent1"/>
-          </a:fillRef>
-          <a:effectRef idx="2">
-            <a:schemeClr val="accent1"/>
-          </a:effectRef>
-          <a:fontRef idx="minor">
-            <a:schemeClr val="lt1"/>
-          </a:fontRef>
-        </p:style>
-        <p:txBody>
-          <a:bodyPr rtlCol="0" anchor="ctr"/>
-          <a:lstStyle/>
-          <a:p>
-            <a:pPr algn="ctr"/>
-            <a:endParaRPr lang="en-US"/>
-          </a:p>
-        </p:txBody>
-      </p:sp>
-    </p:spTree>
-    <p:extLst>
-      <p:ext uri="{BB962C8B-B14F-4D97-AF65-F5344CB8AC3E}">
-        <p14:creationId xmlns:p14="http://schemas.microsoft.com/office/powerpoint/2010/main" val="3121648804"/>
-      </p:ext>
-    </p:extLst>
-  </p:cSld>
-  <p:clrMapOvr>
-    <a:masterClrMapping/>
-  </p:clrMapOvr>
-  <p:timing>
-    <p:tnLst>
-      <p:par>
-        <p:cTn xmlns:p14="http://schemas.microsoft.com/office/powerpoint/2010/main" id="1" dur="indefinite" restart="never" nodeType="tmRoot"/>
-      </p:par>
-    </p:tnLst>
-  </p:timing>
-</p:sld>
-</file>
-
-<file path=ppt/slides/slide28.xml><?xml version="1.0" encoding="utf-8"?>
-<p:sld xmlns:a="http://schemas.openxmlformats.org/drawingml/2006/main" xmlns:r="http://schemas.openxmlformats.org/officeDocument/2006/relationships" xmlns:p="http://schemas.openxmlformats.org/presentationml/2006/main">
-  <p:cSld>
-    <p:spTree>
-      <p:nvGrpSpPr>
-        <p:cNvPr id="1" name=""/>
-        <p:cNvGrpSpPr/>
-        <p:nvPr/>
-      </p:nvGrpSpPr>
-      <p:grpSpPr>
-        <a:xfrm>
-          <a:off x="0" y="0"/>
-          <a:ext cx="0" cy="0"/>
-          <a:chOff x="0" y="0"/>
-          <a:chExt cx="0" cy="0"/>
-        </a:xfrm>
-      </p:grpSpPr>
-      <p:sp>
-        <p:nvSpPr>
-          <p:cNvPr id="2" name="Title 1"/>
-          <p:cNvSpPr>
-            <a:spLocks noGrp="1"/>
-          </p:cNvSpPr>
-          <p:nvPr>
-            <p:ph type="title"/>
-          </p:nvPr>
-        </p:nvSpPr>
-        <p:spPr/>
-        <p:txBody>
-          <a:bodyPr/>
-          <a:lstStyle/>
-          <a:p>
-            <a:r>
-              <a:rPr lang="en-US" dirty="0" smtClean="0"/>
-              <a:t>Checkpoint</a:t>
-            </a:r>
-            <a:endParaRPr lang="en-US" dirty="0"/>
-          </a:p>
-        </p:txBody>
-      </p:sp>
-      <p:sp>
-        <p:nvSpPr>
-          <p:cNvPr id="3" name="Content Placeholder 2"/>
-          <p:cNvSpPr>
-            <a:spLocks noGrp="1"/>
-          </p:cNvSpPr>
-          <p:nvPr>
-            <p:ph idx="1"/>
-          </p:nvPr>
-        </p:nvSpPr>
-        <p:spPr/>
-        <p:txBody>
-          <a:bodyPr/>
-          <a:lstStyle/>
-          <a:p>
-            <a:r>
-              <a:rPr lang="en-US" dirty="0" err="1"/>
-              <a:t>git</a:t>
-            </a:r>
-            <a:r>
-              <a:rPr lang="en-US" dirty="0"/>
-              <a:t> checkout -f day-1/step</a:t>
-            </a:r>
-            <a:r>
-              <a:rPr lang="en-US" dirty="0" smtClean="0"/>
-              <a:t>-2</a:t>
-            </a:r>
-            <a:endParaRPr lang="en-US" dirty="0"/>
-          </a:p>
-        </p:txBody>
-      </p:sp>
-    </p:spTree>
-    <p:extLst>
-      <p:ext uri="{BB962C8B-B14F-4D97-AF65-F5344CB8AC3E}">
-        <p14:creationId xmlns:p14="http://schemas.microsoft.com/office/powerpoint/2010/main" val="2544589435"/>
-      </p:ext>
-    </p:extLst>
-  </p:cSld>
-  <p:clrMapOvr>
-    <a:masterClrMapping/>
-  </p:clrMapOvr>
-</p:sld>
-</file>
-
-<file path=ppt/slides/slide29.xml><?xml version="1.0" encoding="utf-8"?>
-<p:sld xmlns:a="http://schemas.openxmlformats.org/drawingml/2006/main" xmlns:r="http://schemas.openxmlformats.org/officeDocument/2006/relationships" xmlns:p="http://schemas.openxmlformats.org/presentationml/2006/main">
-  <p:cSld>
-    <p:spTree>
-      <p:nvGrpSpPr>
-        <p:cNvPr id="1" name=""/>
-        <p:cNvGrpSpPr/>
-        <p:nvPr/>
-      </p:nvGrpSpPr>
-      <p:grpSpPr>
-        <a:xfrm>
-          <a:off x="0" y="0"/>
-          <a:ext cx="0" cy="0"/>
-          <a:chOff x="0" y="0"/>
-          <a:chExt cx="0" cy="0"/>
-        </a:xfrm>
-      </p:grpSpPr>
-      <p:sp>
-        <p:nvSpPr>
-          <p:cNvPr id="2" name="Title 1"/>
-          <p:cNvSpPr>
-            <a:spLocks noGrp="1"/>
-          </p:cNvSpPr>
-          <p:nvPr>
-            <p:ph type="title"/>
-          </p:nvPr>
-        </p:nvSpPr>
-        <p:spPr/>
-        <p:txBody>
-          <a:bodyPr/>
-          <a:lstStyle/>
-          <a:p>
-            <a:r>
-              <a:rPr lang="en-US" dirty="0" smtClean="0"/>
-              <a:t>Directives</a:t>
-            </a:r>
-            <a:endParaRPr lang="en-US" dirty="0"/>
-          </a:p>
-        </p:txBody>
-      </p:sp>
-      <p:sp>
-        <p:nvSpPr>
-          <p:cNvPr id="3" name="Content Placeholder 2"/>
-          <p:cNvSpPr>
-            <a:spLocks noGrp="1"/>
-          </p:cNvSpPr>
-          <p:nvPr>
-            <p:ph idx="1"/>
-          </p:nvPr>
-        </p:nvSpPr>
-        <p:spPr>
-          <a:xfrm>
-            <a:off x="685800" y="1869140"/>
-            <a:ext cx="7770813" cy="4988859"/>
-          </a:xfrm>
-        </p:spPr>
-        <p:txBody>
-          <a:bodyPr>
-            <a:normAutofit/>
-          </a:bodyPr>
-          <a:lstStyle/>
-          <a:p>
-            <a:r>
-              <a:rPr lang="en-US" dirty="0" smtClean="0"/>
-              <a:t>Markers on DOM elements notifying </a:t>
-            </a:r>
-            <a:r>
-              <a:rPr lang="en-US" dirty="0" err="1" smtClean="0"/>
-              <a:t>Angular’s</a:t>
-            </a:r>
-            <a:r>
-              <a:rPr lang="en-US" dirty="0" smtClean="0"/>
-              <a:t> compiler to attach behavior</a:t>
-            </a:r>
-          </a:p>
-          <a:p>
-            <a:pPr lvl="1"/>
-            <a:r>
-              <a:rPr lang="en-US" dirty="0" smtClean="0"/>
-              <a:t>Compile: attach event handling</a:t>
-            </a:r>
-          </a:p>
-          <a:p>
-            <a:pPr lvl="1"/>
-            <a:r>
-              <a:rPr lang="en-US" dirty="0" smtClean="0"/>
-              <a:t>Only source of JS -&gt; DOM interactions!</a:t>
-            </a:r>
-          </a:p>
-          <a:p>
-            <a:r>
-              <a:rPr lang="en-US" dirty="0" smtClean="0"/>
-              <a:t>Naming Standards:  Camel-case in JS, hyphenated when using in markup</a:t>
-            </a:r>
-          </a:p>
-          <a:p>
-            <a:pPr marL="0" indent="0">
-              <a:buNone/>
-            </a:pPr>
-            <a:r>
-              <a:rPr lang="en-US" dirty="0" err="1" smtClean="0">
-                <a:latin typeface="Menlo Regular"/>
-                <a:cs typeface="Menlo Regular"/>
-              </a:rPr>
-              <a:t>angular.directive</a:t>
-            </a:r>
-            <a:r>
-              <a:rPr lang="en-US" dirty="0" smtClean="0">
-                <a:latin typeface="Menlo Regular"/>
-                <a:cs typeface="Menlo Regular"/>
-              </a:rPr>
-              <a:t>(‘</a:t>
-            </a:r>
-            <a:r>
-              <a:rPr lang="en-US" dirty="0" err="1" smtClean="0">
-                <a:latin typeface="Menlo Regular"/>
-                <a:cs typeface="Menlo Regular"/>
-              </a:rPr>
-              <a:t>ngController</a:t>
-            </a:r>
-            <a:r>
-              <a:rPr lang="en-US" dirty="0" smtClean="0">
-                <a:latin typeface="Menlo Regular"/>
-                <a:cs typeface="Menlo Regular"/>
-              </a:rPr>
-              <a:t>’, function() { … });</a:t>
-            </a:r>
-          </a:p>
-          <a:p>
-            <a:pPr marL="0" indent="0">
-              <a:buNone/>
-            </a:pPr>
-            <a:r>
-              <a:rPr lang="en-US" dirty="0" smtClean="0">
-                <a:latin typeface="Menlo Regular"/>
-                <a:cs typeface="Menlo Regular"/>
-              </a:rPr>
-              <a:t>&lt;div </a:t>
-            </a:r>
-            <a:r>
-              <a:rPr lang="en-US" dirty="0" err="1" smtClean="0">
-                <a:latin typeface="Menlo Regular"/>
-                <a:cs typeface="Menlo Regular"/>
-              </a:rPr>
-              <a:t>ng</a:t>
-            </a:r>
-            <a:r>
-              <a:rPr lang="en-US" dirty="0" smtClean="0">
-                <a:latin typeface="Menlo Regular"/>
-                <a:cs typeface="Menlo Regular"/>
-              </a:rPr>
-              <a:t>-controller=“</a:t>
-            </a:r>
-            <a:r>
-              <a:rPr lang="en-US" dirty="0" err="1" smtClean="0">
-                <a:latin typeface="Menlo Regular"/>
-                <a:cs typeface="Menlo Regular"/>
-              </a:rPr>
-              <a:t>MyController</a:t>
-            </a:r>
-            <a:r>
-              <a:rPr lang="en-US" dirty="0" smtClean="0">
-                <a:latin typeface="Menlo Regular"/>
-                <a:cs typeface="Menlo Regular"/>
-              </a:rPr>
-              <a:t>”&gt;&lt;/div&gt;</a:t>
-            </a:r>
-          </a:p>
-        </p:txBody>
-      </p:sp>
-    </p:spTree>
-    <p:extLst>
-      <p:ext uri="{BB962C8B-B14F-4D97-AF65-F5344CB8AC3E}">
-        <p14:creationId xmlns:p14="http://schemas.microsoft.com/office/powerpoint/2010/main" val="3164739915"/>
-      </p:ext>
-    </p:extLst>
-  </p:cSld>
-  <p:clrMapOvr>
-    <a:masterClrMapping/>
-  </p:clrMapOvr>
-</p:sld>
-</file>
-
 <file path=ppt/slides/slide3.xml><?xml version="1.0" encoding="utf-8"?>
 <p:sld xmlns:a="http://schemas.openxmlformats.org/drawingml/2006/main" xmlns:r="http://schemas.openxmlformats.org/officeDocument/2006/relationships" xmlns:p="http://schemas.openxmlformats.org/presentationml/2006/main">
   <p:cSld>
@@ -10688,3055 +10019,6 @@
 </p:sld>
 </file>
 
-<file path=ppt/slides/slide30.xml><?xml version="1.0" encoding="utf-8"?>
-<p:sld xmlns:a="http://schemas.openxmlformats.org/drawingml/2006/main" xmlns:r="http://schemas.openxmlformats.org/officeDocument/2006/relationships" xmlns:p="http://schemas.openxmlformats.org/presentationml/2006/main">
-  <p:cSld>
-    <p:spTree>
-      <p:nvGrpSpPr>
-        <p:cNvPr id="1" name=""/>
-        <p:cNvGrpSpPr/>
-        <p:nvPr/>
-      </p:nvGrpSpPr>
-      <p:grpSpPr>
-        <a:xfrm>
-          <a:off x="0" y="0"/>
-          <a:ext cx="0" cy="0"/>
-          <a:chOff x="0" y="0"/>
-          <a:chExt cx="0" cy="0"/>
-        </a:xfrm>
-      </p:grpSpPr>
-      <p:sp>
-        <p:nvSpPr>
-          <p:cNvPr id="2" name="Title 1"/>
-          <p:cNvSpPr>
-            <a:spLocks noGrp="1"/>
-          </p:cNvSpPr>
-          <p:nvPr>
-            <p:ph type="title"/>
-          </p:nvPr>
-        </p:nvSpPr>
-        <p:spPr/>
-        <p:txBody>
-          <a:bodyPr/>
-          <a:lstStyle/>
-          <a:p>
-            <a:r>
-              <a:rPr lang="en-US" dirty="0" smtClean="0"/>
-              <a:t>Built-In Directives</a:t>
-            </a:r>
-            <a:endParaRPr lang="en-US" dirty="0"/>
-          </a:p>
-        </p:txBody>
-      </p:sp>
-      <p:sp>
-        <p:nvSpPr>
-          <p:cNvPr id="3" name="Content Placeholder 2"/>
-          <p:cNvSpPr>
-            <a:spLocks noGrp="1"/>
-          </p:cNvSpPr>
-          <p:nvPr>
-            <p:ph idx="1"/>
-          </p:nvPr>
-        </p:nvSpPr>
-        <p:spPr/>
-        <p:txBody>
-          <a:bodyPr/>
-          <a:lstStyle/>
-          <a:p>
-            <a:r>
-              <a:rPr lang="en-US" dirty="0" err="1"/>
-              <a:t>ng</a:t>
-            </a:r>
-            <a:r>
-              <a:rPr lang="en-US" dirty="0"/>
-              <a:t>-app – indicates module to bootstrap app</a:t>
-            </a:r>
-          </a:p>
-          <a:p>
-            <a:r>
-              <a:rPr lang="en-US" dirty="0" err="1"/>
-              <a:t>ng</a:t>
-            </a:r>
-            <a:r>
-              <a:rPr lang="en-US" dirty="0"/>
-              <a:t>-controller – instantiates controller, attaches to view</a:t>
-            </a:r>
-          </a:p>
-          <a:p>
-            <a:r>
-              <a:rPr lang="en-US" dirty="0" err="1"/>
-              <a:t>ng</a:t>
-            </a:r>
-            <a:r>
-              <a:rPr lang="en-US" dirty="0"/>
-              <a:t>-repeat – iterates over array/object, creating new scope and view for each </a:t>
-            </a:r>
-            <a:r>
-              <a:rPr lang="en-US" dirty="0" smtClean="0"/>
-              <a:t>item</a:t>
-            </a:r>
-          </a:p>
-          <a:p>
-            <a:r>
-              <a:rPr lang="en-US" dirty="0" err="1" smtClean="0"/>
-              <a:t>ng</a:t>
-            </a:r>
-            <a:r>
-              <a:rPr lang="en-US" dirty="0" smtClean="0"/>
-              <a:t>-model</a:t>
-            </a:r>
-            <a:endParaRPr lang="en-US" dirty="0"/>
-          </a:p>
-          <a:p>
-            <a:r>
-              <a:rPr lang="en-US" dirty="0" err="1"/>
-              <a:t>ng</a:t>
-            </a:r>
-            <a:r>
-              <a:rPr lang="en-US" dirty="0"/>
-              <a:t>-show/</a:t>
-            </a:r>
-            <a:r>
-              <a:rPr lang="en-US" dirty="0" err="1"/>
-              <a:t>ng</a:t>
-            </a:r>
-            <a:r>
-              <a:rPr lang="en-US" dirty="0"/>
-              <a:t>-hide</a:t>
-            </a:r>
-          </a:p>
-          <a:p>
-            <a:r>
-              <a:rPr lang="en-US" dirty="0" err="1"/>
-              <a:t>ng</a:t>
-            </a:r>
-            <a:r>
-              <a:rPr lang="en-US" dirty="0"/>
-              <a:t>-class, </a:t>
-            </a:r>
-            <a:r>
-              <a:rPr lang="en-US" dirty="0" err="1"/>
-              <a:t>ng-href</a:t>
-            </a:r>
-            <a:r>
-              <a:rPr lang="en-US" dirty="0"/>
-              <a:t>, </a:t>
-            </a:r>
-            <a:r>
-              <a:rPr lang="en-US" dirty="0" err="1"/>
-              <a:t>ng-src</a:t>
-            </a:r>
-            <a:r>
-              <a:rPr lang="en-US" dirty="0"/>
-              <a:t> vs. class, </a:t>
-            </a:r>
-            <a:r>
-              <a:rPr lang="en-US" dirty="0" err="1"/>
-              <a:t>href</a:t>
-            </a:r>
-            <a:r>
-              <a:rPr lang="en-US" dirty="0"/>
-              <a:t>, </a:t>
-            </a:r>
-            <a:r>
-              <a:rPr lang="en-US" dirty="0" err="1"/>
-              <a:t>src</a:t>
-            </a:r>
-            <a:endParaRPr lang="en-US" dirty="0"/>
-          </a:p>
-          <a:p>
-            <a:endParaRPr lang="en-US" dirty="0"/>
-          </a:p>
-        </p:txBody>
-      </p:sp>
-    </p:spTree>
-    <p:extLst>
-      <p:ext uri="{BB962C8B-B14F-4D97-AF65-F5344CB8AC3E}">
-        <p14:creationId xmlns:p14="http://schemas.microsoft.com/office/powerpoint/2010/main" val="3164787843"/>
-      </p:ext>
-    </p:extLst>
-  </p:cSld>
-  <p:clrMapOvr>
-    <a:masterClrMapping/>
-  </p:clrMapOvr>
-</p:sld>
-</file>
-
-<file path=ppt/slides/slide31.xml><?xml version="1.0" encoding="utf-8"?>
-<p:sld xmlns:a="http://schemas.openxmlformats.org/drawingml/2006/main" xmlns:r="http://schemas.openxmlformats.org/officeDocument/2006/relationships" xmlns:p="http://schemas.openxmlformats.org/presentationml/2006/main">
-  <p:cSld>
-    <p:spTree>
-      <p:nvGrpSpPr>
-        <p:cNvPr id="1" name=""/>
-        <p:cNvGrpSpPr/>
-        <p:nvPr/>
-      </p:nvGrpSpPr>
-      <p:grpSpPr>
-        <a:xfrm>
-          <a:off x="0" y="0"/>
-          <a:ext cx="0" cy="0"/>
-          <a:chOff x="0" y="0"/>
-          <a:chExt cx="0" cy="0"/>
-        </a:xfrm>
-      </p:grpSpPr>
-      <p:sp>
-        <p:nvSpPr>
-          <p:cNvPr id="2" name="Title 1"/>
-          <p:cNvSpPr>
-            <a:spLocks noGrp="1"/>
-          </p:cNvSpPr>
-          <p:nvPr>
-            <p:ph type="title"/>
-          </p:nvPr>
-        </p:nvSpPr>
-        <p:spPr/>
-        <p:txBody>
-          <a:bodyPr/>
-          <a:lstStyle/>
-          <a:p>
-            <a:r>
-              <a:rPr lang="en-US" dirty="0" smtClean="0"/>
-              <a:t>Two-Way Data Binding</a:t>
-            </a:r>
-            <a:endParaRPr lang="en-US" dirty="0"/>
-          </a:p>
-        </p:txBody>
-      </p:sp>
-      <p:sp>
-        <p:nvSpPr>
-          <p:cNvPr id="3" name="Content Placeholder 2"/>
-          <p:cNvSpPr>
-            <a:spLocks noGrp="1"/>
-          </p:cNvSpPr>
-          <p:nvPr>
-            <p:ph idx="1"/>
-          </p:nvPr>
-        </p:nvSpPr>
-        <p:spPr/>
-        <p:txBody>
-          <a:bodyPr/>
-          <a:lstStyle/>
-          <a:p>
-            <a:r>
-              <a:rPr lang="en-US" dirty="0" smtClean="0"/>
-              <a:t>One-way binding</a:t>
-            </a:r>
-            <a:r>
-              <a:rPr lang="en-US" dirty="0"/>
-              <a:t> </a:t>
-            </a:r>
-            <a:endParaRPr lang="en-US" dirty="0" smtClean="0"/>
-          </a:p>
-          <a:p>
-            <a:pPr marL="349250" lvl="1" indent="0">
-              <a:buNone/>
-            </a:pPr>
-            <a:r>
-              <a:rPr lang="en-US" dirty="0">
-                <a:latin typeface="Menlo Regular"/>
-                <a:cs typeface="Menlo Regular"/>
-              </a:rPr>
-              <a:t>&lt;div&gt;{{</a:t>
-            </a:r>
-            <a:r>
-              <a:rPr lang="en-US" dirty="0" err="1">
-                <a:latin typeface="Menlo Regular"/>
-                <a:cs typeface="Menlo Regular"/>
-              </a:rPr>
-              <a:t>model.user.firstName</a:t>
-            </a:r>
-            <a:r>
-              <a:rPr lang="en-US" dirty="0">
-                <a:latin typeface="Menlo Regular"/>
-                <a:cs typeface="Menlo Regular"/>
-              </a:rPr>
-              <a:t>}}&lt;/div</a:t>
-            </a:r>
-            <a:r>
-              <a:rPr lang="en-US" dirty="0" smtClean="0">
-                <a:latin typeface="Menlo Regular"/>
-                <a:cs typeface="Menlo Regular"/>
-              </a:rPr>
-              <a:t>&gt;</a:t>
-            </a:r>
-          </a:p>
-          <a:p>
-            <a:r>
-              <a:rPr lang="en-US" dirty="0" smtClean="0"/>
-              <a:t>Two-way bindings allow DOM elements to update scope properties</a:t>
-            </a:r>
-          </a:p>
-          <a:p>
-            <a:r>
-              <a:rPr lang="en-US" dirty="0" err="1" smtClean="0"/>
-              <a:t>ng</a:t>
-            </a:r>
-            <a:r>
-              <a:rPr lang="en-US" dirty="0" smtClean="0"/>
-              <a:t>-model - binds input value to a property on the scope</a:t>
-            </a:r>
-          </a:p>
-          <a:p>
-            <a:pPr marL="349250" lvl="1" indent="0">
-              <a:buNone/>
-            </a:pPr>
-            <a:r>
-              <a:rPr lang="en-US" dirty="0" smtClean="0">
-                <a:latin typeface="Menlo Regular"/>
-                <a:cs typeface="Menlo Regular"/>
-              </a:rPr>
-              <a:t>&lt;input </a:t>
-            </a:r>
-            <a:r>
-              <a:rPr lang="en-US" dirty="0" err="1" smtClean="0">
-                <a:latin typeface="Menlo Regular"/>
-                <a:cs typeface="Menlo Regular"/>
-              </a:rPr>
-              <a:t>ng</a:t>
-            </a:r>
-            <a:r>
-              <a:rPr lang="en-US" dirty="0" smtClean="0">
-                <a:latin typeface="Menlo Regular"/>
-                <a:cs typeface="Menlo Regular"/>
-              </a:rPr>
-              <a:t>-model=“</a:t>
-            </a:r>
-            <a:r>
-              <a:rPr lang="en-US" dirty="0" err="1" smtClean="0">
-                <a:latin typeface="Menlo Regular"/>
-                <a:cs typeface="Menlo Regular"/>
-              </a:rPr>
-              <a:t>model.user.firstName</a:t>
-            </a:r>
-            <a:r>
-              <a:rPr lang="en-US" dirty="0" smtClean="0">
-                <a:latin typeface="Menlo Regular"/>
-                <a:cs typeface="Menlo Regular"/>
-              </a:rPr>
-              <a:t>” /&gt;</a:t>
-            </a:r>
-          </a:p>
-          <a:p>
-            <a:pPr marL="349250" lvl="1" indent="0">
-              <a:buNone/>
-            </a:pPr>
-            <a:r>
-              <a:rPr lang="en-US" dirty="0">
-                <a:latin typeface="Menlo Regular"/>
-                <a:cs typeface="Menlo Regular"/>
-              </a:rPr>
-              <a:t>&lt;span&gt;Hello, {{</a:t>
-            </a:r>
-            <a:r>
-              <a:rPr lang="en-US" dirty="0" err="1">
-                <a:latin typeface="Menlo Regular"/>
-                <a:cs typeface="Menlo Regular"/>
-              </a:rPr>
-              <a:t>model.user.firstName</a:t>
-            </a:r>
-            <a:r>
-              <a:rPr lang="en-US" dirty="0">
-                <a:latin typeface="Menlo Regular"/>
-                <a:cs typeface="Menlo Regular"/>
-              </a:rPr>
-              <a:t>}}!&lt;/span&gt;</a:t>
-            </a:r>
-          </a:p>
-          <a:p>
-            <a:pPr marL="349250" lvl="1" indent="0">
-              <a:buNone/>
-            </a:pPr>
-            <a:endParaRPr lang="en-US" dirty="0" smtClean="0"/>
-          </a:p>
-          <a:p>
-            <a:pPr marL="349250" lvl="1" indent="0">
-              <a:buNone/>
-            </a:pPr>
-            <a:endParaRPr lang="en-US" dirty="0"/>
-          </a:p>
-          <a:p>
-            <a:pPr marL="349250" lvl="1" indent="0">
-              <a:buNone/>
-            </a:pPr>
-            <a:endParaRPr lang="en-US" dirty="0" smtClean="0"/>
-          </a:p>
-        </p:txBody>
-      </p:sp>
-    </p:spTree>
-    <p:extLst>
-      <p:ext uri="{BB962C8B-B14F-4D97-AF65-F5344CB8AC3E}">
-        <p14:creationId xmlns:p14="http://schemas.microsoft.com/office/powerpoint/2010/main" val="2181386633"/>
-      </p:ext>
-    </p:extLst>
-  </p:cSld>
-  <p:clrMapOvr>
-    <a:masterClrMapping/>
-  </p:clrMapOvr>
-</p:sld>
-</file>
-
-<file path=ppt/slides/slide32.xml><?xml version="1.0" encoding="utf-8"?>
-<p:sld xmlns:a="http://schemas.openxmlformats.org/drawingml/2006/main" xmlns:r="http://schemas.openxmlformats.org/officeDocument/2006/relationships" xmlns:p="http://schemas.openxmlformats.org/presentationml/2006/main">
-  <p:cSld>
-    <p:spTree>
-      <p:nvGrpSpPr>
-        <p:cNvPr id="1" name=""/>
-        <p:cNvGrpSpPr/>
-        <p:nvPr/>
-      </p:nvGrpSpPr>
-      <p:grpSpPr>
-        <a:xfrm>
-          <a:off x="0" y="0"/>
-          <a:ext cx="0" cy="0"/>
-          <a:chOff x="0" y="0"/>
-          <a:chExt cx="0" cy="0"/>
-        </a:xfrm>
-      </p:grpSpPr>
-      <p:sp>
-        <p:nvSpPr>
-          <p:cNvPr id="2" name="Title 1"/>
-          <p:cNvSpPr>
-            <a:spLocks noGrp="1"/>
-          </p:cNvSpPr>
-          <p:nvPr>
-            <p:ph type="title"/>
-          </p:nvPr>
-        </p:nvSpPr>
-        <p:spPr/>
-        <p:txBody>
-          <a:bodyPr/>
-          <a:lstStyle/>
-          <a:p>
-            <a:r>
-              <a:rPr lang="en-US" dirty="0" smtClean="0"/>
-              <a:t>Two-Way Data Binding</a:t>
-            </a:r>
-            <a:endParaRPr lang="en-US" dirty="0"/>
-          </a:p>
-        </p:txBody>
-      </p:sp>
-      <p:sp>
-        <p:nvSpPr>
-          <p:cNvPr id="6" name="Content Placeholder 5"/>
-          <p:cNvSpPr>
-            <a:spLocks noGrp="1"/>
-          </p:cNvSpPr>
-          <p:nvPr>
-            <p:ph sz="half" idx="1"/>
-          </p:nvPr>
-        </p:nvSpPr>
-        <p:spPr/>
-        <p:txBody>
-          <a:bodyPr/>
-          <a:lstStyle/>
-          <a:p>
-            <a:r>
-              <a:rPr lang="en-US" dirty="0" smtClean="0"/>
-              <a:t>Angular uses dirty checking, notifies watchers of changes</a:t>
-            </a:r>
-          </a:p>
-          <a:p>
-            <a:r>
-              <a:rPr lang="en-US" dirty="0" smtClean="0"/>
-              <a:t>Watchers respond to model updates (update DOM, update other properties on model)</a:t>
-            </a:r>
-          </a:p>
-          <a:p>
-            <a:r>
-              <a:rPr lang="en-US" dirty="0" smtClean="0"/>
-              <a:t>Watchers can also change model, so the loop runs until model stabilizes </a:t>
-            </a:r>
-            <a:endParaRPr lang="en-US" dirty="0"/>
-          </a:p>
-        </p:txBody>
-      </p:sp>
-      <p:pic>
-        <p:nvPicPr>
-          <p:cNvPr id="8" name="Picture 7" descr="concepts-runtime.png"/>
-          <p:cNvPicPr>
-            <a:picLocks noChangeAspect="1"/>
-          </p:cNvPicPr>
-          <p:nvPr/>
-        </p:nvPicPr>
-        <p:blipFill>
-          <a:blip r:embed="rId2">
-            <a:extLst>
-              <a:ext uri="{28A0092B-C50C-407E-A947-70E740481C1C}">
-                <a14:useLocalDpi xmlns:a14="http://schemas.microsoft.com/office/drawing/2010/main" val="0"/>
-              </a:ext>
-            </a:extLst>
-          </a:blip>
-          <a:stretch>
-            <a:fillRect/>
-          </a:stretch>
-        </p:blipFill>
-        <p:spPr>
-          <a:xfrm>
-            <a:off x="4297680" y="1760538"/>
-            <a:ext cx="4437888" cy="3401568"/>
-          </a:xfrm>
-          <a:prstGeom prst="rect">
-            <a:avLst/>
-          </a:prstGeom>
-        </p:spPr>
-      </p:pic>
-    </p:spTree>
-    <p:extLst>
-      <p:ext uri="{BB962C8B-B14F-4D97-AF65-F5344CB8AC3E}">
-        <p14:creationId xmlns:p14="http://schemas.microsoft.com/office/powerpoint/2010/main" val="50654849"/>
-      </p:ext>
-    </p:extLst>
-  </p:cSld>
-  <p:clrMapOvr>
-    <a:masterClrMapping/>
-  </p:clrMapOvr>
-</p:sld>
-</file>
-
-<file path=ppt/slides/slide33.xml><?xml version="1.0" encoding="utf-8"?>
-<p:sld xmlns:a="http://schemas.openxmlformats.org/drawingml/2006/main" xmlns:r="http://schemas.openxmlformats.org/officeDocument/2006/relationships" xmlns:p="http://schemas.openxmlformats.org/presentationml/2006/main">
-  <p:cSld>
-    <p:spTree>
-      <p:nvGrpSpPr>
-        <p:cNvPr id="1" name=""/>
-        <p:cNvGrpSpPr/>
-        <p:nvPr/>
-      </p:nvGrpSpPr>
-      <p:grpSpPr>
-        <a:xfrm>
-          <a:off x="0" y="0"/>
-          <a:ext cx="0" cy="0"/>
-          <a:chOff x="0" y="0"/>
-          <a:chExt cx="0" cy="0"/>
-        </a:xfrm>
-      </p:grpSpPr>
-      <p:sp>
-        <p:nvSpPr>
-          <p:cNvPr id="2" name="Title 1"/>
-          <p:cNvSpPr>
-            <a:spLocks noGrp="1"/>
-          </p:cNvSpPr>
-          <p:nvPr>
-            <p:ph type="title"/>
-          </p:nvPr>
-        </p:nvSpPr>
-        <p:spPr/>
-        <p:txBody>
-          <a:bodyPr/>
-          <a:lstStyle/>
-          <a:p>
-            <a:r>
-              <a:rPr lang="en-US" dirty="0" smtClean="0"/>
-              <a:t>Event Directives</a:t>
-            </a:r>
-            <a:endParaRPr lang="en-US" dirty="0"/>
-          </a:p>
-        </p:txBody>
-      </p:sp>
-      <p:sp>
-        <p:nvSpPr>
-          <p:cNvPr id="3" name="Content Placeholder 2"/>
-          <p:cNvSpPr>
-            <a:spLocks noGrp="1"/>
-          </p:cNvSpPr>
-          <p:nvPr>
-            <p:ph idx="1"/>
-          </p:nvPr>
-        </p:nvSpPr>
-        <p:spPr/>
-        <p:txBody>
-          <a:bodyPr/>
-          <a:lstStyle/>
-          <a:p>
-            <a:r>
-              <a:rPr lang="en-US" dirty="0" smtClean="0"/>
-              <a:t>Function references can be added to the scope, referenced as callbacks for events</a:t>
-            </a:r>
-          </a:p>
-          <a:p>
-            <a:r>
-              <a:rPr lang="en-US" dirty="0" smtClean="0"/>
-              <a:t>Functions can accept scope properties as parameters</a:t>
-            </a:r>
-            <a:endParaRPr lang="en-US" dirty="0"/>
-          </a:p>
-          <a:p>
-            <a:pPr lvl="1"/>
-            <a:r>
-              <a:rPr lang="en-US" dirty="0" smtClean="0">
-                <a:latin typeface="Menlo Regular"/>
-                <a:cs typeface="Menlo Regular"/>
-              </a:rPr>
-              <a:t>&lt;button </a:t>
-            </a:r>
-            <a:r>
-              <a:rPr lang="en-US" dirty="0" err="1" smtClean="0">
-                <a:latin typeface="Menlo Regular"/>
-                <a:cs typeface="Menlo Regular"/>
-              </a:rPr>
-              <a:t>ng</a:t>
-            </a:r>
-            <a:r>
-              <a:rPr lang="en-US" dirty="0" smtClean="0">
-                <a:latin typeface="Menlo Regular"/>
-                <a:cs typeface="Menlo Regular"/>
-              </a:rPr>
-              <a:t>-click=“</a:t>
-            </a:r>
-            <a:r>
-              <a:rPr lang="en-US" dirty="0" err="1" smtClean="0">
-                <a:latin typeface="Menlo Regular"/>
-                <a:cs typeface="Menlo Regular"/>
-              </a:rPr>
-              <a:t>handleThis</a:t>
-            </a:r>
-            <a:r>
-              <a:rPr lang="en-US" dirty="0" smtClean="0">
-                <a:latin typeface="Menlo Regular"/>
-                <a:cs typeface="Menlo Regular"/>
-              </a:rPr>
-              <a:t>(model)”&gt;Click me!&lt;/button&gt;</a:t>
-            </a:r>
-          </a:p>
-          <a:p>
-            <a:r>
-              <a:rPr lang="en-US" dirty="0" smtClean="0"/>
-              <a:t>Angular event handlers vs. native DOM event handlers</a:t>
-            </a:r>
-          </a:p>
-          <a:p>
-            <a:pPr lvl="1"/>
-            <a:r>
-              <a:rPr lang="en-US" dirty="0" smtClean="0"/>
-              <a:t>Functions on the $scope</a:t>
-            </a:r>
-          </a:p>
-          <a:p>
-            <a:pPr lvl="1"/>
-            <a:r>
-              <a:rPr lang="en-US" dirty="0" smtClean="0"/>
-              <a:t>Can accept $scope properties as parameters</a:t>
-            </a:r>
-          </a:p>
-          <a:p>
-            <a:pPr lvl="1"/>
-            <a:r>
-              <a:rPr lang="en-US" dirty="0" smtClean="0"/>
-              <a:t>Executed within Angular execution context</a:t>
-            </a:r>
-          </a:p>
-          <a:p>
-            <a:endParaRPr lang="en-US" dirty="0" smtClean="0"/>
-          </a:p>
-        </p:txBody>
-      </p:sp>
-    </p:spTree>
-    <p:extLst>
-      <p:ext uri="{BB962C8B-B14F-4D97-AF65-F5344CB8AC3E}">
-        <p14:creationId xmlns:p14="http://schemas.microsoft.com/office/powerpoint/2010/main" val="3042904078"/>
-      </p:ext>
-    </p:extLst>
-  </p:cSld>
-  <p:clrMapOvr>
-    <a:masterClrMapping/>
-  </p:clrMapOvr>
-</p:sld>
-</file>
-
-<file path=ppt/slides/slide34.xml><?xml version="1.0" encoding="utf-8"?>
-<p:sld xmlns:a="http://schemas.openxmlformats.org/drawingml/2006/main" xmlns:r="http://schemas.openxmlformats.org/officeDocument/2006/relationships" xmlns:p="http://schemas.openxmlformats.org/presentationml/2006/main">
-  <p:cSld>
-    <p:spTree>
-      <p:nvGrpSpPr>
-        <p:cNvPr id="1" name=""/>
-        <p:cNvGrpSpPr/>
-        <p:nvPr/>
-      </p:nvGrpSpPr>
-      <p:grpSpPr>
-        <a:xfrm>
-          <a:off x="0" y="0"/>
-          <a:ext cx="0" cy="0"/>
-          <a:chOff x="0" y="0"/>
-          <a:chExt cx="0" cy="0"/>
-        </a:xfrm>
-      </p:grpSpPr>
-      <p:sp>
-        <p:nvSpPr>
-          <p:cNvPr id="2" name="Title 1"/>
-          <p:cNvSpPr>
-            <a:spLocks noGrp="1"/>
-          </p:cNvSpPr>
-          <p:nvPr>
-            <p:ph type="title"/>
-          </p:nvPr>
-        </p:nvSpPr>
-        <p:spPr/>
-        <p:txBody>
-          <a:bodyPr/>
-          <a:lstStyle/>
-          <a:p>
-            <a:r>
-              <a:rPr lang="en-US" dirty="0" smtClean="0"/>
-              <a:t>// TODO</a:t>
-            </a:r>
-            <a:endParaRPr lang="en-US" dirty="0"/>
-          </a:p>
-        </p:txBody>
-      </p:sp>
-      <p:sp>
-        <p:nvSpPr>
-          <p:cNvPr id="3" name="Content Placeholder 2"/>
-          <p:cNvSpPr>
-            <a:spLocks noGrp="1"/>
-          </p:cNvSpPr>
-          <p:nvPr>
-            <p:ph idx="1"/>
-          </p:nvPr>
-        </p:nvSpPr>
-        <p:spPr/>
-        <p:txBody>
-          <a:bodyPr/>
-          <a:lstStyle/>
-          <a:p>
-            <a:r>
-              <a:rPr lang="en-US" dirty="0" smtClean="0"/>
-              <a:t>Add an input that is bound to a scope property with </a:t>
-            </a:r>
-            <a:r>
-              <a:rPr lang="en-US" dirty="0" err="1" smtClean="0"/>
-              <a:t>ng</a:t>
-            </a:r>
-            <a:r>
-              <a:rPr lang="en-US" dirty="0" smtClean="0"/>
-              <a:t>-model directive</a:t>
-            </a:r>
-          </a:p>
-          <a:p>
-            <a:r>
-              <a:rPr lang="en-US" dirty="0" smtClean="0"/>
-              <a:t>Display the property on the page</a:t>
-            </a:r>
-          </a:p>
-          <a:p>
-            <a:r>
-              <a:rPr lang="en-US" dirty="0" smtClean="0"/>
-              <a:t>Add a button that logs the current input value, then clears the input</a:t>
-            </a:r>
-          </a:p>
-          <a:p>
-            <a:pPr lvl="1"/>
-            <a:r>
-              <a:rPr lang="en-US" dirty="0" smtClean="0"/>
-              <a:t>Reset function can be added to scope by the </a:t>
-            </a:r>
-            <a:r>
-              <a:rPr lang="en-US" dirty="0" err="1" smtClean="0"/>
-              <a:t>MyController</a:t>
-            </a:r>
-            <a:r>
-              <a:rPr lang="en-US" dirty="0" smtClean="0"/>
-              <a:t> class on the &lt;body&gt; element</a:t>
-            </a:r>
-          </a:p>
-          <a:p>
-            <a:r>
-              <a:rPr lang="en-US" dirty="0" smtClean="0"/>
-              <a:t>Add unit test</a:t>
-            </a:r>
-          </a:p>
-          <a:p>
-            <a:pPr marL="0" indent="0">
-              <a:buNone/>
-            </a:pPr>
-            <a:endParaRPr lang="en-US" dirty="0"/>
-          </a:p>
-        </p:txBody>
-      </p:sp>
-    </p:spTree>
-    <p:extLst>
-      <p:ext uri="{BB962C8B-B14F-4D97-AF65-F5344CB8AC3E}">
-        <p14:creationId xmlns:p14="http://schemas.microsoft.com/office/powerpoint/2010/main" val="3721282515"/>
-      </p:ext>
-    </p:extLst>
-  </p:cSld>
-  <p:clrMapOvr>
-    <a:masterClrMapping/>
-  </p:clrMapOvr>
-</p:sld>
-</file>
-
-<file path=ppt/slides/slide35.xml><?xml version="1.0" encoding="utf-8"?>
-<p:sld xmlns:a="http://schemas.openxmlformats.org/drawingml/2006/main" xmlns:r="http://schemas.openxmlformats.org/officeDocument/2006/relationships" xmlns:p="http://schemas.openxmlformats.org/presentationml/2006/main">
-  <p:cSld>
-    <p:spTree>
-      <p:nvGrpSpPr>
-        <p:cNvPr id="1" name=""/>
-        <p:cNvGrpSpPr/>
-        <p:nvPr/>
-      </p:nvGrpSpPr>
-      <p:grpSpPr>
-        <a:xfrm>
-          <a:off x="0" y="0"/>
-          <a:ext cx="0" cy="0"/>
-          <a:chOff x="0" y="0"/>
-          <a:chExt cx="0" cy="0"/>
-        </a:xfrm>
-      </p:grpSpPr>
-      <p:sp>
-        <p:nvSpPr>
-          <p:cNvPr id="2" name="Title 1"/>
-          <p:cNvSpPr>
-            <a:spLocks noGrp="1"/>
-          </p:cNvSpPr>
-          <p:nvPr>
-            <p:ph type="title"/>
-          </p:nvPr>
-        </p:nvSpPr>
-        <p:spPr/>
-        <p:txBody>
-          <a:bodyPr/>
-          <a:lstStyle/>
-          <a:p>
-            <a:r>
-              <a:rPr lang="en-US" dirty="0" smtClean="0"/>
-              <a:t>Checkpoint</a:t>
-            </a:r>
-            <a:endParaRPr lang="en-US" dirty="0"/>
-          </a:p>
-        </p:txBody>
-      </p:sp>
-      <p:sp>
-        <p:nvSpPr>
-          <p:cNvPr id="3" name="Content Placeholder 2"/>
-          <p:cNvSpPr>
-            <a:spLocks noGrp="1"/>
-          </p:cNvSpPr>
-          <p:nvPr>
-            <p:ph idx="1"/>
-          </p:nvPr>
-        </p:nvSpPr>
-        <p:spPr/>
-        <p:txBody>
-          <a:bodyPr/>
-          <a:lstStyle/>
-          <a:p>
-            <a:r>
-              <a:rPr lang="en-US" dirty="0" err="1"/>
-              <a:t>git</a:t>
-            </a:r>
-            <a:r>
-              <a:rPr lang="en-US" dirty="0"/>
-              <a:t> checkout -f day-1/step</a:t>
-            </a:r>
-            <a:r>
-              <a:rPr lang="en-US" dirty="0" smtClean="0"/>
-              <a:t>-3</a:t>
-            </a:r>
-            <a:endParaRPr lang="en-US" dirty="0"/>
-          </a:p>
-        </p:txBody>
-      </p:sp>
-    </p:spTree>
-    <p:extLst>
-      <p:ext uri="{BB962C8B-B14F-4D97-AF65-F5344CB8AC3E}">
-        <p14:creationId xmlns:p14="http://schemas.microsoft.com/office/powerpoint/2010/main" val="1286661238"/>
-      </p:ext>
-    </p:extLst>
-  </p:cSld>
-  <p:clrMapOvr>
-    <a:masterClrMapping/>
-  </p:clrMapOvr>
-</p:sld>
-</file>
-
-<file path=ppt/slides/slide36.xml><?xml version="1.0" encoding="utf-8"?>
-<p:sld xmlns:a="http://schemas.openxmlformats.org/drawingml/2006/main" xmlns:r="http://schemas.openxmlformats.org/officeDocument/2006/relationships" xmlns:p="http://schemas.openxmlformats.org/presentationml/2006/main">
-  <p:cSld>
-    <p:spTree>
-      <p:nvGrpSpPr>
-        <p:cNvPr id="1" name=""/>
-        <p:cNvGrpSpPr/>
-        <p:nvPr/>
-      </p:nvGrpSpPr>
-      <p:grpSpPr>
-        <a:xfrm>
-          <a:off x="0" y="0"/>
-          <a:ext cx="0" cy="0"/>
-          <a:chOff x="0" y="0"/>
-          <a:chExt cx="0" cy="0"/>
-        </a:xfrm>
-      </p:grpSpPr>
-      <p:sp>
-        <p:nvSpPr>
-          <p:cNvPr id="2" name="Title 1"/>
-          <p:cNvSpPr>
-            <a:spLocks noGrp="1"/>
-          </p:cNvSpPr>
-          <p:nvPr>
-            <p:ph type="title"/>
-          </p:nvPr>
-        </p:nvSpPr>
-        <p:spPr/>
-        <p:txBody>
-          <a:bodyPr/>
-          <a:lstStyle/>
-          <a:p>
-            <a:r>
-              <a:rPr lang="en-US" dirty="0" err="1" smtClean="0"/>
-              <a:t>ng</a:t>
-            </a:r>
-            <a:r>
-              <a:rPr lang="en-US" dirty="0" smtClean="0"/>
-              <a:t>-repeat Directive</a:t>
-            </a:r>
-            <a:endParaRPr lang="en-US" dirty="0"/>
-          </a:p>
-        </p:txBody>
-      </p:sp>
-      <p:sp>
-        <p:nvSpPr>
-          <p:cNvPr id="3" name="Content Placeholder 2"/>
-          <p:cNvSpPr>
-            <a:spLocks noGrp="1"/>
-          </p:cNvSpPr>
-          <p:nvPr>
-            <p:ph idx="1"/>
-          </p:nvPr>
-        </p:nvSpPr>
-        <p:spPr/>
-        <p:txBody>
-          <a:bodyPr/>
-          <a:lstStyle/>
-          <a:p>
-            <a:r>
-              <a:rPr lang="en-US" dirty="0" smtClean="0"/>
-              <a:t>Directive for iterating over a collection</a:t>
-            </a:r>
-          </a:p>
-          <a:p>
-            <a:r>
-              <a:rPr lang="en-US" dirty="0" smtClean="0"/>
-              <a:t>Renders a template once per item</a:t>
-            </a:r>
-          </a:p>
-          <a:p>
-            <a:r>
-              <a:rPr lang="en-US" dirty="0" smtClean="0"/>
-              <a:t>Each template instance gets its own scope:</a:t>
-            </a:r>
-          </a:p>
-          <a:p>
-            <a:pPr lvl="1"/>
-            <a:r>
-              <a:rPr lang="en-US" dirty="0" smtClean="0"/>
-              <a:t>Item value</a:t>
-            </a:r>
-          </a:p>
-          <a:p>
-            <a:pPr lvl="1"/>
-            <a:r>
-              <a:rPr lang="en-US" dirty="0" smtClean="0"/>
-              <a:t>$index (number)</a:t>
-            </a:r>
-          </a:p>
-          <a:p>
-            <a:pPr lvl="1"/>
-            <a:r>
-              <a:rPr lang="en-US" dirty="0" smtClean="0"/>
-              <a:t>$first, $middle, $last, $even, $odd (</a:t>
-            </a:r>
-            <a:r>
-              <a:rPr lang="en-US" dirty="0" err="1" smtClean="0"/>
-              <a:t>booleans</a:t>
-            </a:r>
-            <a:r>
-              <a:rPr lang="en-US" dirty="0" smtClean="0"/>
-              <a:t>)</a:t>
-            </a:r>
-          </a:p>
-        </p:txBody>
-      </p:sp>
-    </p:spTree>
-    <p:extLst>
-      <p:ext uri="{BB962C8B-B14F-4D97-AF65-F5344CB8AC3E}">
-        <p14:creationId xmlns:p14="http://schemas.microsoft.com/office/powerpoint/2010/main" val="125693601"/>
-      </p:ext>
-    </p:extLst>
-  </p:cSld>
-  <p:clrMapOvr>
-    <a:masterClrMapping/>
-  </p:clrMapOvr>
-</p:sld>
-</file>
-
-<file path=ppt/slides/slide37.xml><?xml version="1.0" encoding="utf-8"?>
-<p:sld xmlns:a="http://schemas.openxmlformats.org/drawingml/2006/main" xmlns:r="http://schemas.openxmlformats.org/officeDocument/2006/relationships" xmlns:p="http://schemas.openxmlformats.org/presentationml/2006/main">
-  <p:cSld>
-    <p:spTree>
-      <p:nvGrpSpPr>
-        <p:cNvPr id="1" name=""/>
-        <p:cNvGrpSpPr/>
-        <p:nvPr/>
-      </p:nvGrpSpPr>
-      <p:grpSpPr>
-        <a:xfrm>
-          <a:off x="0" y="0"/>
-          <a:ext cx="0" cy="0"/>
-          <a:chOff x="0" y="0"/>
-          <a:chExt cx="0" cy="0"/>
-        </a:xfrm>
-      </p:grpSpPr>
-      <p:sp>
-        <p:nvSpPr>
-          <p:cNvPr id="4" name="Rectangle 3"/>
-          <p:cNvSpPr/>
-          <p:nvPr/>
-        </p:nvSpPr>
-        <p:spPr>
-          <a:xfrm>
-            <a:off x="557225" y="1195310"/>
-            <a:ext cx="4572000" cy="1477328"/>
-          </a:xfrm>
-          <a:prstGeom prst="rect">
-            <a:avLst/>
-          </a:prstGeom>
-        </p:spPr>
-        <p:txBody>
-          <a:bodyPr>
-            <a:spAutoFit/>
-          </a:bodyPr>
-          <a:lstStyle/>
-          <a:p>
-            <a:r>
-              <a:rPr lang="en-US" dirty="0">
-                <a:solidFill>
-                  <a:srgbClr val="F8F8F2"/>
-                </a:solidFill>
-                <a:latin typeface="Menlo"/>
-              </a:rPr>
-              <a:t> </a:t>
-            </a:r>
-            <a:r>
-              <a:rPr lang="en-US" dirty="0">
-                <a:solidFill>
-                  <a:srgbClr val="A6E22E"/>
-                </a:solidFill>
-                <a:latin typeface="Menlo"/>
-              </a:rPr>
-              <a:t>$</a:t>
-            </a:r>
-            <a:r>
-              <a:rPr lang="en-US" dirty="0" err="1">
-                <a:solidFill>
-                  <a:srgbClr val="A6E22E"/>
-                </a:solidFill>
-                <a:latin typeface="Menlo"/>
-              </a:rPr>
-              <a:t>scope</a:t>
-            </a:r>
-            <a:r>
-              <a:rPr lang="en-US" dirty="0" err="1">
-                <a:solidFill>
-                  <a:srgbClr val="F8F8F2"/>
-                </a:solidFill>
-                <a:latin typeface="Menlo"/>
-              </a:rPr>
-              <a:t>.</a:t>
-            </a:r>
-            <a:r>
-              <a:rPr lang="en-US" dirty="0" err="1">
-                <a:solidFill>
-                  <a:srgbClr val="A6E22E"/>
-                </a:solidFill>
-                <a:latin typeface="Menlo"/>
-              </a:rPr>
-              <a:t>items</a:t>
-            </a:r>
-            <a:r>
-              <a:rPr lang="en-US" dirty="0">
-                <a:solidFill>
-                  <a:srgbClr val="F8F8F2"/>
-                </a:solidFill>
-                <a:latin typeface="Menlo"/>
-              </a:rPr>
-              <a:t> </a:t>
-            </a:r>
-            <a:r>
-              <a:rPr lang="en-US" dirty="0">
-                <a:solidFill>
-                  <a:srgbClr val="F92672"/>
-                </a:solidFill>
-                <a:latin typeface="Menlo"/>
-              </a:rPr>
-              <a:t>=</a:t>
-            </a:r>
-            <a:r>
-              <a:rPr lang="en-US" dirty="0">
-                <a:solidFill>
-                  <a:srgbClr val="F8F8F2"/>
-                </a:solidFill>
-                <a:latin typeface="Menlo"/>
-              </a:rPr>
-              <a:t> [</a:t>
-            </a:r>
-          </a:p>
-          <a:p>
-            <a:r>
-              <a:rPr lang="en-US" dirty="0">
-                <a:solidFill>
-                  <a:srgbClr val="F8F8F2"/>
-                </a:solidFill>
-                <a:latin typeface="Menlo"/>
-              </a:rPr>
-              <a:t>    {</a:t>
-            </a:r>
-            <a:r>
-              <a:rPr lang="en-US" dirty="0">
-                <a:solidFill>
-                  <a:srgbClr val="A6E22E"/>
-                </a:solidFill>
-                <a:latin typeface="Menlo"/>
-              </a:rPr>
-              <a:t>name</a:t>
-            </a:r>
-            <a:r>
-              <a:rPr lang="en-US" dirty="0">
-                <a:solidFill>
-                  <a:srgbClr val="F92672"/>
-                </a:solidFill>
-                <a:latin typeface="Menlo"/>
-              </a:rPr>
-              <a:t>:</a:t>
-            </a:r>
-            <a:r>
-              <a:rPr lang="en-US" dirty="0">
-                <a:solidFill>
-                  <a:srgbClr val="F8F8F2"/>
-                </a:solidFill>
-                <a:latin typeface="Menlo"/>
-              </a:rPr>
-              <a:t> </a:t>
-            </a:r>
-            <a:r>
-              <a:rPr lang="en-US" dirty="0">
-                <a:solidFill>
-                  <a:srgbClr val="E6DB74"/>
-                </a:solidFill>
-                <a:latin typeface="Menlo"/>
-              </a:rPr>
-              <a:t>'First Item'</a:t>
-            </a:r>
-            <a:r>
-              <a:rPr lang="en-US" dirty="0">
-                <a:solidFill>
-                  <a:srgbClr val="F8F8F2"/>
-                </a:solidFill>
-                <a:latin typeface="Menlo"/>
-              </a:rPr>
-              <a:t>},</a:t>
-            </a:r>
-          </a:p>
-          <a:p>
-            <a:r>
-              <a:rPr lang="en-US" dirty="0">
-                <a:solidFill>
-                  <a:srgbClr val="F8F8F2"/>
-                </a:solidFill>
-                <a:latin typeface="Menlo"/>
-              </a:rPr>
-              <a:t>    {</a:t>
-            </a:r>
-            <a:r>
-              <a:rPr lang="en-US" dirty="0">
-                <a:solidFill>
-                  <a:srgbClr val="A6E22E"/>
-                </a:solidFill>
-                <a:latin typeface="Menlo"/>
-              </a:rPr>
-              <a:t>name</a:t>
-            </a:r>
-            <a:r>
-              <a:rPr lang="en-US" dirty="0">
-                <a:solidFill>
-                  <a:srgbClr val="F92672"/>
-                </a:solidFill>
-                <a:latin typeface="Menlo"/>
-              </a:rPr>
-              <a:t>:</a:t>
-            </a:r>
-            <a:r>
-              <a:rPr lang="en-US" dirty="0">
-                <a:solidFill>
-                  <a:srgbClr val="F8F8F2"/>
-                </a:solidFill>
-                <a:latin typeface="Menlo"/>
-              </a:rPr>
-              <a:t> </a:t>
-            </a:r>
-            <a:r>
-              <a:rPr lang="en-US" dirty="0">
-                <a:solidFill>
-                  <a:srgbClr val="E6DB74"/>
-                </a:solidFill>
-                <a:latin typeface="Menlo"/>
-              </a:rPr>
-              <a:t>'Second Item'</a:t>
-            </a:r>
-            <a:r>
-              <a:rPr lang="en-US" dirty="0">
-                <a:solidFill>
-                  <a:srgbClr val="F8F8F2"/>
-                </a:solidFill>
-                <a:latin typeface="Menlo"/>
-              </a:rPr>
-              <a:t>},</a:t>
-            </a:r>
-          </a:p>
-          <a:p>
-            <a:r>
-              <a:rPr lang="en-US" dirty="0">
-                <a:solidFill>
-                  <a:srgbClr val="F8F8F2"/>
-                </a:solidFill>
-                <a:latin typeface="Menlo"/>
-              </a:rPr>
-              <a:t>    {</a:t>
-            </a:r>
-            <a:r>
-              <a:rPr lang="en-US" dirty="0">
-                <a:solidFill>
-                  <a:srgbClr val="A6E22E"/>
-                </a:solidFill>
-                <a:latin typeface="Menlo"/>
-              </a:rPr>
-              <a:t>name</a:t>
-            </a:r>
-            <a:r>
-              <a:rPr lang="en-US" dirty="0">
-                <a:solidFill>
-                  <a:srgbClr val="F92672"/>
-                </a:solidFill>
-                <a:latin typeface="Menlo"/>
-              </a:rPr>
-              <a:t>:</a:t>
-            </a:r>
-            <a:r>
-              <a:rPr lang="en-US" dirty="0">
-                <a:solidFill>
-                  <a:srgbClr val="F8F8F2"/>
-                </a:solidFill>
-                <a:latin typeface="Menlo"/>
-              </a:rPr>
-              <a:t> </a:t>
-            </a:r>
-            <a:r>
-              <a:rPr lang="en-US" dirty="0">
-                <a:solidFill>
-                  <a:srgbClr val="E6DB74"/>
-                </a:solidFill>
-                <a:latin typeface="Menlo"/>
-              </a:rPr>
-              <a:t>'Third Item'</a:t>
-            </a:r>
-            <a:r>
-              <a:rPr lang="en-US" dirty="0">
-                <a:solidFill>
-                  <a:srgbClr val="F8F8F2"/>
-                </a:solidFill>
-                <a:latin typeface="Menlo"/>
-              </a:rPr>
-              <a:t>}</a:t>
-            </a:r>
-          </a:p>
-          <a:p>
-            <a:r>
-              <a:rPr lang="en-US" dirty="0">
-                <a:solidFill>
-                  <a:srgbClr val="F8F8F2"/>
-                </a:solidFill>
-                <a:latin typeface="Menlo"/>
-              </a:rPr>
-              <a:t>  ];</a:t>
-            </a:r>
-          </a:p>
-        </p:txBody>
-      </p:sp>
-      <p:sp>
-        <p:nvSpPr>
-          <p:cNvPr id="5" name="Rectangle 4"/>
-          <p:cNvSpPr/>
-          <p:nvPr/>
-        </p:nvSpPr>
-        <p:spPr>
-          <a:xfrm>
-            <a:off x="0" y="2879824"/>
-            <a:ext cx="9144000" cy="1754327"/>
-          </a:xfrm>
-          <a:prstGeom prst="rect">
-            <a:avLst/>
-          </a:prstGeom>
-        </p:spPr>
-        <p:txBody>
-          <a:bodyPr wrap="square">
-            <a:spAutoFit/>
-          </a:bodyPr>
-          <a:lstStyle/>
-          <a:p>
-            <a:r>
-              <a:rPr lang="en-US" dirty="0">
-                <a:solidFill>
-                  <a:srgbClr val="F8F8F2"/>
-                </a:solidFill>
-                <a:latin typeface="Menlo"/>
-              </a:rPr>
-              <a:t> </a:t>
-            </a:r>
-            <a:r>
-              <a:rPr lang="en-US" dirty="0">
-                <a:solidFill>
-                  <a:srgbClr val="F92672"/>
-                </a:solidFill>
-                <a:latin typeface="Menlo"/>
-              </a:rPr>
-              <a:t>&lt;div&gt;</a:t>
-            </a:r>
-            <a:endParaRPr lang="en-US" dirty="0">
-              <a:solidFill>
-                <a:srgbClr val="F8F8F2"/>
-              </a:solidFill>
-              <a:latin typeface="Menlo"/>
-            </a:endParaRPr>
-          </a:p>
-          <a:p>
-            <a:r>
-              <a:rPr lang="de-DE" dirty="0">
-                <a:solidFill>
-                  <a:srgbClr val="F8F8F2"/>
-                </a:solidFill>
-                <a:latin typeface="Menlo"/>
-              </a:rPr>
-              <a:t>    </a:t>
-            </a:r>
-            <a:r>
-              <a:rPr lang="de-DE" dirty="0">
-                <a:solidFill>
-                  <a:srgbClr val="F92672"/>
-                </a:solidFill>
-                <a:latin typeface="Menlo"/>
-              </a:rPr>
-              <a:t>&lt;h2&gt;</a:t>
-            </a:r>
-            <a:r>
-              <a:rPr lang="de-DE" dirty="0">
-                <a:solidFill>
-                  <a:srgbClr val="F8F8F2"/>
-                </a:solidFill>
-                <a:latin typeface="Menlo"/>
-              </a:rPr>
-              <a:t> List Items</a:t>
-            </a:r>
-            <a:r>
-              <a:rPr lang="de-DE" dirty="0">
-                <a:solidFill>
-                  <a:srgbClr val="F92672"/>
-                </a:solidFill>
-                <a:latin typeface="Menlo"/>
-              </a:rPr>
-              <a:t>&lt;/h2&gt;</a:t>
-            </a:r>
-            <a:endParaRPr lang="de-DE" dirty="0">
-              <a:solidFill>
-                <a:srgbClr val="F8F8F2"/>
-              </a:solidFill>
-              <a:latin typeface="Menlo"/>
-            </a:endParaRPr>
-          </a:p>
-          <a:p>
-            <a:r>
-              <a:rPr lang="de-DE" dirty="0">
-                <a:solidFill>
-                  <a:srgbClr val="F8F8F2"/>
-                </a:solidFill>
-                <a:latin typeface="Menlo"/>
-              </a:rPr>
-              <a:t>    </a:t>
-            </a:r>
-            <a:r>
-              <a:rPr lang="de-DE" dirty="0">
-                <a:solidFill>
-                  <a:srgbClr val="F92672"/>
-                </a:solidFill>
-                <a:latin typeface="Menlo"/>
-              </a:rPr>
-              <a:t>&lt;</a:t>
-            </a:r>
-            <a:r>
-              <a:rPr lang="de-DE" dirty="0" err="1">
-                <a:solidFill>
-                  <a:srgbClr val="F92672"/>
-                </a:solidFill>
-                <a:latin typeface="Menlo"/>
-              </a:rPr>
-              <a:t>ul</a:t>
-            </a:r>
-            <a:r>
-              <a:rPr lang="de-DE" dirty="0">
-                <a:solidFill>
-                  <a:srgbClr val="F92672"/>
-                </a:solidFill>
-                <a:latin typeface="Menlo"/>
-              </a:rPr>
-              <a:t>&gt;</a:t>
-            </a:r>
-            <a:endParaRPr lang="de-DE" dirty="0">
-              <a:solidFill>
-                <a:srgbClr val="F8F8F2"/>
-              </a:solidFill>
-              <a:latin typeface="Menlo"/>
-            </a:endParaRPr>
-          </a:p>
-          <a:p>
-            <a:r>
-              <a:rPr lang="de-DE" dirty="0">
-                <a:solidFill>
-                  <a:srgbClr val="F8F8F2"/>
-                </a:solidFill>
-                <a:latin typeface="Menlo"/>
-              </a:rPr>
-              <a:t>      </a:t>
-            </a:r>
-            <a:r>
-              <a:rPr lang="de-DE" dirty="0">
-                <a:solidFill>
-                  <a:srgbClr val="F92672"/>
-                </a:solidFill>
-                <a:latin typeface="Menlo"/>
-              </a:rPr>
-              <a:t>&lt;li</a:t>
-            </a:r>
-            <a:r>
-              <a:rPr lang="de-DE" dirty="0">
-                <a:solidFill>
-                  <a:srgbClr val="F8F8F2"/>
-                </a:solidFill>
-                <a:latin typeface="Menlo"/>
-              </a:rPr>
-              <a:t> </a:t>
-            </a:r>
-            <a:r>
-              <a:rPr lang="de-DE" dirty="0" err="1">
-                <a:solidFill>
-                  <a:srgbClr val="A6E22E"/>
-                </a:solidFill>
-                <a:latin typeface="Menlo"/>
-              </a:rPr>
-              <a:t>ng-repeat</a:t>
-            </a:r>
-            <a:r>
-              <a:rPr lang="de-DE" dirty="0">
-                <a:solidFill>
-                  <a:srgbClr val="A6E22E"/>
-                </a:solidFill>
-                <a:latin typeface="Menlo"/>
-              </a:rPr>
-              <a:t>=</a:t>
-            </a:r>
-            <a:r>
-              <a:rPr lang="de-DE" dirty="0">
-                <a:solidFill>
-                  <a:srgbClr val="E6DB74"/>
-                </a:solidFill>
-                <a:latin typeface="Menlo"/>
-              </a:rPr>
-              <a:t>"item in </a:t>
-            </a:r>
-            <a:r>
-              <a:rPr lang="de-DE" dirty="0" err="1">
-                <a:solidFill>
-                  <a:srgbClr val="E6DB74"/>
-                </a:solidFill>
-                <a:latin typeface="Menlo"/>
-              </a:rPr>
-              <a:t>items</a:t>
-            </a:r>
-            <a:r>
-              <a:rPr lang="de-DE" dirty="0">
-                <a:solidFill>
-                  <a:srgbClr val="E6DB74"/>
-                </a:solidFill>
-                <a:latin typeface="Menlo"/>
-              </a:rPr>
-              <a:t>"</a:t>
-            </a:r>
-            <a:r>
-              <a:rPr lang="de-DE" dirty="0" smtClean="0">
-                <a:solidFill>
-                  <a:srgbClr val="F92672"/>
-                </a:solidFill>
-                <a:latin typeface="Menlo"/>
-              </a:rPr>
-              <a:t>&gt;</a:t>
-            </a:r>
-            <a:r>
-              <a:rPr lang="de-DE" dirty="0" smtClean="0">
-                <a:solidFill>
-                  <a:srgbClr val="F8F8F2"/>
-                </a:solidFill>
-                <a:latin typeface="Menlo"/>
-              </a:rPr>
-              <a:t>{{$</a:t>
-            </a:r>
-            <a:r>
-              <a:rPr lang="de-DE" dirty="0" err="1" smtClean="0">
-                <a:solidFill>
-                  <a:srgbClr val="F8F8F2"/>
-                </a:solidFill>
-                <a:latin typeface="Menlo"/>
-              </a:rPr>
-              <a:t>index</a:t>
-            </a:r>
-            <a:r>
-              <a:rPr lang="de-DE" dirty="0" smtClean="0">
-                <a:solidFill>
-                  <a:srgbClr val="F8F8F2"/>
-                </a:solidFill>
-                <a:latin typeface="Menlo"/>
-              </a:rPr>
-              <a:t>}}: {</a:t>
-            </a:r>
-            <a:r>
-              <a:rPr lang="de-DE" dirty="0" err="1">
-                <a:solidFill>
-                  <a:srgbClr val="F8F8F2"/>
-                </a:solidFill>
-                <a:latin typeface="Menlo"/>
-              </a:rPr>
-              <a:t>item.name</a:t>
-            </a:r>
-            <a:r>
-              <a:rPr lang="de-DE" dirty="0">
-                <a:solidFill>
-                  <a:srgbClr val="F8F8F2"/>
-                </a:solidFill>
-                <a:latin typeface="Menlo"/>
-              </a:rPr>
-              <a:t>}}</a:t>
-            </a:r>
-            <a:r>
-              <a:rPr lang="de-DE" dirty="0">
-                <a:solidFill>
-                  <a:srgbClr val="F92672"/>
-                </a:solidFill>
-                <a:latin typeface="Menlo"/>
-              </a:rPr>
-              <a:t>&lt;/li&gt;</a:t>
-            </a:r>
-            <a:endParaRPr lang="de-DE" dirty="0">
-              <a:solidFill>
-                <a:srgbClr val="F8F8F2"/>
-              </a:solidFill>
-              <a:latin typeface="Menlo"/>
-            </a:endParaRPr>
-          </a:p>
-          <a:p>
-            <a:r>
-              <a:rPr lang="de-DE" dirty="0">
-                <a:solidFill>
-                  <a:srgbClr val="F8F8F2"/>
-                </a:solidFill>
-                <a:latin typeface="Menlo"/>
-              </a:rPr>
-              <a:t>    </a:t>
-            </a:r>
-            <a:r>
-              <a:rPr lang="de-DE" dirty="0">
-                <a:solidFill>
-                  <a:srgbClr val="F92672"/>
-                </a:solidFill>
-                <a:latin typeface="Menlo"/>
-              </a:rPr>
-              <a:t>&lt;/</a:t>
-            </a:r>
-            <a:r>
-              <a:rPr lang="de-DE" dirty="0" err="1">
-                <a:solidFill>
-                  <a:srgbClr val="F92672"/>
-                </a:solidFill>
-                <a:latin typeface="Menlo"/>
-              </a:rPr>
-              <a:t>ul</a:t>
-            </a:r>
-            <a:r>
-              <a:rPr lang="de-DE" dirty="0">
-                <a:solidFill>
-                  <a:srgbClr val="F92672"/>
-                </a:solidFill>
-                <a:latin typeface="Menlo"/>
-              </a:rPr>
-              <a:t>&gt;</a:t>
-            </a:r>
-            <a:endParaRPr lang="de-DE" dirty="0">
-              <a:solidFill>
-                <a:srgbClr val="F8F8F2"/>
-              </a:solidFill>
-              <a:latin typeface="Menlo"/>
-            </a:endParaRPr>
-          </a:p>
-          <a:p>
-            <a:r>
-              <a:rPr lang="de-DE" dirty="0">
-                <a:solidFill>
-                  <a:srgbClr val="F8F8F2"/>
-                </a:solidFill>
-                <a:latin typeface="Menlo"/>
-              </a:rPr>
-              <a:t>  </a:t>
-            </a:r>
-            <a:r>
-              <a:rPr lang="de-DE" dirty="0">
-                <a:solidFill>
-                  <a:srgbClr val="F92672"/>
-                </a:solidFill>
-                <a:latin typeface="Menlo"/>
-              </a:rPr>
-              <a:t>&lt;/div&gt;</a:t>
-            </a:r>
-            <a:endParaRPr lang="en-US" dirty="0"/>
-          </a:p>
-        </p:txBody>
-      </p:sp>
-    </p:spTree>
-    <p:extLst>
-      <p:ext uri="{BB962C8B-B14F-4D97-AF65-F5344CB8AC3E}">
-        <p14:creationId xmlns:p14="http://schemas.microsoft.com/office/powerpoint/2010/main" val="2194702129"/>
-      </p:ext>
-    </p:extLst>
-  </p:cSld>
-  <p:clrMapOvr>
-    <a:masterClrMapping/>
-  </p:clrMapOvr>
-</p:sld>
-</file>
-
-<file path=ppt/slides/slide38.xml><?xml version="1.0" encoding="utf-8"?>
-<p:sld xmlns:a="http://schemas.openxmlformats.org/drawingml/2006/main" xmlns:r="http://schemas.openxmlformats.org/officeDocument/2006/relationships" xmlns:p="http://schemas.openxmlformats.org/presentationml/2006/main">
-  <p:cSld>
-    <p:spTree>
-      <p:nvGrpSpPr>
-        <p:cNvPr id="1" name=""/>
-        <p:cNvGrpSpPr/>
-        <p:nvPr/>
-      </p:nvGrpSpPr>
-      <p:grpSpPr>
-        <a:xfrm>
-          <a:off x="0" y="0"/>
-          <a:ext cx="0" cy="0"/>
-          <a:chOff x="0" y="0"/>
-          <a:chExt cx="0" cy="0"/>
-        </a:xfrm>
-      </p:grpSpPr>
-      <p:sp>
-        <p:nvSpPr>
-          <p:cNvPr id="2" name="Title 1"/>
-          <p:cNvSpPr>
-            <a:spLocks noGrp="1"/>
-          </p:cNvSpPr>
-          <p:nvPr>
-            <p:ph type="title"/>
-          </p:nvPr>
-        </p:nvSpPr>
-        <p:spPr/>
-        <p:txBody>
-          <a:bodyPr/>
-          <a:lstStyle/>
-          <a:p>
-            <a:r>
-              <a:rPr lang="en-US" dirty="0" smtClean="0"/>
-              <a:t>Filters</a:t>
-            </a:r>
-            <a:endParaRPr lang="en-US" dirty="0"/>
-          </a:p>
-        </p:txBody>
-      </p:sp>
-      <p:sp>
-        <p:nvSpPr>
-          <p:cNvPr id="3" name="Content Placeholder 2"/>
-          <p:cNvSpPr>
-            <a:spLocks noGrp="1"/>
-          </p:cNvSpPr>
-          <p:nvPr>
-            <p:ph idx="1"/>
-          </p:nvPr>
-        </p:nvSpPr>
-        <p:spPr/>
-        <p:txBody>
-          <a:bodyPr>
-            <a:normAutofit/>
-          </a:bodyPr>
-          <a:lstStyle/>
-          <a:p>
-            <a:r>
-              <a:rPr lang="en-US" dirty="0" smtClean="0"/>
-              <a:t>Formats value of an expression for display</a:t>
-            </a:r>
-          </a:p>
-          <a:p>
-            <a:pPr lvl="1"/>
-            <a:r>
-              <a:rPr lang="en-US" dirty="0" smtClean="0"/>
-              <a:t>Can be used for object to string transformations, or for filtering lists of values</a:t>
-            </a:r>
-          </a:p>
-          <a:p>
-            <a:r>
-              <a:rPr lang="en-US" dirty="0" smtClean="0"/>
-              <a:t>Take in a value, return a value</a:t>
-            </a:r>
-          </a:p>
-          <a:p>
-            <a:r>
-              <a:rPr lang="en-US" dirty="0" smtClean="0"/>
-              <a:t>Built in</a:t>
-            </a:r>
-            <a:r>
-              <a:rPr lang="en-US" dirty="0" smtClean="0"/>
-              <a:t>: date, currency, filter, </a:t>
-            </a:r>
-            <a:r>
-              <a:rPr lang="en-US" dirty="0" err="1" smtClean="0"/>
-              <a:t>json</a:t>
-            </a:r>
-            <a:r>
-              <a:rPr lang="en-US" dirty="0" smtClean="0"/>
-              <a:t>, </a:t>
-            </a:r>
-            <a:r>
-              <a:rPr lang="en-US" dirty="0" err="1" smtClean="0"/>
-              <a:t>limitTo</a:t>
-            </a:r>
-            <a:r>
-              <a:rPr lang="en-US" dirty="0" smtClean="0"/>
-              <a:t>, lowercase, number, </a:t>
-            </a:r>
-            <a:r>
-              <a:rPr lang="en-US" dirty="0" err="1" smtClean="0"/>
-              <a:t>orderBy</a:t>
-            </a:r>
-            <a:r>
-              <a:rPr lang="en-US" dirty="0" smtClean="0"/>
-              <a:t>, uppercase</a:t>
-            </a:r>
-          </a:p>
-        </p:txBody>
-      </p:sp>
-    </p:spTree>
-    <p:extLst>
-      <p:ext uri="{BB962C8B-B14F-4D97-AF65-F5344CB8AC3E}">
-        <p14:creationId xmlns:p14="http://schemas.microsoft.com/office/powerpoint/2010/main" val="2285657117"/>
-      </p:ext>
-    </p:extLst>
-  </p:cSld>
-  <p:clrMapOvr>
-    <a:masterClrMapping/>
-  </p:clrMapOvr>
-</p:sld>
-</file>
-
-<file path=ppt/slides/slide39.xml><?xml version="1.0" encoding="utf-8"?>
-<p:sld xmlns:a="http://schemas.openxmlformats.org/drawingml/2006/main" xmlns:r="http://schemas.openxmlformats.org/officeDocument/2006/relationships" xmlns:p="http://schemas.openxmlformats.org/presentationml/2006/main">
-  <p:cSld>
-    <p:spTree>
-      <p:nvGrpSpPr>
-        <p:cNvPr id="1" name=""/>
-        <p:cNvGrpSpPr/>
-        <p:nvPr/>
-      </p:nvGrpSpPr>
-      <p:grpSpPr>
-        <a:xfrm>
-          <a:off x="0" y="0"/>
-          <a:ext cx="0" cy="0"/>
-          <a:chOff x="0" y="0"/>
-          <a:chExt cx="0" cy="0"/>
-        </a:xfrm>
-      </p:grpSpPr>
-      <p:sp>
-        <p:nvSpPr>
-          <p:cNvPr id="4" name="Rectangle 3"/>
-          <p:cNvSpPr/>
-          <p:nvPr/>
-        </p:nvSpPr>
-        <p:spPr>
-          <a:xfrm>
-            <a:off x="634977" y="3129395"/>
-            <a:ext cx="7951797" cy="3139321"/>
-          </a:xfrm>
-          <a:prstGeom prst="rect">
-            <a:avLst/>
-          </a:prstGeom>
-        </p:spPr>
-        <p:txBody>
-          <a:bodyPr wrap="square">
-            <a:spAutoFit/>
-          </a:bodyPr>
-          <a:lstStyle/>
-          <a:p>
-            <a:endParaRPr lang="en-US" dirty="0" smtClean="0">
-              <a:solidFill>
-                <a:srgbClr val="F92672"/>
-              </a:solidFill>
-              <a:latin typeface="Menlo"/>
-            </a:endParaRPr>
-          </a:p>
-          <a:p>
-            <a:r>
-              <a:rPr lang="en-US" dirty="0" smtClean="0">
-                <a:solidFill>
-                  <a:srgbClr val="F92672"/>
-                </a:solidFill>
-                <a:latin typeface="Menlo"/>
-              </a:rPr>
-              <a:t>&lt;</a:t>
-            </a:r>
-            <a:r>
-              <a:rPr lang="en-US" dirty="0">
-                <a:solidFill>
-                  <a:srgbClr val="F92672"/>
-                </a:solidFill>
-                <a:latin typeface="Menlo"/>
-              </a:rPr>
-              <a:t>div&gt;</a:t>
-            </a:r>
-            <a:endParaRPr lang="en-US" dirty="0">
-              <a:solidFill>
-                <a:srgbClr val="F8F8F2"/>
-              </a:solidFill>
-              <a:latin typeface="Menlo"/>
-            </a:endParaRPr>
-          </a:p>
-          <a:p>
-            <a:r>
-              <a:rPr lang="de-DE" dirty="0">
-                <a:solidFill>
-                  <a:srgbClr val="F8F8F2"/>
-                </a:solidFill>
-                <a:latin typeface="Menlo"/>
-              </a:rPr>
-              <a:t>    </a:t>
-            </a:r>
-            <a:r>
-              <a:rPr lang="de-DE" dirty="0">
-                <a:solidFill>
-                  <a:srgbClr val="F92672"/>
-                </a:solidFill>
-                <a:latin typeface="Menlo"/>
-              </a:rPr>
-              <a:t>&lt;h2&gt;</a:t>
-            </a:r>
-            <a:r>
-              <a:rPr lang="de-DE" dirty="0">
-                <a:solidFill>
-                  <a:srgbClr val="F8F8F2"/>
-                </a:solidFill>
-                <a:latin typeface="Menlo"/>
-              </a:rPr>
-              <a:t> List Items</a:t>
-            </a:r>
-            <a:r>
-              <a:rPr lang="de-DE" dirty="0">
-                <a:solidFill>
-                  <a:srgbClr val="F92672"/>
-                </a:solidFill>
-                <a:latin typeface="Menlo"/>
-              </a:rPr>
-              <a:t>&lt;/h2&gt;</a:t>
-            </a:r>
-            <a:endParaRPr lang="de-DE" dirty="0">
-              <a:solidFill>
-                <a:srgbClr val="F8F8F2"/>
-              </a:solidFill>
-              <a:latin typeface="Menlo"/>
-            </a:endParaRPr>
-          </a:p>
-          <a:p>
-            <a:r>
-              <a:rPr lang="de-DE" dirty="0">
-                <a:solidFill>
-                  <a:srgbClr val="F8F8F2"/>
-                </a:solidFill>
-                <a:latin typeface="Menlo"/>
-              </a:rPr>
-              <a:t>    </a:t>
-            </a:r>
-            <a:r>
-              <a:rPr lang="de-DE" dirty="0">
-                <a:solidFill>
-                  <a:srgbClr val="F92672"/>
-                </a:solidFill>
-                <a:latin typeface="Menlo"/>
-              </a:rPr>
-              <a:t>&lt;div&gt;</a:t>
-            </a:r>
-            <a:endParaRPr lang="de-DE" dirty="0">
-              <a:solidFill>
-                <a:srgbClr val="F8F8F2"/>
-              </a:solidFill>
-              <a:latin typeface="Menlo"/>
-            </a:endParaRPr>
-          </a:p>
-          <a:p>
-            <a:r>
-              <a:rPr lang="de-DE" dirty="0">
-                <a:solidFill>
-                  <a:srgbClr val="F8F8F2"/>
-                </a:solidFill>
-                <a:latin typeface="Menlo"/>
-              </a:rPr>
-              <a:t>      </a:t>
-            </a:r>
-            <a:r>
-              <a:rPr lang="de-DE" dirty="0">
-                <a:solidFill>
-                  <a:srgbClr val="F92672"/>
-                </a:solidFill>
-                <a:latin typeface="Menlo"/>
-              </a:rPr>
-              <a:t>&lt;</a:t>
-            </a:r>
-            <a:r>
-              <a:rPr lang="de-DE" dirty="0" err="1">
-                <a:solidFill>
-                  <a:srgbClr val="F92672"/>
-                </a:solidFill>
-                <a:latin typeface="Menlo"/>
-              </a:rPr>
-              <a:t>label</a:t>
-            </a:r>
-            <a:r>
-              <a:rPr lang="de-DE" dirty="0">
-                <a:solidFill>
-                  <a:srgbClr val="F8F8F2"/>
-                </a:solidFill>
-                <a:latin typeface="Menlo"/>
-              </a:rPr>
-              <a:t> </a:t>
-            </a:r>
-            <a:r>
-              <a:rPr lang="de-DE" dirty="0" err="1">
-                <a:solidFill>
-                  <a:srgbClr val="A6E22E"/>
-                </a:solidFill>
-                <a:latin typeface="Menlo"/>
-              </a:rPr>
-              <a:t>for</a:t>
-            </a:r>
-            <a:r>
-              <a:rPr lang="de-DE" dirty="0">
-                <a:solidFill>
-                  <a:srgbClr val="A6E22E"/>
-                </a:solidFill>
-                <a:latin typeface="Menlo"/>
-              </a:rPr>
-              <a:t>=</a:t>
-            </a:r>
-            <a:r>
-              <a:rPr lang="de-DE" dirty="0">
-                <a:solidFill>
-                  <a:srgbClr val="E6DB74"/>
-                </a:solidFill>
-                <a:latin typeface="Menlo"/>
-              </a:rPr>
-              <a:t>"</a:t>
-            </a:r>
-            <a:r>
-              <a:rPr lang="de-DE" dirty="0" err="1">
-                <a:solidFill>
-                  <a:srgbClr val="E6DB74"/>
-                </a:solidFill>
-                <a:latin typeface="Menlo"/>
-              </a:rPr>
-              <a:t>query</a:t>
-            </a:r>
-            <a:r>
-              <a:rPr lang="de-DE" dirty="0">
-                <a:solidFill>
-                  <a:srgbClr val="E6DB74"/>
-                </a:solidFill>
-                <a:latin typeface="Menlo"/>
-              </a:rPr>
-              <a:t>"</a:t>
-            </a:r>
-            <a:r>
-              <a:rPr lang="de-DE" dirty="0">
-                <a:solidFill>
-                  <a:srgbClr val="F92672"/>
-                </a:solidFill>
-                <a:latin typeface="Menlo"/>
-              </a:rPr>
-              <a:t>&gt;</a:t>
-            </a:r>
-            <a:r>
-              <a:rPr lang="de-DE" dirty="0" smtClean="0">
-                <a:solidFill>
-                  <a:srgbClr val="F8F8F2"/>
-                </a:solidFill>
-                <a:latin typeface="Menlo"/>
-              </a:rPr>
-              <a:t>Query: </a:t>
-            </a:r>
-            <a:r>
-              <a:rPr lang="de-DE" dirty="0">
-                <a:solidFill>
-                  <a:srgbClr val="F92672"/>
-                </a:solidFill>
-                <a:latin typeface="Menlo"/>
-              </a:rPr>
-              <a:t>&lt;/</a:t>
-            </a:r>
-            <a:r>
-              <a:rPr lang="de-DE" dirty="0" err="1">
-                <a:solidFill>
-                  <a:srgbClr val="F92672"/>
-                </a:solidFill>
-                <a:latin typeface="Menlo"/>
-              </a:rPr>
-              <a:t>label</a:t>
-            </a:r>
-            <a:r>
-              <a:rPr lang="de-DE" dirty="0">
-                <a:solidFill>
-                  <a:srgbClr val="F92672"/>
-                </a:solidFill>
-                <a:latin typeface="Menlo"/>
-              </a:rPr>
-              <a:t>&gt;</a:t>
-            </a:r>
-            <a:endParaRPr lang="de-DE" dirty="0">
-              <a:solidFill>
-                <a:srgbClr val="F8F8F2"/>
-              </a:solidFill>
-              <a:latin typeface="Menlo"/>
-            </a:endParaRPr>
-          </a:p>
-          <a:p>
-            <a:r>
-              <a:rPr lang="de-DE" dirty="0">
-                <a:solidFill>
-                  <a:srgbClr val="F8F8F2"/>
-                </a:solidFill>
-                <a:latin typeface="Menlo"/>
-              </a:rPr>
-              <a:t>      </a:t>
-            </a:r>
-            <a:r>
-              <a:rPr lang="de-DE" dirty="0">
-                <a:solidFill>
-                  <a:srgbClr val="F92672"/>
-                </a:solidFill>
-                <a:latin typeface="Menlo"/>
-              </a:rPr>
-              <a:t>&lt;</a:t>
-            </a:r>
-            <a:r>
-              <a:rPr lang="de-DE" dirty="0" err="1">
-                <a:solidFill>
-                  <a:srgbClr val="F92672"/>
-                </a:solidFill>
-                <a:latin typeface="Menlo"/>
-              </a:rPr>
-              <a:t>input</a:t>
-            </a:r>
-            <a:r>
-              <a:rPr lang="de-DE" dirty="0">
-                <a:solidFill>
-                  <a:srgbClr val="F8F8F2"/>
-                </a:solidFill>
-                <a:latin typeface="Menlo"/>
-              </a:rPr>
-              <a:t> </a:t>
-            </a:r>
-            <a:r>
-              <a:rPr lang="de-DE" dirty="0">
-                <a:solidFill>
-                  <a:srgbClr val="A6E22E"/>
-                </a:solidFill>
-                <a:latin typeface="Menlo"/>
-              </a:rPr>
-              <a:t>type=</a:t>
-            </a:r>
-            <a:r>
-              <a:rPr lang="de-DE" dirty="0">
-                <a:solidFill>
-                  <a:srgbClr val="E6DB74"/>
-                </a:solidFill>
-                <a:latin typeface="Menlo"/>
-              </a:rPr>
-              <a:t>"</a:t>
-            </a:r>
-            <a:r>
-              <a:rPr lang="de-DE" dirty="0" err="1">
-                <a:solidFill>
-                  <a:srgbClr val="E6DB74"/>
-                </a:solidFill>
-                <a:latin typeface="Menlo"/>
-              </a:rPr>
-              <a:t>text</a:t>
-            </a:r>
-            <a:r>
-              <a:rPr lang="de-DE" dirty="0">
-                <a:solidFill>
-                  <a:srgbClr val="E6DB74"/>
-                </a:solidFill>
-                <a:latin typeface="Menlo"/>
-              </a:rPr>
-              <a:t>"</a:t>
-            </a:r>
-            <a:r>
-              <a:rPr lang="de-DE" dirty="0">
-                <a:solidFill>
-                  <a:srgbClr val="F8F8F2"/>
-                </a:solidFill>
-                <a:latin typeface="Menlo"/>
-              </a:rPr>
-              <a:t> </a:t>
-            </a:r>
-            <a:r>
-              <a:rPr lang="de-DE" dirty="0" err="1">
-                <a:solidFill>
-                  <a:srgbClr val="A6E22E"/>
-                </a:solidFill>
-                <a:latin typeface="Menlo"/>
-              </a:rPr>
-              <a:t>id</a:t>
-            </a:r>
-            <a:r>
-              <a:rPr lang="de-DE" dirty="0">
-                <a:solidFill>
-                  <a:srgbClr val="A6E22E"/>
-                </a:solidFill>
-                <a:latin typeface="Menlo"/>
-              </a:rPr>
-              <a:t>=</a:t>
-            </a:r>
-            <a:r>
-              <a:rPr lang="de-DE" dirty="0">
-                <a:solidFill>
-                  <a:srgbClr val="E6DB74"/>
-                </a:solidFill>
-                <a:latin typeface="Menlo"/>
-              </a:rPr>
-              <a:t>"</a:t>
-            </a:r>
-            <a:r>
-              <a:rPr lang="de-DE" dirty="0" err="1">
-                <a:solidFill>
-                  <a:srgbClr val="E6DB74"/>
-                </a:solidFill>
-                <a:latin typeface="Menlo"/>
-              </a:rPr>
-              <a:t>query</a:t>
-            </a:r>
-            <a:r>
-              <a:rPr lang="de-DE" dirty="0">
-                <a:solidFill>
-                  <a:srgbClr val="E6DB74"/>
-                </a:solidFill>
-                <a:latin typeface="Menlo"/>
-              </a:rPr>
-              <a:t>"</a:t>
-            </a:r>
-            <a:r>
-              <a:rPr lang="de-DE" dirty="0">
-                <a:solidFill>
-                  <a:srgbClr val="F8F8F2"/>
-                </a:solidFill>
-                <a:latin typeface="Menlo"/>
-              </a:rPr>
-              <a:t> </a:t>
-            </a:r>
-            <a:r>
-              <a:rPr lang="de-DE" dirty="0" err="1">
-                <a:solidFill>
-                  <a:srgbClr val="A6E22E"/>
-                </a:solidFill>
-                <a:latin typeface="Menlo"/>
-              </a:rPr>
-              <a:t>ng</a:t>
-            </a:r>
-            <a:r>
-              <a:rPr lang="de-DE" dirty="0">
-                <a:solidFill>
-                  <a:srgbClr val="A6E22E"/>
-                </a:solidFill>
-                <a:latin typeface="Menlo"/>
-              </a:rPr>
-              <a:t>-model=</a:t>
-            </a:r>
-            <a:r>
-              <a:rPr lang="de-DE" dirty="0">
-                <a:solidFill>
-                  <a:srgbClr val="E6DB74"/>
-                </a:solidFill>
-                <a:latin typeface="Menlo"/>
-              </a:rPr>
-              <a:t>"</a:t>
-            </a:r>
-            <a:r>
-              <a:rPr lang="de-DE" dirty="0" err="1">
-                <a:solidFill>
-                  <a:srgbClr val="E6DB74"/>
-                </a:solidFill>
-                <a:latin typeface="Menlo"/>
-              </a:rPr>
-              <a:t>query</a:t>
-            </a:r>
-            <a:r>
-              <a:rPr lang="de-DE" dirty="0">
-                <a:solidFill>
-                  <a:srgbClr val="E6DB74"/>
-                </a:solidFill>
-                <a:latin typeface="Menlo"/>
-              </a:rPr>
-              <a:t>"</a:t>
-            </a:r>
-            <a:r>
-              <a:rPr lang="de-DE" dirty="0">
-                <a:solidFill>
-                  <a:srgbClr val="F92672"/>
-                </a:solidFill>
-                <a:latin typeface="Menlo"/>
-              </a:rPr>
-              <a:t>/&gt;</a:t>
-            </a:r>
-            <a:endParaRPr lang="de-DE" dirty="0">
-              <a:solidFill>
-                <a:srgbClr val="F8F8F2"/>
-              </a:solidFill>
-              <a:latin typeface="Menlo"/>
-            </a:endParaRPr>
-          </a:p>
-          <a:p>
-            <a:r>
-              <a:rPr lang="de-DE" dirty="0">
-                <a:solidFill>
-                  <a:srgbClr val="F8F8F2"/>
-                </a:solidFill>
-                <a:latin typeface="Menlo"/>
-              </a:rPr>
-              <a:t>    </a:t>
-            </a:r>
-            <a:r>
-              <a:rPr lang="de-DE" dirty="0">
-                <a:solidFill>
-                  <a:srgbClr val="F92672"/>
-                </a:solidFill>
-                <a:latin typeface="Menlo"/>
-              </a:rPr>
-              <a:t>&lt;</a:t>
-            </a:r>
-            <a:r>
-              <a:rPr lang="de-DE" dirty="0" err="1">
-                <a:solidFill>
-                  <a:srgbClr val="F92672"/>
-                </a:solidFill>
-                <a:latin typeface="Menlo"/>
-              </a:rPr>
-              <a:t>ul</a:t>
-            </a:r>
-            <a:r>
-              <a:rPr lang="de-DE" dirty="0">
-                <a:solidFill>
-                  <a:srgbClr val="F92672"/>
-                </a:solidFill>
-                <a:latin typeface="Menlo"/>
-              </a:rPr>
-              <a:t>&gt;</a:t>
-            </a:r>
-            <a:endParaRPr lang="de-DE" dirty="0">
-              <a:solidFill>
-                <a:srgbClr val="F8F8F2"/>
-              </a:solidFill>
-              <a:latin typeface="Menlo"/>
-            </a:endParaRPr>
-          </a:p>
-          <a:p>
-            <a:r>
-              <a:rPr lang="de-DE" dirty="0">
-                <a:solidFill>
-                  <a:srgbClr val="F8F8F2"/>
-                </a:solidFill>
-                <a:latin typeface="Menlo"/>
-              </a:rPr>
-              <a:t>      </a:t>
-            </a:r>
-            <a:r>
-              <a:rPr lang="de-DE" dirty="0">
-                <a:solidFill>
-                  <a:srgbClr val="F92672"/>
-                </a:solidFill>
-                <a:latin typeface="Menlo"/>
-              </a:rPr>
-              <a:t>&lt;li</a:t>
-            </a:r>
-            <a:r>
-              <a:rPr lang="de-DE" dirty="0">
-                <a:solidFill>
-                  <a:srgbClr val="F8F8F2"/>
-                </a:solidFill>
-                <a:latin typeface="Menlo"/>
-              </a:rPr>
-              <a:t> </a:t>
-            </a:r>
-            <a:r>
-              <a:rPr lang="de-DE" dirty="0" err="1">
-                <a:solidFill>
-                  <a:srgbClr val="A6E22E"/>
-                </a:solidFill>
-                <a:latin typeface="Menlo"/>
-              </a:rPr>
-              <a:t>ng-repeat</a:t>
-            </a:r>
-            <a:r>
-              <a:rPr lang="de-DE" dirty="0">
-                <a:solidFill>
-                  <a:srgbClr val="A6E22E"/>
-                </a:solidFill>
-                <a:latin typeface="Menlo"/>
-              </a:rPr>
-              <a:t>=</a:t>
-            </a:r>
-            <a:r>
-              <a:rPr lang="de-DE" dirty="0">
-                <a:solidFill>
-                  <a:srgbClr val="E6DB74"/>
-                </a:solidFill>
-                <a:latin typeface="Menlo"/>
-              </a:rPr>
-              <a:t>"item in </a:t>
-            </a:r>
-            <a:r>
-              <a:rPr lang="de-DE" dirty="0" err="1">
-                <a:solidFill>
-                  <a:srgbClr val="E6DB74"/>
-                </a:solidFill>
-                <a:latin typeface="Menlo"/>
-              </a:rPr>
-              <a:t>items</a:t>
-            </a:r>
-            <a:r>
-              <a:rPr lang="de-DE" dirty="0">
-                <a:solidFill>
-                  <a:srgbClr val="E6DB74"/>
-                </a:solidFill>
-                <a:latin typeface="Menlo"/>
-              </a:rPr>
-              <a:t> | </a:t>
-            </a:r>
-            <a:r>
-              <a:rPr lang="de-DE" dirty="0" err="1">
-                <a:solidFill>
-                  <a:srgbClr val="E6DB74"/>
-                </a:solidFill>
-                <a:latin typeface="Menlo"/>
-              </a:rPr>
-              <a:t>filter:query</a:t>
-            </a:r>
-            <a:r>
-              <a:rPr lang="de-DE" dirty="0">
-                <a:solidFill>
-                  <a:srgbClr val="E6DB74"/>
-                </a:solidFill>
-                <a:latin typeface="Menlo"/>
-              </a:rPr>
-              <a:t>"</a:t>
-            </a:r>
-            <a:r>
-              <a:rPr lang="de-DE" dirty="0">
-                <a:solidFill>
-                  <a:srgbClr val="F92672"/>
-                </a:solidFill>
-                <a:latin typeface="Menlo"/>
-              </a:rPr>
-              <a:t>&gt;</a:t>
-            </a:r>
-            <a:r>
-              <a:rPr lang="de-DE" dirty="0">
-                <a:solidFill>
-                  <a:srgbClr val="F8F8F2"/>
-                </a:solidFill>
-                <a:latin typeface="Menlo"/>
-              </a:rPr>
-              <a:t>{{$</a:t>
-            </a:r>
-            <a:r>
-              <a:rPr lang="de-DE" dirty="0" err="1">
-                <a:solidFill>
-                  <a:srgbClr val="F8F8F2"/>
-                </a:solidFill>
-                <a:latin typeface="Menlo"/>
-              </a:rPr>
-              <a:t>index</a:t>
-            </a:r>
-            <a:r>
-              <a:rPr lang="de-DE" dirty="0">
-                <a:solidFill>
-                  <a:srgbClr val="F8F8F2"/>
-                </a:solidFill>
-                <a:latin typeface="Menlo"/>
-              </a:rPr>
-              <a:t>}}: {{</a:t>
-            </a:r>
-            <a:r>
-              <a:rPr lang="de-DE" dirty="0" err="1">
-                <a:solidFill>
-                  <a:srgbClr val="F8F8F2"/>
-                </a:solidFill>
-                <a:latin typeface="Menlo"/>
-              </a:rPr>
-              <a:t>item.name</a:t>
-            </a:r>
-            <a:r>
-              <a:rPr lang="de-DE" dirty="0">
-                <a:solidFill>
-                  <a:srgbClr val="F8F8F2"/>
-                </a:solidFill>
-                <a:latin typeface="Menlo"/>
-              </a:rPr>
-              <a:t>}}</a:t>
-            </a:r>
-            <a:r>
-              <a:rPr lang="de-DE" dirty="0">
-                <a:solidFill>
-                  <a:srgbClr val="F92672"/>
-                </a:solidFill>
-                <a:latin typeface="Menlo"/>
-              </a:rPr>
-              <a:t>&lt;/li&gt;</a:t>
-            </a:r>
-            <a:endParaRPr lang="de-DE" dirty="0">
-              <a:solidFill>
-                <a:srgbClr val="F8F8F2"/>
-              </a:solidFill>
-              <a:latin typeface="Menlo"/>
-            </a:endParaRPr>
-          </a:p>
-          <a:p>
-            <a:r>
-              <a:rPr lang="de-DE" dirty="0">
-                <a:solidFill>
-                  <a:srgbClr val="F8F8F2"/>
-                </a:solidFill>
-                <a:latin typeface="Menlo"/>
-              </a:rPr>
-              <a:t>    </a:t>
-            </a:r>
-            <a:r>
-              <a:rPr lang="de-DE" dirty="0">
-                <a:solidFill>
-                  <a:srgbClr val="F92672"/>
-                </a:solidFill>
-                <a:latin typeface="Menlo"/>
-              </a:rPr>
-              <a:t>&lt;/</a:t>
-            </a:r>
-            <a:r>
-              <a:rPr lang="de-DE" dirty="0" err="1">
-                <a:solidFill>
-                  <a:srgbClr val="F92672"/>
-                </a:solidFill>
-                <a:latin typeface="Menlo"/>
-              </a:rPr>
-              <a:t>ul</a:t>
-            </a:r>
-            <a:r>
-              <a:rPr lang="de-DE" dirty="0">
-                <a:solidFill>
-                  <a:srgbClr val="F92672"/>
-                </a:solidFill>
-                <a:latin typeface="Menlo"/>
-              </a:rPr>
-              <a:t>&gt;</a:t>
-            </a:r>
-            <a:endParaRPr lang="de-DE" dirty="0">
-              <a:solidFill>
-                <a:srgbClr val="F8F8F2"/>
-              </a:solidFill>
-              <a:latin typeface="Menlo"/>
-            </a:endParaRPr>
-          </a:p>
-          <a:p>
-            <a:r>
-              <a:rPr lang="de-DE" dirty="0">
-                <a:solidFill>
-                  <a:srgbClr val="F8F8F2"/>
-                </a:solidFill>
-                <a:latin typeface="Menlo"/>
-              </a:rPr>
-              <a:t>  </a:t>
-            </a:r>
-            <a:r>
-              <a:rPr lang="de-DE" dirty="0">
-                <a:solidFill>
-                  <a:srgbClr val="F92672"/>
-                </a:solidFill>
-                <a:latin typeface="Menlo"/>
-              </a:rPr>
-              <a:t>&lt;/div&gt;</a:t>
-            </a:r>
-            <a:endParaRPr lang="de-DE" dirty="0">
-              <a:solidFill>
-                <a:srgbClr val="F8F8F2"/>
-              </a:solidFill>
-              <a:latin typeface="Menlo"/>
-            </a:endParaRPr>
-          </a:p>
-        </p:txBody>
-      </p:sp>
-      <p:sp>
-        <p:nvSpPr>
-          <p:cNvPr id="5" name="Rectangle 4"/>
-          <p:cNvSpPr/>
-          <p:nvPr/>
-        </p:nvSpPr>
-        <p:spPr>
-          <a:xfrm>
-            <a:off x="634977" y="571004"/>
-            <a:ext cx="7343934" cy="369332"/>
-          </a:xfrm>
-          <a:prstGeom prst="rect">
-            <a:avLst/>
-          </a:prstGeom>
-        </p:spPr>
-        <p:txBody>
-          <a:bodyPr wrap="square">
-            <a:spAutoFit/>
-          </a:bodyPr>
-          <a:lstStyle/>
-          <a:p>
-            <a:r>
-              <a:rPr lang="en-US" dirty="0">
-                <a:solidFill>
-                  <a:srgbClr val="A6E22E"/>
-                </a:solidFill>
-                <a:latin typeface="Menlo"/>
-              </a:rPr>
-              <a:t>$</a:t>
-            </a:r>
-            <a:r>
-              <a:rPr lang="en-US" dirty="0" err="1">
-                <a:solidFill>
-                  <a:srgbClr val="A6E22E"/>
-                </a:solidFill>
-                <a:latin typeface="Menlo"/>
-              </a:rPr>
-              <a:t>scope</a:t>
-            </a:r>
-            <a:r>
-              <a:rPr lang="en-US" dirty="0" err="1">
-                <a:solidFill>
-                  <a:srgbClr val="F8F8F2"/>
-                </a:solidFill>
-                <a:latin typeface="Menlo"/>
-              </a:rPr>
-              <a:t>.</a:t>
-            </a:r>
-            <a:r>
-              <a:rPr lang="en-US" dirty="0" err="1">
-                <a:solidFill>
-                  <a:srgbClr val="A6E22E"/>
-                </a:solidFill>
-                <a:latin typeface="Menlo"/>
-              </a:rPr>
-              <a:t>now</a:t>
-            </a:r>
-            <a:r>
-              <a:rPr lang="en-US" dirty="0">
-                <a:solidFill>
-                  <a:srgbClr val="F8F8F2"/>
-                </a:solidFill>
-                <a:latin typeface="Menlo"/>
-              </a:rPr>
-              <a:t> </a:t>
-            </a:r>
-            <a:r>
-              <a:rPr lang="en-US" dirty="0">
-                <a:solidFill>
-                  <a:srgbClr val="F92672"/>
-                </a:solidFill>
-                <a:latin typeface="Menlo"/>
-              </a:rPr>
-              <a:t>=</a:t>
-            </a:r>
-            <a:r>
-              <a:rPr lang="en-US" dirty="0">
-                <a:solidFill>
-                  <a:srgbClr val="F8F8F2"/>
-                </a:solidFill>
-                <a:latin typeface="Menlo"/>
-              </a:rPr>
-              <a:t> </a:t>
-            </a:r>
-            <a:r>
-              <a:rPr lang="en-US" dirty="0">
-                <a:solidFill>
-                  <a:srgbClr val="66D9EF"/>
-                </a:solidFill>
-                <a:latin typeface="Menlo"/>
-              </a:rPr>
-              <a:t>new</a:t>
-            </a:r>
-            <a:r>
-              <a:rPr lang="en-US" dirty="0">
-                <a:solidFill>
-                  <a:srgbClr val="F8F8F2"/>
-                </a:solidFill>
-                <a:latin typeface="Menlo"/>
-              </a:rPr>
-              <a:t> Date()</a:t>
-            </a:r>
-            <a:r>
-              <a:rPr lang="en-US" dirty="0" smtClean="0">
-                <a:solidFill>
-                  <a:srgbClr val="F8F8F2"/>
-                </a:solidFill>
-                <a:latin typeface="Menlo"/>
-              </a:rPr>
-              <a:t>;</a:t>
-            </a:r>
-            <a:endParaRPr lang="en-US" dirty="0">
-              <a:solidFill>
-                <a:srgbClr val="F8F8F2"/>
-              </a:solidFill>
-              <a:latin typeface="Menlo"/>
-            </a:endParaRPr>
-          </a:p>
-        </p:txBody>
-      </p:sp>
-      <p:sp>
-        <p:nvSpPr>
-          <p:cNvPr id="6" name="Rectangle 5"/>
-          <p:cNvSpPr/>
-          <p:nvPr/>
-        </p:nvSpPr>
-        <p:spPr>
-          <a:xfrm>
-            <a:off x="634977" y="1907944"/>
-            <a:ext cx="4572000" cy="1477328"/>
-          </a:xfrm>
-          <a:prstGeom prst="rect">
-            <a:avLst/>
-          </a:prstGeom>
-        </p:spPr>
-        <p:txBody>
-          <a:bodyPr>
-            <a:spAutoFit/>
-          </a:bodyPr>
-          <a:lstStyle/>
-          <a:p>
-            <a:r>
-              <a:rPr lang="en-US" dirty="0" smtClean="0">
-                <a:solidFill>
-                  <a:srgbClr val="A6E22E"/>
-                </a:solidFill>
-                <a:latin typeface="Menlo"/>
-              </a:rPr>
-              <a:t>$</a:t>
-            </a:r>
-            <a:r>
-              <a:rPr lang="en-US" dirty="0" err="1">
-                <a:solidFill>
-                  <a:srgbClr val="A6E22E"/>
-                </a:solidFill>
-                <a:latin typeface="Menlo"/>
-              </a:rPr>
-              <a:t>scope</a:t>
-            </a:r>
-            <a:r>
-              <a:rPr lang="en-US" dirty="0" err="1">
-                <a:solidFill>
-                  <a:srgbClr val="F8F8F2"/>
-                </a:solidFill>
-                <a:latin typeface="Menlo"/>
-              </a:rPr>
-              <a:t>.</a:t>
-            </a:r>
-            <a:r>
-              <a:rPr lang="en-US" dirty="0" err="1">
-                <a:solidFill>
-                  <a:srgbClr val="A6E22E"/>
-                </a:solidFill>
-                <a:latin typeface="Menlo"/>
-              </a:rPr>
-              <a:t>items</a:t>
-            </a:r>
-            <a:r>
-              <a:rPr lang="en-US" dirty="0">
-                <a:solidFill>
-                  <a:srgbClr val="F8F8F2"/>
-                </a:solidFill>
-                <a:latin typeface="Menlo"/>
-              </a:rPr>
-              <a:t> </a:t>
-            </a:r>
-            <a:r>
-              <a:rPr lang="en-US" dirty="0">
-                <a:solidFill>
-                  <a:srgbClr val="F92672"/>
-                </a:solidFill>
-                <a:latin typeface="Menlo"/>
-              </a:rPr>
-              <a:t>=</a:t>
-            </a:r>
-            <a:r>
-              <a:rPr lang="en-US" dirty="0">
-                <a:solidFill>
-                  <a:srgbClr val="F8F8F2"/>
-                </a:solidFill>
-                <a:latin typeface="Menlo"/>
-              </a:rPr>
-              <a:t> </a:t>
-            </a:r>
-            <a:r>
-              <a:rPr lang="en-US" dirty="0" smtClean="0">
-                <a:solidFill>
-                  <a:srgbClr val="F8F8F2"/>
-                </a:solidFill>
-                <a:latin typeface="Menlo"/>
-              </a:rPr>
-              <a:t>[   </a:t>
-            </a:r>
-          </a:p>
-          <a:p>
-            <a:r>
-              <a:rPr lang="en-US" dirty="0">
-                <a:solidFill>
-                  <a:srgbClr val="F8F8F2"/>
-                </a:solidFill>
-                <a:latin typeface="Menlo"/>
-              </a:rPr>
-              <a:t> </a:t>
-            </a:r>
-            <a:r>
-              <a:rPr lang="en-US" dirty="0" smtClean="0">
-                <a:solidFill>
-                  <a:srgbClr val="F8F8F2"/>
-                </a:solidFill>
-                <a:latin typeface="Menlo"/>
-              </a:rPr>
-              <a:t> {</a:t>
-            </a:r>
-            <a:r>
-              <a:rPr lang="en-US" dirty="0">
-                <a:solidFill>
-                  <a:srgbClr val="A6E22E"/>
-                </a:solidFill>
-                <a:latin typeface="Menlo"/>
-              </a:rPr>
-              <a:t>name</a:t>
-            </a:r>
-            <a:r>
-              <a:rPr lang="en-US" dirty="0">
-                <a:solidFill>
-                  <a:srgbClr val="F92672"/>
-                </a:solidFill>
-                <a:latin typeface="Menlo"/>
-              </a:rPr>
-              <a:t>:</a:t>
-            </a:r>
-            <a:r>
-              <a:rPr lang="en-US" dirty="0">
-                <a:solidFill>
-                  <a:srgbClr val="F8F8F2"/>
-                </a:solidFill>
-                <a:latin typeface="Menlo"/>
-              </a:rPr>
-              <a:t> </a:t>
-            </a:r>
-            <a:r>
-              <a:rPr lang="en-US" dirty="0">
-                <a:solidFill>
-                  <a:srgbClr val="E6DB74"/>
-                </a:solidFill>
-                <a:latin typeface="Menlo"/>
-              </a:rPr>
-              <a:t>'First Item'</a:t>
-            </a:r>
-            <a:r>
-              <a:rPr lang="en-US" dirty="0">
-                <a:solidFill>
-                  <a:srgbClr val="F8F8F2"/>
-                </a:solidFill>
-                <a:latin typeface="Menlo"/>
-              </a:rPr>
-              <a:t>},</a:t>
-            </a:r>
-          </a:p>
-          <a:p>
-            <a:r>
-              <a:rPr lang="en-US" dirty="0">
-                <a:solidFill>
-                  <a:srgbClr val="F8F8F2"/>
-                </a:solidFill>
-                <a:latin typeface="Menlo"/>
-              </a:rPr>
-              <a:t> </a:t>
-            </a:r>
-            <a:r>
-              <a:rPr lang="en-US" dirty="0" smtClean="0">
-                <a:solidFill>
-                  <a:srgbClr val="F8F8F2"/>
-                </a:solidFill>
-                <a:latin typeface="Menlo"/>
-              </a:rPr>
-              <a:t> </a:t>
-            </a:r>
-            <a:r>
-              <a:rPr lang="en-US" dirty="0">
-                <a:solidFill>
-                  <a:srgbClr val="F8F8F2"/>
-                </a:solidFill>
-                <a:latin typeface="Menlo"/>
-              </a:rPr>
-              <a:t>{</a:t>
-            </a:r>
-            <a:r>
-              <a:rPr lang="en-US" dirty="0">
-                <a:solidFill>
-                  <a:srgbClr val="A6E22E"/>
-                </a:solidFill>
-                <a:latin typeface="Menlo"/>
-              </a:rPr>
-              <a:t>name</a:t>
-            </a:r>
-            <a:r>
-              <a:rPr lang="en-US" dirty="0">
-                <a:solidFill>
-                  <a:srgbClr val="F92672"/>
-                </a:solidFill>
-                <a:latin typeface="Menlo"/>
-              </a:rPr>
-              <a:t>:</a:t>
-            </a:r>
-            <a:r>
-              <a:rPr lang="en-US" dirty="0">
-                <a:solidFill>
-                  <a:srgbClr val="F8F8F2"/>
-                </a:solidFill>
-                <a:latin typeface="Menlo"/>
-              </a:rPr>
-              <a:t> </a:t>
-            </a:r>
-            <a:r>
-              <a:rPr lang="en-US" dirty="0">
-                <a:solidFill>
-                  <a:srgbClr val="E6DB74"/>
-                </a:solidFill>
-                <a:latin typeface="Menlo"/>
-              </a:rPr>
-              <a:t>'Second Item'</a:t>
-            </a:r>
-            <a:r>
-              <a:rPr lang="en-US" dirty="0">
-                <a:solidFill>
-                  <a:srgbClr val="F8F8F2"/>
-                </a:solidFill>
-                <a:latin typeface="Menlo"/>
-              </a:rPr>
-              <a:t>},</a:t>
-            </a:r>
-          </a:p>
-          <a:p>
-            <a:r>
-              <a:rPr lang="en-US" dirty="0" smtClean="0">
-                <a:solidFill>
-                  <a:srgbClr val="F8F8F2"/>
-                </a:solidFill>
-                <a:latin typeface="Menlo"/>
-              </a:rPr>
-              <a:t>  </a:t>
-            </a:r>
-            <a:r>
-              <a:rPr lang="en-US" dirty="0">
-                <a:solidFill>
-                  <a:srgbClr val="F8F8F2"/>
-                </a:solidFill>
-                <a:latin typeface="Menlo"/>
-              </a:rPr>
-              <a:t>{</a:t>
-            </a:r>
-            <a:r>
-              <a:rPr lang="en-US" dirty="0">
-                <a:solidFill>
-                  <a:srgbClr val="A6E22E"/>
-                </a:solidFill>
-                <a:latin typeface="Menlo"/>
-              </a:rPr>
-              <a:t>name</a:t>
-            </a:r>
-            <a:r>
-              <a:rPr lang="en-US" dirty="0">
-                <a:solidFill>
-                  <a:srgbClr val="F92672"/>
-                </a:solidFill>
-                <a:latin typeface="Menlo"/>
-              </a:rPr>
-              <a:t>:</a:t>
-            </a:r>
-            <a:r>
-              <a:rPr lang="en-US" dirty="0">
-                <a:solidFill>
-                  <a:srgbClr val="F8F8F2"/>
-                </a:solidFill>
-                <a:latin typeface="Menlo"/>
-              </a:rPr>
-              <a:t> </a:t>
-            </a:r>
-            <a:r>
-              <a:rPr lang="en-US" dirty="0">
-                <a:solidFill>
-                  <a:srgbClr val="E6DB74"/>
-                </a:solidFill>
-                <a:latin typeface="Menlo"/>
-              </a:rPr>
-              <a:t>'Third Item'</a:t>
-            </a:r>
-            <a:r>
-              <a:rPr lang="en-US" dirty="0">
-                <a:solidFill>
-                  <a:srgbClr val="F8F8F2"/>
-                </a:solidFill>
-                <a:latin typeface="Menlo"/>
-              </a:rPr>
-              <a:t>}</a:t>
-            </a:r>
-          </a:p>
-          <a:p>
-            <a:r>
-              <a:rPr lang="en-US" dirty="0" smtClean="0">
-                <a:solidFill>
-                  <a:srgbClr val="F8F8F2"/>
-                </a:solidFill>
-                <a:latin typeface="Menlo"/>
-              </a:rPr>
-              <a:t>]</a:t>
-            </a:r>
-            <a:r>
-              <a:rPr lang="en-US" dirty="0">
-                <a:solidFill>
-                  <a:srgbClr val="F8F8F2"/>
-                </a:solidFill>
-                <a:latin typeface="Menlo"/>
-              </a:rPr>
-              <a:t>;</a:t>
-            </a:r>
-          </a:p>
-        </p:txBody>
-      </p:sp>
-      <p:sp>
-        <p:nvSpPr>
-          <p:cNvPr id="7" name="Rectangle 6"/>
-          <p:cNvSpPr/>
-          <p:nvPr/>
-        </p:nvSpPr>
-        <p:spPr>
-          <a:xfrm>
-            <a:off x="634977" y="954904"/>
-            <a:ext cx="7571561" cy="369332"/>
-          </a:xfrm>
-          <a:prstGeom prst="rect">
-            <a:avLst/>
-          </a:prstGeom>
-        </p:spPr>
-        <p:txBody>
-          <a:bodyPr wrap="square">
-            <a:spAutoFit/>
-          </a:bodyPr>
-          <a:lstStyle/>
-          <a:p>
-            <a:r>
-              <a:rPr lang="en-US" dirty="0">
-                <a:solidFill>
-                  <a:srgbClr val="F92672"/>
-                </a:solidFill>
-                <a:latin typeface="Menlo"/>
-              </a:rPr>
-              <a:t>&lt;div&gt;</a:t>
-            </a:r>
-            <a:r>
-              <a:rPr lang="en-US" dirty="0">
-                <a:solidFill>
-                  <a:srgbClr val="F8F8F2"/>
-                </a:solidFill>
-                <a:latin typeface="Menlo"/>
-              </a:rPr>
-              <a:t>Date: {{now | </a:t>
-            </a:r>
-            <a:r>
-              <a:rPr lang="en-US" dirty="0" err="1">
-                <a:solidFill>
-                  <a:srgbClr val="F8F8F2"/>
-                </a:solidFill>
-                <a:latin typeface="Menlo"/>
-              </a:rPr>
-              <a:t>date:'MMM</a:t>
-            </a:r>
-            <a:r>
-              <a:rPr lang="en-US" dirty="0">
-                <a:solidFill>
-                  <a:srgbClr val="F8F8F2"/>
-                </a:solidFill>
-                <a:latin typeface="Menlo"/>
-              </a:rPr>
-              <a:t> d, </a:t>
-            </a:r>
-            <a:r>
-              <a:rPr lang="en-US" dirty="0" err="1">
-                <a:solidFill>
-                  <a:srgbClr val="F8F8F2"/>
-                </a:solidFill>
-                <a:latin typeface="Menlo"/>
-              </a:rPr>
-              <a:t>yyyy</a:t>
-            </a:r>
-            <a:r>
-              <a:rPr lang="en-US" dirty="0">
-                <a:solidFill>
-                  <a:srgbClr val="F8F8F2"/>
-                </a:solidFill>
-                <a:latin typeface="Menlo"/>
-              </a:rPr>
-              <a:t>'}}</a:t>
-            </a:r>
-            <a:r>
-              <a:rPr lang="en-US" dirty="0">
-                <a:solidFill>
-                  <a:srgbClr val="F92672"/>
-                </a:solidFill>
-                <a:latin typeface="Menlo"/>
-              </a:rPr>
-              <a:t>&lt;/div&gt;</a:t>
-            </a:r>
-            <a:endParaRPr lang="en-US" dirty="0">
-              <a:solidFill>
-                <a:srgbClr val="F8F8F2"/>
-              </a:solidFill>
-              <a:latin typeface="Menlo"/>
-            </a:endParaRPr>
-          </a:p>
-        </p:txBody>
-      </p:sp>
-    </p:spTree>
-    <p:extLst>
-      <p:ext uri="{BB962C8B-B14F-4D97-AF65-F5344CB8AC3E}">
-        <p14:creationId xmlns:p14="http://schemas.microsoft.com/office/powerpoint/2010/main" val="1459564380"/>
-      </p:ext>
-    </p:extLst>
-  </p:cSld>
-  <p:clrMapOvr>
-    <a:masterClrMapping/>
-  </p:clrMapOvr>
-</p:sld>
-</file>
-
 <file path=ppt/slides/slide4.xml><?xml version="1.0" encoding="utf-8"?>
 <p:sld xmlns:a="http://schemas.openxmlformats.org/drawingml/2006/main" xmlns:r="http://schemas.openxmlformats.org/officeDocument/2006/relationships" xmlns:p="http://schemas.openxmlformats.org/presentationml/2006/main">
   <p:cSld>
@@ -13847,1950 +10129,6 @@
       </p:par>
     </p:tnLst>
   </p:timing>
-</p:sld>
-</file>
-
-<file path=ppt/slides/slide40.xml><?xml version="1.0" encoding="utf-8"?>
-<p:sld xmlns:a="http://schemas.openxmlformats.org/drawingml/2006/main" xmlns:r="http://schemas.openxmlformats.org/officeDocument/2006/relationships" xmlns:p="http://schemas.openxmlformats.org/presentationml/2006/main">
-  <p:cSld>
-    <p:spTree>
-      <p:nvGrpSpPr>
-        <p:cNvPr id="1" name=""/>
-        <p:cNvGrpSpPr/>
-        <p:nvPr/>
-      </p:nvGrpSpPr>
-      <p:grpSpPr>
-        <a:xfrm>
-          <a:off x="0" y="0"/>
-          <a:ext cx="0" cy="0"/>
-          <a:chOff x="0" y="0"/>
-          <a:chExt cx="0" cy="0"/>
-        </a:xfrm>
-      </p:grpSpPr>
-      <p:sp>
-        <p:nvSpPr>
-          <p:cNvPr id="2" name="Title 1"/>
-          <p:cNvSpPr>
-            <a:spLocks noGrp="1"/>
-          </p:cNvSpPr>
-          <p:nvPr>
-            <p:ph type="title"/>
-          </p:nvPr>
-        </p:nvSpPr>
-        <p:spPr/>
-        <p:txBody>
-          <a:bodyPr/>
-          <a:lstStyle/>
-          <a:p>
-            <a:r>
-              <a:rPr lang="en-US" dirty="0" smtClean="0"/>
-              <a:t>// TODO</a:t>
-            </a:r>
-            <a:endParaRPr lang="en-US" dirty="0"/>
-          </a:p>
-        </p:txBody>
-      </p:sp>
-      <p:sp>
-        <p:nvSpPr>
-          <p:cNvPr id="3" name="Content Placeholder 2"/>
-          <p:cNvSpPr>
-            <a:spLocks noGrp="1"/>
-          </p:cNvSpPr>
-          <p:nvPr>
-            <p:ph idx="1"/>
-          </p:nvPr>
-        </p:nvSpPr>
-        <p:spPr/>
-        <p:txBody>
-          <a:bodyPr/>
-          <a:lstStyle/>
-          <a:p>
-            <a:r>
-              <a:rPr lang="en-US" dirty="0" smtClean="0"/>
-              <a:t>Add a list of items to the $scope</a:t>
-            </a:r>
-          </a:p>
-          <a:p>
-            <a:r>
-              <a:rPr lang="en-US" dirty="0" smtClean="0"/>
-              <a:t>Use an </a:t>
-            </a:r>
-            <a:r>
-              <a:rPr lang="en-US" dirty="0" err="1" smtClean="0"/>
-              <a:t>ng</a:t>
-            </a:r>
-            <a:r>
-              <a:rPr lang="en-US" dirty="0" smtClean="0"/>
-              <a:t>-repeat directive to display the items</a:t>
-            </a:r>
-          </a:p>
-          <a:p>
-            <a:r>
-              <a:rPr lang="en-US" dirty="0" smtClean="0"/>
-              <a:t>Use the ‘filter’ filter bound to a text input to filter the list of items</a:t>
-            </a:r>
-          </a:p>
-        </p:txBody>
-      </p:sp>
-    </p:spTree>
-    <p:extLst>
-      <p:ext uri="{BB962C8B-B14F-4D97-AF65-F5344CB8AC3E}">
-        <p14:creationId xmlns:p14="http://schemas.microsoft.com/office/powerpoint/2010/main" val="2667350522"/>
-      </p:ext>
-    </p:extLst>
-  </p:cSld>
-  <p:clrMapOvr>
-    <a:masterClrMapping/>
-  </p:clrMapOvr>
-</p:sld>
-</file>
-
-<file path=ppt/slides/slide41.xml><?xml version="1.0" encoding="utf-8"?>
-<p:sld xmlns:a="http://schemas.openxmlformats.org/drawingml/2006/main" xmlns:r="http://schemas.openxmlformats.org/officeDocument/2006/relationships" xmlns:p="http://schemas.openxmlformats.org/presentationml/2006/main">
-  <p:cSld>
-    <p:spTree>
-      <p:nvGrpSpPr>
-        <p:cNvPr id="1" name=""/>
-        <p:cNvGrpSpPr/>
-        <p:nvPr/>
-      </p:nvGrpSpPr>
-      <p:grpSpPr>
-        <a:xfrm>
-          <a:off x="0" y="0"/>
-          <a:ext cx="0" cy="0"/>
-          <a:chOff x="0" y="0"/>
-          <a:chExt cx="0" cy="0"/>
-        </a:xfrm>
-      </p:grpSpPr>
-      <p:sp>
-        <p:nvSpPr>
-          <p:cNvPr id="2" name="Title 1"/>
-          <p:cNvSpPr>
-            <a:spLocks noGrp="1"/>
-          </p:cNvSpPr>
-          <p:nvPr>
-            <p:ph type="title"/>
-          </p:nvPr>
-        </p:nvSpPr>
-        <p:spPr/>
-        <p:txBody>
-          <a:bodyPr/>
-          <a:lstStyle/>
-          <a:p>
-            <a:r>
-              <a:rPr lang="en-US" dirty="0" smtClean="0"/>
-              <a:t>Checkpoint</a:t>
-            </a:r>
-            <a:endParaRPr lang="en-US" dirty="0"/>
-          </a:p>
-        </p:txBody>
-      </p:sp>
-      <p:sp>
-        <p:nvSpPr>
-          <p:cNvPr id="3" name="Content Placeholder 2"/>
-          <p:cNvSpPr>
-            <a:spLocks noGrp="1"/>
-          </p:cNvSpPr>
-          <p:nvPr>
-            <p:ph idx="1"/>
-          </p:nvPr>
-        </p:nvSpPr>
-        <p:spPr/>
-        <p:txBody>
-          <a:bodyPr/>
-          <a:lstStyle/>
-          <a:p>
-            <a:r>
-              <a:rPr lang="en-US" dirty="0" err="1"/>
-              <a:t>git</a:t>
-            </a:r>
-            <a:r>
-              <a:rPr lang="en-US" dirty="0"/>
-              <a:t> checkout -f day-1/step</a:t>
-            </a:r>
-            <a:r>
-              <a:rPr lang="en-US" dirty="0" smtClean="0"/>
-              <a:t>-4</a:t>
-            </a:r>
-            <a:endParaRPr lang="en-US" dirty="0"/>
-          </a:p>
-        </p:txBody>
-      </p:sp>
-    </p:spTree>
-    <p:extLst>
-      <p:ext uri="{BB962C8B-B14F-4D97-AF65-F5344CB8AC3E}">
-        <p14:creationId xmlns:p14="http://schemas.microsoft.com/office/powerpoint/2010/main" val="3341749749"/>
-      </p:ext>
-    </p:extLst>
-  </p:cSld>
-  <p:clrMapOvr>
-    <a:masterClrMapping/>
-  </p:clrMapOvr>
-</p:sld>
-</file>
-
-<file path=ppt/slides/slide42.xml><?xml version="1.0" encoding="utf-8"?>
-<p:sld xmlns:a="http://schemas.openxmlformats.org/drawingml/2006/main" xmlns:r="http://schemas.openxmlformats.org/officeDocument/2006/relationships" xmlns:p="http://schemas.openxmlformats.org/presentationml/2006/main">
-  <p:cSld>
-    <p:spTree>
-      <p:nvGrpSpPr>
-        <p:cNvPr id="1" name=""/>
-        <p:cNvGrpSpPr/>
-        <p:nvPr/>
-      </p:nvGrpSpPr>
-      <p:grpSpPr>
-        <a:xfrm>
-          <a:off x="0" y="0"/>
-          <a:ext cx="0" cy="0"/>
-          <a:chOff x="0" y="0"/>
-          <a:chExt cx="0" cy="0"/>
-        </a:xfrm>
-      </p:grpSpPr>
-      <p:sp>
-        <p:nvSpPr>
-          <p:cNvPr id="2" name="Title 1"/>
-          <p:cNvSpPr>
-            <a:spLocks noGrp="1"/>
-          </p:cNvSpPr>
-          <p:nvPr>
-            <p:ph type="title"/>
-          </p:nvPr>
-        </p:nvSpPr>
-        <p:spPr/>
-        <p:txBody>
-          <a:bodyPr>
-            <a:normAutofit/>
-          </a:bodyPr>
-          <a:lstStyle/>
-          <a:p>
-            <a:r>
-              <a:rPr lang="en-US" dirty="0" smtClean="0"/>
-              <a:t>Forms</a:t>
-            </a:r>
-            <a:endParaRPr lang="en-US" dirty="0"/>
-          </a:p>
-        </p:txBody>
-      </p:sp>
-      <p:sp>
-        <p:nvSpPr>
-          <p:cNvPr id="3" name="Content Placeholder 2"/>
-          <p:cNvSpPr>
-            <a:spLocks noGrp="1"/>
-          </p:cNvSpPr>
-          <p:nvPr>
-            <p:ph idx="1"/>
-          </p:nvPr>
-        </p:nvSpPr>
-        <p:spPr/>
-        <p:txBody>
-          <a:bodyPr>
-            <a:normAutofit fontScale="92500"/>
-          </a:bodyPr>
-          <a:lstStyle/>
-          <a:p>
-            <a:r>
-              <a:rPr lang="en-US" dirty="0" smtClean="0"/>
-              <a:t>Form directive (or </a:t>
-            </a:r>
-            <a:r>
-              <a:rPr lang="en-US" dirty="0" err="1" smtClean="0"/>
-              <a:t>ng</a:t>
-            </a:r>
-            <a:r>
-              <a:rPr lang="en-US" dirty="0" smtClean="0"/>
-              <a:t>-form) creates instance of </a:t>
-            </a:r>
-            <a:r>
-              <a:rPr lang="en-US" dirty="0" err="1" smtClean="0"/>
-              <a:t>FormController</a:t>
-            </a:r>
-            <a:endParaRPr lang="en-US" dirty="0" smtClean="0"/>
-          </a:p>
-          <a:p>
-            <a:r>
-              <a:rPr lang="en-US" dirty="0" smtClean="0"/>
-              <a:t>Provides validation services</a:t>
-            </a:r>
-          </a:p>
-          <a:p>
-            <a:pPr lvl="1"/>
-            <a:r>
-              <a:rPr lang="en-US" dirty="0" smtClean="0"/>
-              <a:t>CSS Classes applied based on form state (</a:t>
-            </a:r>
-            <a:r>
-              <a:rPr lang="en-US" dirty="0" err="1" smtClean="0"/>
-              <a:t>ng</a:t>
-            </a:r>
-            <a:r>
-              <a:rPr lang="en-US" dirty="0" smtClean="0"/>
-              <a:t>-valid, </a:t>
-            </a:r>
-            <a:r>
-              <a:rPr lang="en-US" dirty="0" err="1" smtClean="0"/>
-              <a:t>ng</a:t>
-            </a:r>
-            <a:r>
-              <a:rPr lang="en-US" dirty="0" smtClean="0"/>
-              <a:t>-invalid, </a:t>
-            </a:r>
-            <a:r>
-              <a:rPr lang="en-US" dirty="0" err="1" smtClean="0"/>
-              <a:t>ng</a:t>
-            </a:r>
-            <a:r>
-              <a:rPr lang="en-US" dirty="0" smtClean="0"/>
-              <a:t>-pristine, </a:t>
-            </a:r>
-            <a:r>
-              <a:rPr lang="en-US" dirty="0" err="1" smtClean="0"/>
-              <a:t>ng</a:t>
-            </a:r>
-            <a:r>
-              <a:rPr lang="en-US" dirty="0" smtClean="0"/>
-              <a:t>-dirty)</a:t>
-            </a:r>
-          </a:p>
-          <a:p>
-            <a:pPr lvl="1"/>
-            <a:r>
-              <a:rPr lang="en-US" dirty="0" smtClean="0"/>
-              <a:t>use </a:t>
-            </a:r>
-            <a:r>
-              <a:rPr lang="en-US" dirty="0" err="1" smtClean="0">
-                <a:latin typeface="Menlo Regular"/>
-                <a:cs typeface="Menlo Regular"/>
-              </a:rPr>
-              <a:t>novalidate</a:t>
-            </a:r>
-            <a:r>
-              <a:rPr lang="en-US" dirty="0" smtClean="0"/>
-              <a:t> attribute on </a:t>
-            </a:r>
-            <a:r>
-              <a:rPr lang="en-US" dirty="0" smtClean="0">
-                <a:latin typeface="Menlo Regular"/>
-                <a:cs typeface="Menlo Regular"/>
-              </a:rPr>
-              <a:t>&lt;form&gt;</a:t>
-            </a:r>
-            <a:r>
-              <a:rPr lang="en-US" dirty="0" smtClean="0"/>
-              <a:t> element to disable native browser validation</a:t>
-            </a:r>
-          </a:p>
-          <a:p>
-            <a:r>
-              <a:rPr lang="en-US" dirty="0" smtClean="0"/>
-              <a:t>Allows for nesting of forms (nesting </a:t>
-            </a:r>
-            <a:r>
-              <a:rPr lang="en-US" dirty="0" err="1" smtClean="0"/>
-              <a:t>ng</a:t>
-            </a:r>
-            <a:r>
-              <a:rPr lang="en-US" dirty="0" smtClean="0"/>
-              <a:t>-form directives)</a:t>
-            </a:r>
-          </a:p>
-          <a:p>
-            <a:r>
-              <a:rPr lang="en-US" dirty="0" smtClean="0"/>
-              <a:t>Publishes form and inputs to the scope by using name attributes</a:t>
-            </a:r>
-          </a:p>
-          <a:p>
-            <a:r>
-              <a:rPr lang="en-US" dirty="0" err="1" smtClean="0"/>
-              <a:t>ng</a:t>
-            </a:r>
-            <a:r>
-              <a:rPr lang="en-US" dirty="0" smtClean="0"/>
-              <a:t>-submit: binds to submit event of form</a:t>
-            </a:r>
-          </a:p>
-        </p:txBody>
-      </p:sp>
-    </p:spTree>
-    <p:extLst>
-      <p:ext uri="{BB962C8B-B14F-4D97-AF65-F5344CB8AC3E}">
-        <p14:creationId xmlns:p14="http://schemas.microsoft.com/office/powerpoint/2010/main" val="4016527787"/>
-      </p:ext>
-    </p:extLst>
-  </p:cSld>
-  <p:clrMapOvr>
-    <a:masterClrMapping/>
-  </p:clrMapOvr>
-</p:sld>
-</file>
-
-<file path=ppt/slides/slide43.xml><?xml version="1.0" encoding="utf-8"?>
-<p:sld xmlns:a="http://schemas.openxmlformats.org/drawingml/2006/main" xmlns:r="http://schemas.openxmlformats.org/officeDocument/2006/relationships" xmlns:p="http://schemas.openxmlformats.org/presentationml/2006/main">
-  <p:cSld>
-    <p:spTree>
-      <p:nvGrpSpPr>
-        <p:cNvPr id="1" name=""/>
-        <p:cNvGrpSpPr/>
-        <p:nvPr/>
-      </p:nvGrpSpPr>
-      <p:grpSpPr>
-        <a:xfrm>
-          <a:off x="0" y="0"/>
-          <a:ext cx="0" cy="0"/>
-          <a:chOff x="0" y="0"/>
-          <a:chExt cx="0" cy="0"/>
-        </a:xfrm>
-      </p:grpSpPr>
-      <p:sp>
-        <p:nvSpPr>
-          <p:cNvPr id="2" name="Title 1"/>
-          <p:cNvSpPr>
-            <a:spLocks noGrp="1"/>
-          </p:cNvSpPr>
-          <p:nvPr>
-            <p:ph type="title"/>
-          </p:nvPr>
-        </p:nvSpPr>
-        <p:spPr/>
-        <p:txBody>
-          <a:bodyPr/>
-          <a:lstStyle/>
-          <a:p>
-            <a:r>
-              <a:rPr lang="en-US" dirty="0" smtClean="0"/>
-              <a:t>Inputs</a:t>
-            </a:r>
-            <a:endParaRPr lang="en-US" dirty="0"/>
-          </a:p>
-        </p:txBody>
-      </p:sp>
-      <p:sp>
-        <p:nvSpPr>
-          <p:cNvPr id="3" name="Content Placeholder 2"/>
-          <p:cNvSpPr>
-            <a:spLocks noGrp="1"/>
-          </p:cNvSpPr>
-          <p:nvPr>
-            <p:ph idx="1"/>
-          </p:nvPr>
-        </p:nvSpPr>
-        <p:spPr/>
-        <p:txBody>
-          <a:bodyPr/>
-          <a:lstStyle/>
-          <a:p>
-            <a:r>
-              <a:rPr lang="en-US" dirty="0" smtClean="0"/>
-              <a:t>Input directives augment existing input functionality</a:t>
-            </a:r>
-          </a:p>
-          <a:p>
-            <a:pPr lvl="1"/>
-            <a:r>
-              <a:rPr lang="en-US" dirty="0" smtClean="0"/>
-              <a:t>Provide validation directives</a:t>
-            </a:r>
-          </a:p>
-          <a:p>
-            <a:pPr lvl="1"/>
-            <a:r>
-              <a:rPr lang="en-US" dirty="0" smtClean="0"/>
-              <a:t>Bind values to input states (ex: checkboxes)</a:t>
-            </a:r>
-          </a:p>
-          <a:p>
-            <a:r>
-              <a:rPr lang="en-US" dirty="0" smtClean="0"/>
-              <a:t>Support for most HTML5 input styles</a:t>
-            </a:r>
-          </a:p>
-          <a:p>
-            <a:pPr lvl="1"/>
-            <a:r>
-              <a:rPr lang="en-US" dirty="0" smtClean="0"/>
-              <a:t>date, </a:t>
-            </a:r>
-            <a:r>
-              <a:rPr lang="en-US" dirty="0" err="1" smtClean="0"/>
-              <a:t>dateTimeLocal</a:t>
-            </a:r>
-            <a:r>
-              <a:rPr lang="en-US" dirty="0" smtClean="0"/>
-              <a:t>, email, month, number, </a:t>
-            </a:r>
-            <a:r>
-              <a:rPr lang="en-US" dirty="0" err="1" smtClean="0"/>
-              <a:t>url</a:t>
-            </a:r>
-            <a:r>
-              <a:rPr lang="en-US" dirty="0" smtClean="0"/>
-              <a:t>, week</a:t>
-            </a:r>
-          </a:p>
-          <a:p>
-            <a:r>
-              <a:rPr lang="en-US" dirty="0" smtClean="0"/>
-              <a:t>Custom validation directives</a:t>
-            </a:r>
-          </a:p>
-          <a:p>
-            <a:pPr lvl="1"/>
-            <a:r>
-              <a:rPr lang="en-US" dirty="0" smtClean="0"/>
-              <a:t>required, pattern, </a:t>
-            </a:r>
-            <a:r>
-              <a:rPr lang="en-US" dirty="0" err="1" smtClean="0"/>
-              <a:t>minlength</a:t>
-            </a:r>
-            <a:r>
-              <a:rPr lang="en-US" dirty="0" smtClean="0"/>
-              <a:t>, </a:t>
-            </a:r>
-            <a:r>
-              <a:rPr lang="en-US" dirty="0" err="1" smtClean="0"/>
-              <a:t>maxlength</a:t>
-            </a:r>
-            <a:r>
-              <a:rPr lang="en-US" dirty="0" smtClean="0"/>
-              <a:t>, min, max</a:t>
-            </a:r>
-            <a:endParaRPr lang="en-US" dirty="0"/>
-          </a:p>
-        </p:txBody>
-      </p:sp>
-    </p:spTree>
-    <p:extLst>
-      <p:ext uri="{BB962C8B-B14F-4D97-AF65-F5344CB8AC3E}">
-        <p14:creationId xmlns:p14="http://schemas.microsoft.com/office/powerpoint/2010/main" val="2887604628"/>
-      </p:ext>
-    </p:extLst>
-  </p:cSld>
-  <p:clrMapOvr>
-    <a:masterClrMapping/>
-  </p:clrMapOvr>
-</p:sld>
-</file>
-
-<file path=ppt/slides/slide44.xml><?xml version="1.0" encoding="utf-8"?>
-<p:sld xmlns:a="http://schemas.openxmlformats.org/drawingml/2006/main" xmlns:r="http://schemas.openxmlformats.org/officeDocument/2006/relationships" xmlns:p="http://schemas.openxmlformats.org/presentationml/2006/main">
-  <p:cSld>
-    <p:spTree>
-      <p:nvGrpSpPr>
-        <p:cNvPr id="1" name=""/>
-        <p:cNvGrpSpPr/>
-        <p:nvPr/>
-      </p:nvGrpSpPr>
-      <p:grpSpPr>
-        <a:xfrm>
-          <a:off x="0" y="0"/>
-          <a:ext cx="0" cy="0"/>
-          <a:chOff x="0" y="0"/>
-          <a:chExt cx="0" cy="0"/>
-        </a:xfrm>
-      </p:grpSpPr>
-      <p:sp>
-        <p:nvSpPr>
-          <p:cNvPr id="4" name="Rectangle 3"/>
-          <p:cNvSpPr/>
-          <p:nvPr/>
-        </p:nvSpPr>
-        <p:spPr>
-          <a:xfrm>
-            <a:off x="-4860" y="855225"/>
-            <a:ext cx="9148860" cy="4247317"/>
-          </a:xfrm>
-          <a:prstGeom prst="rect">
-            <a:avLst/>
-          </a:prstGeom>
-        </p:spPr>
-        <p:txBody>
-          <a:bodyPr wrap="square">
-            <a:spAutoFit/>
-          </a:bodyPr>
-          <a:lstStyle/>
-          <a:p>
-            <a:r>
-              <a:rPr lang="en-US" dirty="0" smtClean="0">
-                <a:solidFill>
-                  <a:srgbClr val="F92672"/>
-                </a:solidFill>
-                <a:latin typeface="Menlo"/>
-              </a:rPr>
-              <a:t>&lt;form</a:t>
-            </a:r>
-            <a:r>
-              <a:rPr lang="en-US" dirty="0" smtClean="0">
-                <a:solidFill>
-                  <a:srgbClr val="F8F8F2"/>
-                </a:solidFill>
-                <a:latin typeface="Menlo"/>
-              </a:rPr>
-              <a:t> </a:t>
-            </a:r>
-            <a:r>
-              <a:rPr lang="en-US" dirty="0" smtClean="0">
-                <a:solidFill>
-                  <a:srgbClr val="A6E22E"/>
-                </a:solidFill>
-                <a:latin typeface="Menlo"/>
-              </a:rPr>
-              <a:t>name=</a:t>
-            </a:r>
-            <a:r>
-              <a:rPr lang="en-US" dirty="0" smtClean="0">
-                <a:solidFill>
-                  <a:srgbClr val="E6DB74"/>
-                </a:solidFill>
-                <a:latin typeface="Menlo"/>
-              </a:rPr>
-              <a:t>"</a:t>
-            </a:r>
-            <a:r>
-              <a:rPr lang="en-US" dirty="0" err="1" smtClean="0">
-                <a:solidFill>
-                  <a:srgbClr val="E6DB74"/>
-                </a:solidFill>
-                <a:latin typeface="Menlo"/>
-              </a:rPr>
-              <a:t>myForm</a:t>
-            </a:r>
-            <a:r>
-              <a:rPr lang="en-US" dirty="0" smtClean="0">
-                <a:solidFill>
-                  <a:srgbClr val="E6DB74"/>
-                </a:solidFill>
-                <a:latin typeface="Menlo"/>
-              </a:rPr>
-              <a:t>"</a:t>
-            </a:r>
-            <a:r>
-              <a:rPr lang="en-US" dirty="0" smtClean="0">
-                <a:solidFill>
-                  <a:srgbClr val="F8F8F2"/>
-                </a:solidFill>
-                <a:latin typeface="Menlo"/>
-              </a:rPr>
-              <a:t> </a:t>
-            </a:r>
-            <a:r>
-              <a:rPr lang="en-US" dirty="0" err="1" smtClean="0">
-                <a:solidFill>
-                  <a:srgbClr val="A6E22E"/>
-                </a:solidFill>
-                <a:latin typeface="Menlo"/>
-              </a:rPr>
-              <a:t>ng</a:t>
-            </a:r>
-            <a:r>
-              <a:rPr lang="en-US" dirty="0" smtClean="0">
-                <a:solidFill>
-                  <a:srgbClr val="A6E22E"/>
-                </a:solidFill>
-                <a:latin typeface="Menlo"/>
-              </a:rPr>
-              <a:t>-submit=</a:t>
-            </a:r>
-            <a:r>
-              <a:rPr lang="en-US" dirty="0" smtClean="0">
-                <a:solidFill>
-                  <a:srgbClr val="E6DB74"/>
-                </a:solidFill>
-                <a:latin typeface="Menlo"/>
-              </a:rPr>
-              <a:t>"</a:t>
-            </a:r>
-            <a:r>
-              <a:rPr lang="en-US" dirty="0" err="1" smtClean="0">
-                <a:solidFill>
-                  <a:srgbClr val="E6DB74"/>
-                </a:solidFill>
-                <a:latin typeface="Menlo"/>
-              </a:rPr>
-              <a:t>submitForm</a:t>
-            </a:r>
-            <a:r>
-              <a:rPr lang="en-US" dirty="0" smtClean="0">
-                <a:solidFill>
-                  <a:srgbClr val="E6DB74"/>
-                </a:solidFill>
-                <a:latin typeface="Menlo"/>
-              </a:rPr>
-              <a:t>(</a:t>
-            </a:r>
-            <a:r>
-              <a:rPr lang="en-US" dirty="0" err="1" smtClean="0">
-                <a:solidFill>
-                  <a:srgbClr val="E6DB74"/>
-                </a:solidFill>
-                <a:latin typeface="Menlo"/>
-              </a:rPr>
-              <a:t>model.firstName</a:t>
-            </a:r>
-            <a:r>
-              <a:rPr lang="en-US" dirty="0" smtClean="0">
-                <a:solidFill>
-                  <a:srgbClr val="E6DB74"/>
-                </a:solidFill>
-                <a:latin typeface="Menlo"/>
-              </a:rPr>
-              <a:t>, </a:t>
-            </a:r>
-            <a:r>
-              <a:rPr lang="en-US" dirty="0" err="1" smtClean="0">
-                <a:solidFill>
-                  <a:srgbClr val="E6DB74"/>
-                </a:solidFill>
-                <a:latin typeface="Menlo"/>
-              </a:rPr>
-              <a:t>model.lastName</a:t>
-            </a:r>
-            <a:r>
-              <a:rPr lang="en-US" dirty="0" smtClean="0">
-                <a:solidFill>
-                  <a:srgbClr val="E6DB74"/>
-                </a:solidFill>
-                <a:latin typeface="Menlo"/>
-              </a:rPr>
-              <a:t>)"</a:t>
-            </a:r>
-            <a:r>
-              <a:rPr lang="en-US" dirty="0" smtClean="0">
-                <a:solidFill>
-                  <a:srgbClr val="F8F8F2"/>
-                </a:solidFill>
-                <a:latin typeface="Menlo"/>
-              </a:rPr>
-              <a:t> </a:t>
-            </a:r>
-            <a:r>
-              <a:rPr lang="en-US" dirty="0" err="1" smtClean="0">
-                <a:solidFill>
-                  <a:srgbClr val="A6E22E"/>
-                </a:solidFill>
-                <a:latin typeface="Menlo"/>
-              </a:rPr>
-              <a:t>novalidate</a:t>
-            </a:r>
-            <a:r>
-              <a:rPr lang="en-US" dirty="0" smtClean="0">
-                <a:solidFill>
-                  <a:srgbClr val="F92672"/>
-                </a:solidFill>
-                <a:latin typeface="Menlo"/>
-              </a:rPr>
-              <a:t>&gt;</a:t>
-            </a:r>
-            <a:endParaRPr lang="en-US" dirty="0" smtClean="0">
-              <a:solidFill>
-                <a:srgbClr val="F8F8F2"/>
-              </a:solidFill>
-              <a:latin typeface="Menlo"/>
-            </a:endParaRPr>
-          </a:p>
-          <a:p>
-            <a:r>
-              <a:rPr lang="en-US" dirty="0" smtClean="0">
-                <a:solidFill>
-                  <a:srgbClr val="F8F8F2"/>
-                </a:solidFill>
-                <a:latin typeface="Menlo"/>
-              </a:rPr>
-              <a:t>    </a:t>
-            </a:r>
-            <a:r>
-              <a:rPr lang="en-US" dirty="0" smtClean="0">
-                <a:solidFill>
-                  <a:srgbClr val="F92672"/>
-                </a:solidFill>
-                <a:latin typeface="Menlo"/>
-              </a:rPr>
-              <a:t>&lt;div&gt;</a:t>
-            </a:r>
-            <a:endParaRPr lang="en-US" dirty="0" smtClean="0">
-              <a:solidFill>
-                <a:srgbClr val="F8F8F2"/>
-              </a:solidFill>
-              <a:latin typeface="Menlo"/>
-            </a:endParaRPr>
-          </a:p>
-          <a:p>
-            <a:r>
-              <a:rPr lang="en-US" dirty="0" smtClean="0">
-                <a:solidFill>
-                  <a:srgbClr val="F8F8F2"/>
-                </a:solidFill>
-                <a:latin typeface="Menlo"/>
-              </a:rPr>
-              <a:t>      </a:t>
-            </a:r>
-            <a:r>
-              <a:rPr lang="en-US" dirty="0" smtClean="0">
-                <a:solidFill>
-                  <a:srgbClr val="F92672"/>
-                </a:solidFill>
-                <a:latin typeface="Menlo"/>
-              </a:rPr>
-              <a:t>&lt;label</a:t>
-            </a:r>
-            <a:r>
-              <a:rPr lang="en-US" dirty="0" smtClean="0">
-                <a:solidFill>
-                  <a:srgbClr val="F8F8F2"/>
-                </a:solidFill>
-                <a:latin typeface="Menlo"/>
-              </a:rPr>
-              <a:t> </a:t>
-            </a:r>
-            <a:r>
-              <a:rPr lang="en-US" dirty="0" smtClean="0">
-                <a:solidFill>
-                  <a:srgbClr val="A6E22E"/>
-                </a:solidFill>
-                <a:latin typeface="Menlo"/>
-              </a:rPr>
-              <a:t>for=</a:t>
-            </a:r>
-            <a:r>
-              <a:rPr lang="en-US" dirty="0" smtClean="0">
-                <a:solidFill>
-                  <a:srgbClr val="E6DB74"/>
-                </a:solidFill>
-                <a:latin typeface="Menlo"/>
-              </a:rPr>
-              <a:t>"</a:t>
-            </a:r>
-            <a:r>
-              <a:rPr lang="en-US" dirty="0" err="1" smtClean="0">
-                <a:solidFill>
-                  <a:srgbClr val="E6DB74"/>
-                </a:solidFill>
-                <a:latin typeface="Menlo"/>
-              </a:rPr>
-              <a:t>firstName</a:t>
-            </a:r>
-            <a:r>
-              <a:rPr lang="en-US" dirty="0" smtClean="0">
-                <a:solidFill>
-                  <a:srgbClr val="E6DB74"/>
-                </a:solidFill>
-                <a:latin typeface="Menlo"/>
-              </a:rPr>
-              <a:t>"</a:t>
-            </a:r>
-            <a:r>
-              <a:rPr lang="en-US" dirty="0" smtClean="0">
-                <a:solidFill>
-                  <a:srgbClr val="F92672"/>
-                </a:solidFill>
-                <a:latin typeface="Menlo"/>
-              </a:rPr>
-              <a:t>&gt;</a:t>
-            </a:r>
-            <a:r>
-              <a:rPr lang="en-US" dirty="0" smtClean="0">
-                <a:solidFill>
-                  <a:srgbClr val="F8F8F2"/>
-                </a:solidFill>
-                <a:latin typeface="Menlo"/>
-              </a:rPr>
-              <a:t>Enter your first name: </a:t>
-            </a:r>
-            <a:r>
-              <a:rPr lang="en-US" dirty="0" smtClean="0">
-                <a:solidFill>
-                  <a:srgbClr val="F92672"/>
-                </a:solidFill>
-                <a:latin typeface="Menlo"/>
-              </a:rPr>
-              <a:t>&lt;/label&gt;</a:t>
-            </a:r>
-            <a:endParaRPr lang="en-US" dirty="0" smtClean="0">
-              <a:solidFill>
-                <a:srgbClr val="F8F8F2"/>
-              </a:solidFill>
-              <a:latin typeface="Menlo"/>
-            </a:endParaRPr>
-          </a:p>
-          <a:p>
-            <a:r>
-              <a:rPr lang="en-US" dirty="0" smtClean="0">
-                <a:solidFill>
-                  <a:srgbClr val="F8F8F2"/>
-                </a:solidFill>
-                <a:latin typeface="Menlo"/>
-              </a:rPr>
-              <a:t>      </a:t>
-            </a:r>
-            <a:r>
-              <a:rPr lang="en-US" dirty="0" smtClean="0">
-                <a:solidFill>
-                  <a:srgbClr val="F92672"/>
-                </a:solidFill>
-                <a:latin typeface="Menlo"/>
-              </a:rPr>
-              <a:t>&lt;input</a:t>
-            </a:r>
-            <a:r>
-              <a:rPr lang="en-US" dirty="0" smtClean="0">
-                <a:solidFill>
-                  <a:srgbClr val="F8F8F2"/>
-                </a:solidFill>
-                <a:latin typeface="Menlo"/>
-              </a:rPr>
-              <a:t> </a:t>
-            </a:r>
-            <a:r>
-              <a:rPr lang="en-US" dirty="0" smtClean="0">
-                <a:solidFill>
-                  <a:srgbClr val="A6E22E"/>
-                </a:solidFill>
-                <a:latin typeface="Menlo"/>
-              </a:rPr>
-              <a:t>type=</a:t>
-            </a:r>
-            <a:r>
-              <a:rPr lang="en-US" dirty="0" smtClean="0">
-                <a:solidFill>
-                  <a:srgbClr val="E6DB74"/>
-                </a:solidFill>
-                <a:latin typeface="Menlo"/>
-              </a:rPr>
-              <a:t>"text"</a:t>
-            </a:r>
-            <a:r>
-              <a:rPr lang="en-US" dirty="0" smtClean="0">
-                <a:solidFill>
-                  <a:srgbClr val="F8F8F2"/>
-                </a:solidFill>
-                <a:latin typeface="Menlo"/>
-              </a:rPr>
-              <a:t> </a:t>
-            </a:r>
-            <a:r>
-              <a:rPr lang="en-US" dirty="0" smtClean="0">
-                <a:solidFill>
-                  <a:srgbClr val="A6E22E"/>
-                </a:solidFill>
-                <a:latin typeface="Menlo"/>
-              </a:rPr>
-              <a:t>id=</a:t>
-            </a:r>
-            <a:r>
-              <a:rPr lang="en-US" dirty="0" smtClean="0">
-                <a:solidFill>
-                  <a:srgbClr val="E6DB74"/>
-                </a:solidFill>
-                <a:latin typeface="Menlo"/>
-              </a:rPr>
-              <a:t>"</a:t>
-            </a:r>
-            <a:r>
-              <a:rPr lang="en-US" dirty="0" err="1" smtClean="0">
-                <a:solidFill>
-                  <a:srgbClr val="E6DB74"/>
-                </a:solidFill>
-                <a:latin typeface="Menlo"/>
-              </a:rPr>
-              <a:t>firstName</a:t>
-            </a:r>
-            <a:r>
-              <a:rPr lang="en-US" dirty="0" smtClean="0">
-                <a:solidFill>
-                  <a:srgbClr val="E6DB74"/>
-                </a:solidFill>
-                <a:latin typeface="Menlo"/>
-              </a:rPr>
-              <a:t>"</a:t>
-            </a:r>
-            <a:r>
-              <a:rPr lang="en-US" dirty="0" smtClean="0">
-                <a:solidFill>
-                  <a:srgbClr val="F8F8F2"/>
-                </a:solidFill>
-                <a:latin typeface="Menlo"/>
-              </a:rPr>
-              <a:t> </a:t>
-            </a:r>
-            <a:r>
-              <a:rPr lang="en-US" dirty="0" err="1" smtClean="0">
-                <a:solidFill>
-                  <a:srgbClr val="A6E22E"/>
-                </a:solidFill>
-                <a:latin typeface="Menlo"/>
-              </a:rPr>
-              <a:t>ng</a:t>
-            </a:r>
-            <a:r>
-              <a:rPr lang="en-US" dirty="0" smtClean="0">
-                <a:solidFill>
-                  <a:srgbClr val="A6E22E"/>
-                </a:solidFill>
-                <a:latin typeface="Menlo"/>
-              </a:rPr>
-              <a:t>-model=</a:t>
-            </a:r>
-            <a:r>
-              <a:rPr lang="en-US" dirty="0" smtClean="0">
-                <a:solidFill>
-                  <a:srgbClr val="E6DB74"/>
-                </a:solidFill>
-                <a:latin typeface="Menlo"/>
-              </a:rPr>
-              <a:t>"</a:t>
-            </a:r>
-            <a:r>
-              <a:rPr lang="en-US" dirty="0" err="1" smtClean="0">
-                <a:solidFill>
-                  <a:srgbClr val="E6DB74"/>
-                </a:solidFill>
-                <a:latin typeface="Menlo"/>
-              </a:rPr>
-              <a:t>model.firstName</a:t>
-            </a:r>
-            <a:r>
-              <a:rPr lang="en-US" dirty="0" smtClean="0">
-                <a:solidFill>
-                  <a:srgbClr val="E6DB74"/>
-                </a:solidFill>
-                <a:latin typeface="Menlo"/>
-              </a:rPr>
-              <a:t>"</a:t>
-            </a:r>
-            <a:r>
-              <a:rPr lang="en-US" dirty="0" smtClean="0">
-                <a:solidFill>
-                  <a:srgbClr val="F8F8F2"/>
-                </a:solidFill>
-                <a:latin typeface="Menlo"/>
-              </a:rPr>
-              <a:t> </a:t>
-            </a:r>
-            <a:r>
-              <a:rPr lang="en-US" dirty="0" smtClean="0">
-                <a:solidFill>
-                  <a:srgbClr val="A6E22E"/>
-                </a:solidFill>
-                <a:latin typeface="Menlo"/>
-              </a:rPr>
-              <a:t>required</a:t>
-            </a:r>
-            <a:r>
-              <a:rPr lang="en-US" dirty="0" smtClean="0">
-                <a:solidFill>
-                  <a:srgbClr val="F92672"/>
-                </a:solidFill>
-                <a:latin typeface="Menlo"/>
-              </a:rPr>
-              <a:t>/&gt;</a:t>
-            </a:r>
-            <a:endParaRPr lang="en-US" dirty="0" smtClean="0">
-              <a:solidFill>
-                <a:srgbClr val="F8F8F2"/>
-              </a:solidFill>
-              <a:latin typeface="Menlo"/>
-            </a:endParaRPr>
-          </a:p>
-          <a:p>
-            <a:r>
-              <a:rPr lang="en-US" dirty="0" smtClean="0">
-                <a:solidFill>
-                  <a:srgbClr val="F8F8F2"/>
-                </a:solidFill>
-                <a:latin typeface="Menlo"/>
-              </a:rPr>
-              <a:t>    </a:t>
-            </a:r>
-            <a:r>
-              <a:rPr lang="en-US" dirty="0" smtClean="0">
-                <a:solidFill>
-                  <a:srgbClr val="F92672"/>
-                </a:solidFill>
-                <a:latin typeface="Menlo"/>
-              </a:rPr>
-              <a:t>&lt;/div&gt;</a:t>
-            </a:r>
-            <a:endParaRPr lang="en-US" dirty="0" smtClean="0">
-              <a:solidFill>
-                <a:srgbClr val="F8F8F2"/>
-              </a:solidFill>
-              <a:latin typeface="Menlo"/>
-            </a:endParaRPr>
-          </a:p>
-          <a:p>
-            <a:r>
-              <a:rPr lang="en-US" dirty="0" smtClean="0">
-                <a:solidFill>
-                  <a:srgbClr val="F8F8F2"/>
-                </a:solidFill>
-                <a:latin typeface="Menlo"/>
-              </a:rPr>
-              <a:t>    </a:t>
-            </a:r>
-            <a:r>
-              <a:rPr lang="en-US" dirty="0" smtClean="0">
-                <a:solidFill>
-                  <a:srgbClr val="F92672"/>
-                </a:solidFill>
-                <a:latin typeface="Menlo"/>
-              </a:rPr>
-              <a:t>&lt;div&gt;</a:t>
-            </a:r>
-            <a:endParaRPr lang="en-US" dirty="0" smtClean="0">
-              <a:solidFill>
-                <a:srgbClr val="F8F8F2"/>
-              </a:solidFill>
-              <a:latin typeface="Menlo"/>
-            </a:endParaRPr>
-          </a:p>
-          <a:p>
-            <a:r>
-              <a:rPr lang="en-US" dirty="0" smtClean="0">
-                <a:solidFill>
-                  <a:srgbClr val="F8F8F2"/>
-                </a:solidFill>
-                <a:latin typeface="Menlo"/>
-              </a:rPr>
-              <a:t>      </a:t>
-            </a:r>
-            <a:r>
-              <a:rPr lang="en-US" dirty="0" smtClean="0">
-                <a:solidFill>
-                  <a:srgbClr val="F92672"/>
-                </a:solidFill>
-                <a:latin typeface="Menlo"/>
-              </a:rPr>
-              <a:t>&lt;label</a:t>
-            </a:r>
-            <a:r>
-              <a:rPr lang="en-US" dirty="0" smtClean="0">
-                <a:solidFill>
-                  <a:srgbClr val="F8F8F2"/>
-                </a:solidFill>
-                <a:latin typeface="Menlo"/>
-              </a:rPr>
-              <a:t> </a:t>
-            </a:r>
-            <a:r>
-              <a:rPr lang="en-US" dirty="0" smtClean="0">
-                <a:solidFill>
-                  <a:srgbClr val="A6E22E"/>
-                </a:solidFill>
-                <a:latin typeface="Menlo"/>
-              </a:rPr>
-              <a:t>for=</a:t>
-            </a:r>
-            <a:r>
-              <a:rPr lang="en-US" dirty="0" smtClean="0">
-                <a:solidFill>
-                  <a:srgbClr val="E6DB74"/>
-                </a:solidFill>
-                <a:latin typeface="Menlo"/>
-              </a:rPr>
-              <a:t>"</a:t>
-            </a:r>
-            <a:r>
-              <a:rPr lang="en-US" dirty="0" err="1" smtClean="0">
-                <a:solidFill>
-                  <a:srgbClr val="E6DB74"/>
-                </a:solidFill>
-                <a:latin typeface="Menlo"/>
-              </a:rPr>
-              <a:t>lastName</a:t>
-            </a:r>
-            <a:r>
-              <a:rPr lang="en-US" dirty="0" smtClean="0">
-                <a:solidFill>
-                  <a:srgbClr val="E6DB74"/>
-                </a:solidFill>
-                <a:latin typeface="Menlo"/>
-              </a:rPr>
-              <a:t>"</a:t>
-            </a:r>
-            <a:r>
-              <a:rPr lang="en-US" dirty="0" smtClean="0">
-                <a:solidFill>
-                  <a:srgbClr val="F92672"/>
-                </a:solidFill>
-                <a:latin typeface="Menlo"/>
-              </a:rPr>
-              <a:t>&gt;</a:t>
-            </a:r>
-            <a:r>
-              <a:rPr lang="en-US" dirty="0" smtClean="0">
-                <a:solidFill>
-                  <a:srgbClr val="F8F8F2"/>
-                </a:solidFill>
-                <a:latin typeface="Menlo"/>
-              </a:rPr>
-              <a:t>Enter your last name: </a:t>
-            </a:r>
-            <a:r>
-              <a:rPr lang="en-US" dirty="0" smtClean="0">
-                <a:solidFill>
-                  <a:srgbClr val="F92672"/>
-                </a:solidFill>
-                <a:latin typeface="Menlo"/>
-              </a:rPr>
-              <a:t>&lt;/label&gt;</a:t>
-            </a:r>
-            <a:endParaRPr lang="en-US" dirty="0" smtClean="0">
-              <a:solidFill>
-                <a:srgbClr val="F8F8F2"/>
-              </a:solidFill>
-              <a:latin typeface="Menlo"/>
-            </a:endParaRPr>
-          </a:p>
-          <a:p>
-            <a:r>
-              <a:rPr lang="en-US" dirty="0" smtClean="0">
-                <a:solidFill>
-                  <a:srgbClr val="F8F8F2"/>
-                </a:solidFill>
-                <a:latin typeface="Menlo"/>
-              </a:rPr>
-              <a:t>      </a:t>
-            </a:r>
-            <a:r>
-              <a:rPr lang="en-US" dirty="0" smtClean="0">
-                <a:solidFill>
-                  <a:srgbClr val="F92672"/>
-                </a:solidFill>
-                <a:latin typeface="Menlo"/>
-              </a:rPr>
-              <a:t>&lt;input</a:t>
-            </a:r>
-            <a:r>
-              <a:rPr lang="en-US" dirty="0" smtClean="0">
-                <a:solidFill>
-                  <a:srgbClr val="F8F8F2"/>
-                </a:solidFill>
-                <a:latin typeface="Menlo"/>
-              </a:rPr>
-              <a:t> </a:t>
-            </a:r>
-            <a:r>
-              <a:rPr lang="en-US" dirty="0" smtClean="0">
-                <a:solidFill>
-                  <a:srgbClr val="A6E22E"/>
-                </a:solidFill>
-                <a:latin typeface="Menlo"/>
-              </a:rPr>
-              <a:t>type=</a:t>
-            </a:r>
-            <a:r>
-              <a:rPr lang="en-US" dirty="0" smtClean="0">
-                <a:solidFill>
-                  <a:srgbClr val="E6DB74"/>
-                </a:solidFill>
-                <a:latin typeface="Menlo"/>
-              </a:rPr>
-              <a:t>"text"</a:t>
-            </a:r>
-            <a:r>
-              <a:rPr lang="en-US" dirty="0" smtClean="0">
-                <a:solidFill>
-                  <a:srgbClr val="F8F8F2"/>
-                </a:solidFill>
-                <a:latin typeface="Menlo"/>
-              </a:rPr>
-              <a:t> </a:t>
-            </a:r>
-            <a:r>
-              <a:rPr lang="en-US" dirty="0" smtClean="0">
-                <a:solidFill>
-                  <a:srgbClr val="A6E22E"/>
-                </a:solidFill>
-                <a:latin typeface="Menlo"/>
-              </a:rPr>
-              <a:t>id=</a:t>
-            </a:r>
-            <a:r>
-              <a:rPr lang="en-US" dirty="0" smtClean="0">
-                <a:solidFill>
-                  <a:srgbClr val="E6DB74"/>
-                </a:solidFill>
-                <a:latin typeface="Menlo"/>
-              </a:rPr>
-              <a:t>"</a:t>
-            </a:r>
-            <a:r>
-              <a:rPr lang="en-US" dirty="0" err="1" smtClean="0">
-                <a:solidFill>
-                  <a:srgbClr val="E6DB74"/>
-                </a:solidFill>
-                <a:latin typeface="Menlo"/>
-              </a:rPr>
-              <a:t>lastName</a:t>
-            </a:r>
-            <a:r>
-              <a:rPr lang="en-US" dirty="0" smtClean="0">
-                <a:solidFill>
-                  <a:srgbClr val="E6DB74"/>
-                </a:solidFill>
-                <a:latin typeface="Menlo"/>
-              </a:rPr>
-              <a:t>"</a:t>
-            </a:r>
-            <a:r>
-              <a:rPr lang="en-US" dirty="0" smtClean="0">
-                <a:solidFill>
-                  <a:srgbClr val="F8F8F2"/>
-                </a:solidFill>
-                <a:latin typeface="Menlo"/>
-              </a:rPr>
-              <a:t> </a:t>
-            </a:r>
-            <a:r>
-              <a:rPr lang="en-US" dirty="0" err="1" smtClean="0">
-                <a:solidFill>
-                  <a:srgbClr val="A6E22E"/>
-                </a:solidFill>
-                <a:latin typeface="Menlo"/>
-              </a:rPr>
-              <a:t>ng</a:t>
-            </a:r>
-            <a:r>
-              <a:rPr lang="en-US" dirty="0" smtClean="0">
-                <a:solidFill>
-                  <a:srgbClr val="A6E22E"/>
-                </a:solidFill>
-                <a:latin typeface="Menlo"/>
-              </a:rPr>
-              <a:t>-model=</a:t>
-            </a:r>
-            <a:r>
-              <a:rPr lang="en-US" dirty="0" smtClean="0">
-                <a:solidFill>
-                  <a:srgbClr val="E6DB74"/>
-                </a:solidFill>
-                <a:latin typeface="Menlo"/>
-              </a:rPr>
-              <a:t>"</a:t>
-            </a:r>
-            <a:r>
-              <a:rPr lang="en-US" dirty="0" err="1" smtClean="0">
-                <a:solidFill>
-                  <a:srgbClr val="E6DB74"/>
-                </a:solidFill>
-                <a:latin typeface="Menlo"/>
-              </a:rPr>
-              <a:t>model.lastName</a:t>
-            </a:r>
-            <a:r>
-              <a:rPr lang="en-US" dirty="0" smtClean="0">
-                <a:solidFill>
-                  <a:srgbClr val="E6DB74"/>
-                </a:solidFill>
-                <a:latin typeface="Menlo"/>
-              </a:rPr>
-              <a:t>"</a:t>
-            </a:r>
-            <a:r>
-              <a:rPr lang="en-US" dirty="0" smtClean="0">
-                <a:solidFill>
-                  <a:srgbClr val="F8F8F2"/>
-                </a:solidFill>
-                <a:latin typeface="Menlo"/>
-              </a:rPr>
-              <a:t> </a:t>
-            </a:r>
-            <a:r>
-              <a:rPr lang="en-US" dirty="0" smtClean="0">
-                <a:solidFill>
-                  <a:srgbClr val="A6E22E"/>
-                </a:solidFill>
-                <a:latin typeface="Menlo"/>
-              </a:rPr>
-              <a:t>required</a:t>
-            </a:r>
-            <a:r>
-              <a:rPr lang="en-US" dirty="0" smtClean="0">
-                <a:solidFill>
-                  <a:srgbClr val="F92672"/>
-                </a:solidFill>
-                <a:latin typeface="Menlo"/>
-              </a:rPr>
-              <a:t>/&gt;</a:t>
-            </a:r>
-            <a:endParaRPr lang="en-US" dirty="0" smtClean="0">
-              <a:solidFill>
-                <a:srgbClr val="F8F8F2"/>
-              </a:solidFill>
-              <a:latin typeface="Menlo"/>
-            </a:endParaRPr>
-          </a:p>
-          <a:p>
-            <a:r>
-              <a:rPr lang="en-US" dirty="0" smtClean="0">
-                <a:solidFill>
-                  <a:srgbClr val="F8F8F2"/>
-                </a:solidFill>
-                <a:latin typeface="Menlo"/>
-              </a:rPr>
-              <a:t>    </a:t>
-            </a:r>
-            <a:r>
-              <a:rPr lang="en-US" dirty="0" smtClean="0">
-                <a:solidFill>
-                  <a:srgbClr val="F92672"/>
-                </a:solidFill>
-                <a:latin typeface="Menlo"/>
-              </a:rPr>
-              <a:t>&lt;/div&gt;</a:t>
-            </a:r>
-            <a:endParaRPr lang="en-US" dirty="0" smtClean="0">
-              <a:solidFill>
-                <a:srgbClr val="F8F8F2"/>
-              </a:solidFill>
-              <a:latin typeface="Menlo"/>
-            </a:endParaRPr>
-          </a:p>
-          <a:p>
-            <a:r>
-              <a:rPr lang="en-US" dirty="0" smtClean="0">
-                <a:solidFill>
-                  <a:srgbClr val="F8F8F2"/>
-                </a:solidFill>
-                <a:latin typeface="Menlo"/>
-              </a:rPr>
-              <a:t>    </a:t>
-            </a:r>
-            <a:r>
-              <a:rPr lang="en-US" dirty="0" smtClean="0">
-                <a:solidFill>
-                  <a:srgbClr val="F92672"/>
-                </a:solidFill>
-                <a:latin typeface="Menlo"/>
-              </a:rPr>
-              <a:t>&lt;button </a:t>
-            </a:r>
-            <a:r>
-              <a:rPr lang="en-US" dirty="0" smtClean="0">
-                <a:solidFill>
-                  <a:srgbClr val="A6E22E"/>
-                </a:solidFill>
-                <a:latin typeface="Menlo"/>
-              </a:rPr>
-              <a:t>type</a:t>
-            </a:r>
-            <a:r>
-              <a:rPr lang="en-US" dirty="0" smtClean="0">
-                <a:solidFill>
-                  <a:srgbClr val="F8F8F2"/>
-                </a:solidFill>
-                <a:latin typeface="Menlo"/>
-              </a:rPr>
-              <a:t>=</a:t>
-            </a:r>
-            <a:r>
-              <a:rPr lang="en-US" dirty="0">
-                <a:solidFill>
-                  <a:srgbClr val="F8F8F2"/>
-                </a:solidFill>
-                <a:latin typeface="Menlo"/>
-              </a:rPr>
-              <a:t>"</a:t>
-            </a:r>
-            <a:r>
-              <a:rPr lang="en-US" dirty="0" smtClean="0">
-                <a:solidFill>
-                  <a:srgbClr val="E6DB74"/>
-                </a:solidFill>
-                <a:latin typeface="Menlo"/>
-              </a:rPr>
-              <a:t>submit</a:t>
-            </a:r>
-            <a:r>
-              <a:rPr lang="en-US" dirty="0" smtClean="0">
-                <a:solidFill>
-                  <a:srgbClr val="F8F8F2"/>
-                </a:solidFill>
-                <a:latin typeface="Menlo"/>
-              </a:rPr>
-              <a:t>" </a:t>
-            </a:r>
-            <a:r>
-              <a:rPr lang="en-US" dirty="0" err="1" smtClean="0">
-                <a:solidFill>
-                  <a:srgbClr val="A6E22E"/>
-                </a:solidFill>
-                <a:latin typeface="Menlo"/>
-              </a:rPr>
-              <a:t>ng</a:t>
-            </a:r>
-            <a:r>
-              <a:rPr lang="en-US" dirty="0" smtClean="0">
-                <a:solidFill>
-                  <a:srgbClr val="A6E22E"/>
-                </a:solidFill>
-                <a:latin typeface="Menlo"/>
-              </a:rPr>
-              <a:t>-disabled=</a:t>
-            </a:r>
-            <a:r>
-              <a:rPr lang="en-US" dirty="0" smtClean="0">
-                <a:solidFill>
-                  <a:srgbClr val="F8F8F2"/>
-                </a:solidFill>
-                <a:latin typeface="Menlo"/>
-              </a:rPr>
-              <a:t>"</a:t>
-            </a:r>
-            <a:r>
-              <a:rPr lang="en-US" dirty="0" err="1" smtClean="0">
-                <a:solidFill>
-                  <a:srgbClr val="E6DB74"/>
-                </a:solidFill>
-                <a:latin typeface="Menlo"/>
-              </a:rPr>
-              <a:t>myForm</a:t>
-            </a:r>
-            <a:r>
-              <a:rPr lang="en-US" dirty="0" smtClean="0">
-                <a:solidFill>
-                  <a:srgbClr val="E6DB74"/>
-                </a:solidFill>
-                <a:latin typeface="Menlo"/>
-              </a:rPr>
-              <a:t>.$invalid</a:t>
-            </a:r>
-            <a:r>
-              <a:rPr lang="en-US" dirty="0" smtClean="0">
-                <a:solidFill>
-                  <a:srgbClr val="F8F8F2"/>
-                </a:solidFill>
-                <a:latin typeface="Menlo"/>
-              </a:rPr>
-              <a:t>"</a:t>
-            </a:r>
-            <a:r>
-              <a:rPr lang="en-US" dirty="0">
-                <a:solidFill>
-                  <a:srgbClr val="F8F8F2"/>
-                </a:solidFill>
-                <a:latin typeface="Menlo"/>
-              </a:rPr>
-              <a:t>&gt;Create User</a:t>
-            </a:r>
-            <a:r>
-              <a:rPr lang="en-US" dirty="0">
-                <a:solidFill>
-                  <a:srgbClr val="F92672"/>
-                </a:solidFill>
-                <a:latin typeface="Menlo"/>
-              </a:rPr>
-              <a:t>&lt;/button&gt;</a:t>
-            </a:r>
-            <a:endParaRPr lang="en-US" dirty="0">
-              <a:solidFill>
-                <a:srgbClr val="F8F8F2"/>
-              </a:solidFill>
-              <a:latin typeface="Menlo"/>
-            </a:endParaRPr>
-          </a:p>
-          <a:p>
-            <a:r>
-              <a:rPr lang="en-US" dirty="0" smtClean="0">
-                <a:solidFill>
-                  <a:srgbClr val="F8F8F2"/>
-                </a:solidFill>
-                <a:latin typeface="Menlo"/>
-              </a:rPr>
-              <a:t> </a:t>
-            </a:r>
-            <a:r>
-              <a:rPr lang="en-US" dirty="0" smtClean="0">
-                <a:solidFill>
-                  <a:srgbClr val="F92672"/>
-                </a:solidFill>
-                <a:latin typeface="Menlo"/>
-              </a:rPr>
-              <a:t>&lt;/form&gt;</a:t>
-            </a:r>
-            <a:endParaRPr lang="en-US" dirty="0">
-              <a:solidFill>
-                <a:srgbClr val="F8F8F2"/>
-              </a:solidFill>
-              <a:latin typeface="Menlo"/>
-            </a:endParaRPr>
-          </a:p>
-        </p:txBody>
-      </p:sp>
-    </p:spTree>
-    <p:extLst>
-      <p:ext uri="{BB962C8B-B14F-4D97-AF65-F5344CB8AC3E}">
-        <p14:creationId xmlns:p14="http://schemas.microsoft.com/office/powerpoint/2010/main" val="236983855"/>
-      </p:ext>
-    </p:extLst>
-  </p:cSld>
-  <p:clrMapOvr>
-    <a:masterClrMapping/>
-  </p:clrMapOvr>
-</p:sld>
-</file>
-
-<file path=ppt/slides/slide45.xml><?xml version="1.0" encoding="utf-8"?>
-<p:sld xmlns:a="http://schemas.openxmlformats.org/drawingml/2006/main" xmlns:r="http://schemas.openxmlformats.org/officeDocument/2006/relationships" xmlns:p="http://schemas.openxmlformats.org/presentationml/2006/main">
-  <p:cSld>
-    <p:spTree>
-      <p:nvGrpSpPr>
-        <p:cNvPr id="1" name=""/>
-        <p:cNvGrpSpPr/>
-        <p:nvPr/>
-      </p:nvGrpSpPr>
-      <p:grpSpPr>
-        <a:xfrm>
-          <a:off x="0" y="0"/>
-          <a:ext cx="0" cy="0"/>
-          <a:chOff x="0" y="0"/>
-          <a:chExt cx="0" cy="0"/>
-        </a:xfrm>
-      </p:grpSpPr>
-      <p:sp>
-        <p:nvSpPr>
-          <p:cNvPr id="2" name="Title 1"/>
-          <p:cNvSpPr>
-            <a:spLocks noGrp="1"/>
-          </p:cNvSpPr>
-          <p:nvPr>
-            <p:ph type="title"/>
-          </p:nvPr>
-        </p:nvSpPr>
-        <p:spPr/>
-        <p:txBody>
-          <a:bodyPr/>
-          <a:lstStyle/>
-          <a:p>
-            <a:r>
-              <a:rPr lang="en-US" dirty="0" smtClean="0"/>
-              <a:t>// TODO</a:t>
-            </a:r>
-            <a:endParaRPr lang="en-US" dirty="0"/>
-          </a:p>
-        </p:txBody>
-      </p:sp>
-      <p:sp>
-        <p:nvSpPr>
-          <p:cNvPr id="3" name="Content Placeholder 2"/>
-          <p:cNvSpPr>
-            <a:spLocks noGrp="1"/>
-          </p:cNvSpPr>
-          <p:nvPr>
-            <p:ph idx="1"/>
-          </p:nvPr>
-        </p:nvSpPr>
-        <p:spPr/>
-        <p:txBody>
-          <a:bodyPr/>
-          <a:lstStyle/>
-          <a:p>
-            <a:r>
-              <a:rPr lang="en-US" dirty="0" smtClean="0"/>
-              <a:t>Add new controller for form example (</a:t>
-            </a:r>
-            <a:r>
-              <a:rPr lang="en-US" dirty="0" err="1" smtClean="0"/>
-              <a:t>MyFormController</a:t>
-            </a:r>
-            <a:r>
-              <a:rPr lang="en-US" dirty="0" smtClean="0"/>
-              <a:t>)</a:t>
-            </a:r>
-          </a:p>
-          <a:p>
-            <a:r>
-              <a:rPr lang="en-US" dirty="0" smtClean="0"/>
-              <a:t>Add form element with inputs for first and last name</a:t>
-            </a:r>
-          </a:p>
-          <a:p>
-            <a:r>
-              <a:rPr lang="en-US" dirty="0" smtClean="0"/>
-              <a:t>Add handler for submit event</a:t>
-            </a:r>
-          </a:p>
-          <a:p>
-            <a:pPr lvl="1"/>
-            <a:r>
-              <a:rPr lang="en-US" dirty="0" smtClean="0"/>
-              <a:t>Submit should accept first and last name as arguments</a:t>
-            </a:r>
-          </a:p>
-          <a:p>
-            <a:pPr lvl="1"/>
-            <a:r>
-              <a:rPr lang="en-US" dirty="0" smtClean="0"/>
-              <a:t>Submit should call $</a:t>
-            </a:r>
-            <a:r>
-              <a:rPr lang="en-US" dirty="0" err="1" smtClean="0"/>
-              <a:t>window.alert</a:t>
-            </a:r>
-            <a:r>
-              <a:rPr lang="en-US" dirty="0" smtClean="0"/>
-              <a:t> with the first and last name</a:t>
-            </a:r>
-          </a:p>
-          <a:p>
-            <a:r>
-              <a:rPr lang="en-US" dirty="0" smtClean="0"/>
-              <a:t>Style input based on state (</a:t>
-            </a:r>
-            <a:r>
-              <a:rPr lang="en-US" dirty="0" err="1" smtClean="0"/>
-              <a:t>ng</a:t>
-            </a:r>
-            <a:r>
-              <a:rPr lang="en-US" dirty="0" smtClean="0"/>
-              <a:t>-valid, </a:t>
-            </a:r>
-            <a:r>
-              <a:rPr lang="en-US" dirty="0" err="1" smtClean="0"/>
-              <a:t>ng</a:t>
-            </a:r>
-            <a:r>
-              <a:rPr lang="en-US" dirty="0" smtClean="0"/>
-              <a:t>-invalid + </a:t>
-            </a:r>
-            <a:r>
-              <a:rPr lang="en-US" dirty="0" err="1" smtClean="0"/>
-              <a:t>ng</a:t>
-            </a:r>
-            <a:r>
-              <a:rPr lang="en-US" dirty="0" smtClean="0"/>
-              <a:t>-dirty)</a:t>
-            </a:r>
-          </a:p>
-          <a:p>
-            <a:r>
-              <a:rPr lang="en-US" dirty="0" smtClean="0"/>
-              <a:t>Enable button based on state</a:t>
-            </a:r>
-            <a:endParaRPr lang="en-US" dirty="0"/>
-          </a:p>
-        </p:txBody>
-      </p:sp>
-    </p:spTree>
-    <p:extLst>
-      <p:ext uri="{BB962C8B-B14F-4D97-AF65-F5344CB8AC3E}">
-        <p14:creationId xmlns:p14="http://schemas.microsoft.com/office/powerpoint/2010/main" val="2169689223"/>
-      </p:ext>
-    </p:extLst>
-  </p:cSld>
-  <p:clrMapOvr>
-    <a:masterClrMapping/>
-  </p:clrMapOvr>
-</p:sld>
-</file>
-
-<file path=ppt/slides/slide46.xml><?xml version="1.0" encoding="utf-8"?>
-<p:sld xmlns:a="http://schemas.openxmlformats.org/drawingml/2006/main" xmlns:r="http://schemas.openxmlformats.org/officeDocument/2006/relationships" xmlns:p="http://schemas.openxmlformats.org/presentationml/2006/main">
-  <p:cSld>
-    <p:spTree>
-      <p:nvGrpSpPr>
-        <p:cNvPr id="1" name=""/>
-        <p:cNvGrpSpPr/>
-        <p:nvPr/>
-      </p:nvGrpSpPr>
-      <p:grpSpPr>
-        <a:xfrm>
-          <a:off x="0" y="0"/>
-          <a:ext cx="0" cy="0"/>
-          <a:chOff x="0" y="0"/>
-          <a:chExt cx="0" cy="0"/>
-        </a:xfrm>
-      </p:grpSpPr>
-      <p:sp>
-        <p:nvSpPr>
-          <p:cNvPr id="2" name="Title 1"/>
-          <p:cNvSpPr>
-            <a:spLocks noGrp="1"/>
-          </p:cNvSpPr>
-          <p:nvPr>
-            <p:ph type="title"/>
-          </p:nvPr>
-        </p:nvSpPr>
-        <p:spPr/>
-        <p:txBody>
-          <a:bodyPr/>
-          <a:lstStyle/>
-          <a:p>
-            <a:r>
-              <a:rPr lang="en-US" dirty="0" smtClean="0"/>
-              <a:t>Checkpoint</a:t>
-            </a:r>
-            <a:endParaRPr lang="en-US" dirty="0"/>
-          </a:p>
-        </p:txBody>
-      </p:sp>
-      <p:sp>
-        <p:nvSpPr>
-          <p:cNvPr id="3" name="Content Placeholder 2"/>
-          <p:cNvSpPr>
-            <a:spLocks noGrp="1"/>
-          </p:cNvSpPr>
-          <p:nvPr>
-            <p:ph idx="1"/>
-          </p:nvPr>
-        </p:nvSpPr>
-        <p:spPr/>
-        <p:txBody>
-          <a:bodyPr/>
-          <a:lstStyle/>
-          <a:p>
-            <a:r>
-              <a:rPr lang="en-US" dirty="0" err="1"/>
-              <a:t>git</a:t>
-            </a:r>
-            <a:r>
-              <a:rPr lang="en-US" dirty="0"/>
-              <a:t> checkout -f day-1/step</a:t>
-            </a:r>
-            <a:r>
-              <a:rPr lang="en-US" dirty="0" smtClean="0"/>
-              <a:t>-5</a:t>
-            </a:r>
-            <a:endParaRPr lang="en-US" dirty="0"/>
-          </a:p>
-        </p:txBody>
-      </p:sp>
-    </p:spTree>
-    <p:extLst>
-      <p:ext uri="{BB962C8B-B14F-4D97-AF65-F5344CB8AC3E}">
-        <p14:creationId xmlns:p14="http://schemas.microsoft.com/office/powerpoint/2010/main" val="2883558216"/>
-      </p:ext>
-    </p:extLst>
-  </p:cSld>
-  <p:clrMapOvr>
-    <a:masterClrMapping/>
-  </p:clrMapOvr>
-</p:sld>
-</file>
-
-<file path=ppt/slides/slide47.xml><?xml version="1.0" encoding="utf-8"?>
-<p:sld xmlns:a="http://schemas.openxmlformats.org/drawingml/2006/main" xmlns:r="http://schemas.openxmlformats.org/officeDocument/2006/relationships" xmlns:p="http://schemas.openxmlformats.org/presentationml/2006/main">
-  <p:cSld>
-    <p:spTree>
-      <p:nvGrpSpPr>
-        <p:cNvPr id="1" name=""/>
-        <p:cNvGrpSpPr/>
-        <p:nvPr/>
-      </p:nvGrpSpPr>
-      <p:grpSpPr>
-        <a:xfrm>
-          <a:off x="0" y="0"/>
-          <a:ext cx="0" cy="0"/>
-          <a:chOff x="0" y="0"/>
-          <a:chExt cx="0" cy="0"/>
-        </a:xfrm>
-      </p:grpSpPr>
-      <p:sp>
-        <p:nvSpPr>
-          <p:cNvPr id="2" name="Title 1"/>
-          <p:cNvSpPr>
-            <a:spLocks noGrp="1"/>
-          </p:cNvSpPr>
-          <p:nvPr>
-            <p:ph type="title"/>
-          </p:nvPr>
-        </p:nvSpPr>
-        <p:spPr/>
-        <p:txBody>
-          <a:bodyPr/>
-          <a:lstStyle/>
-          <a:p>
-            <a:r>
-              <a:rPr lang="en-US" dirty="0" smtClean="0"/>
-              <a:t>Review</a:t>
-            </a:r>
-            <a:endParaRPr lang="en-US" dirty="0"/>
-          </a:p>
-        </p:txBody>
-      </p:sp>
-      <p:sp>
-        <p:nvSpPr>
-          <p:cNvPr id="3" name="Content Placeholder 2"/>
-          <p:cNvSpPr>
-            <a:spLocks noGrp="1"/>
-          </p:cNvSpPr>
-          <p:nvPr>
-            <p:ph idx="1"/>
-          </p:nvPr>
-        </p:nvSpPr>
-        <p:spPr/>
-        <p:txBody>
-          <a:bodyPr>
-            <a:normAutofit fontScale="85000" lnSpcReduction="20000"/>
-          </a:bodyPr>
-          <a:lstStyle/>
-          <a:p>
-            <a:r>
-              <a:rPr lang="en-US" dirty="0"/>
-              <a:t>Application Bootstrap</a:t>
-            </a:r>
-          </a:p>
-          <a:p>
-            <a:r>
-              <a:rPr lang="en-US" dirty="0"/>
-              <a:t>Static Templates</a:t>
-            </a:r>
-          </a:p>
-          <a:p>
-            <a:r>
-              <a:rPr lang="en-US" dirty="0"/>
-              <a:t>Root Scope</a:t>
-            </a:r>
-          </a:p>
-          <a:p>
-            <a:r>
-              <a:rPr lang="en-US" dirty="0"/>
-              <a:t>Dynamic Templates</a:t>
-            </a:r>
-          </a:p>
-          <a:p>
-            <a:r>
-              <a:rPr lang="en-US" dirty="0"/>
-              <a:t>Controllers</a:t>
-            </a:r>
-          </a:p>
-          <a:p>
-            <a:r>
-              <a:rPr lang="en-US" dirty="0"/>
-              <a:t>Directives</a:t>
-            </a:r>
-          </a:p>
-          <a:p>
-            <a:r>
-              <a:rPr lang="en-US" dirty="0"/>
-              <a:t>Data Binding</a:t>
-            </a:r>
-          </a:p>
-          <a:p>
-            <a:r>
-              <a:rPr lang="en-US" dirty="0"/>
-              <a:t>Event Handling</a:t>
-            </a:r>
-          </a:p>
-          <a:p>
-            <a:r>
-              <a:rPr lang="en-US" dirty="0"/>
-              <a:t>Forms</a:t>
-            </a:r>
-          </a:p>
-        </p:txBody>
-      </p:sp>
-    </p:spTree>
-    <p:extLst>
-      <p:ext uri="{BB962C8B-B14F-4D97-AF65-F5344CB8AC3E}">
-        <p14:creationId xmlns:p14="http://schemas.microsoft.com/office/powerpoint/2010/main" val="300911187"/>
-      </p:ext>
-    </p:extLst>
-  </p:cSld>
-  <p:clrMapOvr>
-    <a:masterClrMapping/>
-  </p:clrMapOvr>
 </p:sld>
 </file>
 
